--- a/minda-barcoding/results/FIGURES/Figs.pptx
+++ b/minda-barcoding/results/FIGURES/Figs.pptx
@@ -5,8 +5,8 @@
     <p:sldMasterId id="2147483660" r:id="rId1"/>
   </p:sldMasterIdLst>
   <p:sldIdLst>
-    <p:sldId id="256" r:id="rId2"/>
-    <p:sldId id="257" r:id="rId3"/>
+    <p:sldId id="258" r:id="rId2"/>
+    <p:sldId id="259" r:id="rId3"/>
   </p:sldIdLst>
   <p:sldSz cx="6858000" cy="9906000" type="A4"/>
   <p:notesSz cx="6858000" cy="9144000"/>
@@ -244,7 +244,7 @@
           <a:p>
             <a:fld id="{4E8A9C9A-52FE-4EC7-9639-471277F89EDC}" type="datetimeFigureOut">
               <a:rPr lang="en-PH" smtClean="0"/>
-              <a:t>17/09/2023</a:t>
+              <a:t>08/10/2023</a:t>
             </a:fld>
             <a:endParaRPr lang="en-PH"/>
           </a:p>
@@ -414,7 +414,7 @@
           <a:p>
             <a:fld id="{4E8A9C9A-52FE-4EC7-9639-471277F89EDC}" type="datetimeFigureOut">
               <a:rPr lang="en-PH" smtClean="0"/>
-              <a:t>17/09/2023</a:t>
+              <a:t>08/10/2023</a:t>
             </a:fld>
             <a:endParaRPr lang="en-PH"/>
           </a:p>
@@ -594,7 +594,7 @@
           <a:p>
             <a:fld id="{4E8A9C9A-52FE-4EC7-9639-471277F89EDC}" type="datetimeFigureOut">
               <a:rPr lang="en-PH" smtClean="0"/>
-              <a:t>17/09/2023</a:t>
+              <a:t>08/10/2023</a:t>
             </a:fld>
             <a:endParaRPr lang="en-PH"/>
           </a:p>
@@ -764,7 +764,7 @@
           <a:p>
             <a:fld id="{4E8A9C9A-52FE-4EC7-9639-471277F89EDC}" type="datetimeFigureOut">
               <a:rPr lang="en-PH" smtClean="0"/>
-              <a:t>17/09/2023</a:t>
+              <a:t>08/10/2023</a:t>
             </a:fld>
             <a:endParaRPr lang="en-PH"/>
           </a:p>
@@ -1008,7 +1008,7 @@
           <a:p>
             <a:fld id="{4E8A9C9A-52FE-4EC7-9639-471277F89EDC}" type="datetimeFigureOut">
               <a:rPr lang="en-PH" smtClean="0"/>
-              <a:t>17/09/2023</a:t>
+              <a:t>08/10/2023</a:t>
             </a:fld>
             <a:endParaRPr lang="en-PH"/>
           </a:p>
@@ -1240,7 +1240,7 @@
           <a:p>
             <a:fld id="{4E8A9C9A-52FE-4EC7-9639-471277F89EDC}" type="datetimeFigureOut">
               <a:rPr lang="en-PH" smtClean="0"/>
-              <a:t>17/09/2023</a:t>
+              <a:t>08/10/2023</a:t>
             </a:fld>
             <a:endParaRPr lang="en-PH"/>
           </a:p>
@@ -1607,7 +1607,7 @@
           <a:p>
             <a:fld id="{4E8A9C9A-52FE-4EC7-9639-471277F89EDC}" type="datetimeFigureOut">
               <a:rPr lang="en-PH" smtClean="0"/>
-              <a:t>17/09/2023</a:t>
+              <a:t>08/10/2023</a:t>
             </a:fld>
             <a:endParaRPr lang="en-PH"/>
           </a:p>
@@ -1725,7 +1725,7 @@
           <a:p>
             <a:fld id="{4E8A9C9A-52FE-4EC7-9639-471277F89EDC}" type="datetimeFigureOut">
               <a:rPr lang="en-PH" smtClean="0"/>
-              <a:t>17/09/2023</a:t>
+              <a:t>08/10/2023</a:t>
             </a:fld>
             <a:endParaRPr lang="en-PH"/>
           </a:p>
@@ -1820,7 +1820,7 @@
           <a:p>
             <a:fld id="{4E8A9C9A-52FE-4EC7-9639-471277F89EDC}" type="datetimeFigureOut">
               <a:rPr lang="en-PH" smtClean="0"/>
-              <a:t>17/09/2023</a:t>
+              <a:t>08/10/2023</a:t>
             </a:fld>
             <a:endParaRPr lang="en-PH"/>
           </a:p>
@@ -2097,7 +2097,7 @@
           <a:p>
             <a:fld id="{4E8A9C9A-52FE-4EC7-9639-471277F89EDC}" type="datetimeFigureOut">
               <a:rPr lang="en-PH" smtClean="0"/>
-              <a:t>17/09/2023</a:t>
+              <a:t>08/10/2023</a:t>
             </a:fld>
             <a:endParaRPr lang="en-PH"/>
           </a:p>
@@ -2354,7 +2354,7 @@
           <a:p>
             <a:fld id="{4E8A9C9A-52FE-4EC7-9639-471277F89EDC}" type="datetimeFigureOut">
               <a:rPr lang="en-PH" smtClean="0"/>
-              <a:t>17/09/2023</a:t>
+              <a:t>08/10/2023</a:t>
             </a:fld>
             <a:endParaRPr lang="en-PH"/>
           </a:p>
@@ -2567,7 +2567,7 @@
           <a:p>
             <a:fld id="{4E8A9C9A-52FE-4EC7-9639-471277F89EDC}" type="datetimeFigureOut">
               <a:rPr lang="en-PH" smtClean="0"/>
-              <a:t>17/09/2023</a:t>
+              <a:t>08/10/2023</a:t>
             </a:fld>
             <a:endParaRPr lang="en-PH"/>
           </a:p>
@@ -2974,10 +2974,10 @@
       </p:grpSpPr>
       <p:grpSp>
         <p:nvGrpSpPr>
-          <p:cNvPr id="2" name="Group 1">
+          <p:cNvPr id="70" name="Group 69">
             <a:extLst>
               <a:ext uri="{FF2B5EF4-FFF2-40B4-BE49-F238E27FC236}">
-                <a16:creationId xmlns:a16="http://schemas.microsoft.com/office/drawing/2014/main" id="{3E834A50-BF3F-3288-2C04-5546B6A31BE3}"/>
+                <a16:creationId xmlns:a16="http://schemas.microsoft.com/office/drawing/2014/main" id="{072F593B-A2BB-D597-3532-23CF7D596A38}"/>
               </a:ext>
             </a:extLst>
           </p:cNvPr>
@@ -2986,18 +2986,18 @@
         </p:nvGrpSpPr>
         <p:grpSpPr>
           <a:xfrm>
-            <a:off x="152706" y="159071"/>
-            <a:ext cx="6391438" cy="6119668"/>
-            <a:chOff x="152706" y="159071"/>
-            <a:chExt cx="6391438" cy="6119668"/>
+            <a:off x="48261" y="291828"/>
+            <a:ext cx="6787724" cy="2437109"/>
+            <a:chOff x="48261" y="291828"/>
+            <a:chExt cx="6787724" cy="2437109"/>
           </a:xfrm>
         </p:grpSpPr>
         <p:pic>
           <p:nvPicPr>
-            <p:cNvPr id="81" name="Picture 80">
+            <p:cNvPr id="23" name="Picture 22">
               <a:extLst>
                 <a:ext uri="{FF2B5EF4-FFF2-40B4-BE49-F238E27FC236}">
-                  <a16:creationId xmlns:a16="http://schemas.microsoft.com/office/drawing/2014/main" id="{2941A437-3125-8697-D792-F711B4C163E5}"/>
+                  <a16:creationId xmlns:a16="http://schemas.microsoft.com/office/drawing/2014/main" id="{2857C67A-2A64-E17D-3724-5A9AC2DCCFCF}"/>
                 </a:ext>
               </a:extLst>
             </p:cNvPr>
@@ -3007,26 +3007,15 @@
             <p:nvPr/>
           </p:nvPicPr>
           <p:blipFill>
-            <a:blip r:embed="rId2">
-              <a:clrChange>
-                <a:clrFrom>
-                  <a:srgbClr val="FFFFFF"/>
-                </a:clrFrom>
-                <a:clrTo>
-                  <a:srgbClr val="FFFFFF">
-                    <a:alpha val="0"/>
-                  </a:srgbClr>
-                </a:clrTo>
-              </a:clrChange>
-            </a:blip>
+            <a:blip r:embed="rId2"/>
             <a:stretch>
               <a:fillRect/>
             </a:stretch>
           </p:blipFill>
           <p:spPr>
             <a:xfrm>
-              <a:off x="254557" y="3752970"/>
-              <a:ext cx="3199307" cy="2525769"/>
+              <a:off x="87007" y="540887"/>
+              <a:ext cx="3199306" cy="2188050"/>
             </a:xfrm>
             <a:prstGeom prst="rect">
               <a:avLst/>
@@ -3035,10 +3024,10 @@
         </p:pic>
         <p:pic>
           <p:nvPicPr>
-            <p:cNvPr id="59" name="Picture 58">
+            <p:cNvPr id="17" name="Picture 16">
               <a:extLst>
                 <a:ext uri="{FF2B5EF4-FFF2-40B4-BE49-F238E27FC236}">
-                  <a16:creationId xmlns:a16="http://schemas.microsoft.com/office/drawing/2014/main" id="{34F61592-9748-D24B-7753-0F1F743F5B9C}"/>
+                  <a16:creationId xmlns:a16="http://schemas.microsoft.com/office/drawing/2014/main" id="{705EA2AD-601C-3DC8-0ABA-E827BDCE5266}"/>
                 </a:ext>
               </a:extLst>
             </p:cNvPr>
@@ -3047,191 +3036,15 @@
             </p:cNvPicPr>
             <p:nvPr/>
           </p:nvPicPr>
-          <p:blipFill>
-            <a:blip r:embed="rId3">
-              <a:clrChange>
-                <a:clrFrom>
-                  <a:srgbClr val="FFFFFF"/>
-                </a:clrFrom>
-                <a:clrTo>
-                  <a:srgbClr val="FFFFFF">
-                    <a:alpha val="0"/>
-                  </a:srgbClr>
-                </a:clrTo>
-              </a:clrChange>
-            </a:blip>
-            <a:stretch>
-              <a:fillRect/>
-            </a:stretch>
+          <p:blipFill rotWithShape="1">
+            <a:blip r:embed="rId3"/>
+            <a:srcRect r="7244"/>
+            <a:stretch/>
           </p:blipFill>
           <p:spPr>
             <a:xfrm>
-              <a:off x="3609181" y="2305654"/>
-              <a:ext cx="2908461" cy="1526195"/>
-            </a:xfrm>
-            <a:prstGeom prst="rect">
-              <a:avLst/>
-            </a:prstGeom>
-          </p:spPr>
-        </p:pic>
-        <p:pic>
-          <p:nvPicPr>
-            <p:cNvPr id="51" name="Picture 50">
-              <a:extLst>
-                <a:ext uri="{FF2B5EF4-FFF2-40B4-BE49-F238E27FC236}">
-                  <a16:creationId xmlns:a16="http://schemas.microsoft.com/office/drawing/2014/main" id="{D9CF8985-91A7-EF4F-469A-906E73889120}"/>
-                </a:ext>
-              </a:extLst>
-            </p:cNvPr>
-            <p:cNvPicPr>
-              <a:picLocks noChangeAspect="1"/>
-            </p:cNvPicPr>
-            <p:nvPr/>
-          </p:nvPicPr>
-          <p:blipFill>
-            <a:blip r:embed="rId4">
-              <a:clrChange>
-                <a:clrFrom>
-                  <a:srgbClr val="FFFFFF"/>
-                </a:clrFrom>
-                <a:clrTo>
-                  <a:srgbClr val="FFFFFF">
-                    <a:alpha val="0"/>
-                  </a:srgbClr>
-                </a:clrTo>
-              </a:clrChange>
-            </a:blip>
-            <a:stretch>
-              <a:fillRect/>
-            </a:stretch>
-          </p:blipFill>
-          <p:spPr>
-            <a:xfrm>
-              <a:off x="324804" y="2320121"/>
-              <a:ext cx="2908461" cy="975275"/>
-            </a:xfrm>
-            <a:prstGeom prst="rect">
-              <a:avLst/>
-            </a:prstGeom>
-          </p:spPr>
-        </p:pic>
-        <p:pic>
-          <p:nvPicPr>
-            <p:cNvPr id="36" name="Picture 35">
-              <a:extLst>
-                <a:ext uri="{FF2B5EF4-FFF2-40B4-BE49-F238E27FC236}">
-                  <a16:creationId xmlns:a16="http://schemas.microsoft.com/office/drawing/2014/main" id="{C051DD86-53AE-A584-2BBA-9C37846FE566}"/>
-                </a:ext>
-              </a:extLst>
-            </p:cNvPr>
-            <p:cNvPicPr>
-              <a:picLocks noChangeAspect="1"/>
-            </p:cNvPicPr>
-            <p:nvPr/>
-          </p:nvPicPr>
-          <p:blipFill>
-            <a:blip r:embed="rId5">
-              <a:clrChange>
-                <a:clrFrom>
-                  <a:srgbClr val="FFFFFF"/>
-                </a:clrFrom>
-                <a:clrTo>
-                  <a:srgbClr val="FFFFFF">
-                    <a:alpha val="0"/>
-                  </a:srgbClr>
-                </a:clrTo>
-              </a:clrChange>
-            </a:blip>
-            <a:stretch>
-              <a:fillRect/>
-            </a:stretch>
-          </p:blipFill>
-          <p:spPr>
-            <a:xfrm>
-              <a:off x="3635684" y="1259106"/>
-              <a:ext cx="2644055" cy="824646"/>
-            </a:xfrm>
-            <a:prstGeom prst="rect">
-              <a:avLst/>
-            </a:prstGeom>
-          </p:spPr>
-        </p:pic>
-        <p:pic>
-          <p:nvPicPr>
-            <p:cNvPr id="25" name="Picture 24">
-              <a:extLst>
-                <a:ext uri="{FF2B5EF4-FFF2-40B4-BE49-F238E27FC236}">
-                  <a16:creationId xmlns:a16="http://schemas.microsoft.com/office/drawing/2014/main" id="{0AA9707C-B36F-4F70-A06A-2710233206C5}"/>
-                </a:ext>
-              </a:extLst>
-            </p:cNvPr>
-            <p:cNvPicPr>
-              <a:picLocks noChangeAspect="1"/>
-            </p:cNvPicPr>
-            <p:nvPr/>
-          </p:nvPicPr>
-          <p:blipFill>
-            <a:blip r:embed="rId6">
-              <a:clrChange>
-                <a:clrFrom>
-                  <a:srgbClr val="FFFFFF"/>
-                </a:clrFrom>
-                <a:clrTo>
-                  <a:srgbClr val="FFFFFF">
-                    <a:alpha val="0"/>
-                  </a:srgbClr>
-                </a:clrTo>
-              </a:clrChange>
-            </a:blip>
-            <a:stretch>
-              <a:fillRect/>
-            </a:stretch>
-          </p:blipFill>
-          <p:spPr>
-            <a:xfrm>
-              <a:off x="313856" y="1464905"/>
-              <a:ext cx="3199306" cy="445649"/>
-            </a:xfrm>
-            <a:prstGeom prst="rect">
-              <a:avLst/>
-            </a:prstGeom>
-          </p:spPr>
-        </p:pic>
-        <p:pic>
-          <p:nvPicPr>
-            <p:cNvPr id="13" name="Picture 12">
-              <a:extLst>
-                <a:ext uri="{FF2B5EF4-FFF2-40B4-BE49-F238E27FC236}">
-                  <a16:creationId xmlns:a16="http://schemas.microsoft.com/office/drawing/2014/main" id="{7D0A6EF4-07A4-6047-B110-B475191E15A0}"/>
-                </a:ext>
-              </a:extLst>
-            </p:cNvPr>
-            <p:cNvPicPr>
-              <a:picLocks noChangeAspect="1"/>
-            </p:cNvPicPr>
-            <p:nvPr/>
-          </p:nvPicPr>
-          <p:blipFill>
-            <a:blip r:embed="rId7">
-              <a:clrChange>
-                <a:clrFrom>
-                  <a:srgbClr val="FFFFFF"/>
-                </a:clrFrom>
-                <a:clrTo>
-                  <a:srgbClr val="FFFFFF">
-                    <a:alpha val="0"/>
-                  </a:srgbClr>
-                </a:clrTo>
-              </a:clrChange>
-            </a:blip>
-            <a:stretch>
-              <a:fillRect/>
-            </a:stretch>
-          </p:blipFill>
-          <p:spPr>
-            <a:xfrm>
-              <a:off x="3635684" y="382642"/>
-              <a:ext cx="2908460" cy="626872"/>
+              <a:off x="3571689" y="540887"/>
+              <a:ext cx="3264296" cy="1632786"/>
             </a:xfrm>
             <a:prstGeom prst="rect">
               <a:avLst/>
@@ -3240,10 +3053,10 @@
         </p:pic>
         <p:sp>
           <p:nvSpPr>
-            <p:cNvPr id="30" name="Rectangle 29">
+            <p:cNvPr id="31" name="Rectangle 30">
               <a:extLst>
                 <a:ext uri="{FF2B5EF4-FFF2-40B4-BE49-F238E27FC236}">
-                  <a16:creationId xmlns:a16="http://schemas.microsoft.com/office/drawing/2014/main" id="{BEA52DC6-3757-6C7D-6EB9-6212F610A36F}"/>
+                  <a16:creationId xmlns:a16="http://schemas.microsoft.com/office/drawing/2014/main" id="{8C291255-620E-DBA7-1890-67095289D67E}"/>
                 </a:ext>
               </a:extLst>
             </p:cNvPr>
@@ -3252,107 +3065,14 @@
           </p:nvSpPr>
           <p:spPr>
             <a:xfrm>
-              <a:off x="3741385" y="546001"/>
-              <a:ext cx="2644055" cy="463513"/>
+              <a:off x="680719" y="540887"/>
+              <a:ext cx="2355851" cy="533533"/>
             </a:xfrm>
             <a:prstGeom prst="rect">
               <a:avLst/>
             </a:prstGeom>
             <a:noFill/>
-            <a:ln>
-              <a:solidFill>
-                <a:srgbClr val="FF0000"/>
-              </a:solidFill>
-            </a:ln>
-          </p:spPr>
-          <p:style>
-            <a:lnRef idx="2">
-              <a:schemeClr val="accent1">
-                <a:shade val="15000"/>
-              </a:schemeClr>
-            </a:lnRef>
-            <a:fillRef idx="1">
-              <a:schemeClr val="accent1"/>
-            </a:fillRef>
-            <a:effectRef idx="0">
-              <a:schemeClr val="accent1"/>
-            </a:effectRef>
-            <a:fontRef idx="minor">
-              <a:schemeClr val="lt1"/>
-            </a:fontRef>
-          </p:style>
-          <p:txBody>
-            <a:bodyPr rtlCol="0" anchor="ctr"/>
-            <a:lstStyle/>
-            <a:p>
-              <a:pPr algn="ctr"/>
-              <a:endParaRPr lang="en-PH"/>
-            </a:p>
-          </p:txBody>
-        </p:sp>
-        <p:pic>
-          <p:nvPicPr>
-            <p:cNvPr id="16" name="Picture 15">
-              <a:extLst>
-                <a:ext uri="{FF2B5EF4-FFF2-40B4-BE49-F238E27FC236}">
-                  <a16:creationId xmlns:a16="http://schemas.microsoft.com/office/drawing/2014/main" id="{11F6C193-D100-6B14-4075-36242B7CF02C}"/>
-                </a:ext>
-              </a:extLst>
-            </p:cNvPr>
-            <p:cNvPicPr>
-              <a:picLocks noChangeAspect="1"/>
-            </p:cNvPicPr>
-            <p:nvPr/>
-          </p:nvPicPr>
-          <p:blipFill>
-            <a:blip r:embed="rId8">
-              <a:clrChange>
-                <a:clrFrom>
-                  <a:srgbClr val="FFFFFF"/>
-                </a:clrFrom>
-                <a:clrTo>
-                  <a:srgbClr val="FFFFFF">
-                    <a:alpha val="0"/>
-                  </a:srgbClr>
-                </a:clrTo>
-              </a:clrChange>
-            </a:blip>
-            <a:stretch>
-              <a:fillRect/>
-            </a:stretch>
-          </p:blipFill>
-          <p:spPr>
-            <a:xfrm>
-              <a:off x="294542" y="382642"/>
-              <a:ext cx="3199306" cy="582664"/>
-            </a:xfrm>
-            <a:prstGeom prst="rect">
-              <a:avLst/>
-            </a:prstGeom>
-          </p:spPr>
-        </p:pic>
-        <p:sp>
-          <p:nvSpPr>
-            <p:cNvPr id="7" name="Rectangle 6">
-              <a:extLst>
-                <a:ext uri="{FF2B5EF4-FFF2-40B4-BE49-F238E27FC236}">
-                  <a16:creationId xmlns:a16="http://schemas.microsoft.com/office/drawing/2014/main" id="{BA106309-D0BC-6B24-F1D7-51CF1AF81FEC}"/>
-                </a:ext>
-              </a:extLst>
-            </p:cNvPr>
-            <p:cNvSpPr/>
-            <p:nvPr/>
-          </p:nvSpPr>
-          <p:spPr>
-            <a:xfrm>
-              <a:off x="914182" y="402400"/>
-              <a:ext cx="2514818" cy="262561"/>
-            </a:xfrm>
-            <a:prstGeom prst="rect">
-              <a:avLst/>
-            </a:prstGeom>
-            <a:noFill/>
-            <a:ln>
+            <a:ln w="19050">
               <a:solidFill>
                 <a:srgbClr val="FF0000"/>
               </a:solidFill>
@@ -3385,86 +3105,10 @@
         </p:sp>
         <p:sp>
           <p:nvSpPr>
-            <p:cNvPr id="48" name="TextBox 47">
+            <p:cNvPr id="47" name="Rectangle 46">
               <a:extLst>
                 <a:ext uri="{FF2B5EF4-FFF2-40B4-BE49-F238E27FC236}">
-                  <a16:creationId xmlns:a16="http://schemas.microsoft.com/office/drawing/2014/main" id="{32BACB4F-7CA4-3DAA-3725-6EE7766C1537}"/>
-                </a:ext>
-              </a:extLst>
-            </p:cNvPr>
-            <p:cNvSpPr txBox="1"/>
-            <p:nvPr/>
-          </p:nvSpPr>
-          <p:spPr>
-            <a:xfrm>
-              <a:off x="152706" y="159071"/>
-              <a:ext cx="295274" cy="276999"/>
-            </a:xfrm>
-            <a:prstGeom prst="rect">
-              <a:avLst/>
-            </a:prstGeom>
-            <a:noFill/>
-          </p:spPr>
-          <p:txBody>
-            <a:bodyPr wrap="none" rtlCol="0">
-              <a:spAutoFit/>
-            </a:bodyPr>
-            <a:lstStyle/>
-            <a:p>
-              <a:r>
-                <a:rPr lang="en-PH" sz="1200" b="1" dirty="0">
-                  <a:latin typeface="Arial" panose="020B0604020202020204" pitchFamily="34" charset="0"/>
-                  <a:cs typeface="Arial" panose="020B0604020202020204" pitchFamily="34" charset="0"/>
-                </a:rPr>
-                <a:t>A</a:t>
-              </a:r>
-            </a:p>
-          </p:txBody>
-        </p:sp>
-        <p:sp>
-          <p:nvSpPr>
-            <p:cNvPr id="49" name="TextBox 48">
-              <a:extLst>
-                <a:ext uri="{FF2B5EF4-FFF2-40B4-BE49-F238E27FC236}">
-                  <a16:creationId xmlns:a16="http://schemas.microsoft.com/office/drawing/2014/main" id="{3237060B-B62C-C13A-272D-49EDEB58A8E8}"/>
-                </a:ext>
-              </a:extLst>
-            </p:cNvPr>
-            <p:cNvSpPr txBox="1"/>
-            <p:nvPr/>
-          </p:nvSpPr>
-          <p:spPr>
-            <a:xfrm>
-              <a:off x="3446111" y="159071"/>
-              <a:ext cx="295274" cy="276999"/>
-            </a:xfrm>
-            <a:prstGeom prst="rect">
-              <a:avLst/>
-            </a:prstGeom>
-            <a:noFill/>
-          </p:spPr>
-          <p:txBody>
-            <a:bodyPr wrap="none" rtlCol="0">
-              <a:spAutoFit/>
-            </a:bodyPr>
-            <a:lstStyle/>
-            <a:p>
-              <a:r>
-                <a:rPr lang="en-PH" sz="1200" b="1" dirty="0">
-                  <a:latin typeface="Arial" panose="020B0604020202020204" pitchFamily="34" charset="0"/>
-                  <a:cs typeface="Arial" panose="020B0604020202020204" pitchFamily="34" charset="0"/>
-                </a:rPr>
-                <a:t>B</a:t>
-              </a:r>
-            </a:p>
-          </p:txBody>
-        </p:sp>
-        <p:sp>
-          <p:nvSpPr>
-            <p:cNvPr id="32" name="Rectangle 31">
-              <a:extLst>
-                <a:ext uri="{FF2B5EF4-FFF2-40B4-BE49-F238E27FC236}">
-                  <a16:creationId xmlns:a16="http://schemas.microsoft.com/office/drawing/2014/main" id="{1D43B01B-ED70-A5B7-52B4-4A52C07607A3}"/>
+                  <a16:creationId xmlns:a16="http://schemas.microsoft.com/office/drawing/2014/main" id="{8DE66E51-9DE2-0A23-7BB3-072737BDA0AC}"/>
                 </a:ext>
               </a:extLst>
             </p:cNvPr>
@@ -3473,14 +3117,14 @@
           </p:nvSpPr>
           <p:spPr>
             <a:xfrm>
-              <a:off x="772195" y="1583211"/>
-              <a:ext cx="2489165" cy="333373"/>
+              <a:off x="497841" y="2173673"/>
+              <a:ext cx="2264410" cy="295880"/>
             </a:xfrm>
             <a:prstGeom prst="rect">
               <a:avLst/>
             </a:prstGeom>
             <a:noFill/>
-            <a:ln>
+            <a:ln w="19050">
               <a:solidFill>
                 <a:srgbClr val="FF0000"/>
               </a:solidFill>
@@ -3513,86 +3157,10 @@
         </p:sp>
         <p:sp>
           <p:nvSpPr>
-            <p:cNvPr id="55" name="TextBox 54">
+            <p:cNvPr id="52" name="Rectangle 51">
               <a:extLst>
                 <a:ext uri="{FF2B5EF4-FFF2-40B4-BE49-F238E27FC236}">
-                  <a16:creationId xmlns:a16="http://schemas.microsoft.com/office/drawing/2014/main" id="{D0249095-16B7-3B63-E35C-FAF539D6B236}"/>
-                </a:ext>
-              </a:extLst>
-            </p:cNvPr>
-            <p:cNvSpPr txBox="1"/>
-            <p:nvPr/>
-          </p:nvSpPr>
-          <p:spPr>
-            <a:xfrm>
-              <a:off x="152706" y="1144489"/>
-              <a:ext cx="295274" cy="276999"/>
-            </a:xfrm>
-            <a:prstGeom prst="rect">
-              <a:avLst/>
-            </a:prstGeom>
-            <a:noFill/>
-          </p:spPr>
-          <p:txBody>
-            <a:bodyPr wrap="none" rtlCol="0">
-              <a:spAutoFit/>
-            </a:bodyPr>
-            <a:lstStyle/>
-            <a:p>
-              <a:r>
-                <a:rPr lang="en-PH" sz="1200" b="1" dirty="0">
-                  <a:latin typeface="Arial" panose="020B0604020202020204" pitchFamily="34" charset="0"/>
-                  <a:cs typeface="Arial" panose="020B0604020202020204" pitchFamily="34" charset="0"/>
-                </a:rPr>
-                <a:t>C</a:t>
-              </a:r>
-            </a:p>
-          </p:txBody>
-        </p:sp>
-        <p:sp>
-          <p:nvSpPr>
-            <p:cNvPr id="56" name="TextBox 55">
-              <a:extLst>
-                <a:ext uri="{FF2B5EF4-FFF2-40B4-BE49-F238E27FC236}">
-                  <a16:creationId xmlns:a16="http://schemas.microsoft.com/office/drawing/2014/main" id="{E4D957BA-7BBE-E406-551A-370D115C8484}"/>
-                </a:ext>
-              </a:extLst>
-            </p:cNvPr>
-            <p:cNvSpPr txBox="1"/>
-            <p:nvPr/>
-          </p:nvSpPr>
-          <p:spPr>
-            <a:xfrm>
-              <a:off x="3446111" y="1144489"/>
-              <a:ext cx="295274" cy="276999"/>
-            </a:xfrm>
-            <a:prstGeom prst="rect">
-              <a:avLst/>
-            </a:prstGeom>
-            <a:noFill/>
-          </p:spPr>
-          <p:txBody>
-            <a:bodyPr wrap="none" rtlCol="0">
-              <a:spAutoFit/>
-            </a:bodyPr>
-            <a:lstStyle/>
-            <a:p>
-              <a:r>
-                <a:rPr lang="en-PH" sz="1200" b="1" dirty="0">
-                  <a:latin typeface="Arial" panose="020B0604020202020204" pitchFamily="34" charset="0"/>
-                  <a:cs typeface="Arial" panose="020B0604020202020204" pitchFamily="34" charset="0"/>
-                </a:rPr>
-                <a:t>D</a:t>
-              </a:r>
-            </a:p>
-          </p:txBody>
-        </p:sp>
-        <p:sp>
-          <p:nvSpPr>
-            <p:cNvPr id="33" name="Rectangle 32">
-              <a:extLst>
-                <a:ext uri="{FF2B5EF4-FFF2-40B4-BE49-F238E27FC236}">
-                  <a16:creationId xmlns:a16="http://schemas.microsoft.com/office/drawing/2014/main" id="{A0D7B876-7975-CC14-DDC3-A65316127F9C}"/>
+                  <a16:creationId xmlns:a16="http://schemas.microsoft.com/office/drawing/2014/main" id="{258F9D38-BC82-4CFD-ABE6-11B2269B0B40}"/>
                 </a:ext>
               </a:extLst>
             </p:cNvPr>
@@ -3601,14 +3169,14 @@
           </p:nvSpPr>
           <p:spPr>
             <a:xfrm>
-              <a:off x="3741385" y="1756350"/>
-              <a:ext cx="2344420" cy="333373"/>
+              <a:off x="4421505" y="568827"/>
+              <a:ext cx="2388234" cy="401453"/>
             </a:xfrm>
             <a:prstGeom prst="rect">
               <a:avLst/>
             </a:prstGeom>
             <a:noFill/>
-            <a:ln>
+            <a:ln w="19050">
               <a:solidFill>
                 <a:srgbClr val="FF0000"/>
               </a:solidFill>
@@ -3641,48 +3209,10 @@
         </p:sp>
         <p:sp>
           <p:nvSpPr>
-            <p:cNvPr id="57" name="TextBox 56">
+            <p:cNvPr id="53" name="Rectangle 52">
               <a:extLst>
                 <a:ext uri="{FF2B5EF4-FFF2-40B4-BE49-F238E27FC236}">
-                  <a16:creationId xmlns:a16="http://schemas.microsoft.com/office/drawing/2014/main" id="{554C54A9-5069-D1C0-A1A9-237CC2B1EF2E}"/>
-                </a:ext>
-              </a:extLst>
-            </p:cNvPr>
-            <p:cNvSpPr txBox="1"/>
-            <p:nvPr/>
-          </p:nvSpPr>
-          <p:spPr>
-            <a:xfrm>
-              <a:off x="152706" y="2224698"/>
-              <a:ext cx="295274" cy="276999"/>
-            </a:xfrm>
-            <a:prstGeom prst="rect">
-              <a:avLst/>
-            </a:prstGeom>
-            <a:noFill/>
-          </p:spPr>
-          <p:txBody>
-            <a:bodyPr wrap="none" rtlCol="0">
-              <a:spAutoFit/>
-            </a:bodyPr>
-            <a:lstStyle/>
-            <a:p>
-              <a:r>
-                <a:rPr lang="en-PH" sz="1200" b="1" dirty="0">
-                  <a:latin typeface="Arial" panose="020B0604020202020204" pitchFamily="34" charset="0"/>
-                  <a:cs typeface="Arial" panose="020B0604020202020204" pitchFamily="34" charset="0"/>
-                </a:rPr>
-                <a:t>E</a:t>
-              </a:r>
-            </a:p>
-          </p:txBody>
-        </p:sp>
-        <p:sp>
-          <p:nvSpPr>
-            <p:cNvPr id="43" name="Rectangle 42">
-              <a:extLst>
-                <a:ext uri="{FF2B5EF4-FFF2-40B4-BE49-F238E27FC236}">
-                  <a16:creationId xmlns:a16="http://schemas.microsoft.com/office/drawing/2014/main" id="{1B2BCE85-4DD0-85E6-0961-2B25C9961143}"/>
+                  <a16:creationId xmlns:a16="http://schemas.microsoft.com/office/drawing/2014/main" id="{B1F6521B-BD1E-4A5E-80DF-4258AA2ADACA}"/>
                 </a:ext>
               </a:extLst>
             </p:cNvPr>
@@ -3691,14 +3221,14 @@
           </p:nvSpPr>
           <p:spPr>
             <a:xfrm>
-              <a:off x="381501" y="2960259"/>
-              <a:ext cx="2851764" cy="304605"/>
+              <a:off x="4225289" y="1506087"/>
+              <a:ext cx="2322831" cy="401453"/>
             </a:xfrm>
             <a:prstGeom prst="rect">
               <a:avLst/>
             </a:prstGeom>
             <a:noFill/>
-            <a:ln>
+            <a:ln w="19050">
               <a:solidFill>
                 <a:srgbClr val="FF0000"/>
               </a:solidFill>
@@ -3731,10 +3261,10 @@
         </p:sp>
         <p:sp>
           <p:nvSpPr>
-            <p:cNvPr id="58" name="TextBox 57">
+            <p:cNvPr id="64" name="TextBox 63">
               <a:extLst>
                 <a:ext uri="{FF2B5EF4-FFF2-40B4-BE49-F238E27FC236}">
-                  <a16:creationId xmlns:a16="http://schemas.microsoft.com/office/drawing/2014/main" id="{A97A1AF5-C425-FB41-D3DF-20146FD0054D}"/>
+                  <a16:creationId xmlns:a16="http://schemas.microsoft.com/office/drawing/2014/main" id="{C0C53BE7-2B90-28AF-08D8-0164147D766A}"/>
                 </a:ext>
               </a:extLst>
             </p:cNvPr>
@@ -3743,8 +3273,8 @@
           </p:nvSpPr>
           <p:spPr>
             <a:xfrm>
-              <a:off x="3446111" y="2224698"/>
-              <a:ext cx="279244" cy="276999"/>
+              <a:off x="48261" y="291828"/>
+              <a:ext cx="314510" cy="307777"/>
             </a:xfrm>
             <a:prstGeom prst="rect">
               <a:avLst/>
@@ -3758,21 +3288,140 @@
             <a:lstStyle/>
             <a:p>
               <a:r>
-                <a:rPr lang="en-PH" sz="1200" b="1" dirty="0">
+                <a:rPr lang="en-PH" sz="1400" b="1" dirty="0">
                   <a:latin typeface="Arial" panose="020B0604020202020204" pitchFamily="34" charset="0"/>
                   <a:cs typeface="Arial" panose="020B0604020202020204" pitchFamily="34" charset="0"/>
                 </a:rPr>
-                <a:t>F</a:t>
+                <a:t>A</a:t>
               </a:r>
             </a:p>
           </p:txBody>
         </p:sp>
         <p:sp>
           <p:nvSpPr>
-            <p:cNvPr id="35" name="Rectangle 34">
+            <p:cNvPr id="65" name="TextBox 64">
               <a:extLst>
                 <a:ext uri="{FF2B5EF4-FFF2-40B4-BE49-F238E27FC236}">
-                  <a16:creationId xmlns:a16="http://schemas.microsoft.com/office/drawing/2014/main" id="{984E9DCD-D094-651C-D382-B0BC92CA0448}"/>
+                  <a16:creationId xmlns:a16="http://schemas.microsoft.com/office/drawing/2014/main" id="{6B03E0B8-C974-1F99-1955-A61C53591679}"/>
+                </a:ext>
+              </a:extLst>
+            </p:cNvPr>
+            <p:cNvSpPr txBox="1"/>
+            <p:nvPr/>
+          </p:nvSpPr>
+          <p:spPr>
+            <a:xfrm>
+              <a:off x="3474537" y="291828"/>
+              <a:ext cx="314510" cy="307777"/>
+            </a:xfrm>
+            <a:prstGeom prst="rect">
+              <a:avLst/>
+            </a:prstGeom>
+            <a:noFill/>
+          </p:spPr>
+          <p:txBody>
+            <a:bodyPr wrap="none" rtlCol="0">
+              <a:spAutoFit/>
+            </a:bodyPr>
+            <a:lstStyle/>
+            <a:p>
+              <a:r>
+                <a:rPr lang="en-PH" sz="1400" b="1" dirty="0">
+                  <a:latin typeface="Arial" panose="020B0604020202020204" pitchFamily="34" charset="0"/>
+                  <a:cs typeface="Arial" panose="020B0604020202020204" pitchFamily="34" charset="0"/>
+                </a:rPr>
+                <a:t>B</a:t>
+              </a:r>
+            </a:p>
+          </p:txBody>
+        </p:sp>
+      </p:grpSp>
+      <p:grpSp>
+        <p:nvGrpSpPr>
+          <p:cNvPr id="71" name="Group 70">
+            <a:extLst>
+              <a:ext uri="{FF2B5EF4-FFF2-40B4-BE49-F238E27FC236}">
+                <a16:creationId xmlns:a16="http://schemas.microsoft.com/office/drawing/2014/main" id="{C161DC04-C91F-F10E-54EF-02404C044627}"/>
+              </a:ext>
+            </a:extLst>
+          </p:cNvPr>
+          <p:cNvGrpSpPr/>
+          <p:nvPr/>
+        </p:nvGrpSpPr>
+        <p:grpSpPr>
+          <a:xfrm>
+            <a:off x="48261" y="2872740"/>
+            <a:ext cx="6722735" cy="1084946"/>
+            <a:chOff x="48261" y="2840580"/>
+            <a:chExt cx="6722735" cy="1084946"/>
+          </a:xfrm>
+        </p:grpSpPr>
+        <p:pic>
+          <p:nvPicPr>
+            <p:cNvPr id="19" name="Picture 18">
+              <a:extLst>
+                <a:ext uri="{FF2B5EF4-FFF2-40B4-BE49-F238E27FC236}">
+                  <a16:creationId xmlns:a16="http://schemas.microsoft.com/office/drawing/2014/main" id="{6E0B2707-BCE2-1B96-6F37-F2F6BB524E99}"/>
+                </a:ext>
+              </a:extLst>
+            </p:cNvPr>
+            <p:cNvPicPr>
+              <a:picLocks noChangeAspect="1"/>
+            </p:cNvPicPr>
+            <p:nvPr/>
+          </p:nvPicPr>
+          <p:blipFill>
+            <a:blip r:embed="rId4"/>
+            <a:stretch>
+              <a:fillRect/>
+            </a:stretch>
+          </p:blipFill>
+          <p:spPr>
+            <a:xfrm>
+              <a:off x="3571689" y="3072377"/>
+              <a:ext cx="3199307" cy="820096"/>
+            </a:xfrm>
+            <a:prstGeom prst="rect">
+              <a:avLst/>
+            </a:prstGeom>
+          </p:spPr>
+        </p:pic>
+        <p:pic>
+          <p:nvPicPr>
+            <p:cNvPr id="21" name="Picture 20">
+              <a:extLst>
+                <a:ext uri="{FF2B5EF4-FFF2-40B4-BE49-F238E27FC236}">
+                  <a16:creationId xmlns:a16="http://schemas.microsoft.com/office/drawing/2014/main" id="{AABA056B-3A18-8104-C8C6-61E16A8E124B}"/>
+                </a:ext>
+              </a:extLst>
+            </p:cNvPr>
+            <p:cNvPicPr>
+              <a:picLocks noChangeAspect="1"/>
+            </p:cNvPicPr>
+            <p:nvPr/>
+          </p:nvPicPr>
+          <p:blipFill>
+            <a:blip r:embed="rId5"/>
+            <a:stretch>
+              <a:fillRect/>
+            </a:stretch>
+          </p:blipFill>
+          <p:spPr>
+            <a:xfrm>
+              <a:off x="87007" y="3072377"/>
+              <a:ext cx="3199306" cy="853149"/>
+            </a:xfrm>
+            <a:prstGeom prst="rect">
+              <a:avLst/>
+            </a:prstGeom>
+          </p:spPr>
+        </p:pic>
+        <p:sp>
+          <p:nvSpPr>
+            <p:cNvPr id="54" name="Rectangle 53">
+              <a:extLst>
+                <a:ext uri="{FF2B5EF4-FFF2-40B4-BE49-F238E27FC236}">
+                  <a16:creationId xmlns:a16="http://schemas.microsoft.com/office/drawing/2014/main" id="{08E0DFF4-E0EC-1D0B-0B7F-0C106027FAF8}"/>
                 </a:ext>
               </a:extLst>
             </p:cNvPr>
@@ -3781,14 +3430,14 @@
           </p:nvSpPr>
           <p:spPr>
             <a:xfrm>
-              <a:off x="3810593" y="3203876"/>
-              <a:ext cx="2646680" cy="616358"/>
+              <a:off x="861060" y="3055132"/>
+              <a:ext cx="2377666" cy="246868"/>
             </a:xfrm>
             <a:prstGeom prst="rect">
               <a:avLst/>
             </a:prstGeom>
             <a:noFill/>
-            <a:ln>
+            <a:ln w="19050">
               <a:solidFill>
                 <a:srgbClr val="FF0000"/>
               </a:solidFill>
@@ -3821,48 +3470,10 @@
         </p:sp>
         <p:sp>
           <p:nvSpPr>
-            <p:cNvPr id="63" name="TextBox 62">
+            <p:cNvPr id="60" name="Rectangle 59">
               <a:extLst>
                 <a:ext uri="{FF2B5EF4-FFF2-40B4-BE49-F238E27FC236}">
-                  <a16:creationId xmlns:a16="http://schemas.microsoft.com/office/drawing/2014/main" id="{2C9C00CB-D9B9-6FAB-F70E-EE4BC0EA839E}"/>
-                </a:ext>
-              </a:extLst>
-            </p:cNvPr>
-            <p:cNvSpPr txBox="1"/>
-            <p:nvPr/>
-          </p:nvSpPr>
-          <p:spPr>
-            <a:xfrm>
-              <a:off x="152706" y="3627261"/>
-              <a:ext cx="304892" cy="276999"/>
-            </a:xfrm>
-            <a:prstGeom prst="rect">
-              <a:avLst/>
-            </a:prstGeom>
-            <a:noFill/>
-          </p:spPr>
-          <p:txBody>
-            <a:bodyPr wrap="none" rtlCol="0">
-              <a:spAutoFit/>
-            </a:bodyPr>
-            <a:lstStyle/>
-            <a:p>
-              <a:r>
-                <a:rPr lang="en-PH" sz="1200" b="1" dirty="0">
-                  <a:latin typeface="Arial" panose="020B0604020202020204" pitchFamily="34" charset="0"/>
-                  <a:cs typeface="Arial" panose="020B0604020202020204" pitchFamily="34" charset="0"/>
-                </a:rPr>
-                <a:t>G</a:t>
-              </a:r>
-            </a:p>
-          </p:txBody>
-        </p:sp>
-        <p:sp>
-          <p:nvSpPr>
-            <p:cNvPr id="34" name="Rectangle 33">
-              <a:extLst>
-                <a:ext uri="{FF2B5EF4-FFF2-40B4-BE49-F238E27FC236}">
-                  <a16:creationId xmlns:a16="http://schemas.microsoft.com/office/drawing/2014/main" id="{DEA1DAF3-A9C2-562E-0B0C-E0811DA96D96}"/>
+                  <a16:creationId xmlns:a16="http://schemas.microsoft.com/office/drawing/2014/main" id="{97CFAB18-C931-00D3-A2C4-27433F4A9D19}"/>
                 </a:ext>
               </a:extLst>
             </p:cNvPr>
@@ -3871,14 +3482,14 @@
           </p:nvSpPr>
           <p:spPr>
             <a:xfrm>
-              <a:off x="457598" y="5902765"/>
-              <a:ext cx="2689370" cy="375973"/>
+              <a:off x="3952240" y="3065573"/>
+              <a:ext cx="2740659" cy="295880"/>
             </a:xfrm>
             <a:prstGeom prst="rect">
               <a:avLst/>
             </a:prstGeom>
             <a:noFill/>
-            <a:ln>
+            <a:ln w="19050">
               <a:solidFill>
                 <a:srgbClr val="FF0000"/>
               </a:solidFill>
@@ -3911,10 +3522,10 @@
         </p:sp>
         <p:sp>
           <p:nvSpPr>
-            <p:cNvPr id="44" name="Rectangle 43">
+            <p:cNvPr id="61" name="Rectangle 60">
               <a:extLst>
                 <a:ext uri="{FF2B5EF4-FFF2-40B4-BE49-F238E27FC236}">
-                  <a16:creationId xmlns:a16="http://schemas.microsoft.com/office/drawing/2014/main" id="{A3692091-13EB-B1E0-CD29-4E59271EAC16}"/>
+                  <a16:creationId xmlns:a16="http://schemas.microsoft.com/office/drawing/2014/main" id="{63C434DE-E3D7-D079-32EB-C310E7714BAD}"/>
                 </a:ext>
               </a:extLst>
             </p:cNvPr>
@@ -3923,401 +3534,14 @@
           </p:nvSpPr>
           <p:spPr>
             <a:xfrm>
-              <a:off x="559449" y="3703076"/>
-              <a:ext cx="2756775" cy="748818"/>
+              <a:off x="4028440" y="3498951"/>
+              <a:ext cx="2664459" cy="400326"/>
             </a:xfrm>
             <a:prstGeom prst="rect">
               <a:avLst/>
             </a:prstGeom>
             <a:noFill/>
-            <a:ln>
-              <a:solidFill>
-                <a:srgbClr val="FF0000"/>
-              </a:solidFill>
-            </a:ln>
-          </p:spPr>
-          <p:style>
-            <a:lnRef idx="2">
-              <a:schemeClr val="accent1">
-                <a:shade val="15000"/>
-              </a:schemeClr>
-            </a:lnRef>
-            <a:fillRef idx="1">
-              <a:schemeClr val="accent1"/>
-            </a:fillRef>
-            <a:effectRef idx="0">
-              <a:schemeClr val="accent1"/>
-            </a:effectRef>
-            <a:fontRef idx="minor">
-              <a:schemeClr val="lt1"/>
-            </a:fontRef>
-          </p:style>
-          <p:txBody>
-            <a:bodyPr rtlCol="0" anchor="ctr"/>
-            <a:lstStyle/>
-            <a:p>
-              <a:pPr algn="ctr"/>
-              <a:endParaRPr lang="en-PH"/>
-            </a:p>
-          </p:txBody>
-        </p:sp>
-      </p:grpSp>
-    </p:spTree>
-    <p:extLst>
-      <p:ext uri="{BB962C8B-B14F-4D97-AF65-F5344CB8AC3E}">
-        <p14:creationId xmlns:p14="http://schemas.microsoft.com/office/powerpoint/2010/main" val="3865060659"/>
-      </p:ext>
-    </p:extLst>
-  </p:cSld>
-  <p:clrMapOvr>
-    <a:masterClrMapping/>
-  </p:clrMapOvr>
-</p:sld>
-</file>
-
-<file path=ppt/slides/slide2.xml><?xml version="1.0" encoding="utf-8"?>
-<p:sld xmlns:a="http://schemas.openxmlformats.org/drawingml/2006/main" xmlns:r="http://schemas.openxmlformats.org/officeDocument/2006/relationships" xmlns:p="http://schemas.openxmlformats.org/presentationml/2006/main">
-  <p:cSld>
-    <p:spTree>
-      <p:nvGrpSpPr>
-        <p:cNvPr id="1" name=""/>
-        <p:cNvGrpSpPr/>
-        <p:nvPr/>
-      </p:nvGrpSpPr>
-      <p:grpSpPr>
-        <a:xfrm>
-          <a:off x="0" y="0"/>
-          <a:ext cx="0" cy="0"/>
-          <a:chOff x="0" y="0"/>
-          <a:chExt cx="0" cy="0"/>
-        </a:xfrm>
-      </p:grpSpPr>
-      <p:grpSp>
-        <p:nvGrpSpPr>
-          <p:cNvPr id="2" name="Group 1">
-            <a:extLst>
-              <a:ext uri="{FF2B5EF4-FFF2-40B4-BE49-F238E27FC236}">
-                <a16:creationId xmlns:a16="http://schemas.microsoft.com/office/drawing/2014/main" id="{46C6712B-414B-00EC-A366-1FC1F624E747}"/>
-              </a:ext>
-            </a:extLst>
-          </p:cNvPr>
-          <p:cNvGrpSpPr/>
-          <p:nvPr/>
-        </p:nvGrpSpPr>
-        <p:grpSpPr>
-          <a:xfrm>
-            <a:off x="171623" y="373142"/>
-            <a:ext cx="6536195" cy="4292020"/>
-            <a:chOff x="171623" y="373142"/>
-            <a:chExt cx="6536195" cy="4292020"/>
-          </a:xfrm>
-        </p:grpSpPr>
-        <p:pic>
-          <p:nvPicPr>
-            <p:cNvPr id="41" name="Picture 40">
-              <a:extLst>
-                <a:ext uri="{FF2B5EF4-FFF2-40B4-BE49-F238E27FC236}">
-                  <a16:creationId xmlns:a16="http://schemas.microsoft.com/office/drawing/2014/main" id="{043BFE40-D66A-1F10-399B-2D3A21BF45E4}"/>
-                </a:ext>
-              </a:extLst>
-            </p:cNvPr>
-            <p:cNvPicPr>
-              <a:picLocks noChangeAspect="1"/>
-            </p:cNvPicPr>
-            <p:nvPr/>
-          </p:nvPicPr>
-          <p:blipFill>
-            <a:blip r:embed="rId2">
-              <a:clrChange>
-                <a:clrFrom>
-                  <a:srgbClr val="FFFFFF"/>
-                </a:clrFrom>
-                <a:clrTo>
-                  <a:srgbClr val="FFFFFF">
-                    <a:alpha val="0"/>
-                  </a:srgbClr>
-                </a:clrTo>
-              </a:clrChange>
-            </a:blip>
-            <a:stretch>
-              <a:fillRect/>
-            </a:stretch>
-          </p:blipFill>
-          <p:spPr>
-            <a:xfrm>
-              <a:off x="3799356" y="2878265"/>
-              <a:ext cx="2908461" cy="1786897"/>
-            </a:xfrm>
-            <a:prstGeom prst="rect">
-              <a:avLst/>
-            </a:prstGeom>
-          </p:spPr>
-        </p:pic>
-        <p:pic>
-          <p:nvPicPr>
-            <p:cNvPr id="29" name="Picture 28">
-              <a:extLst>
-                <a:ext uri="{FF2B5EF4-FFF2-40B4-BE49-F238E27FC236}">
-                  <a16:creationId xmlns:a16="http://schemas.microsoft.com/office/drawing/2014/main" id="{C467379C-E167-AACC-73D7-4BFD87E1E61C}"/>
-                </a:ext>
-              </a:extLst>
-            </p:cNvPr>
-            <p:cNvPicPr>
-              <a:picLocks noChangeAspect="1"/>
-            </p:cNvPicPr>
-            <p:nvPr/>
-          </p:nvPicPr>
-          <p:blipFill>
-            <a:blip r:embed="rId3">
-              <a:clrChange>
-                <a:clrFrom>
-                  <a:srgbClr val="FFFFFF"/>
-                </a:clrFrom>
-                <a:clrTo>
-                  <a:srgbClr val="FFFFFF">
-                    <a:alpha val="0"/>
-                  </a:srgbClr>
-                </a:clrTo>
-              </a:clrChange>
-            </a:blip>
-            <a:stretch>
-              <a:fillRect/>
-            </a:stretch>
-          </p:blipFill>
-          <p:spPr>
-            <a:xfrm>
-              <a:off x="3718416" y="1695978"/>
-              <a:ext cx="2908460" cy="888847"/>
-            </a:xfrm>
-            <a:prstGeom prst="rect">
-              <a:avLst/>
-            </a:prstGeom>
-          </p:spPr>
-        </p:pic>
-        <p:pic>
-          <p:nvPicPr>
-            <p:cNvPr id="35" name="Picture 34">
-              <a:extLst>
-                <a:ext uri="{FF2B5EF4-FFF2-40B4-BE49-F238E27FC236}">
-                  <a16:creationId xmlns:a16="http://schemas.microsoft.com/office/drawing/2014/main" id="{F5C1052C-37E8-BBD0-C730-C58EAB564B22}"/>
-                </a:ext>
-              </a:extLst>
-            </p:cNvPr>
-            <p:cNvPicPr>
-              <a:picLocks noChangeAspect="1"/>
-            </p:cNvPicPr>
-            <p:nvPr/>
-          </p:nvPicPr>
-          <p:blipFill>
-            <a:blip r:embed="rId4">
-              <a:clrChange>
-                <a:clrFrom>
-                  <a:srgbClr val="FFFFFF"/>
-                </a:clrFrom>
-                <a:clrTo>
-                  <a:srgbClr val="FFFFFF">
-                    <a:alpha val="0"/>
-                  </a:srgbClr>
-                </a:clrTo>
-              </a:clrChange>
-            </a:blip>
-            <a:stretch>
-              <a:fillRect/>
-            </a:stretch>
-          </p:blipFill>
-          <p:spPr>
-            <a:xfrm>
-              <a:off x="171623" y="3118813"/>
-              <a:ext cx="3519237" cy="432130"/>
-            </a:xfrm>
-            <a:prstGeom prst="rect">
-              <a:avLst/>
-            </a:prstGeom>
-          </p:spPr>
-        </p:pic>
-        <p:pic>
-          <p:nvPicPr>
-            <p:cNvPr id="20" name="Picture 19">
-              <a:extLst>
-                <a:ext uri="{FF2B5EF4-FFF2-40B4-BE49-F238E27FC236}">
-                  <a16:creationId xmlns:a16="http://schemas.microsoft.com/office/drawing/2014/main" id="{D999A033-4896-0058-D5F2-A2DFFE9AF951}"/>
-                </a:ext>
-              </a:extLst>
-            </p:cNvPr>
-            <p:cNvPicPr>
-              <a:picLocks noChangeAspect="1"/>
-            </p:cNvPicPr>
-            <p:nvPr/>
-          </p:nvPicPr>
-          <p:blipFill>
-            <a:blip r:embed="rId5">
-              <a:clrChange>
-                <a:clrFrom>
-                  <a:srgbClr val="FFFFFF"/>
-                </a:clrFrom>
-                <a:clrTo>
-                  <a:srgbClr val="FFFFFF">
-                    <a:alpha val="0"/>
-                  </a:srgbClr>
-                </a:clrTo>
-              </a:clrChange>
-            </a:blip>
-            <a:stretch>
-              <a:fillRect/>
-            </a:stretch>
-          </p:blipFill>
-          <p:spPr>
-            <a:xfrm>
-              <a:off x="171623" y="1731334"/>
-              <a:ext cx="3199306" cy="848551"/>
-            </a:xfrm>
-            <a:prstGeom prst="rect">
-              <a:avLst/>
-            </a:prstGeom>
-          </p:spPr>
-        </p:pic>
-        <p:pic>
-          <p:nvPicPr>
-            <p:cNvPr id="11" name="Picture 10">
-              <a:extLst>
-                <a:ext uri="{FF2B5EF4-FFF2-40B4-BE49-F238E27FC236}">
-                  <a16:creationId xmlns:a16="http://schemas.microsoft.com/office/drawing/2014/main" id="{5B1E6D9B-29B8-E9AD-D918-BE340B6BD24F}"/>
-                </a:ext>
-              </a:extLst>
-            </p:cNvPr>
-            <p:cNvPicPr>
-              <a:picLocks noChangeAspect="1"/>
-            </p:cNvPicPr>
-            <p:nvPr/>
-          </p:nvPicPr>
-          <p:blipFill>
-            <a:blip r:embed="rId6">
-              <a:clrChange>
-                <a:clrFrom>
-                  <a:srgbClr val="FFFFFF"/>
-                </a:clrFrom>
-                <a:clrTo>
-                  <a:srgbClr val="FFFFFF">
-                    <a:alpha val="0"/>
-                  </a:srgbClr>
-                </a:clrTo>
-              </a:clrChange>
-            </a:blip>
-            <a:stretch>
-              <a:fillRect/>
-            </a:stretch>
-          </p:blipFill>
-          <p:spPr>
-            <a:xfrm>
-              <a:off x="3799357" y="511215"/>
-              <a:ext cx="2908461" cy="885880"/>
-            </a:xfrm>
-            <a:prstGeom prst="rect">
-              <a:avLst/>
-            </a:prstGeom>
-          </p:spPr>
-        </p:pic>
-        <p:pic>
-          <p:nvPicPr>
-            <p:cNvPr id="4" name="Picture 3">
-              <a:extLst>
-                <a:ext uri="{FF2B5EF4-FFF2-40B4-BE49-F238E27FC236}">
-                  <a16:creationId xmlns:a16="http://schemas.microsoft.com/office/drawing/2014/main" id="{07C5B908-9696-C9C4-E34A-4F8A7B6A07DC}"/>
-                </a:ext>
-              </a:extLst>
-            </p:cNvPr>
-            <p:cNvPicPr>
-              <a:picLocks noChangeAspect="1"/>
-            </p:cNvPicPr>
-            <p:nvPr/>
-          </p:nvPicPr>
-          <p:blipFill>
-            <a:blip r:embed="rId7">
-              <a:clrChange>
-                <a:clrFrom>
-                  <a:srgbClr val="FFFFFF"/>
-                </a:clrFrom>
-                <a:clrTo>
-                  <a:srgbClr val="FFFFFF">
-                    <a:alpha val="0"/>
-                  </a:srgbClr>
-                </a:clrTo>
-              </a:clrChange>
-            </a:blip>
-            <a:stretch>
-              <a:fillRect/>
-            </a:stretch>
-          </p:blipFill>
-          <p:spPr>
-            <a:xfrm>
-              <a:off x="230143" y="514712"/>
-              <a:ext cx="3199306" cy="668339"/>
-            </a:xfrm>
-            <a:prstGeom prst="rect">
-              <a:avLst/>
-            </a:prstGeom>
-          </p:spPr>
-        </p:pic>
-        <p:sp>
-          <p:nvSpPr>
-            <p:cNvPr id="23" name="TextBox 22">
-              <a:extLst>
-                <a:ext uri="{FF2B5EF4-FFF2-40B4-BE49-F238E27FC236}">
-                  <a16:creationId xmlns:a16="http://schemas.microsoft.com/office/drawing/2014/main" id="{3788478F-A201-FC14-74E7-D247C913ED93}"/>
-                </a:ext>
-              </a:extLst>
-            </p:cNvPr>
-            <p:cNvSpPr txBox="1"/>
-            <p:nvPr/>
-          </p:nvSpPr>
-          <p:spPr>
-            <a:xfrm>
-              <a:off x="171623" y="373142"/>
-              <a:ext cx="295274" cy="276999"/>
-            </a:xfrm>
-            <a:prstGeom prst="rect">
-              <a:avLst/>
-            </a:prstGeom>
-            <a:noFill/>
-          </p:spPr>
-          <p:txBody>
-            <a:bodyPr wrap="none" rtlCol="0">
-              <a:spAutoFit/>
-            </a:bodyPr>
-            <a:lstStyle/>
-            <a:p>
-              <a:r>
-                <a:rPr lang="en-PH" sz="1200" b="1" dirty="0">
-                  <a:latin typeface="Arial" panose="020B0604020202020204" pitchFamily="34" charset="0"/>
-                  <a:cs typeface="Arial" panose="020B0604020202020204" pitchFamily="34" charset="0"/>
-                </a:rPr>
-                <a:t>A</a:t>
-              </a:r>
-            </a:p>
-          </p:txBody>
-        </p:sp>
-        <p:sp>
-          <p:nvSpPr>
-            <p:cNvPr id="40" name="Rectangle 39">
-              <a:extLst>
-                <a:ext uri="{FF2B5EF4-FFF2-40B4-BE49-F238E27FC236}">
-                  <a16:creationId xmlns:a16="http://schemas.microsoft.com/office/drawing/2014/main" id="{3135632A-9AA5-B4A9-7D4C-FC2DF961F548}"/>
-                </a:ext>
-              </a:extLst>
-            </p:cNvPr>
-            <p:cNvSpPr/>
-            <p:nvPr/>
-          </p:nvSpPr>
-          <p:spPr>
-            <a:xfrm>
-              <a:off x="815341" y="514710"/>
-              <a:ext cx="2635572" cy="182519"/>
-            </a:xfrm>
-            <a:prstGeom prst="rect">
-              <a:avLst/>
-            </a:prstGeom>
-            <a:noFill/>
-            <a:ln>
+            <a:ln w="19050">
               <a:solidFill>
                 <a:srgbClr val="FF0000"/>
               </a:solidFill>
@@ -4350,10 +3574,137 @@
         </p:sp>
         <p:sp>
           <p:nvSpPr>
-            <p:cNvPr id="6" name="Rectangle 5">
+            <p:cNvPr id="66" name="TextBox 65">
               <a:extLst>
                 <a:ext uri="{FF2B5EF4-FFF2-40B4-BE49-F238E27FC236}">
-                  <a16:creationId xmlns:a16="http://schemas.microsoft.com/office/drawing/2014/main" id="{5C52FDA8-E6E5-9E21-F49B-867D60F1E95F}"/>
+                  <a16:creationId xmlns:a16="http://schemas.microsoft.com/office/drawing/2014/main" id="{93FAE0AB-0C60-660C-BAAF-E904B416811D}"/>
+                </a:ext>
+              </a:extLst>
+            </p:cNvPr>
+            <p:cNvSpPr txBox="1"/>
+            <p:nvPr/>
+          </p:nvSpPr>
+          <p:spPr>
+            <a:xfrm>
+              <a:off x="48261" y="2840580"/>
+              <a:ext cx="314510" cy="307777"/>
+            </a:xfrm>
+            <a:prstGeom prst="rect">
+              <a:avLst/>
+            </a:prstGeom>
+            <a:noFill/>
+          </p:spPr>
+          <p:txBody>
+            <a:bodyPr wrap="none" rtlCol="0">
+              <a:spAutoFit/>
+            </a:bodyPr>
+            <a:lstStyle/>
+            <a:p>
+              <a:r>
+                <a:rPr lang="en-PH" sz="1400" b="1" dirty="0">
+                  <a:latin typeface="Arial" panose="020B0604020202020204" pitchFamily="34" charset="0"/>
+                  <a:cs typeface="Arial" panose="020B0604020202020204" pitchFamily="34" charset="0"/>
+                </a:rPr>
+                <a:t>C</a:t>
+              </a:r>
+            </a:p>
+          </p:txBody>
+        </p:sp>
+        <p:sp>
+          <p:nvSpPr>
+            <p:cNvPr id="67" name="TextBox 66">
+              <a:extLst>
+                <a:ext uri="{FF2B5EF4-FFF2-40B4-BE49-F238E27FC236}">
+                  <a16:creationId xmlns:a16="http://schemas.microsoft.com/office/drawing/2014/main" id="{69EA5A84-C0F3-D0A4-83EB-067B64218B45}"/>
+                </a:ext>
+              </a:extLst>
+            </p:cNvPr>
+            <p:cNvSpPr txBox="1"/>
+            <p:nvPr/>
+          </p:nvSpPr>
+          <p:spPr>
+            <a:xfrm>
+              <a:off x="3474537" y="2840580"/>
+              <a:ext cx="314510" cy="307777"/>
+            </a:xfrm>
+            <a:prstGeom prst="rect">
+              <a:avLst/>
+            </a:prstGeom>
+            <a:noFill/>
+          </p:spPr>
+          <p:txBody>
+            <a:bodyPr wrap="none" rtlCol="0">
+              <a:spAutoFit/>
+            </a:bodyPr>
+            <a:lstStyle/>
+            <a:p>
+              <a:r>
+                <a:rPr lang="en-PH" sz="1400" b="1" dirty="0">
+                  <a:latin typeface="Arial" panose="020B0604020202020204" pitchFamily="34" charset="0"/>
+                  <a:cs typeface="Arial" panose="020B0604020202020204" pitchFamily="34" charset="0"/>
+                </a:rPr>
+                <a:t>D</a:t>
+              </a:r>
+            </a:p>
+          </p:txBody>
+        </p:sp>
+      </p:grpSp>
+      <p:grpSp>
+        <p:nvGrpSpPr>
+          <p:cNvPr id="72" name="Group 71">
+            <a:extLst>
+              <a:ext uri="{FF2B5EF4-FFF2-40B4-BE49-F238E27FC236}">
+                <a16:creationId xmlns:a16="http://schemas.microsoft.com/office/drawing/2014/main" id="{B4B7261D-E00D-104A-F898-729149990343}"/>
+              </a:ext>
+            </a:extLst>
+          </p:cNvPr>
+          <p:cNvGrpSpPr/>
+          <p:nvPr/>
+        </p:nvGrpSpPr>
+        <p:grpSpPr>
+          <a:xfrm>
+            <a:off x="48261" y="4101742"/>
+            <a:ext cx="4722851" cy="784224"/>
+            <a:chOff x="48261" y="4101742"/>
+            <a:chExt cx="4722851" cy="784224"/>
+          </a:xfrm>
+        </p:grpSpPr>
+        <p:pic>
+          <p:nvPicPr>
+            <p:cNvPr id="26" name="Picture 25">
+              <a:extLst>
+                <a:ext uri="{FF2B5EF4-FFF2-40B4-BE49-F238E27FC236}">
+                  <a16:creationId xmlns:a16="http://schemas.microsoft.com/office/drawing/2014/main" id="{38B1B475-EE03-3F30-2D7D-6681F05E8B77}"/>
+                </a:ext>
+              </a:extLst>
+            </p:cNvPr>
+            <p:cNvPicPr>
+              <a:picLocks noChangeAspect="1"/>
+            </p:cNvPicPr>
+            <p:nvPr/>
+          </p:nvPicPr>
+          <p:blipFill>
+            <a:blip r:embed="rId6"/>
+            <a:stretch>
+              <a:fillRect/>
+            </a:stretch>
+          </p:blipFill>
+          <p:spPr>
+            <a:xfrm>
+              <a:off x="87007" y="4268966"/>
+              <a:ext cx="4684105" cy="603665"/>
+            </a:xfrm>
+            <a:prstGeom prst="rect">
+              <a:avLst/>
+            </a:prstGeom>
+          </p:spPr>
+        </p:pic>
+        <p:sp>
+          <p:nvSpPr>
+            <p:cNvPr id="62" name="Rectangle 61">
+              <a:extLst>
+                <a:ext uri="{FF2B5EF4-FFF2-40B4-BE49-F238E27FC236}">
+                  <a16:creationId xmlns:a16="http://schemas.microsoft.com/office/drawing/2014/main" id="{7B6A1FA5-73D7-5097-82C9-B86879B78489}"/>
                 </a:ext>
               </a:extLst>
             </p:cNvPr>
@@ -4362,14 +3713,14 @@
           </p:nvSpPr>
           <p:spPr>
             <a:xfrm>
-              <a:off x="815341" y="1020684"/>
-              <a:ext cx="2635571" cy="182519"/>
+              <a:off x="817245" y="4639098"/>
+              <a:ext cx="2169795" cy="246868"/>
             </a:xfrm>
             <a:prstGeom prst="rect">
               <a:avLst/>
             </a:prstGeom>
             <a:noFill/>
-            <a:ln>
+            <a:ln w="19050">
               <a:solidFill>
                 <a:srgbClr val="FF0000"/>
               </a:solidFill>
@@ -4402,10 +3753,10 @@
         </p:sp>
         <p:sp>
           <p:nvSpPr>
-            <p:cNvPr id="25" name="TextBox 24">
+            <p:cNvPr id="68" name="TextBox 67">
               <a:extLst>
                 <a:ext uri="{FF2B5EF4-FFF2-40B4-BE49-F238E27FC236}">
-                  <a16:creationId xmlns:a16="http://schemas.microsoft.com/office/drawing/2014/main" id="{3EC4F539-BF3C-A87C-FDD1-9DB272C80D04}"/>
+                  <a16:creationId xmlns:a16="http://schemas.microsoft.com/office/drawing/2014/main" id="{BF5F77F3-EA15-CB9E-F8E1-C4F993E5B128}"/>
                 </a:ext>
               </a:extLst>
             </p:cNvPr>
@@ -4414,8 +3765,8 @@
           </p:nvSpPr>
           <p:spPr>
             <a:xfrm>
-              <a:off x="3578794" y="373142"/>
-              <a:ext cx="295274" cy="276999"/>
+              <a:off x="48261" y="4101742"/>
+              <a:ext cx="314510" cy="307777"/>
             </a:xfrm>
             <a:prstGeom prst="rect">
               <a:avLst/>
@@ -4429,329 +3780,7 @@
             <a:lstStyle/>
             <a:p>
               <a:r>
-                <a:rPr lang="en-PH" sz="1200" b="1" dirty="0">
-                  <a:latin typeface="Arial" panose="020B0604020202020204" pitchFamily="34" charset="0"/>
-                  <a:cs typeface="Arial" panose="020B0604020202020204" pitchFamily="34" charset="0"/>
-                </a:rPr>
-                <a:t>B</a:t>
-              </a:r>
-            </a:p>
-          </p:txBody>
-        </p:sp>
-        <p:sp>
-          <p:nvSpPr>
-            <p:cNvPr id="51" name="Rectangle 50">
-              <a:extLst>
-                <a:ext uri="{FF2B5EF4-FFF2-40B4-BE49-F238E27FC236}">
-                  <a16:creationId xmlns:a16="http://schemas.microsoft.com/office/drawing/2014/main" id="{06704841-9258-65F8-3216-DEFC2D0E43FF}"/>
-                </a:ext>
-              </a:extLst>
-            </p:cNvPr>
-            <p:cNvSpPr/>
-            <p:nvPr/>
-          </p:nvSpPr>
-          <p:spPr>
-            <a:xfrm>
-              <a:off x="4243976" y="650141"/>
-              <a:ext cx="2187304" cy="325219"/>
-            </a:xfrm>
-            <a:prstGeom prst="rect">
-              <a:avLst/>
-            </a:prstGeom>
-            <a:noFill/>
-            <a:ln>
-              <a:solidFill>
-                <a:srgbClr val="FF0000"/>
-              </a:solidFill>
-            </a:ln>
-          </p:spPr>
-          <p:style>
-            <a:lnRef idx="2">
-              <a:schemeClr val="accent1">
-                <a:shade val="15000"/>
-              </a:schemeClr>
-            </a:lnRef>
-            <a:fillRef idx="1">
-              <a:schemeClr val="accent1"/>
-            </a:fillRef>
-            <a:effectRef idx="0">
-              <a:schemeClr val="accent1"/>
-            </a:effectRef>
-            <a:fontRef idx="minor">
-              <a:schemeClr val="lt1"/>
-            </a:fontRef>
-          </p:style>
-          <p:txBody>
-            <a:bodyPr rtlCol="0" anchor="ctr"/>
-            <a:lstStyle/>
-            <a:p>
-              <a:pPr algn="ctr"/>
-              <a:endParaRPr lang="en-PH"/>
-            </a:p>
-          </p:txBody>
-        </p:sp>
-        <p:sp>
-          <p:nvSpPr>
-            <p:cNvPr id="15" name="Rectangle 14">
-              <a:extLst>
-                <a:ext uri="{FF2B5EF4-FFF2-40B4-BE49-F238E27FC236}">
-                  <a16:creationId xmlns:a16="http://schemas.microsoft.com/office/drawing/2014/main" id="{F2556ACA-2056-6B4C-250C-2F1B56664DBD}"/>
-                </a:ext>
-              </a:extLst>
-            </p:cNvPr>
-            <p:cNvSpPr/>
-            <p:nvPr/>
-          </p:nvSpPr>
-          <p:spPr>
-            <a:xfrm>
-              <a:off x="4243976" y="1109963"/>
-              <a:ext cx="2187304" cy="325219"/>
-            </a:xfrm>
-            <a:prstGeom prst="rect">
-              <a:avLst/>
-            </a:prstGeom>
-            <a:noFill/>
-            <a:ln>
-              <a:solidFill>
-                <a:srgbClr val="FF0000"/>
-              </a:solidFill>
-            </a:ln>
-          </p:spPr>
-          <p:style>
-            <a:lnRef idx="2">
-              <a:schemeClr val="accent1">
-                <a:shade val="15000"/>
-              </a:schemeClr>
-            </a:lnRef>
-            <a:fillRef idx="1">
-              <a:schemeClr val="accent1"/>
-            </a:fillRef>
-            <a:effectRef idx="0">
-              <a:schemeClr val="accent1"/>
-            </a:effectRef>
-            <a:fontRef idx="minor">
-              <a:schemeClr val="lt1"/>
-            </a:fontRef>
-          </p:style>
-          <p:txBody>
-            <a:bodyPr rtlCol="0" anchor="ctr"/>
-            <a:lstStyle/>
-            <a:p>
-              <a:pPr algn="ctr"/>
-              <a:endParaRPr lang="en-PH"/>
-            </a:p>
-          </p:txBody>
-        </p:sp>
-        <p:sp>
-          <p:nvSpPr>
-            <p:cNvPr id="26" name="TextBox 25">
-              <a:extLst>
-                <a:ext uri="{FF2B5EF4-FFF2-40B4-BE49-F238E27FC236}">
-                  <a16:creationId xmlns:a16="http://schemas.microsoft.com/office/drawing/2014/main" id="{FF00046A-4361-A200-29BF-6CD969C2C5B8}"/>
-                </a:ext>
-              </a:extLst>
-            </p:cNvPr>
-            <p:cNvSpPr txBox="1"/>
-            <p:nvPr/>
-          </p:nvSpPr>
-          <p:spPr>
-            <a:xfrm>
-              <a:off x="171623" y="1540593"/>
-              <a:ext cx="295274" cy="276999"/>
-            </a:xfrm>
-            <a:prstGeom prst="rect">
-              <a:avLst/>
-            </a:prstGeom>
-            <a:noFill/>
-          </p:spPr>
-          <p:txBody>
-            <a:bodyPr wrap="none" rtlCol="0">
-              <a:spAutoFit/>
-            </a:bodyPr>
-            <a:lstStyle/>
-            <a:p>
-              <a:r>
-                <a:rPr lang="en-PH" sz="1200" b="1" dirty="0">
-                  <a:latin typeface="Arial" panose="020B0604020202020204" pitchFamily="34" charset="0"/>
-                  <a:cs typeface="Arial" panose="020B0604020202020204" pitchFamily="34" charset="0"/>
-                </a:rPr>
-                <a:t>C</a:t>
-              </a:r>
-            </a:p>
-          </p:txBody>
-        </p:sp>
-        <p:sp>
-          <p:nvSpPr>
-            <p:cNvPr id="42" name="Rectangle 41">
-              <a:extLst>
-                <a:ext uri="{FF2B5EF4-FFF2-40B4-BE49-F238E27FC236}">
-                  <a16:creationId xmlns:a16="http://schemas.microsoft.com/office/drawing/2014/main" id="{AF6A7CA8-A5AA-2BE9-ED04-7A66E4F74F01}"/>
-                </a:ext>
-              </a:extLst>
-            </p:cNvPr>
-            <p:cNvSpPr/>
-            <p:nvPr/>
-          </p:nvSpPr>
-          <p:spPr>
-            <a:xfrm>
-              <a:off x="735356" y="1714869"/>
-              <a:ext cx="2635571" cy="476325"/>
-            </a:xfrm>
-            <a:prstGeom prst="rect">
-              <a:avLst/>
-            </a:prstGeom>
-            <a:noFill/>
-            <a:ln>
-              <a:solidFill>
-                <a:srgbClr val="FF0000"/>
-              </a:solidFill>
-            </a:ln>
-          </p:spPr>
-          <p:style>
-            <a:lnRef idx="2">
-              <a:schemeClr val="accent1">
-                <a:shade val="15000"/>
-              </a:schemeClr>
-            </a:lnRef>
-            <a:fillRef idx="1">
-              <a:schemeClr val="accent1"/>
-            </a:fillRef>
-            <a:effectRef idx="0">
-              <a:schemeClr val="accent1"/>
-            </a:effectRef>
-            <a:fontRef idx="minor">
-              <a:schemeClr val="lt1"/>
-            </a:fontRef>
-          </p:style>
-          <p:txBody>
-            <a:bodyPr rtlCol="0" anchor="ctr"/>
-            <a:lstStyle/>
-            <a:p>
-              <a:pPr algn="ctr"/>
-              <a:endParaRPr lang="en-PH"/>
-            </a:p>
-          </p:txBody>
-        </p:sp>
-        <p:sp>
-          <p:nvSpPr>
-            <p:cNvPr id="27" name="TextBox 26">
-              <a:extLst>
-                <a:ext uri="{FF2B5EF4-FFF2-40B4-BE49-F238E27FC236}">
-                  <a16:creationId xmlns:a16="http://schemas.microsoft.com/office/drawing/2014/main" id="{3AD7F669-1838-DECF-CCFA-14C0E96995CF}"/>
-                </a:ext>
-              </a:extLst>
-            </p:cNvPr>
-            <p:cNvSpPr txBox="1"/>
-            <p:nvPr/>
-          </p:nvSpPr>
-          <p:spPr>
-            <a:xfrm>
-              <a:off x="3578794" y="1540593"/>
-              <a:ext cx="295274" cy="276999"/>
-            </a:xfrm>
-            <a:prstGeom prst="rect">
-              <a:avLst/>
-            </a:prstGeom>
-            <a:noFill/>
-          </p:spPr>
-          <p:txBody>
-            <a:bodyPr wrap="none" rtlCol="0">
-              <a:spAutoFit/>
-            </a:bodyPr>
-            <a:lstStyle/>
-            <a:p>
-              <a:r>
-                <a:rPr lang="en-PH" sz="1200" b="1" dirty="0">
-                  <a:latin typeface="Arial" panose="020B0604020202020204" pitchFamily="34" charset="0"/>
-                  <a:cs typeface="Arial" panose="020B0604020202020204" pitchFamily="34" charset="0"/>
-                </a:rPr>
-                <a:t>D</a:t>
-              </a:r>
-            </a:p>
-          </p:txBody>
-        </p:sp>
-        <p:sp>
-          <p:nvSpPr>
-            <p:cNvPr id="52" name="Rectangle 51">
-              <a:extLst>
-                <a:ext uri="{FF2B5EF4-FFF2-40B4-BE49-F238E27FC236}">
-                  <a16:creationId xmlns:a16="http://schemas.microsoft.com/office/drawing/2014/main" id="{426848A7-E5AB-D05C-49F8-D8E882582AEB}"/>
-                </a:ext>
-              </a:extLst>
-            </p:cNvPr>
-            <p:cNvSpPr/>
-            <p:nvPr/>
-          </p:nvSpPr>
-          <p:spPr>
-            <a:xfrm>
-              <a:off x="4106082" y="2155609"/>
-              <a:ext cx="2410542" cy="426796"/>
-            </a:xfrm>
-            <a:prstGeom prst="rect">
-              <a:avLst/>
-            </a:prstGeom>
-            <a:noFill/>
-            <a:ln>
-              <a:solidFill>
-                <a:srgbClr val="FF0000"/>
-              </a:solidFill>
-            </a:ln>
-          </p:spPr>
-          <p:style>
-            <a:lnRef idx="2">
-              <a:schemeClr val="accent1">
-                <a:shade val="15000"/>
-              </a:schemeClr>
-            </a:lnRef>
-            <a:fillRef idx="1">
-              <a:schemeClr val="accent1"/>
-            </a:fillRef>
-            <a:effectRef idx="0">
-              <a:schemeClr val="accent1"/>
-            </a:effectRef>
-            <a:fontRef idx="minor">
-              <a:schemeClr val="lt1"/>
-            </a:fontRef>
-          </p:style>
-          <p:txBody>
-            <a:bodyPr rtlCol="0" anchor="ctr"/>
-            <a:lstStyle/>
-            <a:p>
-              <a:pPr algn="ctr"/>
-              <a:endParaRPr lang="en-PH"/>
-            </a:p>
-          </p:txBody>
-        </p:sp>
-        <p:sp>
-          <p:nvSpPr>
-            <p:cNvPr id="31" name="TextBox 30">
-              <a:extLst>
-                <a:ext uri="{FF2B5EF4-FFF2-40B4-BE49-F238E27FC236}">
-                  <a16:creationId xmlns:a16="http://schemas.microsoft.com/office/drawing/2014/main" id="{862F7BCA-0454-98F3-58CD-38BD0211D7AB}"/>
-                </a:ext>
-              </a:extLst>
-            </p:cNvPr>
-            <p:cNvSpPr txBox="1"/>
-            <p:nvPr/>
-          </p:nvSpPr>
-          <p:spPr>
-            <a:xfrm>
-              <a:off x="171623" y="2845621"/>
-              <a:ext cx="287258" cy="276999"/>
-            </a:xfrm>
-            <a:prstGeom prst="rect">
-              <a:avLst/>
-            </a:prstGeom>
-            <a:noFill/>
-          </p:spPr>
-          <p:txBody>
-            <a:bodyPr wrap="none" rtlCol="0">
-              <a:spAutoFit/>
-            </a:bodyPr>
-            <a:lstStyle/>
-            <a:p>
-              <a:r>
-                <a:rPr lang="en-PH" sz="1200" b="1" dirty="0">
+                <a:rPr lang="en-PH" sz="1400" b="1" dirty="0">
                   <a:latin typeface="Arial" panose="020B0604020202020204" pitchFamily="34" charset="0"/>
                   <a:cs typeface="Arial" panose="020B0604020202020204" pitchFamily="34" charset="0"/>
                 </a:rPr>
@@ -4760,205 +3789,101 @@
             </a:p>
           </p:txBody>
         </p:sp>
-        <p:sp>
-          <p:nvSpPr>
-            <p:cNvPr id="50" name="Rectangle 49">
-              <a:extLst>
-                <a:ext uri="{FF2B5EF4-FFF2-40B4-BE49-F238E27FC236}">
-                  <a16:creationId xmlns:a16="http://schemas.microsoft.com/office/drawing/2014/main" id="{49DD86C2-58CF-2CFF-D9C3-F7B1035CED4E}"/>
-                </a:ext>
-              </a:extLst>
-            </p:cNvPr>
-            <p:cNvSpPr/>
-            <p:nvPr/>
-          </p:nvSpPr>
-          <p:spPr>
-            <a:xfrm>
-              <a:off x="644842" y="3098660"/>
-              <a:ext cx="2634365" cy="321727"/>
-            </a:xfrm>
-            <a:prstGeom prst="rect">
-              <a:avLst/>
-            </a:prstGeom>
-            <a:noFill/>
-            <a:ln>
-              <a:solidFill>
-                <a:srgbClr val="FF0000"/>
-              </a:solidFill>
-            </a:ln>
-          </p:spPr>
-          <p:style>
-            <a:lnRef idx="2">
-              <a:schemeClr val="accent1">
-                <a:shade val="15000"/>
-              </a:schemeClr>
-            </a:lnRef>
-            <a:fillRef idx="1">
-              <a:schemeClr val="accent1"/>
-            </a:fillRef>
-            <a:effectRef idx="0">
-              <a:schemeClr val="accent1"/>
-            </a:effectRef>
-            <a:fontRef idx="minor">
-              <a:schemeClr val="lt1"/>
-            </a:fontRef>
-          </p:style>
-          <p:txBody>
-            <a:bodyPr rtlCol="0" anchor="ctr"/>
-            <a:lstStyle/>
-            <a:p>
-              <a:pPr algn="ctr"/>
-              <a:endParaRPr lang="en-PH"/>
-            </a:p>
-          </p:txBody>
-        </p:sp>
-        <p:sp>
-          <p:nvSpPr>
-            <p:cNvPr id="36" name="TextBox 35">
-              <a:extLst>
-                <a:ext uri="{FF2B5EF4-FFF2-40B4-BE49-F238E27FC236}">
-                  <a16:creationId xmlns:a16="http://schemas.microsoft.com/office/drawing/2014/main" id="{0835281B-525B-B84F-E4E5-02A50E23A8B8}"/>
-                </a:ext>
-              </a:extLst>
-            </p:cNvPr>
-            <p:cNvSpPr txBox="1"/>
-            <p:nvPr/>
-          </p:nvSpPr>
-          <p:spPr>
-            <a:xfrm>
-              <a:off x="3578794" y="2845621"/>
-              <a:ext cx="279244" cy="276999"/>
-            </a:xfrm>
-            <a:prstGeom prst="rect">
-              <a:avLst/>
-            </a:prstGeom>
-            <a:noFill/>
-          </p:spPr>
-          <p:txBody>
-            <a:bodyPr wrap="none" rtlCol="0">
-              <a:spAutoFit/>
-            </a:bodyPr>
-            <a:lstStyle/>
-            <a:p>
-              <a:r>
-                <a:rPr lang="en-PH" sz="1200" b="1" dirty="0">
-                  <a:latin typeface="Arial" panose="020B0604020202020204" pitchFamily="34" charset="0"/>
-                  <a:cs typeface="Arial" panose="020B0604020202020204" pitchFamily="34" charset="0"/>
-                </a:rPr>
-                <a:t>F</a:t>
-              </a:r>
-            </a:p>
-          </p:txBody>
-        </p:sp>
-        <p:sp>
-          <p:nvSpPr>
-            <p:cNvPr id="53" name="Rectangle 52">
-              <a:extLst>
-                <a:ext uri="{FF2B5EF4-FFF2-40B4-BE49-F238E27FC236}">
-                  <a16:creationId xmlns:a16="http://schemas.microsoft.com/office/drawing/2014/main" id="{57694963-A4F6-AB2E-318E-D1F1E5E44832}"/>
-                </a:ext>
-              </a:extLst>
-            </p:cNvPr>
-            <p:cNvSpPr/>
-            <p:nvPr/>
-          </p:nvSpPr>
-          <p:spPr>
-            <a:xfrm>
-              <a:off x="4224954" y="2845621"/>
-              <a:ext cx="2236806" cy="129164"/>
-            </a:xfrm>
-            <a:prstGeom prst="rect">
-              <a:avLst/>
-            </a:prstGeom>
-            <a:noFill/>
-            <a:ln>
-              <a:solidFill>
-                <a:srgbClr val="FF0000"/>
-              </a:solidFill>
-            </a:ln>
-          </p:spPr>
-          <p:style>
-            <a:lnRef idx="2">
-              <a:schemeClr val="accent1">
-                <a:shade val="15000"/>
-              </a:schemeClr>
-            </a:lnRef>
-            <a:fillRef idx="1">
-              <a:schemeClr val="accent1"/>
-            </a:fillRef>
-            <a:effectRef idx="0">
-              <a:schemeClr val="accent1"/>
-            </a:effectRef>
-            <a:fontRef idx="minor">
-              <a:schemeClr val="lt1"/>
-            </a:fontRef>
-          </p:style>
-          <p:txBody>
-            <a:bodyPr rtlCol="0" anchor="ctr"/>
-            <a:lstStyle/>
-            <a:p>
-              <a:pPr algn="ctr"/>
-              <a:endParaRPr lang="en-PH"/>
-            </a:p>
-          </p:txBody>
-        </p:sp>
-        <p:sp>
-          <p:nvSpPr>
-            <p:cNvPr id="54" name="Rectangle 53">
-              <a:extLst>
-                <a:ext uri="{FF2B5EF4-FFF2-40B4-BE49-F238E27FC236}">
-                  <a16:creationId xmlns:a16="http://schemas.microsoft.com/office/drawing/2014/main" id="{3A174910-6D22-9AA7-399C-83E5DD2CDEA5}"/>
-                </a:ext>
-              </a:extLst>
-            </p:cNvPr>
-            <p:cNvSpPr/>
-            <p:nvPr/>
-          </p:nvSpPr>
-          <p:spPr>
-            <a:xfrm>
-              <a:off x="4078600" y="3007429"/>
-              <a:ext cx="2383160" cy="412958"/>
-            </a:xfrm>
-            <a:prstGeom prst="rect">
-              <a:avLst/>
-            </a:prstGeom>
-            <a:noFill/>
-            <a:ln>
-              <a:solidFill>
-                <a:srgbClr val="FF0000"/>
-              </a:solidFill>
-            </a:ln>
-          </p:spPr>
-          <p:style>
-            <a:lnRef idx="2">
-              <a:schemeClr val="accent1">
-                <a:shade val="15000"/>
-              </a:schemeClr>
-            </a:lnRef>
-            <a:fillRef idx="1">
-              <a:schemeClr val="accent1"/>
-            </a:fillRef>
-            <a:effectRef idx="0">
-              <a:schemeClr val="accent1"/>
-            </a:effectRef>
-            <a:fontRef idx="minor">
-              <a:schemeClr val="lt1"/>
-            </a:fontRef>
-          </p:style>
-          <p:txBody>
-            <a:bodyPr rtlCol="0" anchor="ctr"/>
-            <a:lstStyle/>
-            <a:p>
-              <a:pPr algn="ctr"/>
-              <a:endParaRPr lang="en-PH"/>
-            </a:p>
-          </p:txBody>
-        </p:sp>
       </p:grpSp>
     </p:spTree>
     <p:extLst>
       <p:ext uri="{BB962C8B-B14F-4D97-AF65-F5344CB8AC3E}">
-        <p14:creationId xmlns:p14="http://schemas.microsoft.com/office/powerpoint/2010/main" val="4084770110"/>
+        <p14:creationId xmlns:p14="http://schemas.microsoft.com/office/powerpoint/2010/main" val="526150633"/>
+      </p:ext>
+    </p:extLst>
+  </p:cSld>
+  <p:clrMapOvr>
+    <a:masterClrMapping/>
+  </p:clrMapOvr>
+</p:sld>
+</file>
+
+<file path=ppt/slides/slide2.xml><?xml version="1.0" encoding="utf-8"?>
+<p:sld xmlns:a="http://schemas.openxmlformats.org/drawingml/2006/main" xmlns:r="http://schemas.openxmlformats.org/officeDocument/2006/relationships" xmlns:p="http://schemas.openxmlformats.org/presentationml/2006/main">
+  <p:cSld>
+    <p:spTree>
+      <p:nvGrpSpPr>
+        <p:cNvPr id="1" name=""/>
+        <p:cNvGrpSpPr/>
+        <p:nvPr/>
+      </p:nvGrpSpPr>
+      <p:grpSpPr>
+        <a:xfrm>
+          <a:off x="0" y="0"/>
+          <a:ext cx="0" cy="0"/>
+          <a:chOff x="0" y="0"/>
+          <a:chExt cx="0" cy="0"/>
+        </a:xfrm>
+      </p:grpSpPr>
+      <p:pic>
+        <p:nvPicPr>
+          <p:cNvPr id="3" name="Picture 2">
+            <a:extLst>
+              <a:ext uri="{FF2B5EF4-FFF2-40B4-BE49-F238E27FC236}">
+                <a16:creationId xmlns:a16="http://schemas.microsoft.com/office/drawing/2014/main" id="{1FA617ED-F0B1-1689-37F0-58BAF8AD47A8}"/>
+              </a:ext>
+            </a:extLst>
+          </p:cNvPr>
+          <p:cNvPicPr>
+            <a:picLocks noChangeAspect="1"/>
+          </p:cNvPicPr>
+          <p:nvPr/>
+        </p:nvPicPr>
+        <p:blipFill>
+          <a:blip r:embed="rId2"/>
+          <a:stretch>
+            <a:fillRect/>
+          </a:stretch>
+        </p:blipFill>
+        <p:spPr>
+          <a:xfrm>
+            <a:off x="0" y="225162"/>
+            <a:ext cx="6858000" cy="982235"/>
+          </a:xfrm>
+          <a:prstGeom prst="rect">
+            <a:avLst/>
+          </a:prstGeom>
+        </p:spPr>
+      </p:pic>
+      <p:pic>
+        <p:nvPicPr>
+          <p:cNvPr id="5" name="Picture 4">
+            <a:extLst>
+              <a:ext uri="{FF2B5EF4-FFF2-40B4-BE49-F238E27FC236}">
+                <a16:creationId xmlns:a16="http://schemas.microsoft.com/office/drawing/2014/main" id="{8A25EFA7-E846-A08B-5325-3200664BAE41}"/>
+              </a:ext>
+            </a:extLst>
+          </p:cNvPr>
+          <p:cNvPicPr>
+            <a:picLocks noChangeAspect="1"/>
+          </p:cNvPicPr>
+          <p:nvPr/>
+        </p:nvPicPr>
+        <p:blipFill>
+          <a:blip r:embed="rId3"/>
+          <a:stretch>
+            <a:fillRect/>
+          </a:stretch>
+        </p:blipFill>
+        <p:spPr>
+          <a:xfrm>
+            <a:off x="311728" y="1406287"/>
+            <a:ext cx="6234545" cy="1302225"/>
+          </a:xfrm>
+          <a:prstGeom prst="rect">
+            <a:avLst/>
+          </a:prstGeom>
+        </p:spPr>
+      </p:pic>
+    </p:spTree>
+    <p:extLst>
+      <p:ext uri="{BB962C8B-B14F-4D97-AF65-F5344CB8AC3E}">
+        <p14:creationId xmlns:p14="http://schemas.microsoft.com/office/powerpoint/2010/main" val="3608809663"/>
       </p:ext>
     </p:extLst>
   </p:cSld>

--- a/minda-barcoding/results/FIGURES/Figs.pptx
+++ b/minda-barcoding/results/FIGURES/Figs.pptx
@@ -6,7 +6,10 @@
   </p:sldMasterIdLst>
   <p:sldIdLst>
     <p:sldId id="258" r:id="rId2"/>
-    <p:sldId id="259" r:id="rId3"/>
+    <p:sldId id="262" r:id="rId3"/>
+    <p:sldId id="261" r:id="rId4"/>
+    <p:sldId id="259" r:id="rId5"/>
+    <p:sldId id="260" r:id="rId6"/>
   </p:sldIdLst>
   <p:sldSz cx="6858000" cy="9906000" type="A4"/>
   <p:notesSz cx="6858000" cy="9144000"/>
@@ -244,7 +247,7 @@
           <a:p>
             <a:fld id="{4E8A9C9A-52FE-4EC7-9639-471277F89EDC}" type="datetimeFigureOut">
               <a:rPr lang="en-PH" smtClean="0"/>
-              <a:t>08/10/2023</a:t>
+              <a:t>14/10/2023</a:t>
             </a:fld>
             <a:endParaRPr lang="en-PH"/>
           </a:p>
@@ -414,7 +417,7 @@
           <a:p>
             <a:fld id="{4E8A9C9A-52FE-4EC7-9639-471277F89EDC}" type="datetimeFigureOut">
               <a:rPr lang="en-PH" smtClean="0"/>
-              <a:t>08/10/2023</a:t>
+              <a:t>14/10/2023</a:t>
             </a:fld>
             <a:endParaRPr lang="en-PH"/>
           </a:p>
@@ -594,7 +597,7 @@
           <a:p>
             <a:fld id="{4E8A9C9A-52FE-4EC7-9639-471277F89EDC}" type="datetimeFigureOut">
               <a:rPr lang="en-PH" smtClean="0"/>
-              <a:t>08/10/2023</a:t>
+              <a:t>14/10/2023</a:t>
             </a:fld>
             <a:endParaRPr lang="en-PH"/>
           </a:p>
@@ -764,7 +767,7 @@
           <a:p>
             <a:fld id="{4E8A9C9A-52FE-4EC7-9639-471277F89EDC}" type="datetimeFigureOut">
               <a:rPr lang="en-PH" smtClean="0"/>
-              <a:t>08/10/2023</a:t>
+              <a:t>14/10/2023</a:t>
             </a:fld>
             <a:endParaRPr lang="en-PH"/>
           </a:p>
@@ -1008,7 +1011,7 @@
           <a:p>
             <a:fld id="{4E8A9C9A-52FE-4EC7-9639-471277F89EDC}" type="datetimeFigureOut">
               <a:rPr lang="en-PH" smtClean="0"/>
-              <a:t>08/10/2023</a:t>
+              <a:t>14/10/2023</a:t>
             </a:fld>
             <a:endParaRPr lang="en-PH"/>
           </a:p>
@@ -1240,7 +1243,7 @@
           <a:p>
             <a:fld id="{4E8A9C9A-52FE-4EC7-9639-471277F89EDC}" type="datetimeFigureOut">
               <a:rPr lang="en-PH" smtClean="0"/>
-              <a:t>08/10/2023</a:t>
+              <a:t>14/10/2023</a:t>
             </a:fld>
             <a:endParaRPr lang="en-PH"/>
           </a:p>
@@ -1607,7 +1610,7 @@
           <a:p>
             <a:fld id="{4E8A9C9A-52FE-4EC7-9639-471277F89EDC}" type="datetimeFigureOut">
               <a:rPr lang="en-PH" smtClean="0"/>
-              <a:t>08/10/2023</a:t>
+              <a:t>14/10/2023</a:t>
             </a:fld>
             <a:endParaRPr lang="en-PH"/>
           </a:p>
@@ -1725,7 +1728,7 @@
           <a:p>
             <a:fld id="{4E8A9C9A-52FE-4EC7-9639-471277F89EDC}" type="datetimeFigureOut">
               <a:rPr lang="en-PH" smtClean="0"/>
-              <a:t>08/10/2023</a:t>
+              <a:t>14/10/2023</a:t>
             </a:fld>
             <a:endParaRPr lang="en-PH"/>
           </a:p>
@@ -1820,7 +1823,7 @@
           <a:p>
             <a:fld id="{4E8A9C9A-52FE-4EC7-9639-471277F89EDC}" type="datetimeFigureOut">
               <a:rPr lang="en-PH" smtClean="0"/>
-              <a:t>08/10/2023</a:t>
+              <a:t>14/10/2023</a:t>
             </a:fld>
             <a:endParaRPr lang="en-PH"/>
           </a:p>
@@ -2097,7 +2100,7 @@
           <a:p>
             <a:fld id="{4E8A9C9A-52FE-4EC7-9639-471277F89EDC}" type="datetimeFigureOut">
               <a:rPr lang="en-PH" smtClean="0"/>
-              <a:t>08/10/2023</a:t>
+              <a:t>14/10/2023</a:t>
             </a:fld>
             <a:endParaRPr lang="en-PH"/>
           </a:p>
@@ -2354,7 +2357,7 @@
           <a:p>
             <a:fld id="{4E8A9C9A-52FE-4EC7-9639-471277F89EDC}" type="datetimeFigureOut">
               <a:rPr lang="en-PH" smtClean="0"/>
-              <a:t>08/10/2023</a:t>
+              <a:t>14/10/2023</a:t>
             </a:fld>
             <a:endParaRPr lang="en-PH"/>
           </a:p>
@@ -2567,7 +2570,7 @@
           <a:p>
             <a:fld id="{4E8A9C9A-52FE-4EC7-9639-471277F89EDC}" type="datetimeFigureOut">
               <a:rPr lang="en-PH" smtClean="0"/>
-              <a:t>08/10/2023</a:t>
+              <a:t>14/10/2023</a:t>
             </a:fld>
             <a:endParaRPr lang="en-PH"/>
           </a:p>
@@ -2974,10 +2977,10 @@
       </p:grpSpPr>
       <p:grpSp>
         <p:nvGrpSpPr>
-          <p:cNvPr id="70" name="Group 69">
+          <p:cNvPr id="22" name="Group 21">
             <a:extLst>
               <a:ext uri="{FF2B5EF4-FFF2-40B4-BE49-F238E27FC236}">
-                <a16:creationId xmlns:a16="http://schemas.microsoft.com/office/drawing/2014/main" id="{072F593B-A2BB-D597-3532-23CF7D596A38}"/>
+                <a16:creationId xmlns:a16="http://schemas.microsoft.com/office/drawing/2014/main" id="{24534DC4-EEE8-F275-6F39-76180673A7A2}"/>
               </a:ext>
             </a:extLst>
           </p:cNvPr>
@@ -2986,809 +2989,632 @@
         </p:nvGrpSpPr>
         <p:grpSpPr>
           <a:xfrm>
-            <a:off x="48261" y="291828"/>
-            <a:ext cx="6787724" cy="2437109"/>
-            <a:chOff x="48261" y="291828"/>
-            <a:chExt cx="6787724" cy="2437109"/>
+            <a:off x="423831" y="423617"/>
+            <a:ext cx="6167592" cy="7869685"/>
+            <a:chOff x="423831" y="423617"/>
+            <a:chExt cx="6167592" cy="7869685"/>
           </a:xfrm>
         </p:grpSpPr>
-        <p:pic>
-          <p:nvPicPr>
-            <p:cNvPr id="23" name="Picture 22">
+        <p:grpSp>
+          <p:nvGrpSpPr>
+            <p:cNvPr id="19" name="Group 18">
               <a:extLst>
                 <a:ext uri="{FF2B5EF4-FFF2-40B4-BE49-F238E27FC236}">
-                  <a16:creationId xmlns:a16="http://schemas.microsoft.com/office/drawing/2014/main" id="{2857C67A-2A64-E17D-3724-5A9AC2DCCFCF}"/>
+                  <a16:creationId xmlns:a16="http://schemas.microsoft.com/office/drawing/2014/main" id="{C218D71F-777D-0E68-73EE-5E030D4E9D12}"/>
                 </a:ext>
               </a:extLst>
             </p:cNvPr>
-            <p:cNvPicPr>
-              <a:picLocks noChangeAspect="1"/>
-            </p:cNvPicPr>
+            <p:cNvGrpSpPr/>
             <p:nvPr/>
-          </p:nvPicPr>
-          <p:blipFill>
-            <a:blip r:embed="rId2"/>
-            <a:stretch>
-              <a:fillRect/>
-            </a:stretch>
-          </p:blipFill>
-          <p:spPr>
+          </p:nvGrpSpPr>
+          <p:grpSpPr>
             <a:xfrm>
-              <a:off x="87007" y="540887"/>
-              <a:ext cx="3199306" cy="2188050"/>
+              <a:off x="546921" y="423617"/>
+              <a:ext cx="5825023" cy="3321350"/>
+              <a:chOff x="546921" y="423617"/>
+              <a:chExt cx="5825023" cy="3321350"/>
             </a:xfrm>
-            <a:prstGeom prst="rect">
-              <a:avLst/>
-            </a:prstGeom>
-          </p:spPr>
-        </p:pic>
-        <p:pic>
-          <p:nvPicPr>
-            <p:cNvPr id="17" name="Picture 16">
+          </p:grpSpPr>
+          <p:grpSp>
+            <p:nvGrpSpPr>
+              <p:cNvPr id="10" name="Group 9">
+                <a:extLst>
+                  <a:ext uri="{FF2B5EF4-FFF2-40B4-BE49-F238E27FC236}">
+                    <a16:creationId xmlns:a16="http://schemas.microsoft.com/office/drawing/2014/main" id="{E7A1BFA1-88E2-C58F-D45D-61989952069D}"/>
+                  </a:ext>
+                </a:extLst>
+              </p:cNvPr>
+              <p:cNvGrpSpPr/>
+              <p:nvPr/>
+            </p:nvGrpSpPr>
+            <p:grpSpPr>
+              <a:xfrm>
+                <a:off x="704176" y="577506"/>
+                <a:ext cx="5667768" cy="3167461"/>
+                <a:chOff x="87007" y="527553"/>
+                <a:chExt cx="3199306" cy="1787949"/>
+              </a:xfrm>
+            </p:grpSpPr>
+            <p:pic>
+              <p:nvPicPr>
+                <p:cNvPr id="8" name="Picture 7">
+                  <a:extLst>
+                    <a:ext uri="{FF2B5EF4-FFF2-40B4-BE49-F238E27FC236}">
+                      <a16:creationId xmlns:a16="http://schemas.microsoft.com/office/drawing/2014/main" id="{49F439C1-3E40-42BC-26CC-FE5EFA74AEA3}"/>
+                    </a:ext>
+                  </a:extLst>
+                </p:cNvPr>
+                <p:cNvPicPr>
+                  <a:picLocks noChangeAspect="1"/>
+                </p:cNvPicPr>
+                <p:nvPr/>
+              </p:nvPicPr>
+              <p:blipFill>
+                <a:blip r:embed="rId2"/>
+                <a:stretch>
+                  <a:fillRect/>
+                </a:stretch>
+              </p:blipFill>
+              <p:spPr>
+                <a:xfrm>
+                  <a:off x="87007" y="540887"/>
+                  <a:ext cx="3199306" cy="1774615"/>
+                </a:xfrm>
+                <a:prstGeom prst="rect">
+                  <a:avLst/>
+                </a:prstGeom>
+              </p:spPr>
+            </p:pic>
+            <p:grpSp>
+              <p:nvGrpSpPr>
+                <p:cNvPr id="9" name="Group 8">
+                  <a:extLst>
+                    <a:ext uri="{FF2B5EF4-FFF2-40B4-BE49-F238E27FC236}">
+                      <a16:creationId xmlns:a16="http://schemas.microsoft.com/office/drawing/2014/main" id="{7034D08B-EAF8-536F-BFF1-3A1C4F9EE581}"/>
+                    </a:ext>
+                  </a:extLst>
+                </p:cNvPr>
+                <p:cNvGrpSpPr/>
+                <p:nvPr/>
+              </p:nvGrpSpPr>
+              <p:grpSpPr>
+                <a:xfrm>
+                  <a:off x="480060" y="527553"/>
+                  <a:ext cx="2506980" cy="1575173"/>
+                  <a:chOff x="480060" y="527553"/>
+                  <a:chExt cx="2506980" cy="1575173"/>
+                </a:xfrm>
+              </p:grpSpPr>
+              <p:sp>
+                <p:nvSpPr>
+                  <p:cNvPr id="31" name="Rectangle: Rounded Corners 30">
+                    <a:extLst>
+                      <a:ext uri="{FF2B5EF4-FFF2-40B4-BE49-F238E27FC236}">
+                        <a16:creationId xmlns:a16="http://schemas.microsoft.com/office/drawing/2014/main" id="{8C291255-620E-DBA7-1890-67095289D67E}"/>
+                      </a:ext>
+                    </a:extLst>
+                  </p:cNvPr>
+                  <p:cNvSpPr/>
+                  <p:nvPr/>
+                </p:nvSpPr>
+                <p:spPr>
+                  <a:xfrm>
+                    <a:off x="590551" y="527553"/>
+                    <a:ext cx="2396489" cy="447808"/>
+                  </a:xfrm>
+                  <a:prstGeom prst="roundRect">
+                    <a:avLst>
+                      <a:gd name="adj" fmla="val 18217"/>
+                    </a:avLst>
+                  </a:prstGeom>
+                  <a:noFill/>
+                  <a:ln w="19050">
+                    <a:solidFill>
+                      <a:srgbClr val="FF0000"/>
+                    </a:solidFill>
+                  </a:ln>
+                </p:spPr>
+                <p:style>
+                  <a:lnRef idx="2">
+                    <a:schemeClr val="accent1">
+                      <a:shade val="15000"/>
+                    </a:schemeClr>
+                  </a:lnRef>
+                  <a:fillRef idx="1">
+                    <a:schemeClr val="accent1"/>
+                  </a:fillRef>
+                  <a:effectRef idx="0">
+                    <a:schemeClr val="accent1"/>
+                  </a:effectRef>
+                  <a:fontRef idx="minor">
+                    <a:schemeClr val="lt1"/>
+                  </a:fontRef>
+                </p:style>
+                <p:txBody>
+                  <a:bodyPr rtlCol="0" anchor="ctr"/>
+                  <a:lstStyle/>
+                  <a:p>
+                    <a:pPr algn="ctr"/>
+                    <a:endParaRPr lang="en-PH"/>
+                  </a:p>
+                </p:txBody>
+              </p:sp>
+              <p:sp>
+                <p:nvSpPr>
+                  <p:cNvPr id="47" name="Rectangle: Rounded Corners 46">
+                    <a:extLst>
+                      <a:ext uri="{FF2B5EF4-FFF2-40B4-BE49-F238E27FC236}">
+                        <a16:creationId xmlns:a16="http://schemas.microsoft.com/office/drawing/2014/main" id="{8DE66E51-9DE2-0A23-7BB3-072737BDA0AC}"/>
+                      </a:ext>
+                    </a:extLst>
+                  </p:cNvPr>
+                  <p:cNvSpPr/>
+                  <p:nvPr/>
+                </p:nvSpPr>
+                <p:spPr>
+                  <a:xfrm>
+                    <a:off x="480060" y="1893570"/>
+                    <a:ext cx="2289809" cy="209156"/>
+                  </a:xfrm>
+                  <a:prstGeom prst="roundRect">
+                    <a:avLst>
+                      <a:gd name="adj" fmla="val 28280"/>
+                    </a:avLst>
+                  </a:prstGeom>
+                  <a:noFill/>
+                  <a:ln w="19050">
+                    <a:solidFill>
+                      <a:srgbClr val="FF0000"/>
+                    </a:solidFill>
+                  </a:ln>
+                </p:spPr>
+                <p:style>
+                  <a:lnRef idx="2">
+                    <a:schemeClr val="accent1">
+                      <a:shade val="15000"/>
+                    </a:schemeClr>
+                  </a:lnRef>
+                  <a:fillRef idx="1">
+                    <a:schemeClr val="accent1"/>
+                  </a:fillRef>
+                  <a:effectRef idx="0">
+                    <a:schemeClr val="accent1"/>
+                  </a:effectRef>
+                  <a:fontRef idx="minor">
+                    <a:schemeClr val="lt1"/>
+                  </a:fontRef>
+                </p:style>
+                <p:txBody>
+                  <a:bodyPr rtlCol="0" anchor="ctr"/>
+                  <a:lstStyle/>
+                  <a:p>
+                    <a:pPr algn="ctr"/>
+                    <a:endParaRPr lang="en-PH"/>
+                  </a:p>
+                </p:txBody>
+              </p:sp>
+            </p:grpSp>
+          </p:grpSp>
+          <p:sp>
+            <p:nvSpPr>
+              <p:cNvPr id="64" name="TextBox 63">
+                <a:extLst>
+                  <a:ext uri="{FF2B5EF4-FFF2-40B4-BE49-F238E27FC236}">
+                    <a16:creationId xmlns:a16="http://schemas.microsoft.com/office/drawing/2014/main" id="{C0C53BE7-2B90-28AF-08D8-0164147D766A}"/>
+                  </a:ext>
+                </a:extLst>
+              </p:cNvPr>
+              <p:cNvSpPr txBox="1"/>
+              <p:nvPr/>
+            </p:nvSpPr>
+            <p:spPr>
+              <a:xfrm>
+                <a:off x="546921" y="423617"/>
+                <a:ext cx="314510" cy="307777"/>
+              </a:xfrm>
+              <a:prstGeom prst="rect">
+                <a:avLst/>
+              </a:prstGeom>
+              <a:noFill/>
+            </p:spPr>
+            <p:txBody>
+              <a:bodyPr wrap="none" rtlCol="0">
+                <a:spAutoFit/>
+              </a:bodyPr>
+              <a:lstStyle/>
+              <a:p>
+                <a:r>
+                  <a:rPr lang="en-PH" sz="1400" b="1" dirty="0">
+                    <a:latin typeface="Arial" panose="020B0604020202020204" pitchFamily="34" charset="0"/>
+                    <a:cs typeface="Arial" panose="020B0604020202020204" pitchFamily="34" charset="0"/>
+                  </a:rPr>
+                  <a:t>A</a:t>
+                </a:r>
+              </a:p>
+            </p:txBody>
+          </p:sp>
+        </p:grpSp>
+        <p:grpSp>
+          <p:nvGrpSpPr>
+            <p:cNvPr id="17" name="Group 16">
               <a:extLst>
                 <a:ext uri="{FF2B5EF4-FFF2-40B4-BE49-F238E27FC236}">
-                  <a16:creationId xmlns:a16="http://schemas.microsoft.com/office/drawing/2014/main" id="{705EA2AD-601C-3DC8-0ABA-E827BDCE5266}"/>
+                  <a16:creationId xmlns:a16="http://schemas.microsoft.com/office/drawing/2014/main" id="{5ADF0DEC-B2B6-D2CC-B37F-38C04386EBFF}"/>
                 </a:ext>
               </a:extLst>
             </p:cNvPr>
-            <p:cNvPicPr>
-              <a:picLocks noChangeAspect="1"/>
-            </p:cNvPicPr>
+            <p:cNvGrpSpPr/>
             <p:nvPr/>
-          </p:nvPicPr>
-          <p:blipFill rotWithShape="1">
-            <a:blip r:embed="rId3"/>
-            <a:srcRect r="7244"/>
-            <a:stretch/>
-          </p:blipFill>
-          <p:spPr>
+          </p:nvGrpSpPr>
+          <p:grpSpPr>
             <a:xfrm>
-              <a:off x="3571689" y="540887"/>
-              <a:ext cx="3264296" cy="1632786"/>
+              <a:off x="546921" y="3864888"/>
+              <a:ext cx="5667768" cy="2633738"/>
+              <a:chOff x="546921" y="3979850"/>
+              <a:chExt cx="5667768" cy="2633738"/>
             </a:xfrm>
-            <a:prstGeom prst="rect">
-              <a:avLst/>
-            </a:prstGeom>
-          </p:spPr>
-        </p:pic>
-        <p:sp>
-          <p:nvSpPr>
-            <p:cNvPr id="31" name="Rectangle 30">
+          </p:grpSpPr>
+          <p:grpSp>
+            <p:nvGrpSpPr>
+              <p:cNvPr id="11" name="Group 10">
+                <a:extLst>
+                  <a:ext uri="{FF2B5EF4-FFF2-40B4-BE49-F238E27FC236}">
+                    <a16:creationId xmlns:a16="http://schemas.microsoft.com/office/drawing/2014/main" id="{17254134-E52A-DC19-43F3-E9EA37D36C52}"/>
+                  </a:ext>
+                </a:extLst>
+              </p:cNvPr>
+              <p:cNvGrpSpPr/>
+              <p:nvPr/>
+            </p:nvGrpSpPr>
+            <p:grpSpPr>
+              <a:xfrm>
+                <a:off x="546921" y="4129671"/>
+                <a:ext cx="5667768" cy="2483917"/>
+                <a:chOff x="3251756" y="560409"/>
+                <a:chExt cx="3519237" cy="1542317"/>
+              </a:xfrm>
+            </p:grpSpPr>
+            <p:pic>
+              <p:nvPicPr>
+                <p:cNvPr id="3" name="Picture 2">
+                  <a:extLst>
+                    <a:ext uri="{FF2B5EF4-FFF2-40B4-BE49-F238E27FC236}">
+                      <a16:creationId xmlns:a16="http://schemas.microsoft.com/office/drawing/2014/main" id="{6F499B30-65E7-4A54-CAC5-9AECB9CE1612}"/>
+                    </a:ext>
+                  </a:extLst>
+                </p:cNvPr>
+                <p:cNvPicPr>
+                  <a:picLocks noChangeAspect="1"/>
+                </p:cNvPicPr>
+                <p:nvPr/>
+              </p:nvPicPr>
+              <p:blipFill>
+                <a:blip r:embed="rId3"/>
+                <a:stretch>
+                  <a:fillRect/>
+                </a:stretch>
+              </p:blipFill>
+              <p:spPr>
+                <a:xfrm>
+                  <a:off x="3251756" y="574083"/>
+                  <a:ext cx="3519237" cy="1528643"/>
+                </a:xfrm>
+                <a:prstGeom prst="rect">
+                  <a:avLst/>
+                </a:prstGeom>
+              </p:spPr>
+            </p:pic>
+            <p:sp>
+              <p:nvSpPr>
+                <p:cNvPr id="52" name="Rectangle: Rounded Corners 51">
+                  <a:extLst>
+                    <a:ext uri="{FF2B5EF4-FFF2-40B4-BE49-F238E27FC236}">
+                      <a16:creationId xmlns:a16="http://schemas.microsoft.com/office/drawing/2014/main" id="{258F9D38-BC82-4CFD-ABE6-11B2269B0B40}"/>
+                    </a:ext>
+                  </a:extLst>
+                </p:cNvPr>
+                <p:cNvSpPr/>
+                <p:nvPr/>
+              </p:nvSpPr>
+              <p:spPr>
+                <a:xfrm>
+                  <a:off x="3630282" y="560409"/>
+                  <a:ext cx="2740038" cy="376725"/>
+                </a:xfrm>
+                <a:prstGeom prst="roundRect">
+                  <a:avLst>
+                    <a:gd name="adj" fmla="val 21733"/>
+                  </a:avLst>
+                </a:prstGeom>
+                <a:noFill/>
+                <a:ln w="19050">
+                  <a:solidFill>
+                    <a:srgbClr val="FF0000"/>
+                  </a:solidFill>
+                </a:ln>
+              </p:spPr>
+              <p:style>
+                <a:lnRef idx="2">
+                  <a:schemeClr val="accent1">
+                    <a:shade val="15000"/>
+                  </a:schemeClr>
+                </a:lnRef>
+                <a:fillRef idx="1">
+                  <a:schemeClr val="accent1"/>
+                </a:fillRef>
+                <a:effectRef idx="0">
+                  <a:schemeClr val="accent1"/>
+                </a:effectRef>
+                <a:fontRef idx="minor">
+                  <a:schemeClr val="lt1"/>
+                </a:fontRef>
+              </p:style>
+              <p:txBody>
+                <a:bodyPr rtlCol="0" anchor="ctr"/>
+                <a:lstStyle/>
+                <a:p>
+                  <a:pPr algn="ctr"/>
+                  <a:endParaRPr lang="en-PH"/>
+                </a:p>
+              </p:txBody>
+            </p:sp>
+            <p:sp>
+              <p:nvSpPr>
+                <p:cNvPr id="53" name="Rectangle: Rounded Corners 52">
+                  <a:extLst>
+                    <a:ext uri="{FF2B5EF4-FFF2-40B4-BE49-F238E27FC236}">
+                      <a16:creationId xmlns:a16="http://schemas.microsoft.com/office/drawing/2014/main" id="{B1F6521B-BD1E-4A5E-80DF-4258AA2ADACA}"/>
+                    </a:ext>
+                  </a:extLst>
+                </p:cNvPr>
+                <p:cNvSpPr/>
+                <p:nvPr/>
+              </p:nvSpPr>
+              <p:spPr>
+                <a:xfrm>
+                  <a:off x="3952240" y="1718781"/>
+                  <a:ext cx="2772410" cy="338619"/>
+                </a:xfrm>
+                <a:prstGeom prst="roundRect">
+                  <a:avLst>
+                    <a:gd name="adj" fmla="val 27938"/>
+                  </a:avLst>
+                </a:prstGeom>
+                <a:noFill/>
+                <a:ln w="19050">
+                  <a:solidFill>
+                    <a:srgbClr val="FF0000"/>
+                  </a:solidFill>
+                </a:ln>
+              </p:spPr>
+              <p:style>
+                <a:lnRef idx="2">
+                  <a:schemeClr val="accent1">
+                    <a:shade val="15000"/>
+                  </a:schemeClr>
+                </a:lnRef>
+                <a:fillRef idx="1">
+                  <a:schemeClr val="accent1"/>
+                </a:fillRef>
+                <a:effectRef idx="0">
+                  <a:schemeClr val="accent1"/>
+                </a:effectRef>
+                <a:fontRef idx="minor">
+                  <a:schemeClr val="lt1"/>
+                </a:fontRef>
+              </p:style>
+              <p:txBody>
+                <a:bodyPr rtlCol="0" anchor="ctr"/>
+                <a:lstStyle/>
+                <a:p>
+                  <a:pPr algn="ctr"/>
+                  <a:endParaRPr lang="en-PH"/>
+                </a:p>
+              </p:txBody>
+            </p:sp>
+          </p:grpSp>
+          <p:sp>
+            <p:nvSpPr>
+              <p:cNvPr id="65" name="TextBox 64">
+                <a:extLst>
+                  <a:ext uri="{FF2B5EF4-FFF2-40B4-BE49-F238E27FC236}">
+                    <a16:creationId xmlns:a16="http://schemas.microsoft.com/office/drawing/2014/main" id="{6B03E0B8-C974-1F99-1955-A61C53591679}"/>
+                  </a:ext>
+                </a:extLst>
+              </p:cNvPr>
+              <p:cNvSpPr txBox="1"/>
+              <p:nvPr/>
+            </p:nvSpPr>
+            <p:spPr>
+              <a:xfrm>
+                <a:off x="546921" y="3979850"/>
+                <a:ext cx="314510" cy="307777"/>
+              </a:xfrm>
+              <a:prstGeom prst="rect">
+                <a:avLst/>
+              </a:prstGeom>
+              <a:noFill/>
+            </p:spPr>
+            <p:txBody>
+              <a:bodyPr wrap="none" rtlCol="0">
+                <a:spAutoFit/>
+              </a:bodyPr>
+              <a:lstStyle/>
+              <a:p>
+                <a:r>
+                  <a:rPr lang="en-PH" sz="1400" b="1" dirty="0">
+                    <a:latin typeface="Arial" panose="020B0604020202020204" pitchFamily="34" charset="0"/>
+                    <a:cs typeface="Arial" panose="020B0604020202020204" pitchFamily="34" charset="0"/>
+                  </a:rPr>
+                  <a:t>B</a:t>
+                </a:r>
+              </a:p>
+            </p:txBody>
+          </p:sp>
+        </p:grpSp>
+        <p:grpSp>
+          <p:nvGrpSpPr>
+            <p:cNvPr id="21" name="Group 20">
               <a:extLst>
                 <a:ext uri="{FF2B5EF4-FFF2-40B4-BE49-F238E27FC236}">
-                  <a16:creationId xmlns:a16="http://schemas.microsoft.com/office/drawing/2014/main" id="{8C291255-620E-DBA7-1890-67095289D67E}"/>
+                  <a16:creationId xmlns:a16="http://schemas.microsoft.com/office/drawing/2014/main" id="{D8F5AB9D-9562-7162-72AA-0531184F8989}"/>
                 </a:ext>
               </a:extLst>
             </p:cNvPr>
-            <p:cNvSpPr/>
+            <p:cNvGrpSpPr/>
             <p:nvPr/>
-          </p:nvSpPr>
-          <p:spPr>
+          </p:nvGrpSpPr>
+          <p:grpSpPr>
             <a:xfrm>
-              <a:off x="680719" y="540887"/>
-              <a:ext cx="2355851" cy="533533"/>
+              <a:off x="423831" y="6618548"/>
+              <a:ext cx="6167592" cy="1674754"/>
+              <a:chOff x="423831" y="6618548"/>
+              <a:chExt cx="6167592" cy="1674754"/>
             </a:xfrm>
-            <a:prstGeom prst="rect">
-              <a:avLst/>
-            </a:prstGeom>
-            <a:noFill/>
-            <a:ln w="19050">
-              <a:solidFill>
-                <a:srgbClr val="FF0000"/>
-              </a:solidFill>
-            </a:ln>
-          </p:spPr>
-          <p:style>
-            <a:lnRef idx="2">
-              <a:schemeClr val="accent1">
-                <a:shade val="15000"/>
-              </a:schemeClr>
-            </a:lnRef>
-            <a:fillRef idx="1">
-              <a:schemeClr val="accent1"/>
-            </a:fillRef>
-            <a:effectRef idx="0">
-              <a:schemeClr val="accent1"/>
-            </a:effectRef>
-            <a:fontRef idx="minor">
-              <a:schemeClr val="lt1"/>
-            </a:fontRef>
-          </p:style>
-          <p:txBody>
-            <a:bodyPr rtlCol="0" anchor="ctr"/>
-            <a:lstStyle/>
-            <a:p>
-              <a:pPr algn="ctr"/>
-              <a:endParaRPr lang="en-PH"/>
-            </a:p>
-          </p:txBody>
-        </p:sp>
-        <p:sp>
-          <p:nvSpPr>
-            <p:cNvPr id="47" name="Rectangle 46">
-              <a:extLst>
-                <a:ext uri="{FF2B5EF4-FFF2-40B4-BE49-F238E27FC236}">
-                  <a16:creationId xmlns:a16="http://schemas.microsoft.com/office/drawing/2014/main" id="{8DE66E51-9DE2-0A23-7BB3-072737BDA0AC}"/>
-                </a:ext>
-              </a:extLst>
-            </p:cNvPr>
-            <p:cNvSpPr/>
-            <p:nvPr/>
-          </p:nvSpPr>
-          <p:spPr>
-            <a:xfrm>
-              <a:off x="497841" y="2173673"/>
-              <a:ext cx="2264410" cy="295880"/>
-            </a:xfrm>
-            <a:prstGeom prst="rect">
-              <a:avLst/>
-            </a:prstGeom>
-            <a:noFill/>
-            <a:ln w="19050">
-              <a:solidFill>
-                <a:srgbClr val="FF0000"/>
-              </a:solidFill>
-            </a:ln>
-          </p:spPr>
-          <p:style>
-            <a:lnRef idx="2">
-              <a:schemeClr val="accent1">
-                <a:shade val="15000"/>
-              </a:schemeClr>
-            </a:lnRef>
-            <a:fillRef idx="1">
-              <a:schemeClr val="accent1"/>
-            </a:fillRef>
-            <a:effectRef idx="0">
-              <a:schemeClr val="accent1"/>
-            </a:effectRef>
-            <a:fontRef idx="minor">
-              <a:schemeClr val="lt1"/>
-            </a:fontRef>
-          </p:style>
-          <p:txBody>
-            <a:bodyPr rtlCol="0" anchor="ctr"/>
-            <a:lstStyle/>
-            <a:p>
-              <a:pPr algn="ctr"/>
-              <a:endParaRPr lang="en-PH"/>
-            </a:p>
-          </p:txBody>
-        </p:sp>
-        <p:sp>
-          <p:nvSpPr>
-            <p:cNvPr id="52" name="Rectangle 51">
-              <a:extLst>
-                <a:ext uri="{FF2B5EF4-FFF2-40B4-BE49-F238E27FC236}">
-                  <a16:creationId xmlns:a16="http://schemas.microsoft.com/office/drawing/2014/main" id="{258F9D38-BC82-4CFD-ABE6-11B2269B0B40}"/>
-                </a:ext>
-              </a:extLst>
-            </p:cNvPr>
-            <p:cNvSpPr/>
-            <p:nvPr/>
-          </p:nvSpPr>
-          <p:spPr>
-            <a:xfrm>
-              <a:off x="4421505" y="568827"/>
-              <a:ext cx="2388234" cy="401453"/>
-            </a:xfrm>
-            <a:prstGeom prst="rect">
-              <a:avLst/>
-            </a:prstGeom>
-            <a:noFill/>
-            <a:ln w="19050">
-              <a:solidFill>
-                <a:srgbClr val="FF0000"/>
-              </a:solidFill>
-            </a:ln>
-          </p:spPr>
-          <p:style>
-            <a:lnRef idx="2">
-              <a:schemeClr val="accent1">
-                <a:shade val="15000"/>
-              </a:schemeClr>
-            </a:lnRef>
-            <a:fillRef idx="1">
-              <a:schemeClr val="accent1"/>
-            </a:fillRef>
-            <a:effectRef idx="0">
-              <a:schemeClr val="accent1"/>
-            </a:effectRef>
-            <a:fontRef idx="minor">
-              <a:schemeClr val="lt1"/>
-            </a:fontRef>
-          </p:style>
-          <p:txBody>
-            <a:bodyPr rtlCol="0" anchor="ctr"/>
-            <a:lstStyle/>
-            <a:p>
-              <a:pPr algn="ctr"/>
-              <a:endParaRPr lang="en-PH"/>
-            </a:p>
-          </p:txBody>
-        </p:sp>
-        <p:sp>
-          <p:nvSpPr>
-            <p:cNvPr id="53" name="Rectangle 52">
-              <a:extLst>
-                <a:ext uri="{FF2B5EF4-FFF2-40B4-BE49-F238E27FC236}">
-                  <a16:creationId xmlns:a16="http://schemas.microsoft.com/office/drawing/2014/main" id="{B1F6521B-BD1E-4A5E-80DF-4258AA2ADACA}"/>
-                </a:ext>
-              </a:extLst>
-            </p:cNvPr>
-            <p:cNvSpPr/>
-            <p:nvPr/>
-          </p:nvSpPr>
-          <p:spPr>
-            <a:xfrm>
-              <a:off x="4225289" y="1506087"/>
-              <a:ext cx="2322831" cy="401453"/>
-            </a:xfrm>
-            <a:prstGeom prst="rect">
-              <a:avLst/>
-            </a:prstGeom>
-            <a:noFill/>
-            <a:ln w="19050">
-              <a:solidFill>
-                <a:srgbClr val="FF0000"/>
-              </a:solidFill>
-            </a:ln>
-          </p:spPr>
-          <p:style>
-            <a:lnRef idx="2">
-              <a:schemeClr val="accent1">
-                <a:shade val="15000"/>
-              </a:schemeClr>
-            </a:lnRef>
-            <a:fillRef idx="1">
-              <a:schemeClr val="accent1"/>
-            </a:fillRef>
-            <a:effectRef idx="0">
-              <a:schemeClr val="accent1"/>
-            </a:effectRef>
-            <a:fontRef idx="minor">
-              <a:schemeClr val="lt1"/>
-            </a:fontRef>
-          </p:style>
-          <p:txBody>
-            <a:bodyPr rtlCol="0" anchor="ctr"/>
-            <a:lstStyle/>
-            <a:p>
-              <a:pPr algn="ctr"/>
-              <a:endParaRPr lang="en-PH"/>
-            </a:p>
-          </p:txBody>
-        </p:sp>
-        <p:sp>
-          <p:nvSpPr>
-            <p:cNvPr id="64" name="TextBox 63">
-              <a:extLst>
-                <a:ext uri="{FF2B5EF4-FFF2-40B4-BE49-F238E27FC236}">
-                  <a16:creationId xmlns:a16="http://schemas.microsoft.com/office/drawing/2014/main" id="{C0C53BE7-2B90-28AF-08D8-0164147D766A}"/>
-                </a:ext>
-              </a:extLst>
-            </p:cNvPr>
-            <p:cNvSpPr txBox="1"/>
-            <p:nvPr/>
-          </p:nvSpPr>
-          <p:spPr>
-            <a:xfrm>
-              <a:off x="48261" y="291828"/>
-              <a:ext cx="314510" cy="307777"/>
-            </a:xfrm>
-            <a:prstGeom prst="rect">
-              <a:avLst/>
-            </a:prstGeom>
-            <a:noFill/>
-          </p:spPr>
-          <p:txBody>
-            <a:bodyPr wrap="none" rtlCol="0">
-              <a:spAutoFit/>
-            </a:bodyPr>
-            <a:lstStyle/>
-            <a:p>
-              <a:r>
-                <a:rPr lang="en-PH" sz="1400" b="1" dirty="0">
-                  <a:latin typeface="Arial" panose="020B0604020202020204" pitchFamily="34" charset="0"/>
-                  <a:cs typeface="Arial" panose="020B0604020202020204" pitchFamily="34" charset="0"/>
-                </a:rPr>
-                <a:t>A</a:t>
-              </a:r>
-            </a:p>
-          </p:txBody>
-        </p:sp>
-        <p:sp>
-          <p:nvSpPr>
-            <p:cNvPr id="65" name="TextBox 64">
-              <a:extLst>
-                <a:ext uri="{FF2B5EF4-FFF2-40B4-BE49-F238E27FC236}">
-                  <a16:creationId xmlns:a16="http://schemas.microsoft.com/office/drawing/2014/main" id="{6B03E0B8-C974-1F99-1955-A61C53591679}"/>
-                </a:ext>
-              </a:extLst>
-            </p:cNvPr>
-            <p:cNvSpPr txBox="1"/>
-            <p:nvPr/>
-          </p:nvSpPr>
-          <p:spPr>
-            <a:xfrm>
-              <a:off x="3474537" y="291828"/>
-              <a:ext cx="314510" cy="307777"/>
-            </a:xfrm>
-            <a:prstGeom prst="rect">
-              <a:avLst/>
-            </a:prstGeom>
-            <a:noFill/>
-          </p:spPr>
-          <p:txBody>
-            <a:bodyPr wrap="none" rtlCol="0">
-              <a:spAutoFit/>
-            </a:bodyPr>
-            <a:lstStyle/>
-            <a:p>
-              <a:r>
-                <a:rPr lang="en-PH" sz="1400" b="1" dirty="0">
-                  <a:latin typeface="Arial" panose="020B0604020202020204" pitchFamily="34" charset="0"/>
-                  <a:cs typeface="Arial" panose="020B0604020202020204" pitchFamily="34" charset="0"/>
-                </a:rPr>
-                <a:t>B</a:t>
-              </a:r>
-            </a:p>
-          </p:txBody>
-        </p:sp>
-      </p:grpSp>
-      <p:grpSp>
-        <p:nvGrpSpPr>
-          <p:cNvPr id="71" name="Group 70">
-            <a:extLst>
-              <a:ext uri="{FF2B5EF4-FFF2-40B4-BE49-F238E27FC236}">
-                <a16:creationId xmlns:a16="http://schemas.microsoft.com/office/drawing/2014/main" id="{C161DC04-C91F-F10E-54EF-02404C044627}"/>
-              </a:ext>
-            </a:extLst>
-          </p:cNvPr>
-          <p:cNvGrpSpPr/>
-          <p:nvPr/>
-        </p:nvGrpSpPr>
-        <p:grpSpPr>
-          <a:xfrm>
-            <a:off x="48261" y="2872740"/>
-            <a:ext cx="6722735" cy="1084946"/>
-            <a:chOff x="48261" y="2840580"/>
-            <a:chExt cx="6722735" cy="1084946"/>
-          </a:xfrm>
-        </p:grpSpPr>
-        <p:pic>
-          <p:nvPicPr>
-            <p:cNvPr id="19" name="Picture 18">
-              <a:extLst>
-                <a:ext uri="{FF2B5EF4-FFF2-40B4-BE49-F238E27FC236}">
-                  <a16:creationId xmlns:a16="http://schemas.microsoft.com/office/drawing/2014/main" id="{6E0B2707-BCE2-1B96-6F37-F2F6BB524E99}"/>
-                </a:ext>
-              </a:extLst>
-            </p:cNvPr>
-            <p:cNvPicPr>
-              <a:picLocks noChangeAspect="1"/>
-            </p:cNvPicPr>
-            <p:nvPr/>
-          </p:nvPicPr>
-          <p:blipFill>
-            <a:blip r:embed="rId4"/>
-            <a:stretch>
-              <a:fillRect/>
-            </a:stretch>
-          </p:blipFill>
-          <p:spPr>
-            <a:xfrm>
-              <a:off x="3571689" y="3072377"/>
-              <a:ext cx="3199307" cy="820096"/>
-            </a:xfrm>
-            <a:prstGeom prst="rect">
-              <a:avLst/>
-            </a:prstGeom>
-          </p:spPr>
-        </p:pic>
-        <p:pic>
-          <p:nvPicPr>
-            <p:cNvPr id="21" name="Picture 20">
-              <a:extLst>
-                <a:ext uri="{FF2B5EF4-FFF2-40B4-BE49-F238E27FC236}">
-                  <a16:creationId xmlns:a16="http://schemas.microsoft.com/office/drawing/2014/main" id="{AABA056B-3A18-8104-C8C6-61E16A8E124B}"/>
-                </a:ext>
-              </a:extLst>
-            </p:cNvPr>
-            <p:cNvPicPr>
-              <a:picLocks noChangeAspect="1"/>
-            </p:cNvPicPr>
-            <p:nvPr/>
-          </p:nvPicPr>
-          <p:blipFill>
-            <a:blip r:embed="rId5"/>
-            <a:stretch>
-              <a:fillRect/>
-            </a:stretch>
-          </p:blipFill>
-          <p:spPr>
-            <a:xfrm>
-              <a:off x="87007" y="3072377"/>
-              <a:ext cx="3199306" cy="853149"/>
-            </a:xfrm>
-            <a:prstGeom prst="rect">
-              <a:avLst/>
-            </a:prstGeom>
-          </p:spPr>
-        </p:pic>
-        <p:sp>
-          <p:nvSpPr>
-            <p:cNvPr id="54" name="Rectangle 53">
-              <a:extLst>
-                <a:ext uri="{FF2B5EF4-FFF2-40B4-BE49-F238E27FC236}">
-                  <a16:creationId xmlns:a16="http://schemas.microsoft.com/office/drawing/2014/main" id="{08E0DFF4-E0EC-1D0B-0B7F-0C106027FAF8}"/>
-                </a:ext>
-              </a:extLst>
-            </p:cNvPr>
-            <p:cNvSpPr/>
-            <p:nvPr/>
-          </p:nvSpPr>
-          <p:spPr>
-            <a:xfrm>
-              <a:off x="861060" y="3055132"/>
-              <a:ext cx="2377666" cy="246868"/>
-            </a:xfrm>
-            <a:prstGeom prst="rect">
-              <a:avLst/>
-            </a:prstGeom>
-            <a:noFill/>
-            <a:ln w="19050">
-              <a:solidFill>
-                <a:srgbClr val="FF0000"/>
-              </a:solidFill>
-            </a:ln>
-          </p:spPr>
-          <p:style>
-            <a:lnRef idx="2">
-              <a:schemeClr val="accent1">
-                <a:shade val="15000"/>
-              </a:schemeClr>
-            </a:lnRef>
-            <a:fillRef idx="1">
-              <a:schemeClr val="accent1"/>
-            </a:fillRef>
-            <a:effectRef idx="0">
-              <a:schemeClr val="accent1"/>
-            </a:effectRef>
-            <a:fontRef idx="minor">
-              <a:schemeClr val="lt1"/>
-            </a:fontRef>
-          </p:style>
-          <p:txBody>
-            <a:bodyPr rtlCol="0" anchor="ctr"/>
-            <a:lstStyle/>
-            <a:p>
-              <a:pPr algn="ctr"/>
-              <a:endParaRPr lang="en-PH"/>
-            </a:p>
-          </p:txBody>
-        </p:sp>
-        <p:sp>
-          <p:nvSpPr>
-            <p:cNvPr id="60" name="Rectangle 59">
-              <a:extLst>
-                <a:ext uri="{FF2B5EF4-FFF2-40B4-BE49-F238E27FC236}">
-                  <a16:creationId xmlns:a16="http://schemas.microsoft.com/office/drawing/2014/main" id="{97CFAB18-C931-00D3-A2C4-27433F4A9D19}"/>
-                </a:ext>
-              </a:extLst>
-            </p:cNvPr>
-            <p:cNvSpPr/>
-            <p:nvPr/>
-          </p:nvSpPr>
-          <p:spPr>
-            <a:xfrm>
-              <a:off x="3952240" y="3065573"/>
-              <a:ext cx="2740659" cy="295880"/>
-            </a:xfrm>
-            <a:prstGeom prst="rect">
-              <a:avLst/>
-            </a:prstGeom>
-            <a:noFill/>
-            <a:ln w="19050">
-              <a:solidFill>
-                <a:srgbClr val="FF0000"/>
-              </a:solidFill>
-            </a:ln>
-          </p:spPr>
-          <p:style>
-            <a:lnRef idx="2">
-              <a:schemeClr val="accent1">
-                <a:shade val="15000"/>
-              </a:schemeClr>
-            </a:lnRef>
-            <a:fillRef idx="1">
-              <a:schemeClr val="accent1"/>
-            </a:fillRef>
-            <a:effectRef idx="0">
-              <a:schemeClr val="accent1"/>
-            </a:effectRef>
-            <a:fontRef idx="minor">
-              <a:schemeClr val="lt1"/>
-            </a:fontRef>
-          </p:style>
-          <p:txBody>
-            <a:bodyPr rtlCol="0" anchor="ctr"/>
-            <a:lstStyle/>
-            <a:p>
-              <a:pPr algn="ctr"/>
-              <a:endParaRPr lang="en-PH"/>
-            </a:p>
-          </p:txBody>
-        </p:sp>
-        <p:sp>
-          <p:nvSpPr>
-            <p:cNvPr id="61" name="Rectangle 60">
-              <a:extLst>
-                <a:ext uri="{FF2B5EF4-FFF2-40B4-BE49-F238E27FC236}">
-                  <a16:creationId xmlns:a16="http://schemas.microsoft.com/office/drawing/2014/main" id="{63C434DE-E3D7-D079-32EB-C310E7714BAD}"/>
-                </a:ext>
-              </a:extLst>
-            </p:cNvPr>
-            <p:cNvSpPr/>
-            <p:nvPr/>
-          </p:nvSpPr>
-          <p:spPr>
-            <a:xfrm>
-              <a:off x="4028440" y="3498951"/>
-              <a:ext cx="2664459" cy="400326"/>
-            </a:xfrm>
-            <a:prstGeom prst="rect">
-              <a:avLst/>
-            </a:prstGeom>
-            <a:noFill/>
-            <a:ln w="19050">
-              <a:solidFill>
-                <a:srgbClr val="FF0000"/>
-              </a:solidFill>
-            </a:ln>
-          </p:spPr>
-          <p:style>
-            <a:lnRef idx="2">
-              <a:schemeClr val="accent1">
-                <a:shade val="15000"/>
-              </a:schemeClr>
-            </a:lnRef>
-            <a:fillRef idx="1">
-              <a:schemeClr val="accent1"/>
-            </a:fillRef>
-            <a:effectRef idx="0">
-              <a:schemeClr val="accent1"/>
-            </a:effectRef>
-            <a:fontRef idx="minor">
-              <a:schemeClr val="lt1"/>
-            </a:fontRef>
-          </p:style>
-          <p:txBody>
-            <a:bodyPr rtlCol="0" anchor="ctr"/>
-            <a:lstStyle/>
-            <a:p>
-              <a:pPr algn="ctr"/>
-              <a:endParaRPr lang="en-PH"/>
-            </a:p>
-          </p:txBody>
-        </p:sp>
-        <p:sp>
-          <p:nvSpPr>
-            <p:cNvPr id="66" name="TextBox 65">
-              <a:extLst>
-                <a:ext uri="{FF2B5EF4-FFF2-40B4-BE49-F238E27FC236}">
-                  <a16:creationId xmlns:a16="http://schemas.microsoft.com/office/drawing/2014/main" id="{93FAE0AB-0C60-660C-BAAF-E904B416811D}"/>
-                </a:ext>
-              </a:extLst>
-            </p:cNvPr>
-            <p:cNvSpPr txBox="1"/>
-            <p:nvPr/>
-          </p:nvSpPr>
-          <p:spPr>
-            <a:xfrm>
-              <a:off x="48261" y="2840580"/>
-              <a:ext cx="314510" cy="307777"/>
-            </a:xfrm>
-            <a:prstGeom prst="rect">
-              <a:avLst/>
-            </a:prstGeom>
-            <a:noFill/>
-          </p:spPr>
-          <p:txBody>
-            <a:bodyPr wrap="none" rtlCol="0">
-              <a:spAutoFit/>
-            </a:bodyPr>
-            <a:lstStyle/>
-            <a:p>
-              <a:r>
-                <a:rPr lang="en-PH" sz="1400" b="1" dirty="0">
-                  <a:latin typeface="Arial" panose="020B0604020202020204" pitchFamily="34" charset="0"/>
-                  <a:cs typeface="Arial" panose="020B0604020202020204" pitchFamily="34" charset="0"/>
-                </a:rPr>
-                <a:t>C</a:t>
-              </a:r>
-            </a:p>
-          </p:txBody>
-        </p:sp>
-        <p:sp>
-          <p:nvSpPr>
-            <p:cNvPr id="67" name="TextBox 66">
-              <a:extLst>
-                <a:ext uri="{FF2B5EF4-FFF2-40B4-BE49-F238E27FC236}">
-                  <a16:creationId xmlns:a16="http://schemas.microsoft.com/office/drawing/2014/main" id="{69EA5A84-C0F3-D0A4-83EB-067B64218B45}"/>
-                </a:ext>
-              </a:extLst>
-            </p:cNvPr>
-            <p:cNvSpPr txBox="1"/>
-            <p:nvPr/>
-          </p:nvSpPr>
-          <p:spPr>
-            <a:xfrm>
-              <a:off x="3474537" y="2840580"/>
-              <a:ext cx="314510" cy="307777"/>
-            </a:xfrm>
-            <a:prstGeom prst="rect">
-              <a:avLst/>
-            </a:prstGeom>
-            <a:noFill/>
-          </p:spPr>
-          <p:txBody>
-            <a:bodyPr wrap="none" rtlCol="0">
-              <a:spAutoFit/>
-            </a:bodyPr>
-            <a:lstStyle/>
-            <a:p>
-              <a:r>
-                <a:rPr lang="en-PH" sz="1400" b="1" dirty="0">
-                  <a:latin typeface="Arial" panose="020B0604020202020204" pitchFamily="34" charset="0"/>
-                  <a:cs typeface="Arial" panose="020B0604020202020204" pitchFamily="34" charset="0"/>
-                </a:rPr>
-                <a:t>D</a:t>
-              </a:r>
-            </a:p>
-          </p:txBody>
-        </p:sp>
-      </p:grpSp>
-      <p:grpSp>
-        <p:nvGrpSpPr>
-          <p:cNvPr id="72" name="Group 71">
-            <a:extLst>
-              <a:ext uri="{FF2B5EF4-FFF2-40B4-BE49-F238E27FC236}">
-                <a16:creationId xmlns:a16="http://schemas.microsoft.com/office/drawing/2014/main" id="{B4B7261D-E00D-104A-F898-729149990343}"/>
-              </a:ext>
-            </a:extLst>
-          </p:cNvPr>
-          <p:cNvGrpSpPr/>
-          <p:nvPr/>
-        </p:nvGrpSpPr>
-        <p:grpSpPr>
-          <a:xfrm>
-            <a:off x="48261" y="4101742"/>
-            <a:ext cx="4722851" cy="784224"/>
-            <a:chOff x="48261" y="4101742"/>
-            <a:chExt cx="4722851" cy="784224"/>
-          </a:xfrm>
-        </p:grpSpPr>
-        <p:pic>
-          <p:nvPicPr>
-            <p:cNvPr id="26" name="Picture 25">
-              <a:extLst>
-                <a:ext uri="{FF2B5EF4-FFF2-40B4-BE49-F238E27FC236}">
-                  <a16:creationId xmlns:a16="http://schemas.microsoft.com/office/drawing/2014/main" id="{38B1B475-EE03-3F30-2D7D-6681F05E8B77}"/>
-                </a:ext>
-              </a:extLst>
-            </p:cNvPr>
-            <p:cNvPicPr>
-              <a:picLocks noChangeAspect="1"/>
-            </p:cNvPicPr>
-            <p:nvPr/>
-          </p:nvPicPr>
-          <p:blipFill>
-            <a:blip r:embed="rId6"/>
-            <a:stretch>
-              <a:fillRect/>
-            </a:stretch>
-          </p:blipFill>
-          <p:spPr>
-            <a:xfrm>
-              <a:off x="87007" y="4268966"/>
-              <a:ext cx="4684105" cy="603665"/>
-            </a:xfrm>
-            <a:prstGeom prst="rect">
-              <a:avLst/>
-            </a:prstGeom>
-          </p:spPr>
-        </p:pic>
-        <p:sp>
-          <p:nvSpPr>
-            <p:cNvPr id="62" name="Rectangle 61">
-              <a:extLst>
-                <a:ext uri="{FF2B5EF4-FFF2-40B4-BE49-F238E27FC236}">
-                  <a16:creationId xmlns:a16="http://schemas.microsoft.com/office/drawing/2014/main" id="{7B6A1FA5-73D7-5097-82C9-B86879B78489}"/>
-                </a:ext>
-              </a:extLst>
-            </p:cNvPr>
-            <p:cNvSpPr/>
-            <p:nvPr/>
-          </p:nvSpPr>
-          <p:spPr>
-            <a:xfrm>
-              <a:off x="817245" y="4639098"/>
-              <a:ext cx="2169795" cy="246868"/>
-            </a:xfrm>
-            <a:prstGeom prst="rect">
-              <a:avLst/>
-            </a:prstGeom>
-            <a:noFill/>
-            <a:ln w="19050">
-              <a:solidFill>
-                <a:srgbClr val="FF0000"/>
-              </a:solidFill>
-            </a:ln>
-          </p:spPr>
-          <p:style>
-            <a:lnRef idx="2">
-              <a:schemeClr val="accent1">
-                <a:shade val="15000"/>
-              </a:schemeClr>
-            </a:lnRef>
-            <a:fillRef idx="1">
-              <a:schemeClr val="accent1"/>
-            </a:fillRef>
-            <a:effectRef idx="0">
-              <a:schemeClr val="accent1"/>
-            </a:effectRef>
-            <a:fontRef idx="minor">
-              <a:schemeClr val="lt1"/>
-            </a:fontRef>
-          </p:style>
-          <p:txBody>
-            <a:bodyPr rtlCol="0" anchor="ctr"/>
-            <a:lstStyle/>
-            <a:p>
-              <a:pPr algn="ctr"/>
-              <a:endParaRPr lang="en-PH"/>
-            </a:p>
-          </p:txBody>
-        </p:sp>
-        <p:sp>
-          <p:nvSpPr>
-            <p:cNvPr id="68" name="TextBox 67">
-              <a:extLst>
-                <a:ext uri="{FF2B5EF4-FFF2-40B4-BE49-F238E27FC236}">
-                  <a16:creationId xmlns:a16="http://schemas.microsoft.com/office/drawing/2014/main" id="{BF5F77F3-EA15-CB9E-F8E1-C4F993E5B128}"/>
-                </a:ext>
-              </a:extLst>
-            </p:cNvPr>
-            <p:cNvSpPr txBox="1"/>
-            <p:nvPr/>
-          </p:nvSpPr>
-          <p:spPr>
-            <a:xfrm>
-              <a:off x="48261" y="4101742"/>
-              <a:ext cx="314510" cy="307777"/>
-            </a:xfrm>
-            <a:prstGeom prst="rect">
-              <a:avLst/>
-            </a:prstGeom>
-            <a:noFill/>
-          </p:spPr>
-          <p:txBody>
-            <a:bodyPr wrap="none" rtlCol="0">
-              <a:spAutoFit/>
-            </a:bodyPr>
-            <a:lstStyle/>
-            <a:p>
-              <a:r>
-                <a:rPr lang="en-PH" sz="1400" b="1" dirty="0">
-                  <a:latin typeface="Arial" panose="020B0604020202020204" pitchFamily="34" charset="0"/>
-                  <a:cs typeface="Arial" panose="020B0604020202020204" pitchFamily="34" charset="0"/>
-                </a:rPr>
-                <a:t>E</a:t>
-              </a:r>
-            </a:p>
-          </p:txBody>
-        </p:sp>
+          </p:grpSpPr>
+          <p:grpSp>
+            <p:nvGrpSpPr>
+              <p:cNvPr id="4" name="Group 3">
+                <a:extLst>
+                  <a:ext uri="{FF2B5EF4-FFF2-40B4-BE49-F238E27FC236}">
+                    <a16:creationId xmlns:a16="http://schemas.microsoft.com/office/drawing/2014/main" id="{306FCE64-C43C-1201-DBD9-FFB9F0E8CC73}"/>
+                  </a:ext>
+                </a:extLst>
+              </p:cNvPr>
+              <p:cNvGrpSpPr/>
+              <p:nvPr/>
+            </p:nvGrpSpPr>
+            <p:grpSpPr>
+              <a:xfrm>
+                <a:off x="423831" y="6926325"/>
+                <a:ext cx="6167592" cy="1366977"/>
+                <a:chOff x="204024" y="3127575"/>
+                <a:chExt cx="3164950" cy="701475"/>
+              </a:xfrm>
+            </p:grpSpPr>
+            <p:pic>
+              <p:nvPicPr>
+                <p:cNvPr id="7" name="Picture 6">
+                  <a:extLst>
+                    <a:ext uri="{FF2B5EF4-FFF2-40B4-BE49-F238E27FC236}">
+                      <a16:creationId xmlns:a16="http://schemas.microsoft.com/office/drawing/2014/main" id="{AB928B9C-67E8-8C90-97E0-C72521225FB5}"/>
+                    </a:ext>
+                  </a:extLst>
+                </p:cNvPr>
+                <p:cNvPicPr>
+                  <a:picLocks noChangeAspect="1"/>
+                </p:cNvPicPr>
+                <p:nvPr/>
+              </p:nvPicPr>
+              <p:blipFill rotWithShape="1">
+                <a:blip r:embed="rId4"/>
+                <a:srcRect l="1074" b="13228"/>
+                <a:stretch/>
+              </p:blipFill>
+              <p:spPr>
+                <a:xfrm>
+                  <a:off x="204024" y="3127575"/>
+                  <a:ext cx="3164950" cy="701475"/>
+                </a:xfrm>
+                <a:prstGeom prst="rect">
+                  <a:avLst/>
+                </a:prstGeom>
+              </p:spPr>
+            </p:pic>
+            <p:sp>
+              <p:nvSpPr>
+                <p:cNvPr id="13" name="Rectangle: Rounded Corners 12">
+                  <a:extLst>
+                    <a:ext uri="{FF2B5EF4-FFF2-40B4-BE49-F238E27FC236}">
+                      <a16:creationId xmlns:a16="http://schemas.microsoft.com/office/drawing/2014/main" id="{ED9E0B5B-EFD5-847E-DE1B-A5225C4BFCFE}"/>
+                    </a:ext>
+                  </a:extLst>
+                </p:cNvPr>
+                <p:cNvSpPr/>
+                <p:nvPr/>
+              </p:nvSpPr>
+              <p:spPr>
+                <a:xfrm>
+                  <a:off x="960120" y="3624092"/>
+                  <a:ext cx="2408854" cy="204958"/>
+                </a:xfrm>
+                <a:prstGeom prst="roundRect">
+                  <a:avLst>
+                    <a:gd name="adj" fmla="val 26740"/>
+                  </a:avLst>
+                </a:prstGeom>
+                <a:noFill/>
+                <a:ln w="19050">
+                  <a:solidFill>
+                    <a:srgbClr val="FF0000"/>
+                  </a:solidFill>
+                </a:ln>
+              </p:spPr>
+              <p:style>
+                <a:lnRef idx="2">
+                  <a:schemeClr val="accent1">
+                    <a:shade val="15000"/>
+                  </a:schemeClr>
+                </a:lnRef>
+                <a:fillRef idx="1">
+                  <a:schemeClr val="accent1"/>
+                </a:fillRef>
+                <a:effectRef idx="0">
+                  <a:schemeClr val="accent1"/>
+                </a:effectRef>
+                <a:fontRef idx="minor">
+                  <a:schemeClr val="lt1"/>
+                </a:fontRef>
+              </p:style>
+              <p:txBody>
+                <a:bodyPr rtlCol="0" anchor="ctr"/>
+                <a:lstStyle/>
+                <a:p>
+                  <a:pPr algn="ctr"/>
+                  <a:endParaRPr lang="en-PH"/>
+                </a:p>
+              </p:txBody>
+            </p:sp>
+          </p:grpSp>
+          <p:sp>
+            <p:nvSpPr>
+              <p:cNvPr id="5" name="TextBox 4">
+                <a:extLst>
+                  <a:ext uri="{FF2B5EF4-FFF2-40B4-BE49-F238E27FC236}">
+                    <a16:creationId xmlns:a16="http://schemas.microsoft.com/office/drawing/2014/main" id="{603A6EB8-3734-8152-E1EB-9872FD3AB307}"/>
+                  </a:ext>
+                </a:extLst>
+              </p:cNvPr>
+              <p:cNvSpPr txBox="1"/>
+              <p:nvPr/>
+            </p:nvSpPr>
+            <p:spPr>
+              <a:xfrm>
+                <a:off x="546921" y="6618548"/>
+                <a:ext cx="314510" cy="307777"/>
+              </a:xfrm>
+              <a:prstGeom prst="rect">
+                <a:avLst/>
+              </a:prstGeom>
+              <a:noFill/>
+            </p:spPr>
+            <p:txBody>
+              <a:bodyPr wrap="none" rtlCol="0">
+                <a:spAutoFit/>
+              </a:bodyPr>
+              <a:lstStyle/>
+              <a:p>
+                <a:r>
+                  <a:rPr lang="en-PH" sz="1400" b="1" dirty="0">
+                    <a:latin typeface="Arial" panose="020B0604020202020204" pitchFamily="34" charset="0"/>
+                    <a:cs typeface="Arial" panose="020B0604020202020204" pitchFamily="34" charset="0"/>
+                  </a:rPr>
+                  <a:t>C</a:t>
+                </a:r>
+              </a:p>
+            </p:txBody>
+          </p:sp>
+        </p:grpSp>
       </p:grpSp>
     </p:spTree>
     <p:extLst>
@@ -3820,70 +3646,1888 @@
           <a:chExt cx="0" cy="0"/>
         </a:xfrm>
       </p:grpSpPr>
-      <p:pic>
-        <p:nvPicPr>
-          <p:cNvPr id="3" name="Picture 2">
+      <p:grpSp>
+        <p:nvGrpSpPr>
+          <p:cNvPr id="5" name="Group 4">
             <a:extLst>
               <a:ext uri="{FF2B5EF4-FFF2-40B4-BE49-F238E27FC236}">
-                <a16:creationId xmlns:a16="http://schemas.microsoft.com/office/drawing/2014/main" id="{1FA617ED-F0B1-1689-37F0-58BAF8AD47A8}"/>
+                <a16:creationId xmlns:a16="http://schemas.microsoft.com/office/drawing/2014/main" id="{E015D673-81BD-EDA6-F94F-23FABD8F2A64}"/>
               </a:ext>
             </a:extLst>
           </p:cNvPr>
-          <p:cNvPicPr>
-            <a:picLocks noChangeAspect="1"/>
-          </p:cNvPicPr>
+          <p:cNvGrpSpPr/>
           <p:nvPr/>
-        </p:nvPicPr>
-        <p:blipFill>
-          <a:blip r:embed="rId2"/>
-          <a:stretch>
-            <a:fillRect/>
-          </a:stretch>
-        </p:blipFill>
-        <p:spPr>
+        </p:nvGrpSpPr>
+        <p:grpSpPr>
           <a:xfrm>
-            <a:off x="0" y="225162"/>
-            <a:ext cx="6858000" cy="982235"/>
+            <a:off x="546921" y="706668"/>
+            <a:ext cx="5849856" cy="3420462"/>
+            <a:chOff x="546921" y="706668"/>
+            <a:chExt cx="5849856" cy="3420462"/>
           </a:xfrm>
-          <a:prstGeom prst="rect">
-            <a:avLst/>
-          </a:prstGeom>
-        </p:spPr>
-      </p:pic>
-      <p:pic>
-        <p:nvPicPr>
-          <p:cNvPr id="5" name="Picture 4">
+        </p:grpSpPr>
+        <p:grpSp>
+          <p:nvGrpSpPr>
+            <p:cNvPr id="2" name="Group 1">
+              <a:extLst>
+                <a:ext uri="{FF2B5EF4-FFF2-40B4-BE49-F238E27FC236}">
+                  <a16:creationId xmlns:a16="http://schemas.microsoft.com/office/drawing/2014/main" id="{289F6DBA-4472-1041-21E4-AD20074DF012}"/>
+                </a:ext>
+              </a:extLst>
+            </p:cNvPr>
+            <p:cNvGrpSpPr/>
+            <p:nvPr/>
+          </p:nvGrpSpPr>
+          <p:grpSpPr>
+            <a:xfrm>
+              <a:off x="546921" y="706668"/>
+              <a:ext cx="5715963" cy="2265752"/>
+              <a:chOff x="546921" y="706668"/>
+              <a:chExt cx="5715963" cy="2265752"/>
+            </a:xfrm>
+          </p:grpSpPr>
+          <p:grpSp>
+            <p:nvGrpSpPr>
+              <p:cNvPr id="12" name="Group 11">
+                <a:extLst>
+                  <a:ext uri="{FF2B5EF4-FFF2-40B4-BE49-F238E27FC236}">
+                    <a16:creationId xmlns:a16="http://schemas.microsoft.com/office/drawing/2014/main" id="{DC873B86-192F-1A29-76A7-C2E2D0CBCADA}"/>
+                  </a:ext>
+                </a:extLst>
+              </p:cNvPr>
+              <p:cNvGrpSpPr/>
+              <p:nvPr/>
+            </p:nvGrpSpPr>
+            <p:grpSpPr>
+              <a:xfrm>
+                <a:off x="595116" y="860557"/>
+                <a:ext cx="5667768" cy="2111863"/>
+                <a:chOff x="3510929" y="3111270"/>
+                <a:chExt cx="3199306" cy="1192092"/>
+              </a:xfrm>
+            </p:grpSpPr>
+            <p:pic>
+              <p:nvPicPr>
+                <p:cNvPr id="6" name="Picture 5">
+                  <a:extLst>
+                    <a:ext uri="{FF2B5EF4-FFF2-40B4-BE49-F238E27FC236}">
+                      <a16:creationId xmlns:a16="http://schemas.microsoft.com/office/drawing/2014/main" id="{AC0D0530-721F-FF28-A405-BBE5187C2699}"/>
+                    </a:ext>
+                  </a:extLst>
+                </p:cNvPr>
+                <p:cNvPicPr>
+                  <a:picLocks noChangeAspect="1"/>
+                </p:cNvPicPr>
+                <p:nvPr/>
+              </p:nvPicPr>
+              <p:blipFill>
+                <a:blip r:embed="rId2"/>
+                <a:stretch>
+                  <a:fillRect/>
+                </a:stretch>
+              </p:blipFill>
+              <p:spPr>
+                <a:xfrm>
+                  <a:off x="3510929" y="3111270"/>
+                  <a:ext cx="3199306" cy="1192092"/>
+                </a:xfrm>
+                <a:prstGeom prst="rect">
+                  <a:avLst/>
+                </a:prstGeom>
+              </p:spPr>
+            </p:pic>
+            <p:sp>
+              <p:nvSpPr>
+                <p:cNvPr id="60" name="Rectangle: Rounded Corners 59">
+                  <a:extLst>
+                    <a:ext uri="{FF2B5EF4-FFF2-40B4-BE49-F238E27FC236}">
+                      <a16:creationId xmlns:a16="http://schemas.microsoft.com/office/drawing/2014/main" id="{97CFAB18-C931-00D3-A2C4-27433F4A9D19}"/>
+                    </a:ext>
+                  </a:extLst>
+                </p:cNvPr>
+                <p:cNvSpPr/>
+                <p:nvPr/>
+              </p:nvSpPr>
+              <p:spPr>
+                <a:xfrm>
+                  <a:off x="4030335" y="3652519"/>
+                  <a:ext cx="2609226" cy="218441"/>
+                </a:xfrm>
+                <a:prstGeom prst="roundRect">
+                  <a:avLst>
+                    <a:gd name="adj" fmla="val 23887"/>
+                  </a:avLst>
+                </a:prstGeom>
+                <a:noFill/>
+                <a:ln w="19050">
+                  <a:solidFill>
+                    <a:srgbClr val="FF0000"/>
+                  </a:solidFill>
+                </a:ln>
+              </p:spPr>
+              <p:style>
+                <a:lnRef idx="2">
+                  <a:schemeClr val="accent1">
+                    <a:shade val="15000"/>
+                  </a:schemeClr>
+                </a:lnRef>
+                <a:fillRef idx="1">
+                  <a:schemeClr val="accent1"/>
+                </a:fillRef>
+                <a:effectRef idx="0">
+                  <a:schemeClr val="accent1"/>
+                </a:effectRef>
+                <a:fontRef idx="minor">
+                  <a:schemeClr val="lt1"/>
+                </a:fontRef>
+              </p:style>
+              <p:txBody>
+                <a:bodyPr rtlCol="0" anchor="ctr"/>
+                <a:lstStyle/>
+                <a:p>
+                  <a:pPr algn="ctr"/>
+                  <a:endParaRPr lang="en-PH"/>
+                </a:p>
+              </p:txBody>
+            </p:sp>
+            <p:sp>
+              <p:nvSpPr>
+                <p:cNvPr id="61" name="Rectangle: Rounded Corners 60">
+                  <a:extLst>
+                    <a:ext uri="{FF2B5EF4-FFF2-40B4-BE49-F238E27FC236}">
+                      <a16:creationId xmlns:a16="http://schemas.microsoft.com/office/drawing/2014/main" id="{63C434DE-E3D7-D079-32EB-C310E7714BAD}"/>
+                    </a:ext>
+                  </a:extLst>
+                </p:cNvPr>
+                <p:cNvSpPr/>
+                <p:nvPr/>
+              </p:nvSpPr>
+              <p:spPr>
+                <a:xfrm>
+                  <a:off x="4157981" y="4002194"/>
+                  <a:ext cx="2430780" cy="301168"/>
+                </a:xfrm>
+                <a:prstGeom prst="roundRect">
+                  <a:avLst>
+                    <a:gd name="adj" fmla="val 21904"/>
+                  </a:avLst>
+                </a:prstGeom>
+                <a:noFill/>
+                <a:ln w="19050">
+                  <a:solidFill>
+                    <a:srgbClr val="FF0000"/>
+                  </a:solidFill>
+                </a:ln>
+              </p:spPr>
+              <p:style>
+                <a:lnRef idx="2">
+                  <a:schemeClr val="accent1">
+                    <a:shade val="15000"/>
+                  </a:schemeClr>
+                </a:lnRef>
+                <a:fillRef idx="1">
+                  <a:schemeClr val="accent1"/>
+                </a:fillRef>
+                <a:effectRef idx="0">
+                  <a:schemeClr val="accent1"/>
+                </a:effectRef>
+                <a:fontRef idx="minor">
+                  <a:schemeClr val="lt1"/>
+                </a:fontRef>
+              </p:style>
+              <p:txBody>
+                <a:bodyPr rtlCol="0" anchor="ctr"/>
+                <a:lstStyle/>
+                <a:p>
+                  <a:pPr algn="ctr"/>
+                  <a:endParaRPr lang="en-PH"/>
+                </a:p>
+              </p:txBody>
+            </p:sp>
+          </p:grpSp>
+          <p:sp>
+            <p:nvSpPr>
+              <p:cNvPr id="67" name="TextBox 66">
+                <a:extLst>
+                  <a:ext uri="{FF2B5EF4-FFF2-40B4-BE49-F238E27FC236}">
+                    <a16:creationId xmlns:a16="http://schemas.microsoft.com/office/drawing/2014/main" id="{69EA5A84-C0F3-D0A4-83EB-067B64218B45}"/>
+                  </a:ext>
+                </a:extLst>
+              </p:cNvPr>
+              <p:cNvSpPr txBox="1"/>
+              <p:nvPr/>
+            </p:nvSpPr>
+            <p:spPr>
+              <a:xfrm>
+                <a:off x="546921" y="706668"/>
+                <a:ext cx="314510" cy="307777"/>
+              </a:xfrm>
+              <a:prstGeom prst="rect">
+                <a:avLst/>
+              </a:prstGeom>
+              <a:noFill/>
+            </p:spPr>
+            <p:txBody>
+              <a:bodyPr wrap="none" rtlCol="0">
+                <a:spAutoFit/>
+              </a:bodyPr>
+              <a:lstStyle/>
+              <a:p>
+                <a:r>
+                  <a:rPr lang="en-PH" sz="1400" b="1" dirty="0">
+                    <a:latin typeface="Arial" panose="020B0604020202020204" pitchFamily="34" charset="0"/>
+                    <a:cs typeface="Arial" panose="020B0604020202020204" pitchFamily="34" charset="0"/>
+                  </a:rPr>
+                  <a:t>D</a:t>
+                </a:r>
+              </a:p>
+            </p:txBody>
+          </p:sp>
+        </p:grpSp>
+        <p:grpSp>
+          <p:nvGrpSpPr>
+            <p:cNvPr id="4" name="Group 3">
+              <a:extLst>
+                <a:ext uri="{FF2B5EF4-FFF2-40B4-BE49-F238E27FC236}">
+                  <a16:creationId xmlns:a16="http://schemas.microsoft.com/office/drawing/2014/main" id="{375DA50A-4564-494B-3450-520FB6359E12}"/>
+                </a:ext>
+              </a:extLst>
+            </p:cNvPr>
+            <p:cNvGrpSpPr/>
+            <p:nvPr/>
+          </p:nvGrpSpPr>
+          <p:grpSpPr>
+            <a:xfrm>
+              <a:off x="546921" y="3184507"/>
+              <a:ext cx="5849856" cy="942623"/>
+              <a:chOff x="546921" y="3184507"/>
+              <a:chExt cx="5849856" cy="942623"/>
+            </a:xfrm>
+          </p:grpSpPr>
+          <p:grpSp>
+            <p:nvGrpSpPr>
+              <p:cNvPr id="20" name="Group 19">
+                <a:extLst>
+                  <a:ext uri="{FF2B5EF4-FFF2-40B4-BE49-F238E27FC236}">
+                    <a16:creationId xmlns:a16="http://schemas.microsoft.com/office/drawing/2014/main" id="{1B9128D7-23F4-27D3-C4FC-FE87370DFFC1}"/>
+                  </a:ext>
+                </a:extLst>
+              </p:cNvPr>
+              <p:cNvGrpSpPr/>
+              <p:nvPr/>
+            </p:nvGrpSpPr>
+            <p:grpSpPr>
+              <a:xfrm>
+                <a:off x="729009" y="3338395"/>
+                <a:ext cx="5667768" cy="788735"/>
+                <a:chOff x="87007" y="5381526"/>
+                <a:chExt cx="3871161" cy="489742"/>
+              </a:xfrm>
+            </p:grpSpPr>
+            <p:pic>
+              <p:nvPicPr>
+                <p:cNvPr id="18" name="Picture 17">
+                  <a:extLst>
+                    <a:ext uri="{FF2B5EF4-FFF2-40B4-BE49-F238E27FC236}">
+                      <a16:creationId xmlns:a16="http://schemas.microsoft.com/office/drawing/2014/main" id="{A55B7357-46D3-5D11-1383-6FAC4F9A1C6E}"/>
+                    </a:ext>
+                  </a:extLst>
+                </p:cNvPr>
+                <p:cNvPicPr>
+                  <a:picLocks noChangeAspect="1"/>
+                </p:cNvPicPr>
+                <p:nvPr/>
+              </p:nvPicPr>
+              <p:blipFill>
+                <a:blip r:embed="rId3"/>
+                <a:stretch>
+                  <a:fillRect/>
+                </a:stretch>
+              </p:blipFill>
+              <p:spPr>
+                <a:xfrm>
+                  <a:off x="87007" y="5381526"/>
+                  <a:ext cx="3871161" cy="489742"/>
+                </a:xfrm>
+                <a:prstGeom prst="rect">
+                  <a:avLst/>
+                </a:prstGeom>
+              </p:spPr>
+            </p:pic>
+            <p:sp>
+              <p:nvSpPr>
+                <p:cNvPr id="62" name="Rectangle: Rounded Corners 61">
+                  <a:extLst>
+                    <a:ext uri="{FF2B5EF4-FFF2-40B4-BE49-F238E27FC236}">
+                      <a16:creationId xmlns:a16="http://schemas.microsoft.com/office/drawing/2014/main" id="{7B6A1FA5-73D7-5097-82C9-B86879B78489}"/>
+                    </a:ext>
+                  </a:extLst>
+                </p:cNvPr>
+                <p:cNvSpPr/>
+                <p:nvPr/>
+              </p:nvSpPr>
+              <p:spPr>
+                <a:xfrm>
+                  <a:off x="1075572" y="5381526"/>
+                  <a:ext cx="2526148" cy="249654"/>
+                </a:xfrm>
+                <a:prstGeom prst="roundRect">
+                  <a:avLst>
+                    <a:gd name="adj" fmla="val 31802"/>
+                  </a:avLst>
+                </a:prstGeom>
+                <a:noFill/>
+                <a:ln w="19050">
+                  <a:solidFill>
+                    <a:srgbClr val="FF0000"/>
+                  </a:solidFill>
+                </a:ln>
+              </p:spPr>
+              <p:style>
+                <a:lnRef idx="2">
+                  <a:schemeClr val="accent1">
+                    <a:shade val="15000"/>
+                  </a:schemeClr>
+                </a:lnRef>
+                <a:fillRef idx="1">
+                  <a:schemeClr val="accent1"/>
+                </a:fillRef>
+                <a:effectRef idx="0">
+                  <a:schemeClr val="accent1"/>
+                </a:effectRef>
+                <a:fontRef idx="minor">
+                  <a:schemeClr val="lt1"/>
+                </a:fontRef>
+              </p:style>
+              <p:txBody>
+                <a:bodyPr rtlCol="0" anchor="ctr"/>
+                <a:lstStyle/>
+                <a:p>
+                  <a:pPr algn="ctr"/>
+                  <a:endParaRPr lang="en-PH"/>
+                </a:p>
+              </p:txBody>
+            </p:sp>
+          </p:grpSp>
+          <p:sp>
+            <p:nvSpPr>
+              <p:cNvPr id="68" name="TextBox 67">
+                <a:extLst>
+                  <a:ext uri="{FF2B5EF4-FFF2-40B4-BE49-F238E27FC236}">
+                    <a16:creationId xmlns:a16="http://schemas.microsoft.com/office/drawing/2014/main" id="{BF5F77F3-EA15-CB9E-F8E1-C4F993E5B128}"/>
+                  </a:ext>
+                </a:extLst>
+              </p:cNvPr>
+              <p:cNvSpPr txBox="1"/>
+              <p:nvPr/>
+            </p:nvSpPr>
+            <p:spPr>
+              <a:xfrm>
+                <a:off x="546921" y="3184507"/>
+                <a:ext cx="314510" cy="307777"/>
+              </a:xfrm>
+              <a:prstGeom prst="rect">
+                <a:avLst/>
+              </a:prstGeom>
+              <a:noFill/>
+            </p:spPr>
+            <p:txBody>
+              <a:bodyPr wrap="none" rtlCol="0">
+                <a:spAutoFit/>
+              </a:bodyPr>
+              <a:lstStyle/>
+              <a:p>
+                <a:r>
+                  <a:rPr lang="en-PH" sz="1400" b="1" dirty="0">
+                    <a:latin typeface="Arial" panose="020B0604020202020204" pitchFamily="34" charset="0"/>
+                    <a:cs typeface="Arial" panose="020B0604020202020204" pitchFamily="34" charset="0"/>
+                  </a:rPr>
+                  <a:t>E</a:t>
+                </a:r>
+              </a:p>
+            </p:txBody>
+          </p:sp>
+        </p:grpSp>
+      </p:grpSp>
+    </p:spTree>
+    <p:extLst>
+      <p:ext uri="{BB962C8B-B14F-4D97-AF65-F5344CB8AC3E}">
+        <p14:creationId xmlns:p14="http://schemas.microsoft.com/office/powerpoint/2010/main" val="1730810239"/>
+      </p:ext>
+    </p:extLst>
+  </p:cSld>
+  <p:clrMapOvr>
+    <a:masterClrMapping/>
+  </p:clrMapOvr>
+</p:sld>
+</file>
+
+<file path=ppt/slides/slide3.xml><?xml version="1.0" encoding="utf-8"?>
+<p:sld xmlns:a="http://schemas.openxmlformats.org/drawingml/2006/main" xmlns:r="http://schemas.openxmlformats.org/officeDocument/2006/relationships" xmlns:p="http://schemas.openxmlformats.org/presentationml/2006/main">
+  <p:cSld>
+    <p:spTree>
+      <p:nvGrpSpPr>
+        <p:cNvPr id="1" name=""/>
+        <p:cNvGrpSpPr/>
+        <p:nvPr/>
+      </p:nvGrpSpPr>
+      <p:grpSpPr>
+        <a:xfrm>
+          <a:off x="0" y="0"/>
+          <a:ext cx="0" cy="0"/>
+          <a:chOff x="0" y="0"/>
+          <a:chExt cx="0" cy="0"/>
+        </a:xfrm>
+      </p:grpSpPr>
+      <p:grpSp>
+        <p:nvGrpSpPr>
+          <p:cNvPr id="63" name="Group 62">
             <a:extLst>
               <a:ext uri="{FF2B5EF4-FFF2-40B4-BE49-F238E27FC236}">
-                <a16:creationId xmlns:a16="http://schemas.microsoft.com/office/drawing/2014/main" id="{8A25EFA7-E846-A08B-5325-3200664BAE41}"/>
+                <a16:creationId xmlns:a16="http://schemas.microsoft.com/office/drawing/2014/main" id="{35156874-3D06-355E-8FC3-DF0700BAC7BC}"/>
               </a:ext>
             </a:extLst>
           </p:cNvPr>
-          <p:cNvPicPr>
-            <a:picLocks noChangeAspect="1"/>
-          </p:cNvPicPr>
+          <p:cNvGrpSpPr/>
           <p:nvPr/>
-        </p:nvPicPr>
-        <p:blipFill>
-          <a:blip r:embed="rId3"/>
-          <a:stretch>
-            <a:fillRect/>
-          </a:stretch>
-        </p:blipFill>
-        <p:spPr>
+        </p:nvGrpSpPr>
+        <p:grpSpPr>
           <a:xfrm>
-            <a:off x="311728" y="1406287"/>
-            <a:ext cx="6234545" cy="1302225"/>
+            <a:off x="434363" y="149169"/>
+            <a:ext cx="5828520" cy="7440096"/>
+            <a:chOff x="434363" y="149169"/>
+            <a:chExt cx="5828520" cy="7440096"/>
           </a:xfrm>
-          <a:prstGeom prst="rect">
-            <a:avLst/>
-          </a:prstGeom>
-        </p:spPr>
-      </p:pic>
+        </p:grpSpPr>
+        <p:grpSp>
+          <p:nvGrpSpPr>
+            <p:cNvPr id="8" name="Group 7">
+              <a:extLst>
+                <a:ext uri="{FF2B5EF4-FFF2-40B4-BE49-F238E27FC236}">
+                  <a16:creationId xmlns:a16="http://schemas.microsoft.com/office/drawing/2014/main" id="{321FDACD-6754-2FB8-7325-639A5B2A301D}"/>
+                </a:ext>
+              </a:extLst>
+            </p:cNvPr>
+            <p:cNvGrpSpPr/>
+            <p:nvPr/>
+          </p:nvGrpSpPr>
+          <p:grpSpPr>
+            <a:xfrm>
+              <a:off x="434363" y="149169"/>
+              <a:ext cx="5828520" cy="4024401"/>
+              <a:chOff x="434363" y="149169"/>
+              <a:chExt cx="5828520" cy="4024401"/>
+            </a:xfrm>
+          </p:grpSpPr>
+          <p:grpSp>
+            <p:nvGrpSpPr>
+              <p:cNvPr id="31" name="Group 30">
+                <a:extLst>
+                  <a:ext uri="{FF2B5EF4-FFF2-40B4-BE49-F238E27FC236}">
+                    <a16:creationId xmlns:a16="http://schemas.microsoft.com/office/drawing/2014/main" id="{5B3E0114-5F07-8E79-D770-0768A326C012}"/>
+                  </a:ext>
+                </a:extLst>
+              </p:cNvPr>
+              <p:cNvGrpSpPr/>
+              <p:nvPr/>
+            </p:nvGrpSpPr>
+            <p:grpSpPr>
+              <a:xfrm>
+                <a:off x="595115" y="378336"/>
+                <a:ext cx="5667768" cy="3795234"/>
+                <a:chOff x="1247173" y="149169"/>
+                <a:chExt cx="4258277" cy="2851415"/>
+              </a:xfrm>
+            </p:grpSpPr>
+            <p:pic>
+              <p:nvPicPr>
+                <p:cNvPr id="9" name="Picture 8">
+                  <a:extLst>
+                    <a:ext uri="{FF2B5EF4-FFF2-40B4-BE49-F238E27FC236}">
+                      <a16:creationId xmlns:a16="http://schemas.microsoft.com/office/drawing/2014/main" id="{FECA91A8-F62B-8056-4022-B0323829BEA4}"/>
+                    </a:ext>
+                  </a:extLst>
+                </p:cNvPr>
+                <p:cNvPicPr>
+                  <a:picLocks noChangeAspect="1"/>
+                </p:cNvPicPr>
+                <p:nvPr/>
+              </p:nvPicPr>
+              <p:blipFill>
+                <a:blip r:embed="rId2"/>
+                <a:stretch>
+                  <a:fillRect/>
+                </a:stretch>
+              </p:blipFill>
+              <p:spPr>
+                <a:xfrm>
+                  <a:off x="1247173" y="149169"/>
+                  <a:ext cx="4258277" cy="2851415"/>
+                </a:xfrm>
+                <a:prstGeom prst="rect">
+                  <a:avLst/>
+                </a:prstGeom>
+              </p:spPr>
+            </p:pic>
+            <p:sp>
+              <p:nvSpPr>
+                <p:cNvPr id="23" name="Rectangle: Rounded Corners 22">
+                  <a:extLst>
+                    <a:ext uri="{FF2B5EF4-FFF2-40B4-BE49-F238E27FC236}">
+                      <a16:creationId xmlns:a16="http://schemas.microsoft.com/office/drawing/2014/main" id="{3E1AB6A6-AD15-6A7C-B4D3-A4E11DCEC5CC}"/>
+                    </a:ext>
+                  </a:extLst>
+                </p:cNvPr>
+                <p:cNvSpPr/>
+                <p:nvPr/>
+              </p:nvSpPr>
+              <p:spPr>
+                <a:xfrm>
+                  <a:off x="2066905" y="879733"/>
+                  <a:ext cx="3038495" cy="110867"/>
+                </a:xfrm>
+                <a:prstGeom prst="roundRect">
+                  <a:avLst>
+                    <a:gd name="adj" fmla="val 21733"/>
+                  </a:avLst>
+                </a:prstGeom>
+                <a:noFill/>
+                <a:ln w="19050">
+                  <a:solidFill>
+                    <a:srgbClr val="FF0000"/>
+                  </a:solidFill>
+                </a:ln>
+              </p:spPr>
+              <p:style>
+                <a:lnRef idx="2">
+                  <a:schemeClr val="accent1">
+                    <a:shade val="15000"/>
+                  </a:schemeClr>
+                </a:lnRef>
+                <a:fillRef idx="1">
+                  <a:schemeClr val="accent1"/>
+                </a:fillRef>
+                <a:effectRef idx="0">
+                  <a:schemeClr val="accent1"/>
+                </a:effectRef>
+                <a:fontRef idx="minor">
+                  <a:schemeClr val="lt1"/>
+                </a:fontRef>
+              </p:style>
+              <p:txBody>
+                <a:bodyPr rtlCol="0" anchor="ctr"/>
+                <a:lstStyle/>
+                <a:p>
+                  <a:pPr algn="ctr"/>
+                  <a:endParaRPr lang="en-PH"/>
+                </a:p>
+              </p:txBody>
+            </p:sp>
+            <p:sp>
+              <p:nvSpPr>
+                <p:cNvPr id="24" name="Rectangle: Rounded Corners 23">
+                  <a:extLst>
+                    <a:ext uri="{FF2B5EF4-FFF2-40B4-BE49-F238E27FC236}">
+                      <a16:creationId xmlns:a16="http://schemas.microsoft.com/office/drawing/2014/main" id="{E54A092E-100C-F899-CC82-2630F669054C}"/>
+                    </a:ext>
+                  </a:extLst>
+                </p:cNvPr>
+                <p:cNvSpPr/>
+                <p:nvPr/>
+              </p:nvSpPr>
+              <p:spPr>
+                <a:xfrm>
+                  <a:off x="2375515" y="2750144"/>
+                  <a:ext cx="3129935" cy="110867"/>
+                </a:xfrm>
+                <a:prstGeom prst="roundRect">
+                  <a:avLst>
+                    <a:gd name="adj" fmla="val 21733"/>
+                  </a:avLst>
+                </a:prstGeom>
+                <a:noFill/>
+                <a:ln w="19050">
+                  <a:solidFill>
+                    <a:srgbClr val="FF0000"/>
+                  </a:solidFill>
+                </a:ln>
+              </p:spPr>
+              <p:style>
+                <a:lnRef idx="2">
+                  <a:schemeClr val="accent1">
+                    <a:shade val="15000"/>
+                  </a:schemeClr>
+                </a:lnRef>
+                <a:fillRef idx="1">
+                  <a:schemeClr val="accent1"/>
+                </a:fillRef>
+                <a:effectRef idx="0">
+                  <a:schemeClr val="accent1"/>
+                </a:effectRef>
+                <a:fontRef idx="minor">
+                  <a:schemeClr val="lt1"/>
+                </a:fontRef>
+              </p:style>
+              <p:txBody>
+                <a:bodyPr rtlCol="0" anchor="ctr"/>
+                <a:lstStyle/>
+                <a:p>
+                  <a:pPr algn="ctr"/>
+                  <a:endParaRPr lang="en-PH"/>
+                </a:p>
+              </p:txBody>
+            </p:sp>
+          </p:grpSp>
+          <p:sp>
+            <p:nvSpPr>
+              <p:cNvPr id="15" name="TextBox 14">
+                <a:extLst>
+                  <a:ext uri="{FF2B5EF4-FFF2-40B4-BE49-F238E27FC236}">
+                    <a16:creationId xmlns:a16="http://schemas.microsoft.com/office/drawing/2014/main" id="{E18B49D1-37F6-8FD3-47B2-2C13F06BE6AA}"/>
+                  </a:ext>
+                </a:extLst>
+              </p:cNvPr>
+              <p:cNvSpPr txBox="1"/>
+              <p:nvPr/>
+            </p:nvSpPr>
+            <p:spPr>
+              <a:xfrm>
+                <a:off x="434363" y="149169"/>
+                <a:ext cx="314510" cy="307777"/>
+              </a:xfrm>
+              <a:prstGeom prst="rect">
+                <a:avLst/>
+              </a:prstGeom>
+              <a:noFill/>
+            </p:spPr>
+            <p:txBody>
+              <a:bodyPr wrap="none" rtlCol="0">
+                <a:spAutoFit/>
+              </a:bodyPr>
+              <a:lstStyle/>
+              <a:p>
+                <a:r>
+                  <a:rPr lang="en-PH" sz="1400" b="1" dirty="0">
+                    <a:latin typeface="Arial" panose="020B0604020202020204" pitchFamily="34" charset="0"/>
+                    <a:cs typeface="Arial" panose="020B0604020202020204" pitchFamily="34" charset="0"/>
+                  </a:rPr>
+                  <a:t>A</a:t>
+                </a:r>
+              </a:p>
+            </p:txBody>
+          </p:sp>
+        </p:grpSp>
+        <p:grpSp>
+          <p:nvGrpSpPr>
+            <p:cNvPr id="22" name="Group 21">
+              <a:extLst>
+                <a:ext uri="{FF2B5EF4-FFF2-40B4-BE49-F238E27FC236}">
+                  <a16:creationId xmlns:a16="http://schemas.microsoft.com/office/drawing/2014/main" id="{A94C3D00-C79F-813B-0EBA-AC75E660ED7A}"/>
+                </a:ext>
+              </a:extLst>
+            </p:cNvPr>
+            <p:cNvGrpSpPr/>
+            <p:nvPr/>
+          </p:nvGrpSpPr>
+          <p:grpSpPr>
+            <a:xfrm>
+              <a:off x="434363" y="4296671"/>
+              <a:ext cx="5828520" cy="2581360"/>
+              <a:chOff x="434363" y="4828514"/>
+              <a:chExt cx="5828520" cy="2581360"/>
+            </a:xfrm>
+          </p:grpSpPr>
+          <p:grpSp>
+            <p:nvGrpSpPr>
+              <p:cNvPr id="21" name="Group 20">
+                <a:extLst>
+                  <a:ext uri="{FF2B5EF4-FFF2-40B4-BE49-F238E27FC236}">
+                    <a16:creationId xmlns:a16="http://schemas.microsoft.com/office/drawing/2014/main" id="{D79A4680-062C-9AE7-3E3E-F1E3EB4FF138}"/>
+                  </a:ext>
+                </a:extLst>
+              </p:cNvPr>
+              <p:cNvGrpSpPr/>
+              <p:nvPr/>
+            </p:nvGrpSpPr>
+            <p:grpSpPr>
+              <a:xfrm>
+                <a:off x="595115" y="4828514"/>
+                <a:ext cx="5667768" cy="2581360"/>
+                <a:chOff x="1493417" y="3159328"/>
+                <a:chExt cx="3871161" cy="1763104"/>
+              </a:xfrm>
+            </p:grpSpPr>
+            <p:pic>
+              <p:nvPicPr>
+                <p:cNvPr id="12" name="Picture 11">
+                  <a:extLst>
+                    <a:ext uri="{FF2B5EF4-FFF2-40B4-BE49-F238E27FC236}">
+                      <a16:creationId xmlns:a16="http://schemas.microsoft.com/office/drawing/2014/main" id="{C49CB28D-7301-027B-F72E-2E438F28A0B9}"/>
+                    </a:ext>
+                  </a:extLst>
+                </p:cNvPr>
+                <p:cNvPicPr>
+                  <a:picLocks noChangeAspect="1"/>
+                </p:cNvPicPr>
+                <p:nvPr/>
+              </p:nvPicPr>
+              <p:blipFill>
+                <a:blip r:embed="rId3"/>
+                <a:stretch>
+                  <a:fillRect/>
+                </a:stretch>
+              </p:blipFill>
+              <p:spPr>
+                <a:xfrm>
+                  <a:off x="1493417" y="3159328"/>
+                  <a:ext cx="3871161" cy="1763104"/>
+                </a:xfrm>
+                <a:prstGeom prst="rect">
+                  <a:avLst/>
+                </a:prstGeom>
+              </p:spPr>
+            </p:pic>
+            <p:sp>
+              <p:nvSpPr>
+                <p:cNvPr id="25" name="Rectangle: Rounded Corners 24">
+                  <a:extLst>
+                    <a:ext uri="{FF2B5EF4-FFF2-40B4-BE49-F238E27FC236}">
+                      <a16:creationId xmlns:a16="http://schemas.microsoft.com/office/drawing/2014/main" id="{4456CAB2-3EFA-FE36-171F-5A25FAA4D30F}"/>
+                    </a:ext>
+                  </a:extLst>
+                </p:cNvPr>
+                <p:cNvSpPr/>
+                <p:nvPr/>
+              </p:nvSpPr>
+              <p:spPr>
+                <a:xfrm>
+                  <a:off x="1826875" y="3328881"/>
+                  <a:ext cx="3053736" cy="402267"/>
+                </a:xfrm>
+                <a:prstGeom prst="roundRect">
+                  <a:avLst>
+                    <a:gd name="adj" fmla="val 21733"/>
+                  </a:avLst>
+                </a:prstGeom>
+                <a:noFill/>
+                <a:ln w="19050">
+                  <a:solidFill>
+                    <a:srgbClr val="FF0000"/>
+                  </a:solidFill>
+                </a:ln>
+              </p:spPr>
+              <p:style>
+                <a:lnRef idx="2">
+                  <a:schemeClr val="accent1">
+                    <a:shade val="15000"/>
+                  </a:schemeClr>
+                </a:lnRef>
+                <a:fillRef idx="1">
+                  <a:schemeClr val="accent1"/>
+                </a:fillRef>
+                <a:effectRef idx="0">
+                  <a:schemeClr val="accent1"/>
+                </a:effectRef>
+                <a:fontRef idx="minor">
+                  <a:schemeClr val="lt1"/>
+                </a:fontRef>
+              </p:style>
+              <p:txBody>
+                <a:bodyPr rtlCol="0" anchor="ctr"/>
+                <a:lstStyle/>
+                <a:p>
+                  <a:pPr algn="ctr"/>
+                  <a:endParaRPr lang="en-PH"/>
+                </a:p>
+              </p:txBody>
+            </p:sp>
+            <p:sp>
+              <p:nvSpPr>
+                <p:cNvPr id="26" name="Rectangle: Rounded Corners 25">
+                  <a:extLst>
+                    <a:ext uri="{FF2B5EF4-FFF2-40B4-BE49-F238E27FC236}">
+                      <a16:creationId xmlns:a16="http://schemas.microsoft.com/office/drawing/2014/main" id="{85996D98-C097-3A95-382C-65CE72F2D86F}"/>
+                    </a:ext>
+                  </a:extLst>
+                </p:cNvPr>
+                <p:cNvSpPr/>
+                <p:nvPr/>
+              </p:nvSpPr>
+              <p:spPr>
+                <a:xfrm>
+                  <a:off x="1826874" y="4054000"/>
+                  <a:ext cx="3232806" cy="114511"/>
+                </a:xfrm>
+                <a:prstGeom prst="roundRect">
+                  <a:avLst>
+                    <a:gd name="adj" fmla="val 21733"/>
+                  </a:avLst>
+                </a:prstGeom>
+                <a:noFill/>
+                <a:ln w="19050">
+                  <a:solidFill>
+                    <a:srgbClr val="FF0000"/>
+                  </a:solidFill>
+                </a:ln>
+              </p:spPr>
+              <p:style>
+                <a:lnRef idx="2">
+                  <a:schemeClr val="accent1">
+                    <a:shade val="15000"/>
+                  </a:schemeClr>
+                </a:lnRef>
+                <a:fillRef idx="1">
+                  <a:schemeClr val="accent1"/>
+                </a:fillRef>
+                <a:effectRef idx="0">
+                  <a:schemeClr val="accent1"/>
+                </a:effectRef>
+                <a:fontRef idx="minor">
+                  <a:schemeClr val="lt1"/>
+                </a:fontRef>
+              </p:style>
+              <p:txBody>
+                <a:bodyPr rtlCol="0" anchor="ctr"/>
+                <a:lstStyle/>
+                <a:p>
+                  <a:pPr algn="ctr"/>
+                  <a:endParaRPr lang="en-PH"/>
+                </a:p>
+              </p:txBody>
+            </p:sp>
+          </p:grpSp>
+          <p:sp>
+            <p:nvSpPr>
+              <p:cNvPr id="14" name="TextBox 13">
+                <a:extLst>
+                  <a:ext uri="{FF2B5EF4-FFF2-40B4-BE49-F238E27FC236}">
+                    <a16:creationId xmlns:a16="http://schemas.microsoft.com/office/drawing/2014/main" id="{858677D0-3543-7CDE-DA3E-E39C31A9C31D}"/>
+                  </a:ext>
+                </a:extLst>
+              </p:cNvPr>
+              <p:cNvSpPr txBox="1"/>
+              <p:nvPr/>
+            </p:nvSpPr>
+            <p:spPr>
+              <a:xfrm>
+                <a:off x="434363" y="4828514"/>
+                <a:ext cx="314510" cy="307777"/>
+              </a:xfrm>
+              <a:prstGeom prst="rect">
+                <a:avLst/>
+              </a:prstGeom>
+              <a:noFill/>
+            </p:spPr>
+            <p:txBody>
+              <a:bodyPr wrap="none" rtlCol="0">
+                <a:spAutoFit/>
+              </a:bodyPr>
+              <a:lstStyle/>
+              <a:p>
+                <a:r>
+                  <a:rPr lang="en-PH" sz="1400" b="1" dirty="0">
+                    <a:latin typeface="Arial" panose="020B0604020202020204" pitchFamily="34" charset="0"/>
+                    <a:cs typeface="Arial" panose="020B0604020202020204" pitchFamily="34" charset="0"/>
+                  </a:rPr>
+                  <a:t>B</a:t>
+                </a:r>
+              </a:p>
+            </p:txBody>
+          </p:sp>
+        </p:grpSp>
+        <p:grpSp>
+          <p:nvGrpSpPr>
+            <p:cNvPr id="2" name="Group 1">
+              <a:extLst>
+                <a:ext uri="{FF2B5EF4-FFF2-40B4-BE49-F238E27FC236}">
+                  <a16:creationId xmlns:a16="http://schemas.microsoft.com/office/drawing/2014/main" id="{7EC18D72-5E03-289C-AF59-0EEB00B6C8C9}"/>
+                </a:ext>
+              </a:extLst>
+            </p:cNvPr>
+            <p:cNvGrpSpPr/>
+            <p:nvPr/>
+          </p:nvGrpSpPr>
+          <p:grpSpPr>
+            <a:xfrm>
+              <a:off x="437858" y="7001131"/>
+              <a:ext cx="5825023" cy="588134"/>
+              <a:chOff x="437858" y="5054198"/>
+              <a:chExt cx="5825023" cy="588134"/>
+            </a:xfrm>
+          </p:grpSpPr>
+          <p:pic>
+            <p:nvPicPr>
+              <p:cNvPr id="3" name="Picture 2">
+                <a:extLst>
+                  <a:ext uri="{FF2B5EF4-FFF2-40B4-BE49-F238E27FC236}">
+                    <a16:creationId xmlns:a16="http://schemas.microsoft.com/office/drawing/2014/main" id="{4126C53A-C772-25D3-491C-F14BD16C13BE}"/>
+                  </a:ext>
+                </a:extLst>
+              </p:cNvPr>
+              <p:cNvPicPr>
+                <a:picLocks noChangeAspect="1"/>
+              </p:cNvPicPr>
+              <p:nvPr/>
+            </p:nvPicPr>
+            <p:blipFill>
+              <a:blip r:embed="rId4"/>
+              <a:stretch>
+                <a:fillRect/>
+              </a:stretch>
+            </p:blipFill>
+            <p:spPr>
+              <a:xfrm>
+                <a:off x="595113" y="5218284"/>
+                <a:ext cx="5667768" cy="424048"/>
+              </a:xfrm>
+              <a:prstGeom prst="rect">
+                <a:avLst/>
+              </a:prstGeom>
+            </p:spPr>
+          </p:pic>
+          <p:sp>
+            <p:nvSpPr>
+              <p:cNvPr id="5" name="TextBox 4">
+                <a:extLst>
+                  <a:ext uri="{FF2B5EF4-FFF2-40B4-BE49-F238E27FC236}">
+                    <a16:creationId xmlns:a16="http://schemas.microsoft.com/office/drawing/2014/main" id="{0227D9C3-80D8-2C85-0498-6FED044526F3}"/>
+                  </a:ext>
+                </a:extLst>
+              </p:cNvPr>
+              <p:cNvSpPr txBox="1"/>
+              <p:nvPr/>
+            </p:nvSpPr>
+            <p:spPr>
+              <a:xfrm>
+                <a:off x="437858" y="5054198"/>
+                <a:ext cx="314510" cy="307777"/>
+              </a:xfrm>
+              <a:prstGeom prst="rect">
+                <a:avLst/>
+              </a:prstGeom>
+              <a:noFill/>
+            </p:spPr>
+            <p:txBody>
+              <a:bodyPr wrap="none" rtlCol="0">
+                <a:spAutoFit/>
+              </a:bodyPr>
+              <a:lstStyle/>
+              <a:p>
+                <a:r>
+                  <a:rPr lang="en-PH" sz="1400" b="1" dirty="0">
+                    <a:latin typeface="Arial" panose="020B0604020202020204" pitchFamily="34" charset="0"/>
+                    <a:cs typeface="Arial" panose="020B0604020202020204" pitchFamily="34" charset="0"/>
+                  </a:rPr>
+                  <a:t>C</a:t>
+                </a:r>
+              </a:p>
+            </p:txBody>
+          </p:sp>
+          <p:sp>
+            <p:nvSpPr>
+              <p:cNvPr id="6" name="Rectangle: Rounded Corners 5">
+                <a:extLst>
+                  <a:ext uri="{FF2B5EF4-FFF2-40B4-BE49-F238E27FC236}">
+                    <a16:creationId xmlns:a16="http://schemas.microsoft.com/office/drawing/2014/main" id="{EB950EEF-C281-AD01-6E04-0C32C9784DBD}"/>
+                  </a:ext>
+                </a:extLst>
+              </p:cNvPr>
+              <p:cNvSpPr/>
+              <p:nvPr/>
+            </p:nvSpPr>
+            <p:spPr>
+              <a:xfrm>
+                <a:off x="1581150" y="5170331"/>
+                <a:ext cx="3924300" cy="318884"/>
+              </a:xfrm>
+              <a:prstGeom prst="roundRect">
+                <a:avLst>
+                  <a:gd name="adj" fmla="val 21733"/>
+                </a:avLst>
+              </a:prstGeom>
+              <a:noFill/>
+              <a:ln w="19050">
+                <a:solidFill>
+                  <a:srgbClr val="FF0000"/>
+                </a:solidFill>
+              </a:ln>
+            </p:spPr>
+            <p:style>
+              <a:lnRef idx="2">
+                <a:schemeClr val="accent1">
+                  <a:shade val="15000"/>
+                </a:schemeClr>
+              </a:lnRef>
+              <a:fillRef idx="1">
+                <a:schemeClr val="accent1"/>
+              </a:fillRef>
+              <a:effectRef idx="0">
+                <a:schemeClr val="accent1"/>
+              </a:effectRef>
+              <a:fontRef idx="minor">
+                <a:schemeClr val="lt1"/>
+              </a:fontRef>
+            </p:style>
+            <p:txBody>
+              <a:bodyPr rtlCol="0" anchor="ctr"/>
+              <a:lstStyle/>
+              <a:p>
+                <a:pPr algn="ctr"/>
+                <a:endParaRPr lang="en-PH"/>
+              </a:p>
+            </p:txBody>
+          </p:sp>
+        </p:grpSp>
+      </p:grpSp>
+    </p:spTree>
+    <p:extLst>
+      <p:ext uri="{BB962C8B-B14F-4D97-AF65-F5344CB8AC3E}">
+        <p14:creationId xmlns:p14="http://schemas.microsoft.com/office/powerpoint/2010/main" val="4191114200"/>
+      </p:ext>
+    </p:extLst>
+  </p:cSld>
+  <p:clrMapOvr>
+    <a:masterClrMapping/>
+  </p:clrMapOvr>
+</p:sld>
+</file>
+
+<file path=ppt/slides/slide4.xml><?xml version="1.0" encoding="utf-8"?>
+<p:sld xmlns:a="http://schemas.openxmlformats.org/drawingml/2006/main" xmlns:r="http://schemas.openxmlformats.org/officeDocument/2006/relationships" xmlns:p="http://schemas.openxmlformats.org/presentationml/2006/main">
+  <p:cSld>
+    <p:spTree>
+      <p:nvGrpSpPr>
+        <p:cNvPr id="1" name=""/>
+        <p:cNvGrpSpPr/>
+        <p:nvPr/>
+      </p:nvGrpSpPr>
+      <p:grpSpPr>
+        <a:xfrm>
+          <a:off x="0" y="0"/>
+          <a:ext cx="0" cy="0"/>
+          <a:chOff x="0" y="0"/>
+          <a:chExt cx="0" cy="0"/>
+        </a:xfrm>
+      </p:grpSpPr>
+      <p:grpSp>
+        <p:nvGrpSpPr>
+          <p:cNvPr id="90" name="Group 89">
+            <a:extLst>
+              <a:ext uri="{FF2B5EF4-FFF2-40B4-BE49-F238E27FC236}">
+                <a16:creationId xmlns:a16="http://schemas.microsoft.com/office/drawing/2014/main" id="{3B3ED7BC-11B9-AE8D-B103-D97AACCF1021}"/>
+              </a:ext>
+            </a:extLst>
+          </p:cNvPr>
+          <p:cNvGrpSpPr/>
+          <p:nvPr/>
+        </p:nvGrpSpPr>
+        <p:grpSpPr>
+          <a:xfrm>
+            <a:off x="434363" y="479046"/>
+            <a:ext cx="5456607" cy="4830198"/>
+            <a:chOff x="434363" y="479046"/>
+            <a:chExt cx="5456607" cy="4830198"/>
+          </a:xfrm>
+        </p:grpSpPr>
+        <p:grpSp>
+          <p:nvGrpSpPr>
+            <p:cNvPr id="85" name="Group 84">
+              <a:extLst>
+                <a:ext uri="{FF2B5EF4-FFF2-40B4-BE49-F238E27FC236}">
+                  <a16:creationId xmlns:a16="http://schemas.microsoft.com/office/drawing/2014/main" id="{ED46D324-BFA4-8E77-FE49-B563F6868A3D}"/>
+                </a:ext>
+              </a:extLst>
+            </p:cNvPr>
+            <p:cNvGrpSpPr/>
+            <p:nvPr/>
+          </p:nvGrpSpPr>
+          <p:grpSpPr>
+            <a:xfrm>
+              <a:off x="434363" y="479046"/>
+              <a:ext cx="4900676" cy="997733"/>
+              <a:chOff x="434363" y="479046"/>
+              <a:chExt cx="4900676" cy="997733"/>
+            </a:xfrm>
+          </p:grpSpPr>
+          <p:sp>
+            <p:nvSpPr>
+              <p:cNvPr id="66" name="TextBox 65">
+                <a:extLst>
+                  <a:ext uri="{FF2B5EF4-FFF2-40B4-BE49-F238E27FC236}">
+                    <a16:creationId xmlns:a16="http://schemas.microsoft.com/office/drawing/2014/main" id="{C31DA663-BDB6-1CFA-36EB-4F98C91222AE}"/>
+                  </a:ext>
+                </a:extLst>
+              </p:cNvPr>
+              <p:cNvSpPr txBox="1"/>
+              <p:nvPr/>
+            </p:nvSpPr>
+            <p:spPr>
+              <a:xfrm>
+                <a:off x="434363" y="479046"/>
+                <a:ext cx="314510" cy="307777"/>
+              </a:xfrm>
+              <a:prstGeom prst="rect">
+                <a:avLst/>
+              </a:prstGeom>
+              <a:noFill/>
+            </p:spPr>
+            <p:txBody>
+              <a:bodyPr wrap="none" rtlCol="0">
+                <a:spAutoFit/>
+              </a:bodyPr>
+              <a:lstStyle/>
+              <a:p>
+                <a:r>
+                  <a:rPr lang="en-PH" sz="1400" b="1" dirty="0">
+                    <a:latin typeface="Arial" panose="020B0604020202020204" pitchFamily="34" charset="0"/>
+                    <a:cs typeface="Arial" panose="020B0604020202020204" pitchFamily="34" charset="0"/>
+                  </a:rPr>
+                  <a:t>D</a:t>
+                </a:r>
+              </a:p>
+            </p:txBody>
+          </p:sp>
+          <p:grpSp>
+            <p:nvGrpSpPr>
+              <p:cNvPr id="69" name="Group 68">
+                <a:extLst>
+                  <a:ext uri="{FF2B5EF4-FFF2-40B4-BE49-F238E27FC236}">
+                    <a16:creationId xmlns:a16="http://schemas.microsoft.com/office/drawing/2014/main" id="{F34E1DA5-1574-4FC0-412C-5FBECEB2DF0C}"/>
+                  </a:ext>
+                </a:extLst>
+              </p:cNvPr>
+              <p:cNvGrpSpPr/>
+              <p:nvPr/>
+            </p:nvGrpSpPr>
+            <p:grpSpPr>
+              <a:xfrm>
+                <a:off x="650934" y="697319"/>
+                <a:ext cx="4684105" cy="779460"/>
+                <a:chOff x="1060397" y="632854"/>
+                <a:chExt cx="3199306" cy="532382"/>
+              </a:xfrm>
+            </p:grpSpPr>
+            <p:pic>
+              <p:nvPicPr>
+                <p:cNvPr id="81" name="Picture 80">
+                  <a:extLst>
+                    <a:ext uri="{FF2B5EF4-FFF2-40B4-BE49-F238E27FC236}">
+                      <a16:creationId xmlns:a16="http://schemas.microsoft.com/office/drawing/2014/main" id="{9DA8B66B-4439-C316-E065-411FAD6E23F3}"/>
+                    </a:ext>
+                  </a:extLst>
+                </p:cNvPr>
+                <p:cNvPicPr>
+                  <a:picLocks noChangeAspect="1"/>
+                </p:cNvPicPr>
+                <p:nvPr/>
+              </p:nvPicPr>
+              <p:blipFill>
+                <a:blip r:embed="rId2"/>
+                <a:stretch>
+                  <a:fillRect/>
+                </a:stretch>
+              </p:blipFill>
+              <p:spPr>
+                <a:xfrm>
+                  <a:off x="1060397" y="665056"/>
+                  <a:ext cx="3199306" cy="500180"/>
+                </a:xfrm>
+                <a:prstGeom prst="rect">
+                  <a:avLst/>
+                </a:prstGeom>
+              </p:spPr>
+            </p:pic>
+            <p:sp>
+              <p:nvSpPr>
+                <p:cNvPr id="82" name="Rectangle: Rounded Corners 81">
+                  <a:extLst>
+                    <a:ext uri="{FF2B5EF4-FFF2-40B4-BE49-F238E27FC236}">
+                      <a16:creationId xmlns:a16="http://schemas.microsoft.com/office/drawing/2014/main" id="{B0010634-2BF8-9DCC-3895-DE960CAB9030}"/>
+                    </a:ext>
+                  </a:extLst>
+                </p:cNvPr>
+                <p:cNvSpPr/>
+                <p:nvPr/>
+              </p:nvSpPr>
+              <p:spPr>
+                <a:xfrm>
+                  <a:off x="1474823" y="632854"/>
+                  <a:ext cx="2784880" cy="393954"/>
+                </a:xfrm>
+                <a:prstGeom prst="roundRect">
+                  <a:avLst>
+                    <a:gd name="adj" fmla="val 21733"/>
+                  </a:avLst>
+                </a:prstGeom>
+                <a:noFill/>
+                <a:ln w="19050">
+                  <a:solidFill>
+                    <a:srgbClr val="FF0000"/>
+                  </a:solidFill>
+                </a:ln>
+              </p:spPr>
+              <p:style>
+                <a:lnRef idx="2">
+                  <a:schemeClr val="accent1">
+                    <a:shade val="15000"/>
+                  </a:schemeClr>
+                </a:lnRef>
+                <a:fillRef idx="1">
+                  <a:schemeClr val="accent1"/>
+                </a:fillRef>
+                <a:effectRef idx="0">
+                  <a:schemeClr val="accent1"/>
+                </a:effectRef>
+                <a:fontRef idx="minor">
+                  <a:schemeClr val="lt1"/>
+                </a:fontRef>
+              </p:style>
+              <p:txBody>
+                <a:bodyPr rtlCol="0" anchor="ctr"/>
+                <a:lstStyle/>
+                <a:p>
+                  <a:pPr algn="ctr"/>
+                  <a:endParaRPr lang="en-PH"/>
+                </a:p>
+              </p:txBody>
+            </p:sp>
+          </p:grpSp>
+        </p:grpSp>
+        <p:grpSp>
+          <p:nvGrpSpPr>
+            <p:cNvPr id="86" name="Group 85">
+              <a:extLst>
+                <a:ext uri="{FF2B5EF4-FFF2-40B4-BE49-F238E27FC236}">
+                  <a16:creationId xmlns:a16="http://schemas.microsoft.com/office/drawing/2014/main" id="{CE908B6D-3D07-B9E1-252E-1E267EDA9D10}"/>
+                </a:ext>
+              </a:extLst>
+            </p:cNvPr>
+            <p:cNvGrpSpPr/>
+            <p:nvPr/>
+          </p:nvGrpSpPr>
+          <p:grpSpPr>
+            <a:xfrm>
+              <a:off x="434363" y="1758408"/>
+              <a:ext cx="5369088" cy="1212702"/>
+              <a:chOff x="434363" y="1973992"/>
+              <a:chExt cx="5369088" cy="1212702"/>
+            </a:xfrm>
+          </p:grpSpPr>
+          <p:sp>
+            <p:nvSpPr>
+              <p:cNvPr id="70" name="TextBox 69">
+                <a:extLst>
+                  <a:ext uri="{FF2B5EF4-FFF2-40B4-BE49-F238E27FC236}">
+                    <a16:creationId xmlns:a16="http://schemas.microsoft.com/office/drawing/2014/main" id="{49114E3D-1C7E-CA96-84C0-4143336F80FE}"/>
+                  </a:ext>
+                </a:extLst>
+              </p:cNvPr>
+              <p:cNvSpPr txBox="1"/>
+              <p:nvPr/>
+            </p:nvSpPr>
+            <p:spPr>
+              <a:xfrm>
+                <a:off x="434363" y="1973992"/>
+                <a:ext cx="314510" cy="307777"/>
+              </a:xfrm>
+              <a:prstGeom prst="rect">
+                <a:avLst/>
+              </a:prstGeom>
+              <a:noFill/>
+            </p:spPr>
+            <p:txBody>
+              <a:bodyPr wrap="none" rtlCol="0">
+                <a:spAutoFit/>
+              </a:bodyPr>
+              <a:lstStyle/>
+              <a:p>
+                <a:r>
+                  <a:rPr lang="en-PH" sz="1400" b="1" dirty="0">
+                    <a:latin typeface="Arial" panose="020B0604020202020204" pitchFamily="34" charset="0"/>
+                    <a:cs typeface="Arial" panose="020B0604020202020204" pitchFamily="34" charset="0"/>
+                  </a:rPr>
+                  <a:t>E</a:t>
+                </a:r>
+              </a:p>
+            </p:txBody>
+          </p:sp>
+          <p:grpSp>
+            <p:nvGrpSpPr>
+              <p:cNvPr id="71" name="Group 70">
+                <a:extLst>
+                  <a:ext uri="{FF2B5EF4-FFF2-40B4-BE49-F238E27FC236}">
+                    <a16:creationId xmlns:a16="http://schemas.microsoft.com/office/drawing/2014/main" id="{2C64F85B-BF31-2A63-4B26-845941951AE8}"/>
+                  </a:ext>
+                </a:extLst>
+              </p:cNvPr>
+              <p:cNvGrpSpPr/>
+              <p:nvPr/>
+            </p:nvGrpSpPr>
+            <p:grpSpPr>
+              <a:xfrm>
+                <a:off x="650935" y="2076427"/>
+                <a:ext cx="5152516" cy="1110267"/>
+                <a:chOff x="1163921" y="1531225"/>
+                <a:chExt cx="3199306" cy="626716"/>
+              </a:xfrm>
+            </p:grpSpPr>
+            <p:pic>
+              <p:nvPicPr>
+                <p:cNvPr id="78" name="Picture 77">
+                  <a:extLst>
+                    <a:ext uri="{FF2B5EF4-FFF2-40B4-BE49-F238E27FC236}">
+                      <a16:creationId xmlns:a16="http://schemas.microsoft.com/office/drawing/2014/main" id="{084FFEEB-32C9-84F2-3069-0A00E1CE384B}"/>
+                    </a:ext>
+                  </a:extLst>
+                </p:cNvPr>
+                <p:cNvPicPr>
+                  <a:picLocks noChangeAspect="1"/>
+                </p:cNvPicPr>
+                <p:nvPr/>
+              </p:nvPicPr>
+              <p:blipFill>
+                <a:blip r:embed="rId3"/>
+                <a:stretch>
+                  <a:fillRect/>
+                </a:stretch>
+              </p:blipFill>
+              <p:spPr>
+                <a:xfrm>
+                  <a:off x="1163921" y="1531225"/>
+                  <a:ext cx="3199306" cy="626716"/>
+                </a:xfrm>
+                <a:prstGeom prst="rect">
+                  <a:avLst/>
+                </a:prstGeom>
+              </p:spPr>
+            </p:pic>
+            <p:sp>
+              <p:nvSpPr>
+                <p:cNvPr id="79" name="Rectangle: Rounded Corners 78">
+                  <a:extLst>
+                    <a:ext uri="{FF2B5EF4-FFF2-40B4-BE49-F238E27FC236}">
+                      <a16:creationId xmlns:a16="http://schemas.microsoft.com/office/drawing/2014/main" id="{6104BCC6-684A-FC78-9047-7C965D885501}"/>
+                    </a:ext>
+                  </a:extLst>
+                </p:cNvPr>
+                <p:cNvSpPr/>
+                <p:nvPr/>
+              </p:nvSpPr>
+              <p:spPr>
+                <a:xfrm>
+                  <a:off x="2043064" y="1970637"/>
+                  <a:ext cx="2178226" cy="181695"/>
+                </a:xfrm>
+                <a:prstGeom prst="roundRect">
+                  <a:avLst>
+                    <a:gd name="adj" fmla="val 21733"/>
+                  </a:avLst>
+                </a:prstGeom>
+                <a:noFill/>
+                <a:ln w="19050">
+                  <a:solidFill>
+                    <a:srgbClr val="FF0000"/>
+                  </a:solidFill>
+                </a:ln>
+              </p:spPr>
+              <p:style>
+                <a:lnRef idx="2">
+                  <a:schemeClr val="accent1">
+                    <a:shade val="15000"/>
+                  </a:schemeClr>
+                </a:lnRef>
+                <a:fillRef idx="1">
+                  <a:schemeClr val="accent1"/>
+                </a:fillRef>
+                <a:effectRef idx="0">
+                  <a:schemeClr val="accent1"/>
+                </a:effectRef>
+                <a:fontRef idx="minor">
+                  <a:schemeClr val="lt1"/>
+                </a:fontRef>
+              </p:style>
+              <p:txBody>
+                <a:bodyPr rtlCol="0" anchor="ctr"/>
+                <a:lstStyle/>
+                <a:p>
+                  <a:pPr algn="ctr"/>
+                  <a:endParaRPr lang="en-PH"/>
+                </a:p>
+              </p:txBody>
+            </p:sp>
+            <p:sp>
+              <p:nvSpPr>
+                <p:cNvPr id="80" name="Rectangle: Rounded Corners 79">
+                  <a:extLst>
+                    <a:ext uri="{FF2B5EF4-FFF2-40B4-BE49-F238E27FC236}">
+                      <a16:creationId xmlns:a16="http://schemas.microsoft.com/office/drawing/2014/main" id="{89E779F4-4061-0CD6-3D2B-2576B3EEF7EB}"/>
+                    </a:ext>
+                  </a:extLst>
+                </p:cNvPr>
+                <p:cNvSpPr/>
+                <p:nvPr/>
+              </p:nvSpPr>
+              <p:spPr>
+                <a:xfrm>
+                  <a:off x="1910746" y="1643735"/>
+                  <a:ext cx="2130663" cy="181695"/>
+                </a:xfrm>
+                <a:prstGeom prst="roundRect">
+                  <a:avLst>
+                    <a:gd name="adj" fmla="val 21733"/>
+                  </a:avLst>
+                </a:prstGeom>
+                <a:noFill/>
+                <a:ln w="19050">
+                  <a:solidFill>
+                    <a:srgbClr val="FF0000"/>
+                  </a:solidFill>
+                </a:ln>
+              </p:spPr>
+              <p:style>
+                <a:lnRef idx="2">
+                  <a:schemeClr val="accent1">
+                    <a:shade val="15000"/>
+                  </a:schemeClr>
+                </a:lnRef>
+                <a:fillRef idx="1">
+                  <a:schemeClr val="accent1"/>
+                </a:fillRef>
+                <a:effectRef idx="0">
+                  <a:schemeClr val="accent1"/>
+                </a:effectRef>
+                <a:fontRef idx="minor">
+                  <a:schemeClr val="lt1"/>
+                </a:fontRef>
+              </p:style>
+              <p:txBody>
+                <a:bodyPr rtlCol="0" anchor="ctr"/>
+                <a:lstStyle/>
+                <a:p>
+                  <a:pPr algn="ctr"/>
+                  <a:endParaRPr lang="en-PH"/>
+                </a:p>
+              </p:txBody>
+            </p:sp>
+          </p:grpSp>
+        </p:grpSp>
+        <p:grpSp>
+          <p:nvGrpSpPr>
+            <p:cNvPr id="87" name="Group 86">
+              <a:extLst>
+                <a:ext uri="{FF2B5EF4-FFF2-40B4-BE49-F238E27FC236}">
+                  <a16:creationId xmlns:a16="http://schemas.microsoft.com/office/drawing/2014/main" id="{4D7A2331-479D-FC32-3B9E-54CEC2051121}"/>
+                </a:ext>
+              </a:extLst>
+            </p:cNvPr>
+            <p:cNvGrpSpPr/>
+            <p:nvPr/>
+          </p:nvGrpSpPr>
+          <p:grpSpPr>
+            <a:xfrm>
+              <a:off x="444783" y="3252739"/>
+              <a:ext cx="5358668" cy="980168"/>
+              <a:chOff x="444783" y="3715564"/>
+              <a:chExt cx="5358668" cy="980168"/>
+            </a:xfrm>
+          </p:grpSpPr>
+          <p:grpSp>
+            <p:nvGrpSpPr>
+              <p:cNvPr id="68" name="Group 67">
+                <a:extLst>
+                  <a:ext uri="{FF2B5EF4-FFF2-40B4-BE49-F238E27FC236}">
+                    <a16:creationId xmlns:a16="http://schemas.microsoft.com/office/drawing/2014/main" id="{E0AC5F67-4525-0A6E-9CAC-DB03C745D1A0}"/>
+                  </a:ext>
+                </a:extLst>
+              </p:cNvPr>
+              <p:cNvGrpSpPr/>
+              <p:nvPr/>
+            </p:nvGrpSpPr>
+            <p:grpSpPr>
+              <a:xfrm>
+                <a:off x="650934" y="3774761"/>
+                <a:ext cx="5152517" cy="920971"/>
+                <a:chOff x="1102406" y="2474511"/>
+                <a:chExt cx="3199307" cy="571850"/>
+              </a:xfrm>
+            </p:grpSpPr>
+            <p:pic>
+              <p:nvPicPr>
+                <p:cNvPr id="83" name="Picture 82">
+                  <a:extLst>
+                    <a:ext uri="{FF2B5EF4-FFF2-40B4-BE49-F238E27FC236}">
+                      <a16:creationId xmlns:a16="http://schemas.microsoft.com/office/drawing/2014/main" id="{85A42340-623F-5E97-CF82-2205C8D1802F}"/>
+                    </a:ext>
+                  </a:extLst>
+                </p:cNvPr>
+                <p:cNvPicPr>
+                  <a:picLocks noChangeAspect="1"/>
+                </p:cNvPicPr>
+                <p:nvPr/>
+              </p:nvPicPr>
+              <p:blipFill>
+                <a:blip r:embed="rId4"/>
+                <a:stretch>
+                  <a:fillRect/>
+                </a:stretch>
+              </p:blipFill>
+              <p:spPr>
+                <a:xfrm>
+                  <a:off x="1102406" y="2502454"/>
+                  <a:ext cx="3199307" cy="543907"/>
+                </a:xfrm>
+                <a:prstGeom prst="rect">
+                  <a:avLst/>
+                </a:prstGeom>
+              </p:spPr>
+            </p:pic>
+            <p:sp>
+              <p:nvSpPr>
+                <p:cNvPr id="84" name="Rectangle: Rounded Corners 83">
+                  <a:extLst>
+                    <a:ext uri="{FF2B5EF4-FFF2-40B4-BE49-F238E27FC236}">
+                      <a16:creationId xmlns:a16="http://schemas.microsoft.com/office/drawing/2014/main" id="{48F9C6E5-3D58-C6F8-76E4-8E64838349C6}"/>
+                    </a:ext>
+                  </a:extLst>
+                </p:cNvPr>
+                <p:cNvSpPr/>
+                <p:nvPr/>
+              </p:nvSpPr>
+              <p:spPr>
+                <a:xfrm>
+                  <a:off x="1769045" y="2474511"/>
+                  <a:ext cx="2532668" cy="356669"/>
+                </a:xfrm>
+                <a:prstGeom prst="roundRect">
+                  <a:avLst>
+                    <a:gd name="adj" fmla="val 21733"/>
+                  </a:avLst>
+                </a:prstGeom>
+                <a:noFill/>
+                <a:ln w="19050">
+                  <a:solidFill>
+                    <a:srgbClr val="FF0000"/>
+                  </a:solidFill>
+                </a:ln>
+              </p:spPr>
+              <p:style>
+                <a:lnRef idx="2">
+                  <a:schemeClr val="accent1">
+                    <a:shade val="15000"/>
+                  </a:schemeClr>
+                </a:lnRef>
+                <a:fillRef idx="1">
+                  <a:schemeClr val="accent1"/>
+                </a:fillRef>
+                <a:effectRef idx="0">
+                  <a:schemeClr val="accent1"/>
+                </a:effectRef>
+                <a:fontRef idx="minor">
+                  <a:schemeClr val="lt1"/>
+                </a:fontRef>
+              </p:style>
+              <p:txBody>
+                <a:bodyPr rtlCol="0" anchor="ctr"/>
+                <a:lstStyle/>
+                <a:p>
+                  <a:pPr algn="ctr"/>
+                  <a:endParaRPr lang="en-PH"/>
+                </a:p>
+              </p:txBody>
+            </p:sp>
+          </p:grpSp>
+          <p:sp>
+            <p:nvSpPr>
+              <p:cNvPr id="72" name="TextBox 71">
+                <a:extLst>
+                  <a:ext uri="{FF2B5EF4-FFF2-40B4-BE49-F238E27FC236}">
+                    <a16:creationId xmlns:a16="http://schemas.microsoft.com/office/drawing/2014/main" id="{69D1BC30-96D3-B9F9-FDA8-079C5DE69553}"/>
+                  </a:ext>
+                </a:extLst>
+              </p:cNvPr>
+              <p:cNvSpPr txBox="1"/>
+              <p:nvPr/>
+            </p:nvSpPr>
+            <p:spPr>
+              <a:xfrm>
+                <a:off x="444783" y="3715564"/>
+                <a:ext cx="293670" cy="307777"/>
+              </a:xfrm>
+              <a:prstGeom prst="rect">
+                <a:avLst/>
+              </a:prstGeom>
+              <a:noFill/>
+            </p:spPr>
+            <p:txBody>
+              <a:bodyPr wrap="none" rtlCol="0">
+                <a:spAutoFit/>
+              </a:bodyPr>
+              <a:lstStyle/>
+              <a:p>
+                <a:r>
+                  <a:rPr lang="en-PH" sz="1400" b="1" dirty="0">
+                    <a:latin typeface="Arial" panose="020B0604020202020204" pitchFamily="34" charset="0"/>
+                    <a:cs typeface="Arial" panose="020B0604020202020204" pitchFamily="34" charset="0"/>
+                  </a:rPr>
+                  <a:t>F</a:t>
+                </a:r>
+              </a:p>
+            </p:txBody>
+          </p:sp>
+        </p:grpSp>
+        <p:grpSp>
+          <p:nvGrpSpPr>
+            <p:cNvPr id="88" name="Group 87">
+              <a:extLst>
+                <a:ext uri="{FF2B5EF4-FFF2-40B4-BE49-F238E27FC236}">
+                  <a16:creationId xmlns:a16="http://schemas.microsoft.com/office/drawing/2014/main" id="{62AD80EE-4362-9E53-6B33-B96A2281E3C4}"/>
+                </a:ext>
+              </a:extLst>
+            </p:cNvPr>
+            <p:cNvGrpSpPr/>
+            <p:nvPr/>
+          </p:nvGrpSpPr>
+          <p:grpSpPr>
+            <a:xfrm>
+              <a:off x="443593" y="4514536"/>
+              <a:ext cx="5447377" cy="794708"/>
+              <a:chOff x="443593" y="5416367"/>
+              <a:chExt cx="5447377" cy="794708"/>
+            </a:xfrm>
+          </p:grpSpPr>
+          <p:sp>
+            <p:nvSpPr>
+              <p:cNvPr id="73" name="TextBox 72">
+                <a:extLst>
+                  <a:ext uri="{FF2B5EF4-FFF2-40B4-BE49-F238E27FC236}">
+                    <a16:creationId xmlns:a16="http://schemas.microsoft.com/office/drawing/2014/main" id="{CD7A70D2-D011-EC5A-D5A9-3D1DAE3DD745}"/>
+                  </a:ext>
+                </a:extLst>
+              </p:cNvPr>
+              <p:cNvSpPr txBox="1"/>
+              <p:nvPr/>
+            </p:nvSpPr>
+            <p:spPr>
+              <a:xfrm>
+                <a:off x="443593" y="5416367"/>
+                <a:ext cx="324128" cy="307777"/>
+              </a:xfrm>
+              <a:prstGeom prst="rect">
+                <a:avLst/>
+              </a:prstGeom>
+              <a:noFill/>
+            </p:spPr>
+            <p:txBody>
+              <a:bodyPr wrap="none" rtlCol="0">
+                <a:spAutoFit/>
+              </a:bodyPr>
+              <a:lstStyle/>
+              <a:p>
+                <a:r>
+                  <a:rPr lang="en-PH" sz="1400" b="1" dirty="0">
+                    <a:latin typeface="Arial" panose="020B0604020202020204" pitchFamily="34" charset="0"/>
+                    <a:cs typeface="Arial" panose="020B0604020202020204" pitchFamily="34" charset="0"/>
+                  </a:rPr>
+                  <a:t>G</a:t>
+                </a:r>
+              </a:p>
+            </p:txBody>
+          </p:sp>
+          <p:grpSp>
+            <p:nvGrpSpPr>
+              <p:cNvPr id="74" name="Group 73">
+                <a:extLst>
+                  <a:ext uri="{FF2B5EF4-FFF2-40B4-BE49-F238E27FC236}">
+                    <a16:creationId xmlns:a16="http://schemas.microsoft.com/office/drawing/2014/main" id="{662110B1-C816-C642-EA02-F4EDA08C6226}"/>
+                  </a:ext>
+                </a:extLst>
+              </p:cNvPr>
+              <p:cNvGrpSpPr/>
+              <p:nvPr/>
+            </p:nvGrpSpPr>
+            <p:grpSpPr>
+              <a:xfrm>
+                <a:off x="738453" y="5564088"/>
+                <a:ext cx="5152517" cy="646987"/>
+                <a:chOff x="3929483" y="8047815"/>
+                <a:chExt cx="3199307" cy="401728"/>
+              </a:xfrm>
+            </p:grpSpPr>
+            <p:pic>
+              <p:nvPicPr>
+                <p:cNvPr id="75" name="Picture 74">
+                  <a:extLst>
+                    <a:ext uri="{FF2B5EF4-FFF2-40B4-BE49-F238E27FC236}">
+                      <a16:creationId xmlns:a16="http://schemas.microsoft.com/office/drawing/2014/main" id="{127E11F0-9506-6CCC-5AEB-BBF1CCD1C567}"/>
+                    </a:ext>
+                  </a:extLst>
+                </p:cNvPr>
+                <p:cNvPicPr>
+                  <a:picLocks noChangeAspect="1"/>
+                </p:cNvPicPr>
+                <p:nvPr/>
+              </p:nvPicPr>
+              <p:blipFill>
+                <a:blip r:embed="rId5"/>
+                <a:stretch>
+                  <a:fillRect/>
+                </a:stretch>
+              </p:blipFill>
+              <p:spPr>
+                <a:xfrm>
+                  <a:off x="3929483" y="8047815"/>
+                  <a:ext cx="3199307" cy="401728"/>
+                </a:xfrm>
+                <a:prstGeom prst="rect">
+                  <a:avLst/>
+                </a:prstGeom>
+              </p:spPr>
+            </p:pic>
+            <p:sp>
+              <p:nvSpPr>
+                <p:cNvPr id="76" name="Rectangle: Rounded Corners 75">
+                  <a:extLst>
+                    <a:ext uri="{FF2B5EF4-FFF2-40B4-BE49-F238E27FC236}">
+                      <a16:creationId xmlns:a16="http://schemas.microsoft.com/office/drawing/2014/main" id="{9FE7EF3A-9D34-133B-2D6A-E55378953145}"/>
+                    </a:ext>
+                  </a:extLst>
+                </p:cNvPr>
+                <p:cNvSpPr/>
+                <p:nvPr/>
+              </p:nvSpPr>
+              <p:spPr>
+                <a:xfrm>
+                  <a:off x="4526096" y="8147197"/>
+                  <a:ext cx="2400588" cy="105877"/>
+                </a:xfrm>
+                <a:prstGeom prst="roundRect">
+                  <a:avLst>
+                    <a:gd name="adj" fmla="val 21733"/>
+                  </a:avLst>
+                </a:prstGeom>
+                <a:noFill/>
+                <a:ln w="19050">
+                  <a:solidFill>
+                    <a:srgbClr val="FF0000"/>
+                  </a:solidFill>
+                </a:ln>
+              </p:spPr>
+              <p:style>
+                <a:lnRef idx="2">
+                  <a:schemeClr val="accent1">
+                    <a:shade val="15000"/>
+                  </a:schemeClr>
+                </a:lnRef>
+                <a:fillRef idx="1">
+                  <a:schemeClr val="accent1"/>
+                </a:fillRef>
+                <a:effectRef idx="0">
+                  <a:schemeClr val="accent1"/>
+                </a:effectRef>
+                <a:fontRef idx="minor">
+                  <a:schemeClr val="lt1"/>
+                </a:fontRef>
+              </p:style>
+              <p:txBody>
+                <a:bodyPr rtlCol="0" anchor="ctr"/>
+                <a:lstStyle/>
+                <a:p>
+                  <a:pPr algn="ctr"/>
+                  <a:endParaRPr lang="en-PH"/>
+                </a:p>
+              </p:txBody>
+            </p:sp>
+            <p:sp>
+              <p:nvSpPr>
+                <p:cNvPr id="77" name="Rectangle: Rounded Corners 76">
+                  <a:extLst>
+                    <a:ext uri="{FF2B5EF4-FFF2-40B4-BE49-F238E27FC236}">
+                      <a16:creationId xmlns:a16="http://schemas.microsoft.com/office/drawing/2014/main" id="{048A4E37-8A61-5A5D-B6A7-76AAC1DD25FB}"/>
+                    </a:ext>
+                  </a:extLst>
+                </p:cNvPr>
+                <p:cNvSpPr/>
+                <p:nvPr/>
+              </p:nvSpPr>
+              <p:spPr>
+                <a:xfrm>
+                  <a:off x="4664768" y="8253378"/>
+                  <a:ext cx="2400588" cy="105877"/>
+                </a:xfrm>
+                <a:prstGeom prst="roundRect">
+                  <a:avLst>
+                    <a:gd name="adj" fmla="val 21733"/>
+                  </a:avLst>
+                </a:prstGeom>
+                <a:noFill/>
+                <a:ln w="19050">
+                  <a:solidFill>
+                    <a:srgbClr val="FF0000"/>
+                  </a:solidFill>
+                </a:ln>
+              </p:spPr>
+              <p:style>
+                <a:lnRef idx="2">
+                  <a:schemeClr val="accent1">
+                    <a:shade val="15000"/>
+                  </a:schemeClr>
+                </a:lnRef>
+                <a:fillRef idx="1">
+                  <a:schemeClr val="accent1"/>
+                </a:fillRef>
+                <a:effectRef idx="0">
+                  <a:schemeClr val="accent1"/>
+                </a:effectRef>
+                <a:fontRef idx="minor">
+                  <a:schemeClr val="lt1"/>
+                </a:fontRef>
+              </p:style>
+              <p:txBody>
+                <a:bodyPr rtlCol="0" anchor="ctr"/>
+                <a:lstStyle/>
+                <a:p>
+                  <a:pPr algn="ctr"/>
+                  <a:endParaRPr lang="en-PH"/>
+                </a:p>
+              </p:txBody>
+            </p:sp>
+          </p:grpSp>
+        </p:grpSp>
+      </p:grpSp>
     </p:spTree>
     <p:extLst>
       <p:ext uri="{BB962C8B-B14F-4D97-AF65-F5344CB8AC3E}">
         <p14:creationId xmlns:p14="http://schemas.microsoft.com/office/powerpoint/2010/main" val="3608809663"/>
+      </p:ext>
+    </p:extLst>
+  </p:cSld>
+  <p:clrMapOvr>
+    <a:masterClrMapping/>
+  </p:clrMapOvr>
+</p:sld>
+</file>
+
+<file path=ppt/slides/slide5.xml><?xml version="1.0" encoding="utf-8"?>
+<p:sld xmlns:a="http://schemas.openxmlformats.org/drawingml/2006/main" xmlns:r="http://schemas.openxmlformats.org/officeDocument/2006/relationships" xmlns:p="http://schemas.openxmlformats.org/presentationml/2006/main">
+  <p:cSld>
+    <p:spTree>
+      <p:nvGrpSpPr>
+        <p:cNvPr id="1" name=""/>
+        <p:cNvGrpSpPr/>
+        <p:nvPr/>
+      </p:nvGrpSpPr>
+      <p:grpSpPr>
+        <a:xfrm>
+          <a:off x="0" y="0"/>
+          <a:ext cx="0" cy="0"/>
+          <a:chOff x="0" y="0"/>
+          <a:chExt cx="0" cy="0"/>
+        </a:xfrm>
+      </p:grpSpPr>
+    </p:spTree>
+    <p:extLst>
+      <p:ext uri="{BB962C8B-B14F-4D97-AF65-F5344CB8AC3E}">
+        <p14:creationId xmlns:p14="http://schemas.microsoft.com/office/powerpoint/2010/main" val="2701335676"/>
       </p:ext>
     </p:extLst>
   </p:cSld>

--- a/minda-barcoding/results/FIGURES/Figs.pptx
+++ b/minda-barcoding/results/FIGURES/Figs.pptx
@@ -2,16 +2,13 @@
 <file path=ppt/presentation.xml><?xml version="1.0" encoding="utf-8"?>
 <p:presentation xmlns:a="http://schemas.openxmlformats.org/drawingml/2006/main" xmlns:r="http://schemas.openxmlformats.org/officeDocument/2006/relationships" xmlns:p="http://schemas.openxmlformats.org/presentationml/2006/main" saveSubsetFonts="1">
   <p:sldMasterIdLst>
-    <p:sldMasterId id="2147483660" r:id="rId1"/>
+    <p:sldMasterId id="2147483672" r:id="rId1"/>
   </p:sldMasterIdLst>
   <p:sldIdLst>
     <p:sldId id="258" r:id="rId2"/>
     <p:sldId id="262" r:id="rId3"/>
-    <p:sldId id="261" r:id="rId4"/>
-    <p:sldId id="259" r:id="rId5"/>
-    <p:sldId id="260" r:id="rId6"/>
   </p:sldIdLst>
-  <p:sldSz cx="6858000" cy="9906000" type="A4"/>
+  <p:sldSz cx="6858000" cy="13716000"/>
   <p:notesSz cx="6858000" cy="9144000"/>
   <p:defaultTextStyle>
     <a:defPPr>
@@ -145,8 +142,8 @@
         </p:nvSpPr>
         <p:spPr>
           <a:xfrm>
-            <a:off x="514350" y="1621191"/>
-            <a:ext cx="5829300" cy="3448756"/>
+            <a:off x="514350" y="2244726"/>
+            <a:ext cx="5829300" cy="4775200"/>
           </a:xfrm>
         </p:spPr>
         <p:txBody>
@@ -177,8 +174,8 @@
         </p:nvSpPr>
         <p:spPr>
           <a:xfrm>
-            <a:off x="857250" y="5202944"/>
-            <a:ext cx="5143500" cy="2391656"/>
+            <a:off x="857250" y="7204076"/>
+            <a:ext cx="5143500" cy="3311524"/>
           </a:xfrm>
         </p:spPr>
         <p:txBody>
@@ -298,7 +295,7 @@
     </p:spTree>
     <p:extLst>
       <p:ext uri="{BB962C8B-B14F-4D97-AF65-F5344CB8AC3E}">
-        <p14:creationId xmlns:p14="http://schemas.microsoft.com/office/powerpoint/2010/main" val="2567194614"/>
+        <p14:creationId xmlns:p14="http://schemas.microsoft.com/office/powerpoint/2010/main" val="2048978853"/>
       </p:ext>
     </p:extLst>
   </p:cSld>
@@ -468,7 +465,7 @@
     </p:spTree>
     <p:extLst>
       <p:ext uri="{BB962C8B-B14F-4D97-AF65-F5344CB8AC3E}">
-        <p14:creationId xmlns:p14="http://schemas.microsoft.com/office/powerpoint/2010/main" val="2812372114"/>
+        <p14:creationId xmlns:p14="http://schemas.microsoft.com/office/powerpoint/2010/main" val="3357792846"/>
       </p:ext>
     </p:extLst>
   </p:cSld>
@@ -507,8 +504,8 @@
         </p:nvSpPr>
         <p:spPr>
           <a:xfrm>
-            <a:off x="4907757" y="527403"/>
-            <a:ext cx="1478756" cy="8394877"/>
+            <a:off x="4907757" y="730250"/>
+            <a:ext cx="1478756" cy="11623676"/>
           </a:xfrm>
         </p:spPr>
         <p:txBody>
@@ -535,8 +532,8 @@
         </p:nvSpPr>
         <p:spPr>
           <a:xfrm>
-            <a:off x="471488" y="527403"/>
-            <a:ext cx="4350544" cy="8394877"/>
+            <a:off x="471488" y="730250"/>
+            <a:ext cx="4350544" cy="11623676"/>
           </a:xfrm>
         </p:spPr>
         <p:txBody>
@@ -648,7 +645,7 @@
     </p:spTree>
     <p:extLst>
       <p:ext uri="{BB962C8B-B14F-4D97-AF65-F5344CB8AC3E}">
-        <p14:creationId xmlns:p14="http://schemas.microsoft.com/office/powerpoint/2010/main" val="4250270650"/>
+        <p14:creationId xmlns:p14="http://schemas.microsoft.com/office/powerpoint/2010/main" val="2788451936"/>
       </p:ext>
     </p:extLst>
   </p:cSld>
@@ -818,7 +815,7 @@
     </p:spTree>
     <p:extLst>
       <p:ext uri="{BB962C8B-B14F-4D97-AF65-F5344CB8AC3E}">
-        <p14:creationId xmlns:p14="http://schemas.microsoft.com/office/powerpoint/2010/main" val="3904924816"/>
+        <p14:creationId xmlns:p14="http://schemas.microsoft.com/office/powerpoint/2010/main" val="2393685720"/>
       </p:ext>
     </p:extLst>
   </p:cSld>
@@ -857,8 +854,8 @@
         </p:nvSpPr>
         <p:spPr>
           <a:xfrm>
-            <a:off x="467916" y="2469624"/>
-            <a:ext cx="5915025" cy="4120620"/>
+            <a:off x="467916" y="3419479"/>
+            <a:ext cx="5915025" cy="5705474"/>
           </a:xfrm>
         </p:spPr>
         <p:txBody>
@@ -889,8 +886,8 @@
         </p:nvSpPr>
         <p:spPr>
           <a:xfrm>
-            <a:off x="467916" y="6629226"/>
-            <a:ext cx="5915025" cy="2166937"/>
+            <a:off x="467916" y="9178929"/>
+            <a:ext cx="5915025" cy="3000374"/>
           </a:xfrm>
         </p:spPr>
         <p:txBody>
@@ -1062,7 +1059,7 @@
     </p:spTree>
     <p:extLst>
       <p:ext uri="{BB962C8B-B14F-4D97-AF65-F5344CB8AC3E}">
-        <p14:creationId xmlns:p14="http://schemas.microsoft.com/office/powerpoint/2010/main" val="1058912398"/>
+        <p14:creationId xmlns:p14="http://schemas.microsoft.com/office/powerpoint/2010/main" val="943680401"/>
       </p:ext>
     </p:extLst>
   </p:cSld>
@@ -1124,8 +1121,8 @@
         </p:nvSpPr>
         <p:spPr>
           <a:xfrm>
-            <a:off x="471488" y="2637014"/>
-            <a:ext cx="2914650" cy="6285266"/>
+            <a:off x="471488" y="3651250"/>
+            <a:ext cx="2914650" cy="8702676"/>
           </a:xfrm>
         </p:spPr>
         <p:txBody>
@@ -1181,8 +1178,8 @@
         </p:nvSpPr>
         <p:spPr>
           <a:xfrm>
-            <a:off x="3471863" y="2637014"/>
-            <a:ext cx="2914650" cy="6285266"/>
+            <a:off x="3471863" y="3651250"/>
+            <a:ext cx="2914650" cy="8702676"/>
           </a:xfrm>
         </p:spPr>
         <p:txBody>
@@ -1294,7 +1291,7 @@
     </p:spTree>
     <p:extLst>
       <p:ext uri="{BB962C8B-B14F-4D97-AF65-F5344CB8AC3E}">
-        <p14:creationId xmlns:p14="http://schemas.microsoft.com/office/powerpoint/2010/main" val="1074466135"/>
+        <p14:creationId xmlns:p14="http://schemas.microsoft.com/office/powerpoint/2010/main" val="4040377379"/>
       </p:ext>
     </p:extLst>
   </p:cSld>
@@ -1333,8 +1330,8 @@
         </p:nvSpPr>
         <p:spPr>
           <a:xfrm>
-            <a:off x="472381" y="527405"/>
-            <a:ext cx="5915025" cy="1914702"/>
+            <a:off x="472381" y="730253"/>
+            <a:ext cx="5915025" cy="2651126"/>
           </a:xfrm>
         </p:spPr>
         <p:txBody>
@@ -1361,8 +1358,8 @@
         </p:nvSpPr>
         <p:spPr>
           <a:xfrm>
-            <a:off x="472381" y="2428347"/>
-            <a:ext cx="2901255" cy="1190095"/>
+            <a:off x="472381" y="3362326"/>
+            <a:ext cx="2901255" cy="1647824"/>
           </a:xfrm>
         </p:spPr>
         <p:txBody>
@@ -1426,8 +1423,8 @@
         </p:nvSpPr>
         <p:spPr>
           <a:xfrm>
-            <a:off x="472381" y="3618442"/>
-            <a:ext cx="2901255" cy="5322183"/>
+            <a:off x="472381" y="5010150"/>
+            <a:ext cx="2901255" cy="7369176"/>
           </a:xfrm>
         </p:spPr>
         <p:txBody>
@@ -1483,8 +1480,8 @@
         </p:nvSpPr>
         <p:spPr>
           <a:xfrm>
-            <a:off x="3471863" y="2428347"/>
-            <a:ext cx="2915543" cy="1190095"/>
+            <a:off x="3471863" y="3362326"/>
+            <a:ext cx="2915543" cy="1647824"/>
           </a:xfrm>
         </p:spPr>
         <p:txBody>
@@ -1548,8 +1545,8 @@
         </p:nvSpPr>
         <p:spPr>
           <a:xfrm>
-            <a:off x="3471863" y="3618442"/>
-            <a:ext cx="2915543" cy="5322183"/>
+            <a:off x="3471863" y="5010150"/>
+            <a:ext cx="2915543" cy="7369176"/>
           </a:xfrm>
         </p:spPr>
         <p:txBody>
@@ -1661,7 +1658,7 @@
     </p:spTree>
     <p:extLst>
       <p:ext uri="{BB962C8B-B14F-4D97-AF65-F5344CB8AC3E}">
-        <p14:creationId xmlns:p14="http://schemas.microsoft.com/office/powerpoint/2010/main" val="256516202"/>
+        <p14:creationId xmlns:p14="http://schemas.microsoft.com/office/powerpoint/2010/main" val="3073822836"/>
       </p:ext>
     </p:extLst>
   </p:cSld>
@@ -1779,7 +1776,7 @@
     </p:spTree>
     <p:extLst>
       <p:ext uri="{BB962C8B-B14F-4D97-AF65-F5344CB8AC3E}">
-        <p14:creationId xmlns:p14="http://schemas.microsoft.com/office/powerpoint/2010/main" val="3663533251"/>
+        <p14:creationId xmlns:p14="http://schemas.microsoft.com/office/powerpoint/2010/main" val="1139004258"/>
       </p:ext>
     </p:extLst>
   </p:cSld>
@@ -1874,7 +1871,7 @@
     </p:spTree>
     <p:extLst>
       <p:ext uri="{BB962C8B-B14F-4D97-AF65-F5344CB8AC3E}">
-        <p14:creationId xmlns:p14="http://schemas.microsoft.com/office/powerpoint/2010/main" val="651018578"/>
+        <p14:creationId xmlns:p14="http://schemas.microsoft.com/office/powerpoint/2010/main" val="2980478675"/>
       </p:ext>
     </p:extLst>
   </p:cSld>
@@ -1913,8 +1910,8 @@
         </p:nvSpPr>
         <p:spPr>
           <a:xfrm>
-            <a:off x="472381" y="660400"/>
-            <a:ext cx="2211884" cy="2311400"/>
+            <a:off x="472381" y="914400"/>
+            <a:ext cx="2211884" cy="3200400"/>
           </a:xfrm>
         </p:spPr>
         <p:txBody>
@@ -1945,8 +1942,8 @@
         </p:nvSpPr>
         <p:spPr>
           <a:xfrm>
-            <a:off x="2915543" y="1426283"/>
-            <a:ext cx="3471863" cy="7039681"/>
+            <a:off x="2915543" y="1974853"/>
+            <a:ext cx="3471863" cy="9747250"/>
           </a:xfrm>
         </p:spPr>
         <p:txBody>
@@ -2030,8 +2027,8 @@
         </p:nvSpPr>
         <p:spPr>
           <a:xfrm>
-            <a:off x="472381" y="2971800"/>
-            <a:ext cx="2211884" cy="5505627"/>
+            <a:off x="472381" y="4114800"/>
+            <a:ext cx="2211884" cy="7623176"/>
           </a:xfrm>
         </p:spPr>
         <p:txBody>
@@ -2151,7 +2148,7 @@
     </p:spTree>
     <p:extLst>
       <p:ext uri="{BB962C8B-B14F-4D97-AF65-F5344CB8AC3E}">
-        <p14:creationId xmlns:p14="http://schemas.microsoft.com/office/powerpoint/2010/main" val="4271105061"/>
+        <p14:creationId xmlns:p14="http://schemas.microsoft.com/office/powerpoint/2010/main" val="3622163624"/>
       </p:ext>
     </p:extLst>
   </p:cSld>
@@ -2190,8 +2187,8 @@
         </p:nvSpPr>
         <p:spPr>
           <a:xfrm>
-            <a:off x="472381" y="660400"/>
-            <a:ext cx="2211884" cy="2311400"/>
+            <a:off x="472381" y="914400"/>
+            <a:ext cx="2211884" cy="3200400"/>
           </a:xfrm>
         </p:spPr>
         <p:txBody>
@@ -2222,8 +2219,8 @@
         </p:nvSpPr>
         <p:spPr>
           <a:xfrm>
-            <a:off x="2915543" y="1426283"/>
-            <a:ext cx="3471863" cy="7039681"/>
+            <a:off x="2915543" y="1974853"/>
+            <a:ext cx="3471863" cy="9747250"/>
           </a:xfrm>
         </p:spPr>
         <p:txBody>
@@ -2287,8 +2284,8 @@
         </p:nvSpPr>
         <p:spPr>
           <a:xfrm>
-            <a:off x="472381" y="2971800"/>
-            <a:ext cx="2211884" cy="5505627"/>
+            <a:off x="472381" y="4114800"/>
+            <a:ext cx="2211884" cy="7623176"/>
           </a:xfrm>
         </p:spPr>
         <p:txBody>
@@ -2408,7 +2405,7 @@
     </p:spTree>
     <p:extLst>
       <p:ext uri="{BB962C8B-B14F-4D97-AF65-F5344CB8AC3E}">
-        <p14:creationId xmlns:p14="http://schemas.microsoft.com/office/powerpoint/2010/main" val="1590863329"/>
+        <p14:creationId xmlns:p14="http://schemas.microsoft.com/office/powerpoint/2010/main" val="1912073153"/>
       </p:ext>
     </p:extLst>
   </p:cSld>
@@ -2452,8 +2449,8 @@
         </p:nvSpPr>
         <p:spPr>
           <a:xfrm>
-            <a:off x="471488" y="527405"/>
-            <a:ext cx="5915025" cy="1914702"/>
+            <a:off x="471488" y="730253"/>
+            <a:ext cx="5915025" cy="2651126"/>
           </a:xfrm>
           <a:prstGeom prst="rect">
             <a:avLst/>
@@ -2485,8 +2482,8 @@
         </p:nvSpPr>
         <p:spPr>
           <a:xfrm>
-            <a:off x="471488" y="2637014"/>
-            <a:ext cx="5915025" cy="6285266"/>
+            <a:off x="471488" y="3651250"/>
+            <a:ext cx="5915025" cy="8702676"/>
           </a:xfrm>
           <a:prstGeom prst="rect">
             <a:avLst/>
@@ -2547,8 +2544,8 @@
         </p:nvSpPr>
         <p:spPr>
           <a:xfrm>
-            <a:off x="471488" y="9181397"/>
-            <a:ext cx="1543050" cy="527403"/>
+            <a:off x="471488" y="12712703"/>
+            <a:ext cx="1543050" cy="730250"/>
           </a:xfrm>
           <a:prstGeom prst="rect">
             <a:avLst/>
@@ -2588,8 +2585,8 @@
         </p:nvSpPr>
         <p:spPr>
           <a:xfrm>
-            <a:off x="2271713" y="9181397"/>
-            <a:ext cx="2314575" cy="527403"/>
+            <a:off x="2271713" y="12712703"/>
+            <a:ext cx="2314575" cy="730250"/>
           </a:xfrm>
           <a:prstGeom prst="rect">
             <a:avLst/>
@@ -2625,8 +2622,8 @@
         </p:nvSpPr>
         <p:spPr>
           <a:xfrm>
-            <a:off x="4843463" y="9181397"/>
-            <a:ext cx="1543050" cy="527403"/>
+            <a:off x="4843463" y="12712703"/>
+            <a:ext cx="1543050" cy="730250"/>
           </a:xfrm>
           <a:prstGeom prst="rect">
             <a:avLst/>
@@ -2657,23 +2654,23 @@
     </p:spTree>
     <p:extLst>
       <p:ext uri="{BB962C8B-B14F-4D97-AF65-F5344CB8AC3E}">
-        <p14:creationId xmlns:p14="http://schemas.microsoft.com/office/powerpoint/2010/main" val="1541719053"/>
+        <p14:creationId xmlns:p14="http://schemas.microsoft.com/office/powerpoint/2010/main" val="3881935367"/>
       </p:ext>
     </p:extLst>
   </p:cSld>
   <p:clrMap bg1="lt1" tx1="dk1" bg2="lt2" tx2="dk2" accent1="accent1" accent2="accent2" accent3="accent3" accent4="accent4" accent5="accent5" accent6="accent6" hlink="hlink" folHlink="folHlink"/>
   <p:sldLayoutIdLst>
-    <p:sldLayoutId id="2147483661" r:id="rId1"/>
-    <p:sldLayoutId id="2147483662" r:id="rId2"/>
-    <p:sldLayoutId id="2147483663" r:id="rId3"/>
-    <p:sldLayoutId id="2147483664" r:id="rId4"/>
-    <p:sldLayoutId id="2147483665" r:id="rId5"/>
-    <p:sldLayoutId id="2147483666" r:id="rId6"/>
-    <p:sldLayoutId id="2147483667" r:id="rId7"/>
-    <p:sldLayoutId id="2147483668" r:id="rId8"/>
-    <p:sldLayoutId id="2147483669" r:id="rId9"/>
-    <p:sldLayoutId id="2147483670" r:id="rId10"/>
-    <p:sldLayoutId id="2147483671" r:id="rId11"/>
+    <p:sldLayoutId id="2147483673" r:id="rId1"/>
+    <p:sldLayoutId id="2147483674" r:id="rId2"/>
+    <p:sldLayoutId id="2147483675" r:id="rId3"/>
+    <p:sldLayoutId id="2147483676" r:id="rId4"/>
+    <p:sldLayoutId id="2147483677" r:id="rId5"/>
+    <p:sldLayoutId id="2147483678" r:id="rId6"/>
+    <p:sldLayoutId id="2147483679" r:id="rId7"/>
+    <p:sldLayoutId id="2147483680" r:id="rId8"/>
+    <p:sldLayoutId id="2147483681" r:id="rId9"/>
+    <p:sldLayoutId id="2147483682" r:id="rId10"/>
+    <p:sldLayoutId id="2147483683" r:id="rId11"/>
   </p:sldLayoutIdLst>
   <p:txStyles>
     <p:titleStyle>
@@ -2977,10 +2974,10 @@
       </p:grpSpPr>
       <p:grpSp>
         <p:nvGrpSpPr>
-          <p:cNvPr id="22" name="Group 21">
+          <p:cNvPr id="27" name="Group 26">
             <a:extLst>
               <a:ext uri="{FF2B5EF4-FFF2-40B4-BE49-F238E27FC236}">
-                <a16:creationId xmlns:a16="http://schemas.microsoft.com/office/drawing/2014/main" id="{24534DC4-EEE8-F275-6F39-76180673A7A2}"/>
+                <a16:creationId xmlns:a16="http://schemas.microsoft.com/office/drawing/2014/main" id="{FC98B390-66C8-5ED3-0939-367C967D40F4}"/>
               </a:ext>
             </a:extLst>
           </p:cNvPr>
@@ -2989,18 +2986,18 @@
         </p:nvGrpSpPr>
         <p:grpSpPr>
           <a:xfrm>
-            <a:off x="423831" y="423617"/>
-            <a:ext cx="6167592" cy="7869685"/>
-            <a:chOff x="423831" y="423617"/>
-            <a:chExt cx="6167592" cy="7869685"/>
+            <a:off x="196454" y="356484"/>
+            <a:ext cx="6694050" cy="12282514"/>
+            <a:chOff x="196454" y="356484"/>
+            <a:chExt cx="6694050" cy="12282514"/>
           </a:xfrm>
         </p:grpSpPr>
         <p:grpSp>
           <p:nvGrpSpPr>
-            <p:cNvPr id="19" name="Group 18">
+            <p:cNvPr id="22" name="Group 21">
               <a:extLst>
                 <a:ext uri="{FF2B5EF4-FFF2-40B4-BE49-F238E27FC236}">
-                  <a16:creationId xmlns:a16="http://schemas.microsoft.com/office/drawing/2014/main" id="{C218D71F-777D-0E68-73EE-5E030D4E9D12}"/>
+                  <a16:creationId xmlns:a16="http://schemas.microsoft.com/office/drawing/2014/main" id="{24534DC4-EEE8-F275-6F39-76180673A7A2}"/>
                 </a:ext>
               </a:extLst>
             </p:cNvPr>
@@ -3009,18 +3006,18 @@
           </p:nvGrpSpPr>
           <p:grpSpPr>
             <a:xfrm>
-              <a:off x="546921" y="423617"/>
-              <a:ext cx="5825023" cy="3321350"/>
-              <a:chOff x="546921" y="423617"/>
-              <a:chExt cx="5825023" cy="3321350"/>
+              <a:off x="196454" y="356484"/>
+              <a:ext cx="6416035" cy="8186692"/>
+              <a:chOff x="423831" y="423617"/>
+              <a:chExt cx="6167592" cy="7869685"/>
             </a:xfrm>
           </p:grpSpPr>
           <p:grpSp>
             <p:nvGrpSpPr>
-              <p:cNvPr id="10" name="Group 9">
+              <p:cNvPr id="19" name="Group 18">
                 <a:extLst>
                   <a:ext uri="{FF2B5EF4-FFF2-40B4-BE49-F238E27FC236}">
-                    <a16:creationId xmlns:a16="http://schemas.microsoft.com/office/drawing/2014/main" id="{E7A1BFA1-88E2-C58F-D45D-61989952069D}"/>
+                    <a16:creationId xmlns:a16="http://schemas.microsoft.com/office/drawing/2014/main" id="{C218D71F-777D-0E68-73EE-5E030D4E9D12}"/>
                   </a:ext>
                 </a:extLst>
               </p:cNvPr>
@@ -3029,48 +3026,18 @@
             </p:nvGrpSpPr>
             <p:grpSpPr>
               <a:xfrm>
-                <a:off x="704176" y="577506"/>
-                <a:ext cx="5667768" cy="3167461"/>
-                <a:chOff x="87007" y="527553"/>
-                <a:chExt cx="3199306" cy="1787949"/>
+                <a:off x="546921" y="423617"/>
+                <a:ext cx="5825023" cy="3321350"/>
+                <a:chOff x="546921" y="423617"/>
+                <a:chExt cx="5825023" cy="3321350"/>
               </a:xfrm>
             </p:grpSpPr>
-            <p:pic>
-              <p:nvPicPr>
-                <p:cNvPr id="8" name="Picture 7">
+            <p:grpSp>
+              <p:nvGrpSpPr>
+                <p:cNvPr id="10" name="Group 9">
                   <a:extLst>
                     <a:ext uri="{FF2B5EF4-FFF2-40B4-BE49-F238E27FC236}">
-                      <a16:creationId xmlns:a16="http://schemas.microsoft.com/office/drawing/2014/main" id="{49F439C1-3E40-42BC-26CC-FE5EFA74AEA3}"/>
-                    </a:ext>
-                  </a:extLst>
-                </p:cNvPr>
-                <p:cNvPicPr>
-                  <a:picLocks noChangeAspect="1"/>
-                </p:cNvPicPr>
-                <p:nvPr/>
-              </p:nvPicPr>
-              <p:blipFill>
-                <a:blip r:embed="rId2"/>
-                <a:stretch>
-                  <a:fillRect/>
-                </a:stretch>
-              </p:blipFill>
-              <p:spPr>
-                <a:xfrm>
-                  <a:off x="87007" y="540887"/>
-                  <a:ext cx="3199306" cy="1774615"/>
-                </a:xfrm>
-                <a:prstGeom prst="rect">
-                  <a:avLst/>
-                </a:prstGeom>
-              </p:spPr>
-            </p:pic>
-            <p:grpSp>
-              <p:nvGrpSpPr>
-                <p:cNvPr id="9" name="Group 8">
-                  <a:extLst>
-                    <a:ext uri="{FF2B5EF4-FFF2-40B4-BE49-F238E27FC236}">
-                      <a16:creationId xmlns:a16="http://schemas.microsoft.com/office/drawing/2014/main" id="{7034D08B-EAF8-536F-BFF1-3A1C4F9EE581}"/>
+                      <a16:creationId xmlns:a16="http://schemas.microsoft.com/office/drawing/2014/main" id="{E7A1BFA1-88E2-C58F-D45D-61989952069D}"/>
                     </a:ext>
                   </a:extLst>
                 </p:cNvPr>
@@ -3079,18 +3046,287 @@
               </p:nvGrpSpPr>
               <p:grpSpPr>
                 <a:xfrm>
-                  <a:off x="480060" y="527553"/>
-                  <a:ext cx="2506980" cy="1575173"/>
-                  <a:chOff x="480060" y="527553"/>
-                  <a:chExt cx="2506980" cy="1575173"/>
+                  <a:off x="704176" y="577506"/>
+                  <a:ext cx="5667768" cy="3167461"/>
+                  <a:chOff x="87007" y="527553"/>
+                  <a:chExt cx="3199306" cy="1787949"/>
                 </a:xfrm>
               </p:grpSpPr>
+              <p:pic>
+                <p:nvPicPr>
+                  <p:cNvPr id="8" name="Picture 7">
+                    <a:extLst>
+                      <a:ext uri="{FF2B5EF4-FFF2-40B4-BE49-F238E27FC236}">
+                        <a16:creationId xmlns:a16="http://schemas.microsoft.com/office/drawing/2014/main" id="{49F439C1-3E40-42BC-26CC-FE5EFA74AEA3}"/>
+                      </a:ext>
+                    </a:extLst>
+                  </p:cNvPr>
+                  <p:cNvPicPr>
+                    <a:picLocks noChangeAspect="1"/>
+                  </p:cNvPicPr>
+                  <p:nvPr/>
+                </p:nvPicPr>
+                <p:blipFill>
+                  <a:blip r:embed="rId2"/>
+                  <a:stretch>
+                    <a:fillRect/>
+                  </a:stretch>
+                </p:blipFill>
+                <p:spPr>
+                  <a:xfrm>
+                    <a:off x="87007" y="540887"/>
+                    <a:ext cx="3199306" cy="1774615"/>
+                  </a:xfrm>
+                  <a:prstGeom prst="rect">
+                    <a:avLst/>
+                  </a:prstGeom>
+                </p:spPr>
+              </p:pic>
+              <p:grpSp>
+                <p:nvGrpSpPr>
+                  <p:cNvPr id="9" name="Group 8">
+                    <a:extLst>
+                      <a:ext uri="{FF2B5EF4-FFF2-40B4-BE49-F238E27FC236}">
+                        <a16:creationId xmlns:a16="http://schemas.microsoft.com/office/drawing/2014/main" id="{7034D08B-EAF8-536F-BFF1-3A1C4F9EE581}"/>
+                      </a:ext>
+                    </a:extLst>
+                  </p:cNvPr>
+                  <p:cNvGrpSpPr/>
+                  <p:nvPr/>
+                </p:nvGrpSpPr>
+                <p:grpSpPr>
+                  <a:xfrm>
+                    <a:off x="480060" y="527553"/>
+                    <a:ext cx="2506980" cy="1575173"/>
+                    <a:chOff x="480060" y="527553"/>
+                    <a:chExt cx="2506980" cy="1575173"/>
+                  </a:xfrm>
+                </p:grpSpPr>
+                <p:sp>
+                  <p:nvSpPr>
+                    <p:cNvPr id="31" name="Rectangle: Rounded Corners 30">
+                      <a:extLst>
+                        <a:ext uri="{FF2B5EF4-FFF2-40B4-BE49-F238E27FC236}">
+                          <a16:creationId xmlns:a16="http://schemas.microsoft.com/office/drawing/2014/main" id="{8C291255-620E-DBA7-1890-67095289D67E}"/>
+                        </a:ext>
+                      </a:extLst>
+                    </p:cNvPr>
+                    <p:cNvSpPr/>
+                    <p:nvPr/>
+                  </p:nvSpPr>
+                  <p:spPr>
+                    <a:xfrm>
+                      <a:off x="590551" y="527553"/>
+                      <a:ext cx="2396489" cy="447808"/>
+                    </a:xfrm>
+                    <a:prstGeom prst="roundRect">
+                      <a:avLst>
+                        <a:gd name="adj" fmla="val 18217"/>
+                      </a:avLst>
+                    </a:prstGeom>
+                    <a:noFill/>
+                    <a:ln w="19050">
+                      <a:solidFill>
+                        <a:srgbClr val="FF0000"/>
+                      </a:solidFill>
+                    </a:ln>
+                  </p:spPr>
+                  <p:style>
+                    <a:lnRef idx="2">
+                      <a:schemeClr val="accent1">
+                        <a:shade val="15000"/>
+                      </a:schemeClr>
+                    </a:lnRef>
+                    <a:fillRef idx="1">
+                      <a:schemeClr val="accent1"/>
+                    </a:fillRef>
+                    <a:effectRef idx="0">
+                      <a:schemeClr val="accent1"/>
+                    </a:effectRef>
+                    <a:fontRef idx="minor">
+                      <a:schemeClr val="lt1"/>
+                    </a:fontRef>
+                  </p:style>
+                  <p:txBody>
+                    <a:bodyPr rtlCol="0" anchor="ctr"/>
+                    <a:lstStyle/>
+                    <a:p>
+                      <a:pPr algn="ctr"/>
+                      <a:endParaRPr lang="en-PH" sz="2492"/>
+                    </a:p>
+                  </p:txBody>
+                </p:sp>
+                <p:sp>
+                  <p:nvSpPr>
+                    <p:cNvPr id="47" name="Rectangle: Rounded Corners 46">
+                      <a:extLst>
+                        <a:ext uri="{FF2B5EF4-FFF2-40B4-BE49-F238E27FC236}">
+                          <a16:creationId xmlns:a16="http://schemas.microsoft.com/office/drawing/2014/main" id="{8DE66E51-9DE2-0A23-7BB3-072737BDA0AC}"/>
+                        </a:ext>
+                      </a:extLst>
+                    </p:cNvPr>
+                    <p:cNvSpPr/>
+                    <p:nvPr/>
+                  </p:nvSpPr>
+                  <p:spPr>
+                    <a:xfrm>
+                      <a:off x="480060" y="1893570"/>
+                      <a:ext cx="2289809" cy="209156"/>
+                    </a:xfrm>
+                    <a:prstGeom prst="roundRect">
+                      <a:avLst>
+                        <a:gd name="adj" fmla="val 28280"/>
+                      </a:avLst>
+                    </a:prstGeom>
+                    <a:noFill/>
+                    <a:ln w="19050">
+                      <a:solidFill>
+                        <a:srgbClr val="FF0000"/>
+                      </a:solidFill>
+                    </a:ln>
+                  </p:spPr>
+                  <p:style>
+                    <a:lnRef idx="2">
+                      <a:schemeClr val="accent1">
+                        <a:shade val="15000"/>
+                      </a:schemeClr>
+                    </a:lnRef>
+                    <a:fillRef idx="1">
+                      <a:schemeClr val="accent1"/>
+                    </a:fillRef>
+                    <a:effectRef idx="0">
+                      <a:schemeClr val="accent1"/>
+                    </a:effectRef>
+                    <a:fontRef idx="minor">
+                      <a:schemeClr val="lt1"/>
+                    </a:fontRef>
+                  </p:style>
+                  <p:txBody>
+                    <a:bodyPr rtlCol="0" anchor="ctr"/>
+                    <a:lstStyle/>
+                    <a:p>
+                      <a:pPr algn="ctr"/>
+                      <a:endParaRPr lang="en-PH" sz="2492"/>
+                    </a:p>
+                  </p:txBody>
+                </p:sp>
+              </p:grpSp>
+            </p:grpSp>
+            <p:sp>
+              <p:nvSpPr>
+                <p:cNvPr id="64" name="TextBox 63">
+                  <a:extLst>
+                    <a:ext uri="{FF2B5EF4-FFF2-40B4-BE49-F238E27FC236}">
+                      <a16:creationId xmlns:a16="http://schemas.microsoft.com/office/drawing/2014/main" id="{C0C53BE7-2B90-28AF-08D8-0164147D766A}"/>
+                    </a:ext>
+                  </a:extLst>
+                </p:cNvPr>
+                <p:cNvSpPr txBox="1"/>
+                <p:nvPr/>
+              </p:nvSpPr>
+              <p:spPr>
+                <a:xfrm>
+                  <a:off x="546921" y="423617"/>
+                  <a:ext cx="263035" cy="282068"/>
+                </a:xfrm>
+                <a:prstGeom prst="rect">
+                  <a:avLst/>
+                </a:prstGeom>
+                <a:noFill/>
+              </p:spPr>
+              <p:txBody>
+                <a:bodyPr wrap="none" rtlCol="0">
+                  <a:spAutoFit/>
+                </a:bodyPr>
+                <a:lstStyle/>
+                <a:p>
+                  <a:r>
+                    <a:rPr lang="en-PH" sz="1938" b="1" dirty="0">
+                      <a:latin typeface="Arial" panose="020B0604020202020204" pitchFamily="34" charset="0"/>
+                      <a:cs typeface="Arial" panose="020B0604020202020204" pitchFamily="34" charset="0"/>
+                    </a:rPr>
+                    <a:t>A</a:t>
+                  </a:r>
+                </a:p>
+              </p:txBody>
+            </p:sp>
+          </p:grpSp>
+          <p:grpSp>
+            <p:nvGrpSpPr>
+              <p:cNvPr id="17" name="Group 16">
+                <a:extLst>
+                  <a:ext uri="{FF2B5EF4-FFF2-40B4-BE49-F238E27FC236}">
+                    <a16:creationId xmlns:a16="http://schemas.microsoft.com/office/drawing/2014/main" id="{5ADF0DEC-B2B6-D2CC-B37F-38C04386EBFF}"/>
+                  </a:ext>
+                </a:extLst>
+              </p:cNvPr>
+              <p:cNvGrpSpPr/>
+              <p:nvPr/>
+            </p:nvGrpSpPr>
+            <p:grpSpPr>
+              <a:xfrm>
+                <a:off x="546921" y="3864888"/>
+                <a:ext cx="5667768" cy="2633738"/>
+                <a:chOff x="546921" y="3979850"/>
+                <a:chExt cx="5667768" cy="2633738"/>
+              </a:xfrm>
+            </p:grpSpPr>
+            <p:grpSp>
+              <p:nvGrpSpPr>
+                <p:cNvPr id="11" name="Group 10">
+                  <a:extLst>
+                    <a:ext uri="{FF2B5EF4-FFF2-40B4-BE49-F238E27FC236}">
+                      <a16:creationId xmlns:a16="http://schemas.microsoft.com/office/drawing/2014/main" id="{17254134-E52A-DC19-43F3-E9EA37D36C52}"/>
+                    </a:ext>
+                  </a:extLst>
+                </p:cNvPr>
+                <p:cNvGrpSpPr/>
+                <p:nvPr/>
+              </p:nvGrpSpPr>
+              <p:grpSpPr>
+                <a:xfrm>
+                  <a:off x="546921" y="4129671"/>
+                  <a:ext cx="5667768" cy="2483917"/>
+                  <a:chOff x="3251756" y="560409"/>
+                  <a:chExt cx="3519237" cy="1542317"/>
+                </a:xfrm>
+              </p:grpSpPr>
+              <p:pic>
+                <p:nvPicPr>
+                  <p:cNvPr id="3" name="Picture 2">
+                    <a:extLst>
+                      <a:ext uri="{FF2B5EF4-FFF2-40B4-BE49-F238E27FC236}">
+                        <a16:creationId xmlns:a16="http://schemas.microsoft.com/office/drawing/2014/main" id="{6F499B30-65E7-4A54-CAC5-9AECB9CE1612}"/>
+                      </a:ext>
+                    </a:extLst>
+                  </p:cNvPr>
+                  <p:cNvPicPr>
+                    <a:picLocks noChangeAspect="1"/>
+                  </p:cNvPicPr>
+                  <p:nvPr/>
+                </p:nvPicPr>
+                <p:blipFill>
+                  <a:blip r:embed="rId3"/>
+                  <a:stretch>
+                    <a:fillRect/>
+                  </a:stretch>
+                </p:blipFill>
+                <p:spPr>
+                  <a:xfrm>
+                    <a:off x="3251756" y="574083"/>
+                    <a:ext cx="3519237" cy="1528643"/>
+                  </a:xfrm>
+                  <a:prstGeom prst="rect">
+                    <a:avLst/>
+                  </a:prstGeom>
+                </p:spPr>
+              </p:pic>
               <p:sp>
                 <p:nvSpPr>
-                  <p:cNvPr id="31" name="Rectangle: Rounded Corners 30">
+                  <p:cNvPr id="52" name="Rectangle: Rounded Corners 51">
                     <a:extLst>
                       <a:ext uri="{FF2B5EF4-FFF2-40B4-BE49-F238E27FC236}">
-                        <a16:creationId xmlns:a16="http://schemas.microsoft.com/office/drawing/2014/main" id="{8C291255-620E-DBA7-1890-67095289D67E}"/>
+                        <a16:creationId xmlns:a16="http://schemas.microsoft.com/office/drawing/2014/main" id="{258F9D38-BC82-4CFD-ABE6-11B2269B0B40}"/>
                       </a:ext>
                     </a:extLst>
                   </p:cNvPr>
@@ -3099,12 +3335,12 @@
                 </p:nvSpPr>
                 <p:spPr>
                   <a:xfrm>
-                    <a:off x="590551" y="527553"/>
-                    <a:ext cx="2396489" cy="447808"/>
+                    <a:off x="3630282" y="560409"/>
+                    <a:ext cx="2740038" cy="376725"/>
                   </a:xfrm>
                   <a:prstGeom prst="roundRect">
                     <a:avLst>
-                      <a:gd name="adj" fmla="val 18217"/>
+                      <a:gd name="adj" fmla="val 21733"/>
                     </a:avLst>
                   </a:prstGeom>
                   <a:noFill/>
@@ -3135,16 +3371,16 @@
                   <a:lstStyle/>
                   <a:p>
                     <a:pPr algn="ctr"/>
-                    <a:endParaRPr lang="en-PH"/>
+                    <a:endParaRPr lang="en-PH" sz="2492"/>
                   </a:p>
                 </p:txBody>
               </p:sp>
               <p:sp>
                 <p:nvSpPr>
-                  <p:cNvPr id="47" name="Rectangle: Rounded Corners 46">
+                  <p:cNvPr id="53" name="Rectangle: Rounded Corners 52">
                     <a:extLst>
                       <a:ext uri="{FF2B5EF4-FFF2-40B4-BE49-F238E27FC236}">
-                        <a16:creationId xmlns:a16="http://schemas.microsoft.com/office/drawing/2014/main" id="{8DE66E51-9DE2-0A23-7BB3-072737BDA0AC}"/>
+                        <a16:creationId xmlns:a16="http://schemas.microsoft.com/office/drawing/2014/main" id="{B1F6521B-BD1E-4A5E-80DF-4258AA2ADACA}"/>
                       </a:ext>
                     </a:extLst>
                   </p:cNvPr>
@@ -3153,12 +3389,12 @@
                 </p:nvSpPr>
                 <p:spPr>
                   <a:xfrm>
-                    <a:off x="480060" y="1893570"/>
-                    <a:ext cx="2289809" cy="209156"/>
+                    <a:off x="3952240" y="1718781"/>
+                    <a:ext cx="2772410" cy="338619"/>
                   </a:xfrm>
                   <a:prstGeom prst="roundRect">
                     <a:avLst>
-                      <a:gd name="adj" fmla="val 28280"/>
+                      <a:gd name="adj" fmla="val 27938"/>
                     </a:avLst>
                   </a:prstGeom>
                   <a:noFill/>
@@ -3189,57 +3425,220 @@
                   <a:lstStyle/>
                   <a:p>
                     <a:pPr algn="ctr"/>
-                    <a:endParaRPr lang="en-PH"/>
+                    <a:endParaRPr lang="en-PH" sz="2492"/>
                   </a:p>
                 </p:txBody>
               </p:sp>
             </p:grpSp>
+            <p:sp>
+              <p:nvSpPr>
+                <p:cNvPr id="65" name="TextBox 64">
+                  <a:extLst>
+                    <a:ext uri="{FF2B5EF4-FFF2-40B4-BE49-F238E27FC236}">
+                      <a16:creationId xmlns:a16="http://schemas.microsoft.com/office/drawing/2014/main" id="{6B03E0B8-C974-1F99-1955-A61C53591679}"/>
+                    </a:ext>
+                  </a:extLst>
+                </p:cNvPr>
+                <p:cNvSpPr txBox="1"/>
+                <p:nvPr/>
+              </p:nvSpPr>
+              <p:spPr>
+                <a:xfrm>
+                  <a:off x="546921" y="3979850"/>
+                  <a:ext cx="263035" cy="282068"/>
+                </a:xfrm>
+                <a:prstGeom prst="rect">
+                  <a:avLst/>
+                </a:prstGeom>
+                <a:noFill/>
+              </p:spPr>
+              <p:txBody>
+                <a:bodyPr wrap="none" rtlCol="0">
+                  <a:spAutoFit/>
+                </a:bodyPr>
+                <a:lstStyle/>
+                <a:p>
+                  <a:r>
+                    <a:rPr lang="en-PH" sz="1938" b="1" dirty="0">
+                      <a:latin typeface="Arial" panose="020B0604020202020204" pitchFamily="34" charset="0"/>
+                      <a:cs typeface="Arial" panose="020B0604020202020204" pitchFamily="34" charset="0"/>
+                    </a:rPr>
+                    <a:t>B</a:t>
+                  </a:r>
+                </a:p>
+              </p:txBody>
+            </p:sp>
           </p:grpSp>
-          <p:sp>
-            <p:nvSpPr>
-              <p:cNvPr id="64" name="TextBox 63">
+          <p:grpSp>
+            <p:nvGrpSpPr>
+              <p:cNvPr id="21" name="Group 20">
                 <a:extLst>
                   <a:ext uri="{FF2B5EF4-FFF2-40B4-BE49-F238E27FC236}">
-                    <a16:creationId xmlns:a16="http://schemas.microsoft.com/office/drawing/2014/main" id="{C0C53BE7-2B90-28AF-08D8-0164147D766A}"/>
+                    <a16:creationId xmlns:a16="http://schemas.microsoft.com/office/drawing/2014/main" id="{D8F5AB9D-9562-7162-72AA-0531184F8989}"/>
                   </a:ext>
                 </a:extLst>
               </p:cNvPr>
-              <p:cNvSpPr txBox="1"/>
+              <p:cNvGrpSpPr/>
               <p:nvPr/>
-            </p:nvSpPr>
-            <p:spPr>
+            </p:nvGrpSpPr>
+            <p:grpSpPr>
               <a:xfrm>
-                <a:off x="546921" y="423617"/>
-                <a:ext cx="314510" cy="307777"/>
+                <a:off x="423831" y="6618548"/>
+                <a:ext cx="6167592" cy="1674754"/>
+                <a:chOff x="423831" y="6618548"/>
+                <a:chExt cx="6167592" cy="1674754"/>
               </a:xfrm>
-              <a:prstGeom prst="rect">
-                <a:avLst/>
-              </a:prstGeom>
-              <a:noFill/>
-            </p:spPr>
-            <p:txBody>
-              <a:bodyPr wrap="none" rtlCol="0">
-                <a:spAutoFit/>
-              </a:bodyPr>
-              <a:lstStyle/>
-              <a:p>
-                <a:r>
-                  <a:rPr lang="en-PH" sz="1400" b="1" dirty="0">
-                    <a:latin typeface="Arial" panose="020B0604020202020204" pitchFamily="34" charset="0"/>
-                    <a:cs typeface="Arial" panose="020B0604020202020204" pitchFamily="34" charset="0"/>
-                  </a:rPr>
-                  <a:t>A</a:t>
-                </a:r>
-              </a:p>
-            </p:txBody>
-          </p:sp>
+            </p:grpSpPr>
+            <p:grpSp>
+              <p:nvGrpSpPr>
+                <p:cNvPr id="4" name="Group 3">
+                  <a:extLst>
+                    <a:ext uri="{FF2B5EF4-FFF2-40B4-BE49-F238E27FC236}">
+                      <a16:creationId xmlns:a16="http://schemas.microsoft.com/office/drawing/2014/main" id="{306FCE64-C43C-1201-DBD9-FFB9F0E8CC73}"/>
+                    </a:ext>
+                  </a:extLst>
+                </p:cNvPr>
+                <p:cNvGrpSpPr/>
+                <p:nvPr/>
+              </p:nvGrpSpPr>
+              <p:grpSpPr>
+                <a:xfrm>
+                  <a:off x="423831" y="6926325"/>
+                  <a:ext cx="6167592" cy="1366977"/>
+                  <a:chOff x="204024" y="3127575"/>
+                  <a:chExt cx="3164950" cy="701475"/>
+                </a:xfrm>
+              </p:grpSpPr>
+              <p:pic>
+                <p:nvPicPr>
+                  <p:cNvPr id="7" name="Picture 6">
+                    <a:extLst>
+                      <a:ext uri="{FF2B5EF4-FFF2-40B4-BE49-F238E27FC236}">
+                        <a16:creationId xmlns:a16="http://schemas.microsoft.com/office/drawing/2014/main" id="{AB928B9C-67E8-8C90-97E0-C72521225FB5}"/>
+                      </a:ext>
+                    </a:extLst>
+                  </p:cNvPr>
+                  <p:cNvPicPr>
+                    <a:picLocks noChangeAspect="1"/>
+                  </p:cNvPicPr>
+                  <p:nvPr/>
+                </p:nvPicPr>
+                <p:blipFill rotWithShape="1">
+                  <a:blip r:embed="rId4"/>
+                  <a:srcRect l="1074" b="13228"/>
+                  <a:stretch/>
+                </p:blipFill>
+                <p:spPr>
+                  <a:xfrm>
+                    <a:off x="204024" y="3127575"/>
+                    <a:ext cx="3164950" cy="701475"/>
+                  </a:xfrm>
+                  <a:prstGeom prst="rect">
+                    <a:avLst/>
+                  </a:prstGeom>
+                </p:spPr>
+              </p:pic>
+              <p:sp>
+                <p:nvSpPr>
+                  <p:cNvPr id="13" name="Rectangle: Rounded Corners 12">
+                    <a:extLst>
+                      <a:ext uri="{FF2B5EF4-FFF2-40B4-BE49-F238E27FC236}">
+                        <a16:creationId xmlns:a16="http://schemas.microsoft.com/office/drawing/2014/main" id="{ED9E0B5B-EFD5-847E-DE1B-A5225C4BFCFE}"/>
+                      </a:ext>
+                    </a:extLst>
+                  </p:cNvPr>
+                  <p:cNvSpPr/>
+                  <p:nvPr/>
+                </p:nvSpPr>
+                <p:spPr>
+                  <a:xfrm>
+                    <a:off x="960120" y="3624092"/>
+                    <a:ext cx="2408854" cy="204958"/>
+                  </a:xfrm>
+                  <a:prstGeom prst="roundRect">
+                    <a:avLst>
+                      <a:gd name="adj" fmla="val 26740"/>
+                    </a:avLst>
+                  </a:prstGeom>
+                  <a:noFill/>
+                  <a:ln w="19050">
+                    <a:solidFill>
+                      <a:srgbClr val="FF0000"/>
+                    </a:solidFill>
+                  </a:ln>
+                </p:spPr>
+                <p:style>
+                  <a:lnRef idx="2">
+                    <a:schemeClr val="accent1">
+                      <a:shade val="15000"/>
+                    </a:schemeClr>
+                  </a:lnRef>
+                  <a:fillRef idx="1">
+                    <a:schemeClr val="accent1"/>
+                  </a:fillRef>
+                  <a:effectRef idx="0">
+                    <a:schemeClr val="accent1"/>
+                  </a:effectRef>
+                  <a:fontRef idx="minor">
+                    <a:schemeClr val="lt1"/>
+                  </a:fontRef>
+                </p:style>
+                <p:txBody>
+                  <a:bodyPr rtlCol="0" anchor="ctr"/>
+                  <a:lstStyle/>
+                  <a:p>
+                    <a:pPr algn="ctr"/>
+                    <a:endParaRPr lang="en-PH" sz="2492"/>
+                  </a:p>
+                </p:txBody>
+              </p:sp>
+            </p:grpSp>
+            <p:sp>
+              <p:nvSpPr>
+                <p:cNvPr id="5" name="TextBox 4">
+                  <a:extLst>
+                    <a:ext uri="{FF2B5EF4-FFF2-40B4-BE49-F238E27FC236}">
+                      <a16:creationId xmlns:a16="http://schemas.microsoft.com/office/drawing/2014/main" id="{603A6EB8-3734-8152-E1EB-9872FD3AB307}"/>
+                    </a:ext>
+                  </a:extLst>
+                </p:cNvPr>
+                <p:cNvSpPr txBox="1"/>
+                <p:nvPr/>
+              </p:nvSpPr>
+              <p:spPr>
+                <a:xfrm>
+                  <a:off x="546921" y="6618548"/>
+                  <a:ext cx="263035" cy="282068"/>
+                </a:xfrm>
+                <a:prstGeom prst="rect">
+                  <a:avLst/>
+                </a:prstGeom>
+                <a:noFill/>
+              </p:spPr>
+              <p:txBody>
+                <a:bodyPr wrap="none" rtlCol="0">
+                  <a:spAutoFit/>
+                </a:bodyPr>
+                <a:lstStyle/>
+                <a:p>
+                  <a:r>
+                    <a:rPr lang="en-PH" sz="1938" b="1" dirty="0">
+                      <a:latin typeface="Arial" panose="020B0604020202020204" pitchFamily="34" charset="0"/>
+                      <a:cs typeface="Arial" panose="020B0604020202020204" pitchFamily="34" charset="0"/>
+                    </a:rPr>
+                    <a:t>C</a:t>
+                  </a:r>
+                </a:p>
+              </p:txBody>
+            </p:sp>
+          </p:grpSp>
         </p:grpSp>
         <p:grpSp>
           <p:nvGrpSpPr>
-            <p:cNvPr id="17" name="Group 16">
+            <p:cNvPr id="2" name="Group 1">
               <a:extLst>
                 <a:ext uri="{FF2B5EF4-FFF2-40B4-BE49-F238E27FC236}">
-                  <a16:creationId xmlns:a16="http://schemas.microsoft.com/office/drawing/2014/main" id="{5ADF0DEC-B2B6-D2CC-B37F-38C04386EBFF}"/>
+                  <a16:creationId xmlns:a16="http://schemas.microsoft.com/office/drawing/2014/main" id="{B99642B1-902A-68B5-E964-70016F2D2CDB}"/>
                 </a:ext>
               </a:extLst>
             </p:cNvPr>
@@ -3248,18 +3647,18 @@
           </p:nvGrpSpPr>
           <p:grpSpPr>
             <a:xfrm>
-              <a:off x="546921" y="3864888"/>
-              <a:ext cx="5667768" cy="2633738"/>
-              <a:chOff x="546921" y="3979850"/>
-              <a:chExt cx="5667768" cy="2633738"/>
+              <a:off x="196454" y="8724928"/>
+              <a:ext cx="6694050" cy="3914070"/>
+              <a:chOff x="546921" y="706668"/>
+              <a:chExt cx="5849856" cy="3420462"/>
             </a:xfrm>
           </p:grpSpPr>
           <p:grpSp>
             <p:nvGrpSpPr>
-              <p:cNvPr id="11" name="Group 10">
+              <p:cNvPr id="6" name="Group 5">
                 <a:extLst>
                   <a:ext uri="{FF2B5EF4-FFF2-40B4-BE49-F238E27FC236}">
-                    <a16:creationId xmlns:a16="http://schemas.microsoft.com/office/drawing/2014/main" id="{17254134-E52A-DC19-43F3-E9EA37D36C52}"/>
+                    <a16:creationId xmlns:a16="http://schemas.microsoft.com/office/drawing/2014/main" id="{6A6B592C-CA7B-9BF4-5A7C-7D05DA467AD6}"/>
                   </a:ext>
                 </a:extLst>
               </p:cNvPr>
@@ -3268,18 +3667,908 @@
             </p:nvGrpSpPr>
             <p:grpSpPr>
               <a:xfrm>
-                <a:off x="546921" y="4129671"/>
-                <a:ext cx="5667768" cy="2483917"/>
-                <a:chOff x="3251756" y="560409"/>
-                <a:chExt cx="3519237" cy="1542317"/>
+                <a:off x="546921" y="706668"/>
+                <a:ext cx="5715963" cy="2265752"/>
+                <a:chOff x="546921" y="706668"/>
+                <a:chExt cx="5715963" cy="2265752"/>
+              </a:xfrm>
+            </p:grpSpPr>
+            <p:grpSp>
+              <p:nvGrpSpPr>
+                <p:cNvPr id="20" name="Group 19">
+                  <a:extLst>
+                    <a:ext uri="{FF2B5EF4-FFF2-40B4-BE49-F238E27FC236}">
+                      <a16:creationId xmlns:a16="http://schemas.microsoft.com/office/drawing/2014/main" id="{198EEF11-FF40-9EBE-0CEB-E1A1D794503A}"/>
+                    </a:ext>
+                  </a:extLst>
+                </p:cNvPr>
+                <p:cNvGrpSpPr/>
+                <p:nvPr/>
+              </p:nvGrpSpPr>
+              <p:grpSpPr>
+                <a:xfrm>
+                  <a:off x="595116" y="860557"/>
+                  <a:ext cx="5667768" cy="2111863"/>
+                  <a:chOff x="3510929" y="3111270"/>
+                  <a:chExt cx="3199306" cy="1192092"/>
+                </a:xfrm>
+              </p:grpSpPr>
+              <p:pic>
+                <p:nvPicPr>
+                  <p:cNvPr id="24" name="Picture 23">
+                    <a:extLst>
+                      <a:ext uri="{FF2B5EF4-FFF2-40B4-BE49-F238E27FC236}">
+                        <a16:creationId xmlns:a16="http://schemas.microsoft.com/office/drawing/2014/main" id="{0C6D4724-BB3C-EE6E-09D4-8C7A2082BEBA}"/>
+                      </a:ext>
+                    </a:extLst>
+                  </p:cNvPr>
+                  <p:cNvPicPr>
+                    <a:picLocks noChangeAspect="1"/>
+                  </p:cNvPicPr>
+                  <p:nvPr/>
+                </p:nvPicPr>
+                <p:blipFill>
+                  <a:blip r:embed="rId5"/>
+                  <a:stretch>
+                    <a:fillRect/>
+                  </a:stretch>
+                </p:blipFill>
+                <p:spPr>
+                  <a:xfrm>
+                    <a:off x="3510929" y="3111270"/>
+                    <a:ext cx="3199306" cy="1192092"/>
+                  </a:xfrm>
+                  <a:prstGeom prst="rect">
+                    <a:avLst/>
+                  </a:prstGeom>
+                </p:spPr>
+              </p:pic>
+              <p:sp>
+                <p:nvSpPr>
+                  <p:cNvPr id="25" name="Rectangle: Rounded Corners 24">
+                    <a:extLst>
+                      <a:ext uri="{FF2B5EF4-FFF2-40B4-BE49-F238E27FC236}">
+                        <a16:creationId xmlns:a16="http://schemas.microsoft.com/office/drawing/2014/main" id="{036288DE-6D4E-0DA1-9D59-3B9922343040}"/>
+                      </a:ext>
+                    </a:extLst>
+                  </p:cNvPr>
+                  <p:cNvSpPr/>
+                  <p:nvPr/>
+                </p:nvSpPr>
+                <p:spPr>
+                  <a:xfrm>
+                    <a:off x="4030335" y="3652519"/>
+                    <a:ext cx="2609226" cy="218441"/>
+                  </a:xfrm>
+                  <a:prstGeom prst="roundRect">
+                    <a:avLst>
+                      <a:gd name="adj" fmla="val 23887"/>
+                    </a:avLst>
+                  </a:prstGeom>
+                  <a:noFill/>
+                  <a:ln w="19050">
+                    <a:solidFill>
+                      <a:srgbClr val="FF0000"/>
+                    </a:solidFill>
+                  </a:ln>
+                </p:spPr>
+                <p:style>
+                  <a:lnRef idx="2">
+                    <a:schemeClr val="accent1">
+                      <a:shade val="15000"/>
+                    </a:schemeClr>
+                  </a:lnRef>
+                  <a:fillRef idx="1">
+                    <a:schemeClr val="accent1"/>
+                  </a:fillRef>
+                  <a:effectRef idx="0">
+                    <a:schemeClr val="accent1"/>
+                  </a:effectRef>
+                  <a:fontRef idx="minor">
+                    <a:schemeClr val="lt1"/>
+                  </a:fontRef>
+                </p:style>
+                <p:txBody>
+                  <a:bodyPr rtlCol="0" anchor="ctr"/>
+                  <a:lstStyle/>
+                  <a:p>
+                    <a:pPr algn="ctr"/>
+                    <a:endParaRPr lang="en-PH" sz="2492"/>
+                  </a:p>
+                </p:txBody>
+              </p:sp>
+              <p:sp>
+                <p:nvSpPr>
+                  <p:cNvPr id="26" name="Rectangle: Rounded Corners 25">
+                    <a:extLst>
+                      <a:ext uri="{FF2B5EF4-FFF2-40B4-BE49-F238E27FC236}">
+                        <a16:creationId xmlns:a16="http://schemas.microsoft.com/office/drawing/2014/main" id="{E0F8F238-BEA3-5381-C7E6-8875FCC36201}"/>
+                      </a:ext>
+                    </a:extLst>
+                  </p:cNvPr>
+                  <p:cNvSpPr/>
+                  <p:nvPr/>
+                </p:nvSpPr>
+                <p:spPr>
+                  <a:xfrm>
+                    <a:off x="4157981" y="4002194"/>
+                    <a:ext cx="2430780" cy="301168"/>
+                  </a:xfrm>
+                  <a:prstGeom prst="roundRect">
+                    <a:avLst>
+                      <a:gd name="adj" fmla="val 21904"/>
+                    </a:avLst>
+                  </a:prstGeom>
+                  <a:noFill/>
+                  <a:ln w="19050">
+                    <a:solidFill>
+                      <a:srgbClr val="FF0000"/>
+                    </a:solidFill>
+                  </a:ln>
+                </p:spPr>
+                <p:style>
+                  <a:lnRef idx="2">
+                    <a:schemeClr val="accent1">
+                      <a:shade val="15000"/>
+                    </a:schemeClr>
+                  </a:lnRef>
+                  <a:fillRef idx="1">
+                    <a:schemeClr val="accent1"/>
+                  </a:fillRef>
+                  <a:effectRef idx="0">
+                    <a:schemeClr val="accent1"/>
+                  </a:effectRef>
+                  <a:fontRef idx="minor">
+                    <a:schemeClr val="lt1"/>
+                  </a:fontRef>
+                </p:style>
+                <p:txBody>
+                  <a:bodyPr rtlCol="0" anchor="ctr"/>
+                  <a:lstStyle/>
+                  <a:p>
+                    <a:pPr algn="ctr"/>
+                    <a:endParaRPr lang="en-PH" sz="2492"/>
+                  </a:p>
+                </p:txBody>
+              </p:sp>
+            </p:grpSp>
+            <p:sp>
+              <p:nvSpPr>
+                <p:cNvPr id="23" name="TextBox 22">
+                  <a:extLst>
+                    <a:ext uri="{FF2B5EF4-FFF2-40B4-BE49-F238E27FC236}">
+                      <a16:creationId xmlns:a16="http://schemas.microsoft.com/office/drawing/2014/main" id="{7C21DBCC-AACA-638B-E669-E045C3916075}"/>
+                    </a:ext>
+                  </a:extLst>
+                </p:cNvPr>
+                <p:cNvSpPr txBox="1"/>
+                <p:nvPr/>
+              </p:nvSpPr>
+              <p:spPr>
+                <a:xfrm>
+                  <a:off x="546921" y="706668"/>
+                  <a:ext cx="263035" cy="282068"/>
+                </a:xfrm>
+                <a:prstGeom prst="rect">
+                  <a:avLst/>
+                </a:prstGeom>
+                <a:noFill/>
+              </p:spPr>
+              <p:txBody>
+                <a:bodyPr wrap="none" rtlCol="0">
+                  <a:spAutoFit/>
+                </a:bodyPr>
+                <a:lstStyle/>
+                <a:p>
+                  <a:r>
+                    <a:rPr lang="en-PH" sz="1938" b="1" dirty="0">
+                      <a:latin typeface="Arial" panose="020B0604020202020204" pitchFamily="34" charset="0"/>
+                      <a:cs typeface="Arial" panose="020B0604020202020204" pitchFamily="34" charset="0"/>
+                    </a:rPr>
+                    <a:t>D</a:t>
+                  </a:r>
+                </a:p>
+              </p:txBody>
+            </p:sp>
+          </p:grpSp>
+          <p:grpSp>
+            <p:nvGrpSpPr>
+              <p:cNvPr id="12" name="Group 11">
+                <a:extLst>
+                  <a:ext uri="{FF2B5EF4-FFF2-40B4-BE49-F238E27FC236}">
+                    <a16:creationId xmlns:a16="http://schemas.microsoft.com/office/drawing/2014/main" id="{2D5E48D4-2B18-33A2-CD29-394CA5F61957}"/>
+                  </a:ext>
+                </a:extLst>
+              </p:cNvPr>
+              <p:cNvGrpSpPr/>
+              <p:nvPr/>
+            </p:nvGrpSpPr>
+            <p:grpSpPr>
+              <a:xfrm>
+                <a:off x="546921" y="3184507"/>
+                <a:ext cx="5849856" cy="942623"/>
+                <a:chOff x="546921" y="3184507"/>
+                <a:chExt cx="5849856" cy="942623"/>
+              </a:xfrm>
+            </p:grpSpPr>
+            <p:grpSp>
+              <p:nvGrpSpPr>
+                <p:cNvPr id="14" name="Group 13">
+                  <a:extLst>
+                    <a:ext uri="{FF2B5EF4-FFF2-40B4-BE49-F238E27FC236}">
+                      <a16:creationId xmlns:a16="http://schemas.microsoft.com/office/drawing/2014/main" id="{1365381A-C873-9B01-FA05-B1E3F10CFD9D}"/>
+                    </a:ext>
+                  </a:extLst>
+                </p:cNvPr>
+                <p:cNvGrpSpPr/>
+                <p:nvPr/>
+              </p:nvGrpSpPr>
+              <p:grpSpPr>
+                <a:xfrm>
+                  <a:off x="729009" y="3338395"/>
+                  <a:ext cx="5667768" cy="788735"/>
+                  <a:chOff x="87007" y="5381526"/>
+                  <a:chExt cx="3871161" cy="489742"/>
+                </a:xfrm>
+              </p:grpSpPr>
+              <p:pic>
+                <p:nvPicPr>
+                  <p:cNvPr id="16" name="Picture 15">
+                    <a:extLst>
+                      <a:ext uri="{FF2B5EF4-FFF2-40B4-BE49-F238E27FC236}">
+                        <a16:creationId xmlns:a16="http://schemas.microsoft.com/office/drawing/2014/main" id="{15C3092B-BD15-6C82-54F2-5BF72E9F4D68}"/>
+                      </a:ext>
+                    </a:extLst>
+                  </p:cNvPr>
+                  <p:cNvPicPr>
+                    <a:picLocks noChangeAspect="1"/>
+                  </p:cNvPicPr>
+                  <p:nvPr/>
+                </p:nvPicPr>
+                <p:blipFill>
+                  <a:blip r:embed="rId6"/>
+                  <a:stretch>
+                    <a:fillRect/>
+                  </a:stretch>
+                </p:blipFill>
+                <p:spPr>
+                  <a:xfrm>
+                    <a:off x="87007" y="5381526"/>
+                    <a:ext cx="3871161" cy="489742"/>
+                  </a:xfrm>
+                  <a:prstGeom prst="rect">
+                    <a:avLst/>
+                  </a:prstGeom>
+                </p:spPr>
+              </p:pic>
+              <p:sp>
+                <p:nvSpPr>
+                  <p:cNvPr id="18" name="Rectangle: Rounded Corners 17">
+                    <a:extLst>
+                      <a:ext uri="{FF2B5EF4-FFF2-40B4-BE49-F238E27FC236}">
+                        <a16:creationId xmlns:a16="http://schemas.microsoft.com/office/drawing/2014/main" id="{8A8A45A7-354D-AA1A-5A70-44EA51A983FB}"/>
+                      </a:ext>
+                    </a:extLst>
+                  </p:cNvPr>
+                  <p:cNvSpPr/>
+                  <p:nvPr/>
+                </p:nvSpPr>
+                <p:spPr>
+                  <a:xfrm>
+                    <a:off x="1075572" y="5381526"/>
+                    <a:ext cx="2526148" cy="249654"/>
+                  </a:xfrm>
+                  <a:prstGeom prst="roundRect">
+                    <a:avLst>
+                      <a:gd name="adj" fmla="val 31802"/>
+                    </a:avLst>
+                  </a:prstGeom>
+                  <a:noFill/>
+                  <a:ln w="19050">
+                    <a:solidFill>
+                      <a:srgbClr val="FF0000"/>
+                    </a:solidFill>
+                  </a:ln>
+                </p:spPr>
+                <p:style>
+                  <a:lnRef idx="2">
+                    <a:schemeClr val="accent1">
+                      <a:shade val="15000"/>
+                    </a:schemeClr>
+                  </a:lnRef>
+                  <a:fillRef idx="1">
+                    <a:schemeClr val="accent1"/>
+                  </a:fillRef>
+                  <a:effectRef idx="0">
+                    <a:schemeClr val="accent1"/>
+                  </a:effectRef>
+                  <a:fontRef idx="minor">
+                    <a:schemeClr val="lt1"/>
+                  </a:fontRef>
+                </p:style>
+                <p:txBody>
+                  <a:bodyPr rtlCol="0" anchor="ctr"/>
+                  <a:lstStyle/>
+                  <a:p>
+                    <a:pPr algn="ctr"/>
+                    <a:endParaRPr lang="en-PH" sz="2492"/>
+                  </a:p>
+                </p:txBody>
+              </p:sp>
+            </p:grpSp>
+            <p:sp>
+              <p:nvSpPr>
+                <p:cNvPr id="15" name="TextBox 14">
+                  <a:extLst>
+                    <a:ext uri="{FF2B5EF4-FFF2-40B4-BE49-F238E27FC236}">
+                      <a16:creationId xmlns:a16="http://schemas.microsoft.com/office/drawing/2014/main" id="{3B88B355-152A-C531-6DB4-F0F03689FD9E}"/>
+                    </a:ext>
+                  </a:extLst>
+                </p:cNvPr>
+                <p:cNvSpPr txBox="1"/>
+                <p:nvPr/>
+              </p:nvSpPr>
+              <p:spPr>
+                <a:xfrm>
+                  <a:off x="546921" y="3184507"/>
+                  <a:ext cx="252616" cy="282068"/>
+                </a:xfrm>
+                <a:prstGeom prst="rect">
+                  <a:avLst/>
+                </a:prstGeom>
+                <a:noFill/>
+              </p:spPr>
+              <p:txBody>
+                <a:bodyPr wrap="none" rtlCol="0">
+                  <a:spAutoFit/>
+                </a:bodyPr>
+                <a:lstStyle/>
+                <a:p>
+                  <a:r>
+                    <a:rPr lang="en-PH" sz="1938" b="1" dirty="0">
+                      <a:latin typeface="Arial" panose="020B0604020202020204" pitchFamily="34" charset="0"/>
+                      <a:cs typeface="Arial" panose="020B0604020202020204" pitchFamily="34" charset="0"/>
+                    </a:rPr>
+                    <a:t>E</a:t>
+                  </a:r>
+                </a:p>
+              </p:txBody>
+            </p:sp>
+          </p:grpSp>
+        </p:grpSp>
+      </p:grpSp>
+    </p:spTree>
+    <p:extLst>
+      <p:ext uri="{BB962C8B-B14F-4D97-AF65-F5344CB8AC3E}">
+        <p14:creationId xmlns:p14="http://schemas.microsoft.com/office/powerpoint/2010/main" val="526150633"/>
+      </p:ext>
+    </p:extLst>
+  </p:cSld>
+  <p:clrMapOvr>
+    <a:masterClrMapping/>
+  </p:clrMapOvr>
+</p:sld>
+</file>
+
+<file path=ppt/slides/slide2.xml><?xml version="1.0" encoding="utf-8"?>
+<p:sld xmlns:a="http://schemas.openxmlformats.org/drawingml/2006/main" xmlns:r="http://schemas.openxmlformats.org/officeDocument/2006/relationships" xmlns:p="http://schemas.openxmlformats.org/presentationml/2006/main">
+  <p:cSld>
+    <p:spTree>
+      <p:nvGrpSpPr>
+        <p:cNvPr id="1" name=""/>
+        <p:cNvGrpSpPr/>
+        <p:nvPr/>
+      </p:nvGrpSpPr>
+      <p:grpSpPr>
+        <a:xfrm>
+          <a:off x="0" y="0"/>
+          <a:ext cx="0" cy="0"/>
+          <a:chOff x="0" y="0"/>
+          <a:chExt cx="0" cy="0"/>
+        </a:xfrm>
+      </p:grpSpPr>
+      <p:grpSp>
+        <p:nvGrpSpPr>
+          <p:cNvPr id="49" name="Group 48">
+            <a:extLst>
+              <a:ext uri="{FF2B5EF4-FFF2-40B4-BE49-F238E27FC236}">
+                <a16:creationId xmlns:a16="http://schemas.microsoft.com/office/drawing/2014/main" id="{F57C546D-A97D-118D-125E-C8D2A974FDDE}"/>
+              </a:ext>
+            </a:extLst>
+          </p:cNvPr>
+          <p:cNvGrpSpPr/>
+          <p:nvPr/>
+        </p:nvGrpSpPr>
+        <p:grpSpPr>
+          <a:xfrm>
+            <a:off x="555514" y="331869"/>
+            <a:ext cx="5676410" cy="12390108"/>
+            <a:chOff x="555514" y="472545"/>
+            <a:chExt cx="5676410" cy="12390108"/>
+          </a:xfrm>
+        </p:grpSpPr>
+        <p:grpSp>
+          <p:nvGrpSpPr>
+            <p:cNvPr id="3" name="Group 2">
+              <a:extLst>
+                <a:ext uri="{FF2B5EF4-FFF2-40B4-BE49-F238E27FC236}">
+                  <a16:creationId xmlns:a16="http://schemas.microsoft.com/office/drawing/2014/main" id="{35FD5177-C7A3-C037-CB92-454B2B3ADE6B}"/>
+                </a:ext>
+              </a:extLst>
+            </p:cNvPr>
+            <p:cNvGrpSpPr/>
+            <p:nvPr/>
+          </p:nvGrpSpPr>
+          <p:grpSpPr>
+            <a:xfrm>
+              <a:off x="561662" y="472545"/>
+              <a:ext cx="5512095" cy="7036179"/>
+              <a:chOff x="434363" y="149169"/>
+              <a:chExt cx="5828520" cy="7440096"/>
+            </a:xfrm>
+          </p:grpSpPr>
+          <p:grpSp>
+            <p:nvGrpSpPr>
+              <p:cNvPr id="7" name="Group 6">
+                <a:extLst>
+                  <a:ext uri="{FF2B5EF4-FFF2-40B4-BE49-F238E27FC236}">
+                    <a16:creationId xmlns:a16="http://schemas.microsoft.com/office/drawing/2014/main" id="{B5C7D674-3A11-CBA1-9766-F620A6F27203}"/>
+                  </a:ext>
+                </a:extLst>
+              </p:cNvPr>
+              <p:cNvGrpSpPr/>
+              <p:nvPr/>
+            </p:nvGrpSpPr>
+            <p:grpSpPr>
+              <a:xfrm>
+                <a:off x="434363" y="149169"/>
+                <a:ext cx="5828520" cy="4024401"/>
+                <a:chOff x="434363" y="149169"/>
+                <a:chExt cx="5828520" cy="4024401"/>
+              </a:xfrm>
+            </p:grpSpPr>
+            <p:grpSp>
+              <p:nvGrpSpPr>
+                <p:cNvPr id="21" name="Group 20">
+                  <a:extLst>
+                    <a:ext uri="{FF2B5EF4-FFF2-40B4-BE49-F238E27FC236}">
+                      <a16:creationId xmlns:a16="http://schemas.microsoft.com/office/drawing/2014/main" id="{80CD8746-59A4-3998-E4C7-4BB9D3C19BC2}"/>
+                    </a:ext>
+                  </a:extLst>
+                </p:cNvPr>
+                <p:cNvGrpSpPr/>
+                <p:nvPr/>
+              </p:nvGrpSpPr>
+              <p:grpSpPr>
+                <a:xfrm>
+                  <a:off x="595115" y="378336"/>
+                  <a:ext cx="5667768" cy="3795234"/>
+                  <a:chOff x="1247173" y="149169"/>
+                  <a:chExt cx="4258277" cy="2851415"/>
+                </a:xfrm>
+              </p:grpSpPr>
+              <p:pic>
+                <p:nvPicPr>
+                  <p:cNvPr id="23" name="Picture 22">
+                    <a:extLst>
+                      <a:ext uri="{FF2B5EF4-FFF2-40B4-BE49-F238E27FC236}">
+                        <a16:creationId xmlns:a16="http://schemas.microsoft.com/office/drawing/2014/main" id="{BD0704AD-89F8-9E45-2E26-30DCEFE1A85A}"/>
+                      </a:ext>
+                    </a:extLst>
+                  </p:cNvPr>
+                  <p:cNvPicPr>
+                    <a:picLocks noChangeAspect="1"/>
+                  </p:cNvPicPr>
+                  <p:nvPr/>
+                </p:nvPicPr>
+                <p:blipFill>
+                  <a:blip r:embed="rId2"/>
+                  <a:stretch>
+                    <a:fillRect/>
+                  </a:stretch>
+                </p:blipFill>
+                <p:spPr>
+                  <a:xfrm>
+                    <a:off x="1247173" y="149169"/>
+                    <a:ext cx="4258277" cy="2851415"/>
+                  </a:xfrm>
+                  <a:prstGeom prst="rect">
+                    <a:avLst/>
+                  </a:prstGeom>
+                </p:spPr>
+              </p:pic>
+              <p:sp>
+                <p:nvSpPr>
+                  <p:cNvPr id="24" name="Rectangle: Rounded Corners 23">
+                    <a:extLst>
+                      <a:ext uri="{FF2B5EF4-FFF2-40B4-BE49-F238E27FC236}">
+                        <a16:creationId xmlns:a16="http://schemas.microsoft.com/office/drawing/2014/main" id="{5AAD7512-32B4-6EB0-2542-249640CBCD6E}"/>
+                      </a:ext>
+                    </a:extLst>
+                  </p:cNvPr>
+                  <p:cNvSpPr/>
+                  <p:nvPr/>
+                </p:nvSpPr>
+                <p:spPr>
+                  <a:xfrm>
+                    <a:off x="2066905" y="879733"/>
+                    <a:ext cx="3038495" cy="110867"/>
+                  </a:xfrm>
+                  <a:prstGeom prst="roundRect">
+                    <a:avLst>
+                      <a:gd name="adj" fmla="val 21733"/>
+                    </a:avLst>
+                  </a:prstGeom>
+                  <a:noFill/>
+                  <a:ln w="19050">
+                    <a:solidFill>
+                      <a:srgbClr val="FF0000"/>
+                    </a:solidFill>
+                  </a:ln>
+                </p:spPr>
+                <p:style>
+                  <a:lnRef idx="2">
+                    <a:schemeClr val="accent1">
+                      <a:shade val="15000"/>
+                    </a:schemeClr>
+                  </a:lnRef>
+                  <a:fillRef idx="1">
+                    <a:schemeClr val="accent1"/>
+                  </a:fillRef>
+                  <a:effectRef idx="0">
+                    <a:schemeClr val="accent1"/>
+                  </a:effectRef>
+                  <a:fontRef idx="minor">
+                    <a:schemeClr val="lt1"/>
+                  </a:fontRef>
+                </p:style>
+                <p:txBody>
+                  <a:bodyPr rtlCol="0" anchor="ctr"/>
+                  <a:lstStyle/>
+                  <a:p>
+                    <a:pPr algn="ctr"/>
+                    <a:endParaRPr lang="en-PH" sz="2492"/>
+                  </a:p>
+                </p:txBody>
+              </p:sp>
+              <p:sp>
+                <p:nvSpPr>
+                  <p:cNvPr id="25" name="Rectangle: Rounded Corners 24">
+                    <a:extLst>
+                      <a:ext uri="{FF2B5EF4-FFF2-40B4-BE49-F238E27FC236}">
+                        <a16:creationId xmlns:a16="http://schemas.microsoft.com/office/drawing/2014/main" id="{1CC8E926-5BE0-6506-305D-E211926AD459}"/>
+                      </a:ext>
+                    </a:extLst>
+                  </p:cNvPr>
+                  <p:cNvSpPr/>
+                  <p:nvPr/>
+                </p:nvSpPr>
+                <p:spPr>
+                  <a:xfrm>
+                    <a:off x="2375515" y="2750144"/>
+                    <a:ext cx="3129935" cy="110867"/>
+                  </a:xfrm>
+                  <a:prstGeom prst="roundRect">
+                    <a:avLst>
+                      <a:gd name="adj" fmla="val 21733"/>
+                    </a:avLst>
+                  </a:prstGeom>
+                  <a:noFill/>
+                  <a:ln w="19050">
+                    <a:solidFill>
+                      <a:srgbClr val="FF0000"/>
+                    </a:solidFill>
+                  </a:ln>
+                </p:spPr>
+                <p:style>
+                  <a:lnRef idx="2">
+                    <a:schemeClr val="accent1">
+                      <a:shade val="15000"/>
+                    </a:schemeClr>
+                  </a:lnRef>
+                  <a:fillRef idx="1">
+                    <a:schemeClr val="accent1"/>
+                  </a:fillRef>
+                  <a:effectRef idx="0">
+                    <a:schemeClr val="accent1"/>
+                  </a:effectRef>
+                  <a:fontRef idx="minor">
+                    <a:schemeClr val="lt1"/>
+                  </a:fontRef>
+                </p:style>
+                <p:txBody>
+                  <a:bodyPr rtlCol="0" anchor="ctr"/>
+                  <a:lstStyle/>
+                  <a:p>
+                    <a:pPr algn="ctr"/>
+                    <a:endParaRPr lang="en-PH" sz="2492"/>
+                  </a:p>
+                </p:txBody>
+              </p:sp>
+            </p:grpSp>
+            <p:sp>
+              <p:nvSpPr>
+                <p:cNvPr id="22" name="TextBox 21">
+                  <a:extLst>
+                    <a:ext uri="{FF2B5EF4-FFF2-40B4-BE49-F238E27FC236}">
+                      <a16:creationId xmlns:a16="http://schemas.microsoft.com/office/drawing/2014/main" id="{D62B09A8-31C5-D7F1-4D81-E163219D6A00}"/>
+                    </a:ext>
+                  </a:extLst>
+                </p:cNvPr>
+                <p:cNvSpPr txBox="1"/>
+                <p:nvPr/>
+              </p:nvSpPr>
+              <p:spPr>
+                <a:xfrm>
+                  <a:off x="434363" y="149169"/>
+                  <a:ext cx="263035" cy="282068"/>
+                </a:xfrm>
+                <a:prstGeom prst="rect">
+                  <a:avLst/>
+                </a:prstGeom>
+                <a:noFill/>
+              </p:spPr>
+              <p:txBody>
+                <a:bodyPr wrap="none" rtlCol="0">
+                  <a:spAutoFit/>
+                </a:bodyPr>
+                <a:lstStyle/>
+                <a:p>
+                  <a:r>
+                    <a:rPr lang="en-PH" sz="1938" b="1" dirty="0">
+                      <a:latin typeface="Arial" panose="020B0604020202020204" pitchFamily="34" charset="0"/>
+                      <a:cs typeface="Arial" panose="020B0604020202020204" pitchFamily="34" charset="0"/>
+                    </a:rPr>
+                    <a:t>A</a:t>
+                  </a:r>
+                </a:p>
+              </p:txBody>
+            </p:sp>
+          </p:grpSp>
+          <p:grpSp>
+            <p:nvGrpSpPr>
+              <p:cNvPr id="8" name="Group 7">
+                <a:extLst>
+                  <a:ext uri="{FF2B5EF4-FFF2-40B4-BE49-F238E27FC236}">
+                    <a16:creationId xmlns:a16="http://schemas.microsoft.com/office/drawing/2014/main" id="{D0AAEAC9-C2F0-BC27-6419-BD9584D19FF9}"/>
+                  </a:ext>
+                </a:extLst>
+              </p:cNvPr>
+              <p:cNvGrpSpPr/>
+              <p:nvPr/>
+            </p:nvGrpSpPr>
+            <p:grpSpPr>
+              <a:xfrm>
+                <a:off x="434363" y="4296671"/>
+                <a:ext cx="5828520" cy="2581360"/>
+                <a:chOff x="434363" y="4828514"/>
+                <a:chExt cx="5828520" cy="2581360"/>
+              </a:xfrm>
+            </p:grpSpPr>
+            <p:grpSp>
+              <p:nvGrpSpPr>
+                <p:cNvPr id="14" name="Group 13">
+                  <a:extLst>
+                    <a:ext uri="{FF2B5EF4-FFF2-40B4-BE49-F238E27FC236}">
+                      <a16:creationId xmlns:a16="http://schemas.microsoft.com/office/drawing/2014/main" id="{EF580179-C157-F5E5-B64C-E893AA1AE1F2}"/>
+                    </a:ext>
+                  </a:extLst>
+                </p:cNvPr>
+                <p:cNvGrpSpPr/>
+                <p:nvPr/>
+              </p:nvGrpSpPr>
+              <p:grpSpPr>
+                <a:xfrm>
+                  <a:off x="595115" y="4828514"/>
+                  <a:ext cx="5667768" cy="2581360"/>
+                  <a:chOff x="1493417" y="3159328"/>
+                  <a:chExt cx="3871161" cy="1763104"/>
+                </a:xfrm>
+              </p:grpSpPr>
+              <p:pic>
+                <p:nvPicPr>
+                  <p:cNvPr id="16" name="Picture 15">
+                    <a:extLst>
+                      <a:ext uri="{FF2B5EF4-FFF2-40B4-BE49-F238E27FC236}">
+                        <a16:creationId xmlns:a16="http://schemas.microsoft.com/office/drawing/2014/main" id="{D1FEA9EC-BCB6-5E9E-3987-0B116E5C0AC2}"/>
+                      </a:ext>
+                    </a:extLst>
+                  </p:cNvPr>
+                  <p:cNvPicPr>
+                    <a:picLocks noChangeAspect="1"/>
+                  </p:cNvPicPr>
+                  <p:nvPr/>
+                </p:nvPicPr>
+                <p:blipFill>
+                  <a:blip r:embed="rId3"/>
+                  <a:stretch>
+                    <a:fillRect/>
+                  </a:stretch>
+                </p:blipFill>
+                <p:spPr>
+                  <a:xfrm>
+                    <a:off x="1493417" y="3159328"/>
+                    <a:ext cx="3871161" cy="1763104"/>
+                  </a:xfrm>
+                  <a:prstGeom prst="rect">
+                    <a:avLst/>
+                  </a:prstGeom>
+                </p:spPr>
+              </p:pic>
+              <p:sp>
+                <p:nvSpPr>
+                  <p:cNvPr id="17" name="Rectangle: Rounded Corners 16">
+                    <a:extLst>
+                      <a:ext uri="{FF2B5EF4-FFF2-40B4-BE49-F238E27FC236}">
+                        <a16:creationId xmlns:a16="http://schemas.microsoft.com/office/drawing/2014/main" id="{CE86432E-2C2F-87FE-5B07-753049374F19}"/>
+                      </a:ext>
+                    </a:extLst>
+                  </p:cNvPr>
+                  <p:cNvSpPr/>
+                  <p:nvPr/>
+                </p:nvSpPr>
+                <p:spPr>
+                  <a:xfrm>
+                    <a:off x="1826875" y="3187321"/>
+                    <a:ext cx="3053736" cy="402267"/>
+                  </a:xfrm>
+                  <a:prstGeom prst="roundRect">
+                    <a:avLst>
+                      <a:gd name="adj" fmla="val 21733"/>
+                    </a:avLst>
+                  </a:prstGeom>
+                  <a:noFill/>
+                  <a:ln w="19050">
+                    <a:solidFill>
+                      <a:srgbClr val="FF0000"/>
+                    </a:solidFill>
+                  </a:ln>
+                </p:spPr>
+                <p:style>
+                  <a:lnRef idx="2">
+                    <a:schemeClr val="accent1">
+                      <a:shade val="15000"/>
+                    </a:schemeClr>
+                  </a:lnRef>
+                  <a:fillRef idx="1">
+                    <a:schemeClr val="accent1"/>
+                  </a:fillRef>
+                  <a:effectRef idx="0">
+                    <a:schemeClr val="accent1"/>
+                  </a:effectRef>
+                  <a:fontRef idx="minor">
+                    <a:schemeClr val="lt1"/>
+                  </a:fontRef>
+                </p:style>
+                <p:txBody>
+                  <a:bodyPr rtlCol="0" anchor="ctr"/>
+                  <a:lstStyle/>
+                  <a:p>
+                    <a:pPr algn="ctr"/>
+                    <a:endParaRPr lang="en-PH" sz="2492"/>
+                  </a:p>
+                </p:txBody>
+              </p:sp>
+              <p:sp>
+                <p:nvSpPr>
+                  <p:cNvPr id="19" name="Rectangle: Rounded Corners 18">
+                    <a:extLst>
+                      <a:ext uri="{FF2B5EF4-FFF2-40B4-BE49-F238E27FC236}">
+                        <a16:creationId xmlns:a16="http://schemas.microsoft.com/office/drawing/2014/main" id="{D0F6E32E-F912-7AE2-FF6C-624805861971}"/>
+                      </a:ext>
+                    </a:extLst>
+                  </p:cNvPr>
+                  <p:cNvSpPr/>
+                  <p:nvPr/>
+                </p:nvSpPr>
+                <p:spPr>
+                  <a:xfrm>
+                    <a:off x="1826874" y="3926369"/>
+                    <a:ext cx="3232806" cy="114511"/>
+                  </a:xfrm>
+                  <a:prstGeom prst="roundRect">
+                    <a:avLst>
+                      <a:gd name="adj" fmla="val 21733"/>
+                    </a:avLst>
+                  </a:prstGeom>
+                  <a:noFill/>
+                  <a:ln w="19050">
+                    <a:solidFill>
+                      <a:srgbClr val="FF0000"/>
+                    </a:solidFill>
+                  </a:ln>
+                </p:spPr>
+                <p:style>
+                  <a:lnRef idx="2">
+                    <a:schemeClr val="accent1">
+                      <a:shade val="15000"/>
+                    </a:schemeClr>
+                  </a:lnRef>
+                  <a:fillRef idx="1">
+                    <a:schemeClr val="accent1"/>
+                  </a:fillRef>
+                  <a:effectRef idx="0">
+                    <a:schemeClr val="accent1"/>
+                  </a:effectRef>
+                  <a:fontRef idx="minor">
+                    <a:schemeClr val="lt1"/>
+                  </a:fontRef>
+                </p:style>
+                <p:txBody>
+                  <a:bodyPr rtlCol="0" anchor="ctr"/>
+                  <a:lstStyle/>
+                  <a:p>
+                    <a:pPr algn="ctr"/>
+                    <a:endParaRPr lang="en-PH" sz="2492"/>
+                  </a:p>
+                </p:txBody>
+              </p:sp>
+            </p:grpSp>
+            <p:sp>
+              <p:nvSpPr>
+                <p:cNvPr id="15" name="TextBox 14">
+                  <a:extLst>
+                    <a:ext uri="{FF2B5EF4-FFF2-40B4-BE49-F238E27FC236}">
+                      <a16:creationId xmlns:a16="http://schemas.microsoft.com/office/drawing/2014/main" id="{9D8FD7D7-3418-2C83-D979-E31EE7EE5373}"/>
+                    </a:ext>
+                  </a:extLst>
+                </p:cNvPr>
+                <p:cNvSpPr txBox="1"/>
+                <p:nvPr/>
+              </p:nvSpPr>
+              <p:spPr>
+                <a:xfrm>
+                  <a:off x="434363" y="4828514"/>
+                  <a:ext cx="263035" cy="282068"/>
+                </a:xfrm>
+                <a:prstGeom prst="rect">
+                  <a:avLst/>
+                </a:prstGeom>
+                <a:noFill/>
+              </p:spPr>
+              <p:txBody>
+                <a:bodyPr wrap="none" rtlCol="0">
+                  <a:spAutoFit/>
+                </a:bodyPr>
+                <a:lstStyle/>
+                <a:p>
+                  <a:r>
+                    <a:rPr lang="en-PH" sz="1938" b="1" dirty="0">
+                      <a:latin typeface="Arial" panose="020B0604020202020204" pitchFamily="34" charset="0"/>
+                      <a:cs typeface="Arial" panose="020B0604020202020204" pitchFamily="34" charset="0"/>
+                    </a:rPr>
+                    <a:t>B</a:t>
+                  </a:r>
+                </a:p>
+              </p:txBody>
+            </p:sp>
+          </p:grpSp>
+          <p:grpSp>
+            <p:nvGrpSpPr>
+              <p:cNvPr id="9" name="Group 8">
+                <a:extLst>
+                  <a:ext uri="{FF2B5EF4-FFF2-40B4-BE49-F238E27FC236}">
+                    <a16:creationId xmlns:a16="http://schemas.microsoft.com/office/drawing/2014/main" id="{28B9F2A4-2ADB-F6C4-DFE2-DC3CF8959372}"/>
+                  </a:ext>
+                </a:extLst>
+              </p:cNvPr>
+              <p:cNvGrpSpPr/>
+              <p:nvPr/>
+            </p:nvGrpSpPr>
+            <p:grpSpPr>
+              <a:xfrm>
+                <a:off x="437858" y="6870904"/>
+                <a:ext cx="5825023" cy="718361"/>
+                <a:chOff x="437858" y="4923971"/>
+                <a:chExt cx="5825023" cy="718361"/>
               </a:xfrm>
             </p:grpSpPr>
             <p:pic>
               <p:nvPicPr>
-                <p:cNvPr id="3" name="Picture 2">
+                <p:cNvPr id="10" name="Picture 9">
                   <a:extLst>
                     <a:ext uri="{FF2B5EF4-FFF2-40B4-BE49-F238E27FC236}">
-                      <a16:creationId xmlns:a16="http://schemas.microsoft.com/office/drawing/2014/main" id="{6F499B30-65E7-4A54-CAC5-9AECB9CE1612}"/>
+                      <a16:creationId xmlns:a16="http://schemas.microsoft.com/office/drawing/2014/main" id="{9E1C2F17-092A-33E9-CF80-9587DEECDB4B}"/>
                     </a:ext>
                   </a:extLst>
                 </p:cNvPr>
@@ -3289,15 +4578,15 @@
                 <p:nvPr/>
               </p:nvPicPr>
               <p:blipFill>
-                <a:blip r:embed="rId3"/>
+                <a:blip r:embed="rId4"/>
                 <a:stretch>
                   <a:fillRect/>
                 </a:stretch>
               </p:blipFill>
               <p:spPr>
                 <a:xfrm>
-                  <a:off x="3251756" y="574083"/>
-                  <a:ext cx="3519237" cy="1528643"/>
+                  <a:off x="595113" y="5218284"/>
+                  <a:ext cx="5667768" cy="424048"/>
                 </a:xfrm>
                 <a:prstGeom prst="rect">
                   <a:avLst/>
@@ -3306,10 +4595,48 @@
             </p:pic>
             <p:sp>
               <p:nvSpPr>
-                <p:cNvPr id="52" name="Rectangle: Rounded Corners 51">
+                <p:cNvPr id="11" name="TextBox 10">
                   <a:extLst>
                     <a:ext uri="{FF2B5EF4-FFF2-40B4-BE49-F238E27FC236}">
-                      <a16:creationId xmlns:a16="http://schemas.microsoft.com/office/drawing/2014/main" id="{258F9D38-BC82-4CFD-ABE6-11B2269B0B40}"/>
+                      <a16:creationId xmlns:a16="http://schemas.microsoft.com/office/drawing/2014/main" id="{AE24561E-A254-ACC0-FA00-A49F90804C3A}"/>
+                    </a:ext>
+                  </a:extLst>
+                </p:cNvPr>
+                <p:cNvSpPr txBox="1"/>
+                <p:nvPr/>
+              </p:nvSpPr>
+              <p:spPr>
+                <a:xfrm>
+                  <a:off x="437858" y="4923971"/>
+                  <a:ext cx="263035" cy="282068"/>
+                </a:xfrm>
+                <a:prstGeom prst="rect">
+                  <a:avLst/>
+                </a:prstGeom>
+                <a:noFill/>
+              </p:spPr>
+              <p:txBody>
+                <a:bodyPr wrap="none" rtlCol="0">
+                  <a:spAutoFit/>
+                </a:bodyPr>
+                <a:lstStyle/>
+                <a:p>
+                  <a:r>
+                    <a:rPr lang="en-PH" sz="1938" b="1" dirty="0">
+                      <a:latin typeface="Arial" panose="020B0604020202020204" pitchFamily="34" charset="0"/>
+                      <a:cs typeface="Arial" panose="020B0604020202020204" pitchFamily="34" charset="0"/>
+                    </a:rPr>
+                    <a:t>C</a:t>
+                  </a:r>
+                </a:p>
+              </p:txBody>
+            </p:sp>
+            <p:sp>
+              <p:nvSpPr>
+                <p:cNvPr id="13" name="Rectangle: Rounded Corners 12">
+                  <a:extLst>
+                    <a:ext uri="{FF2B5EF4-FFF2-40B4-BE49-F238E27FC236}">
+                      <a16:creationId xmlns:a16="http://schemas.microsoft.com/office/drawing/2014/main" id="{43B8E581-0375-D662-5B59-9A5D54CA031C}"/>
                     </a:ext>
                   </a:extLst>
                 </p:cNvPr>
@@ -3318,8 +4645,8 @@
               </p:nvSpPr>
               <p:spPr>
                 <a:xfrm>
-                  <a:off x="3630282" y="560409"/>
-                  <a:ext cx="2740038" cy="376725"/>
+                  <a:off x="1581150" y="5170331"/>
+                  <a:ext cx="3924300" cy="318884"/>
                 </a:xfrm>
                 <a:prstGeom prst="roundRect">
                   <a:avLst>
@@ -3354,110 +4681,18 @@
                 <a:lstStyle/>
                 <a:p>
                   <a:pPr algn="ctr"/>
-                  <a:endParaRPr lang="en-PH"/>
-                </a:p>
-              </p:txBody>
-            </p:sp>
-            <p:sp>
-              <p:nvSpPr>
-                <p:cNvPr id="53" name="Rectangle: Rounded Corners 52">
-                  <a:extLst>
-                    <a:ext uri="{FF2B5EF4-FFF2-40B4-BE49-F238E27FC236}">
-                      <a16:creationId xmlns:a16="http://schemas.microsoft.com/office/drawing/2014/main" id="{B1F6521B-BD1E-4A5E-80DF-4258AA2ADACA}"/>
-                    </a:ext>
-                  </a:extLst>
-                </p:cNvPr>
-                <p:cNvSpPr/>
-                <p:nvPr/>
-              </p:nvSpPr>
-              <p:spPr>
-                <a:xfrm>
-                  <a:off x="3952240" y="1718781"/>
-                  <a:ext cx="2772410" cy="338619"/>
-                </a:xfrm>
-                <a:prstGeom prst="roundRect">
-                  <a:avLst>
-                    <a:gd name="adj" fmla="val 27938"/>
-                  </a:avLst>
-                </a:prstGeom>
-                <a:noFill/>
-                <a:ln w="19050">
-                  <a:solidFill>
-                    <a:srgbClr val="FF0000"/>
-                  </a:solidFill>
-                </a:ln>
-              </p:spPr>
-              <p:style>
-                <a:lnRef idx="2">
-                  <a:schemeClr val="accent1">
-                    <a:shade val="15000"/>
-                  </a:schemeClr>
-                </a:lnRef>
-                <a:fillRef idx="1">
-                  <a:schemeClr val="accent1"/>
-                </a:fillRef>
-                <a:effectRef idx="0">
-                  <a:schemeClr val="accent1"/>
-                </a:effectRef>
-                <a:fontRef idx="minor">
-                  <a:schemeClr val="lt1"/>
-                </a:fontRef>
-              </p:style>
-              <p:txBody>
-                <a:bodyPr rtlCol="0" anchor="ctr"/>
-                <a:lstStyle/>
-                <a:p>
-                  <a:pPr algn="ctr"/>
-                  <a:endParaRPr lang="en-PH"/>
+                  <a:endParaRPr lang="en-PH" sz="2492"/>
                 </a:p>
               </p:txBody>
             </p:sp>
           </p:grpSp>
-          <p:sp>
-            <p:nvSpPr>
-              <p:cNvPr id="65" name="TextBox 64">
-                <a:extLst>
-                  <a:ext uri="{FF2B5EF4-FFF2-40B4-BE49-F238E27FC236}">
-                    <a16:creationId xmlns:a16="http://schemas.microsoft.com/office/drawing/2014/main" id="{6B03E0B8-C974-1F99-1955-A61C53591679}"/>
-                  </a:ext>
-                </a:extLst>
-              </p:cNvPr>
-              <p:cNvSpPr txBox="1"/>
-              <p:nvPr/>
-            </p:nvSpPr>
-            <p:spPr>
-              <a:xfrm>
-                <a:off x="546921" y="3979850"/>
-                <a:ext cx="314510" cy="307777"/>
-              </a:xfrm>
-              <a:prstGeom prst="rect">
-                <a:avLst/>
-              </a:prstGeom>
-              <a:noFill/>
-            </p:spPr>
-            <p:txBody>
-              <a:bodyPr wrap="none" rtlCol="0">
-                <a:spAutoFit/>
-              </a:bodyPr>
-              <a:lstStyle/>
-              <a:p>
-                <a:r>
-                  <a:rPr lang="en-PH" sz="1400" b="1" dirty="0">
-                    <a:latin typeface="Arial" panose="020B0604020202020204" pitchFamily="34" charset="0"/>
-                    <a:cs typeface="Arial" panose="020B0604020202020204" pitchFamily="34" charset="0"/>
-                  </a:rPr>
-                  <a:t>B</a:t>
-                </a:r>
-              </a:p>
-            </p:txBody>
-          </p:sp>
         </p:grpSp>
         <p:grpSp>
           <p:nvGrpSpPr>
-            <p:cNvPr id="21" name="Group 20">
+            <p:cNvPr id="26" name="Group 25">
               <a:extLst>
                 <a:ext uri="{FF2B5EF4-FFF2-40B4-BE49-F238E27FC236}">
-                  <a16:creationId xmlns:a16="http://schemas.microsoft.com/office/drawing/2014/main" id="{D8F5AB9D-9562-7162-72AA-0531184F8989}"/>
+                  <a16:creationId xmlns:a16="http://schemas.microsoft.com/office/drawing/2014/main" id="{A7BA3521-F66A-1AE3-7BA8-E696A1C5CF27}"/>
                 </a:ext>
               </a:extLst>
             </p:cNvPr>
@@ -3466,18 +4701,18 @@
           </p:nvGrpSpPr>
           <p:grpSpPr>
             <a:xfrm>
-              <a:off x="423831" y="6618548"/>
-              <a:ext cx="6167592" cy="1674754"/>
-              <a:chOff x="423831" y="6618548"/>
-              <a:chExt cx="6167592" cy="1674754"/>
+              <a:off x="555514" y="7837885"/>
+              <a:ext cx="5676410" cy="5024768"/>
+              <a:chOff x="434363" y="479046"/>
+              <a:chExt cx="5456607" cy="4830198"/>
             </a:xfrm>
           </p:grpSpPr>
           <p:grpSp>
             <p:nvGrpSpPr>
-              <p:cNvPr id="4" name="Group 3">
+              <p:cNvPr id="27" name="Group 26">
                 <a:extLst>
                   <a:ext uri="{FF2B5EF4-FFF2-40B4-BE49-F238E27FC236}">
-                    <a16:creationId xmlns:a16="http://schemas.microsoft.com/office/drawing/2014/main" id="{306FCE64-C43C-1201-DBD9-FFB9F0E8CC73}"/>
+                    <a16:creationId xmlns:a16="http://schemas.microsoft.com/office/drawing/2014/main" id="{C3022DE4-4416-B736-D0CD-BCB9F5D145FB}"/>
                   </a:ext>
                 </a:extLst>
               </p:cNvPr>
@@ -3486,212 +4721,162 @@
             </p:nvGrpSpPr>
             <p:grpSpPr>
               <a:xfrm>
-                <a:off x="423831" y="6926325"/>
-                <a:ext cx="6167592" cy="1366977"/>
-                <a:chOff x="204024" y="3127575"/>
-                <a:chExt cx="3164950" cy="701475"/>
+                <a:off x="434363" y="479046"/>
+                <a:ext cx="4900676" cy="997733"/>
+                <a:chOff x="434363" y="479046"/>
+                <a:chExt cx="4900676" cy="997733"/>
               </a:xfrm>
             </p:grpSpPr>
-            <p:pic>
-              <p:nvPicPr>
-                <p:cNvPr id="7" name="Picture 6">
+            <p:sp>
+              <p:nvSpPr>
+                <p:cNvPr id="45" name="TextBox 44">
                   <a:extLst>
                     <a:ext uri="{FF2B5EF4-FFF2-40B4-BE49-F238E27FC236}">
-                      <a16:creationId xmlns:a16="http://schemas.microsoft.com/office/drawing/2014/main" id="{AB928B9C-67E8-8C90-97E0-C72521225FB5}"/>
+                      <a16:creationId xmlns:a16="http://schemas.microsoft.com/office/drawing/2014/main" id="{90F67E61-2A4F-FF0B-32BD-755756F53E20}"/>
                     </a:ext>
                   </a:extLst>
                 </p:cNvPr>
-                <p:cNvPicPr>
-                  <a:picLocks noChangeAspect="1"/>
-                </p:cNvPicPr>
+                <p:cNvSpPr txBox="1"/>
                 <p:nvPr/>
-              </p:nvPicPr>
-              <p:blipFill rotWithShape="1">
-                <a:blip r:embed="rId4"/>
-                <a:srcRect l="1074" b="13228"/>
-                <a:stretch/>
-              </p:blipFill>
+              </p:nvSpPr>
               <p:spPr>
                 <a:xfrm>
-                  <a:off x="204024" y="3127575"/>
-                  <a:ext cx="3164950" cy="701475"/>
+                  <a:off x="434363" y="479046"/>
+                  <a:ext cx="263035" cy="282068"/>
                 </a:xfrm>
                 <a:prstGeom prst="rect">
                   <a:avLst/>
                 </a:prstGeom>
+                <a:noFill/>
               </p:spPr>
-            </p:pic>
-            <p:sp>
-              <p:nvSpPr>
-                <p:cNvPr id="13" name="Rectangle: Rounded Corners 12">
+              <p:txBody>
+                <a:bodyPr wrap="none" rtlCol="0">
+                  <a:spAutoFit/>
+                </a:bodyPr>
+                <a:lstStyle/>
+                <a:p>
+                  <a:r>
+                    <a:rPr lang="en-PH" sz="1938" b="1" dirty="0">
+                      <a:latin typeface="Arial" panose="020B0604020202020204" pitchFamily="34" charset="0"/>
+                      <a:cs typeface="Arial" panose="020B0604020202020204" pitchFamily="34" charset="0"/>
+                    </a:rPr>
+                    <a:t>D</a:t>
+                  </a:r>
+                </a:p>
+              </p:txBody>
+            </p:sp>
+            <p:grpSp>
+              <p:nvGrpSpPr>
+                <p:cNvPr id="46" name="Group 45">
                   <a:extLst>
                     <a:ext uri="{FF2B5EF4-FFF2-40B4-BE49-F238E27FC236}">
-                      <a16:creationId xmlns:a16="http://schemas.microsoft.com/office/drawing/2014/main" id="{ED9E0B5B-EFD5-847E-DE1B-A5225C4BFCFE}"/>
+                      <a16:creationId xmlns:a16="http://schemas.microsoft.com/office/drawing/2014/main" id="{9D732D26-762A-0025-9D1E-EDE83B61CFC7}"/>
                     </a:ext>
                   </a:extLst>
                 </p:cNvPr>
-                <p:cNvSpPr/>
+                <p:cNvGrpSpPr/>
                 <p:nvPr/>
-              </p:nvSpPr>
-              <p:spPr>
+              </p:nvGrpSpPr>
+              <p:grpSpPr>
                 <a:xfrm>
-                  <a:off x="960120" y="3624092"/>
-                  <a:ext cx="2408854" cy="204958"/>
+                  <a:off x="650934" y="697319"/>
+                  <a:ext cx="4684105" cy="779460"/>
+                  <a:chOff x="1060397" y="632854"/>
+                  <a:chExt cx="3199306" cy="532382"/>
                 </a:xfrm>
-                <a:prstGeom prst="roundRect">
-                  <a:avLst>
-                    <a:gd name="adj" fmla="val 26740"/>
-                  </a:avLst>
-                </a:prstGeom>
-                <a:noFill/>
-                <a:ln w="19050">
-                  <a:solidFill>
-                    <a:srgbClr val="FF0000"/>
-                  </a:solidFill>
-                </a:ln>
-              </p:spPr>
-              <p:style>
-                <a:lnRef idx="2">
-                  <a:schemeClr val="accent1">
-                    <a:shade val="15000"/>
-                  </a:schemeClr>
-                </a:lnRef>
-                <a:fillRef idx="1">
-                  <a:schemeClr val="accent1"/>
-                </a:fillRef>
-                <a:effectRef idx="0">
-                  <a:schemeClr val="accent1"/>
-                </a:effectRef>
-                <a:fontRef idx="minor">
-                  <a:schemeClr val="lt1"/>
-                </a:fontRef>
-              </p:style>
-              <p:txBody>
-                <a:bodyPr rtlCol="0" anchor="ctr"/>
-                <a:lstStyle/>
-                <a:p>
-                  <a:pPr algn="ctr"/>
-                  <a:endParaRPr lang="en-PH"/>
-                </a:p>
-              </p:txBody>
-            </p:sp>
+              </p:grpSpPr>
+              <p:pic>
+                <p:nvPicPr>
+                  <p:cNvPr id="47" name="Picture 46">
+                    <a:extLst>
+                      <a:ext uri="{FF2B5EF4-FFF2-40B4-BE49-F238E27FC236}">
+                        <a16:creationId xmlns:a16="http://schemas.microsoft.com/office/drawing/2014/main" id="{75DE6430-D8AF-EB0C-6D91-6D504533BD16}"/>
+                      </a:ext>
+                    </a:extLst>
+                  </p:cNvPr>
+                  <p:cNvPicPr>
+                    <a:picLocks noChangeAspect="1"/>
+                  </p:cNvPicPr>
+                  <p:nvPr/>
+                </p:nvPicPr>
+                <p:blipFill>
+                  <a:blip r:embed="rId5"/>
+                  <a:stretch>
+                    <a:fillRect/>
+                  </a:stretch>
+                </p:blipFill>
+                <p:spPr>
+                  <a:xfrm>
+                    <a:off x="1060397" y="665056"/>
+                    <a:ext cx="3199306" cy="500180"/>
+                  </a:xfrm>
+                  <a:prstGeom prst="rect">
+                    <a:avLst/>
+                  </a:prstGeom>
+                </p:spPr>
+              </p:pic>
+              <p:sp>
+                <p:nvSpPr>
+                  <p:cNvPr id="48" name="Rectangle: Rounded Corners 47">
+                    <a:extLst>
+                      <a:ext uri="{FF2B5EF4-FFF2-40B4-BE49-F238E27FC236}">
+                        <a16:creationId xmlns:a16="http://schemas.microsoft.com/office/drawing/2014/main" id="{E500D83B-9A14-0FC5-12DF-59204D8A17F9}"/>
+                      </a:ext>
+                    </a:extLst>
+                  </p:cNvPr>
+                  <p:cNvSpPr/>
+                  <p:nvPr/>
+                </p:nvSpPr>
+                <p:spPr>
+                  <a:xfrm>
+                    <a:off x="1474823" y="632854"/>
+                    <a:ext cx="2784880" cy="393954"/>
+                  </a:xfrm>
+                  <a:prstGeom prst="roundRect">
+                    <a:avLst>
+                      <a:gd name="adj" fmla="val 21733"/>
+                    </a:avLst>
+                  </a:prstGeom>
+                  <a:noFill/>
+                  <a:ln w="19050">
+                    <a:solidFill>
+                      <a:srgbClr val="FF0000"/>
+                    </a:solidFill>
+                  </a:ln>
+                </p:spPr>
+                <p:style>
+                  <a:lnRef idx="2">
+                    <a:schemeClr val="accent1">
+                      <a:shade val="15000"/>
+                    </a:schemeClr>
+                  </a:lnRef>
+                  <a:fillRef idx="1">
+                    <a:schemeClr val="accent1"/>
+                  </a:fillRef>
+                  <a:effectRef idx="0">
+                    <a:schemeClr val="accent1"/>
+                  </a:effectRef>
+                  <a:fontRef idx="minor">
+                    <a:schemeClr val="lt1"/>
+                  </a:fontRef>
+                </p:style>
+                <p:txBody>
+                  <a:bodyPr rtlCol="0" anchor="ctr"/>
+                  <a:lstStyle/>
+                  <a:p>
+                    <a:pPr algn="ctr"/>
+                    <a:endParaRPr lang="en-PH" sz="2492"/>
+                  </a:p>
+                </p:txBody>
+              </p:sp>
+            </p:grpSp>
           </p:grpSp>
-          <p:sp>
-            <p:nvSpPr>
-              <p:cNvPr id="5" name="TextBox 4">
+          <p:grpSp>
+            <p:nvGrpSpPr>
+              <p:cNvPr id="28" name="Group 27">
                 <a:extLst>
                   <a:ext uri="{FF2B5EF4-FFF2-40B4-BE49-F238E27FC236}">
-                    <a16:creationId xmlns:a16="http://schemas.microsoft.com/office/drawing/2014/main" id="{603A6EB8-3734-8152-E1EB-9872FD3AB307}"/>
-                  </a:ext>
-                </a:extLst>
-              </p:cNvPr>
-              <p:cNvSpPr txBox="1"/>
-              <p:nvPr/>
-            </p:nvSpPr>
-            <p:spPr>
-              <a:xfrm>
-                <a:off x="546921" y="6618548"/>
-                <a:ext cx="314510" cy="307777"/>
-              </a:xfrm>
-              <a:prstGeom prst="rect">
-                <a:avLst/>
-              </a:prstGeom>
-              <a:noFill/>
-            </p:spPr>
-            <p:txBody>
-              <a:bodyPr wrap="none" rtlCol="0">
-                <a:spAutoFit/>
-              </a:bodyPr>
-              <a:lstStyle/>
-              <a:p>
-                <a:r>
-                  <a:rPr lang="en-PH" sz="1400" b="1" dirty="0">
-                    <a:latin typeface="Arial" panose="020B0604020202020204" pitchFamily="34" charset="0"/>
-                    <a:cs typeface="Arial" panose="020B0604020202020204" pitchFamily="34" charset="0"/>
-                  </a:rPr>
-                  <a:t>C</a:t>
-                </a:r>
-              </a:p>
-            </p:txBody>
-          </p:sp>
-        </p:grpSp>
-      </p:grpSp>
-    </p:spTree>
-    <p:extLst>
-      <p:ext uri="{BB962C8B-B14F-4D97-AF65-F5344CB8AC3E}">
-        <p14:creationId xmlns:p14="http://schemas.microsoft.com/office/powerpoint/2010/main" val="526150633"/>
-      </p:ext>
-    </p:extLst>
-  </p:cSld>
-  <p:clrMapOvr>
-    <a:masterClrMapping/>
-  </p:clrMapOvr>
-</p:sld>
-</file>
-
-<file path=ppt/slides/slide2.xml><?xml version="1.0" encoding="utf-8"?>
-<p:sld xmlns:a="http://schemas.openxmlformats.org/drawingml/2006/main" xmlns:r="http://schemas.openxmlformats.org/officeDocument/2006/relationships" xmlns:p="http://schemas.openxmlformats.org/presentationml/2006/main">
-  <p:cSld>
-    <p:spTree>
-      <p:nvGrpSpPr>
-        <p:cNvPr id="1" name=""/>
-        <p:cNvGrpSpPr/>
-        <p:nvPr/>
-      </p:nvGrpSpPr>
-      <p:grpSpPr>
-        <a:xfrm>
-          <a:off x="0" y="0"/>
-          <a:ext cx="0" cy="0"/>
-          <a:chOff x="0" y="0"/>
-          <a:chExt cx="0" cy="0"/>
-        </a:xfrm>
-      </p:grpSpPr>
-      <p:grpSp>
-        <p:nvGrpSpPr>
-          <p:cNvPr id="5" name="Group 4">
-            <a:extLst>
-              <a:ext uri="{FF2B5EF4-FFF2-40B4-BE49-F238E27FC236}">
-                <a16:creationId xmlns:a16="http://schemas.microsoft.com/office/drawing/2014/main" id="{E015D673-81BD-EDA6-F94F-23FABD8F2A64}"/>
-              </a:ext>
-            </a:extLst>
-          </p:cNvPr>
-          <p:cNvGrpSpPr/>
-          <p:nvPr/>
-        </p:nvGrpSpPr>
-        <p:grpSpPr>
-          <a:xfrm>
-            <a:off x="546921" y="706668"/>
-            <a:ext cx="5849856" cy="3420462"/>
-            <a:chOff x="546921" y="706668"/>
-            <a:chExt cx="5849856" cy="3420462"/>
-          </a:xfrm>
-        </p:grpSpPr>
-        <p:grpSp>
-          <p:nvGrpSpPr>
-            <p:cNvPr id="2" name="Group 1">
-              <a:extLst>
-                <a:ext uri="{FF2B5EF4-FFF2-40B4-BE49-F238E27FC236}">
-                  <a16:creationId xmlns:a16="http://schemas.microsoft.com/office/drawing/2014/main" id="{289F6DBA-4472-1041-21E4-AD20074DF012}"/>
-                </a:ext>
-              </a:extLst>
-            </p:cNvPr>
-            <p:cNvGrpSpPr/>
-            <p:nvPr/>
-          </p:nvGrpSpPr>
-          <p:grpSpPr>
-            <a:xfrm>
-              <a:off x="546921" y="706668"/>
-              <a:ext cx="5715963" cy="2265752"/>
-              <a:chOff x="546921" y="706668"/>
-              <a:chExt cx="5715963" cy="2265752"/>
-            </a:xfrm>
-          </p:grpSpPr>
-          <p:grpSp>
-            <p:nvGrpSpPr>
-              <p:cNvPr id="12" name="Group 11">
-                <a:extLst>
-                  <a:ext uri="{FF2B5EF4-FFF2-40B4-BE49-F238E27FC236}">
-                    <a16:creationId xmlns:a16="http://schemas.microsoft.com/office/drawing/2014/main" id="{DC873B86-192F-1A29-76A7-C2E2D0CBCADA}"/>
+                    <a16:creationId xmlns:a16="http://schemas.microsoft.com/office/drawing/2014/main" id="{EDF659BA-AD6C-3BBC-3553-981E7051BC08}"/>
                   </a:ext>
                 </a:extLst>
               </p:cNvPr>
@@ -3700,216 +4885,216 @@
             </p:nvGrpSpPr>
             <p:grpSpPr>
               <a:xfrm>
-                <a:off x="595116" y="860557"/>
-                <a:ext cx="5667768" cy="2111863"/>
-                <a:chOff x="3510929" y="3111270"/>
-                <a:chExt cx="3199306" cy="1192092"/>
+                <a:off x="434363" y="1758408"/>
+                <a:ext cx="5369088" cy="1212702"/>
+                <a:chOff x="434363" y="1973992"/>
+                <a:chExt cx="5369088" cy="1212702"/>
               </a:xfrm>
             </p:grpSpPr>
-            <p:pic>
-              <p:nvPicPr>
-                <p:cNvPr id="6" name="Picture 5">
+            <p:sp>
+              <p:nvSpPr>
+                <p:cNvPr id="40" name="TextBox 39">
                   <a:extLst>
                     <a:ext uri="{FF2B5EF4-FFF2-40B4-BE49-F238E27FC236}">
-                      <a16:creationId xmlns:a16="http://schemas.microsoft.com/office/drawing/2014/main" id="{AC0D0530-721F-FF28-A405-BBE5187C2699}"/>
+                      <a16:creationId xmlns:a16="http://schemas.microsoft.com/office/drawing/2014/main" id="{9B05C58C-14C5-9088-3B7B-FFF9DD15CF05}"/>
                     </a:ext>
                   </a:extLst>
                 </p:cNvPr>
-                <p:cNvPicPr>
-                  <a:picLocks noChangeAspect="1"/>
-                </p:cNvPicPr>
+                <p:cNvSpPr txBox="1"/>
                 <p:nvPr/>
-              </p:nvPicPr>
-              <p:blipFill>
-                <a:blip r:embed="rId2"/>
-                <a:stretch>
-                  <a:fillRect/>
-                </a:stretch>
-              </p:blipFill>
+              </p:nvSpPr>
               <p:spPr>
                 <a:xfrm>
-                  <a:off x="3510929" y="3111270"/>
-                  <a:ext cx="3199306" cy="1192092"/>
+                  <a:off x="434363" y="1973992"/>
+                  <a:ext cx="252616" cy="282068"/>
                 </a:xfrm>
                 <a:prstGeom prst="rect">
                   <a:avLst/>
                 </a:prstGeom>
+                <a:noFill/>
               </p:spPr>
-            </p:pic>
-            <p:sp>
-              <p:nvSpPr>
-                <p:cNvPr id="60" name="Rectangle: Rounded Corners 59">
+              <p:txBody>
+                <a:bodyPr wrap="none" rtlCol="0">
+                  <a:spAutoFit/>
+                </a:bodyPr>
+                <a:lstStyle/>
+                <a:p>
+                  <a:r>
+                    <a:rPr lang="en-PH" sz="1938" b="1" dirty="0">
+                      <a:latin typeface="Arial" panose="020B0604020202020204" pitchFamily="34" charset="0"/>
+                      <a:cs typeface="Arial" panose="020B0604020202020204" pitchFamily="34" charset="0"/>
+                    </a:rPr>
+                    <a:t>E</a:t>
+                  </a:r>
+                </a:p>
+              </p:txBody>
+            </p:sp>
+            <p:grpSp>
+              <p:nvGrpSpPr>
+                <p:cNvPr id="41" name="Group 40">
                   <a:extLst>
                     <a:ext uri="{FF2B5EF4-FFF2-40B4-BE49-F238E27FC236}">
-                      <a16:creationId xmlns:a16="http://schemas.microsoft.com/office/drawing/2014/main" id="{97CFAB18-C931-00D3-A2C4-27433F4A9D19}"/>
+                      <a16:creationId xmlns:a16="http://schemas.microsoft.com/office/drawing/2014/main" id="{1EF0AB91-CD36-49C3-076E-BCFF356B28C2}"/>
                     </a:ext>
                   </a:extLst>
                 </p:cNvPr>
-                <p:cNvSpPr/>
+                <p:cNvGrpSpPr/>
                 <p:nvPr/>
-              </p:nvSpPr>
-              <p:spPr>
+              </p:nvGrpSpPr>
+              <p:grpSpPr>
                 <a:xfrm>
-                  <a:off x="4030335" y="3652519"/>
-                  <a:ext cx="2609226" cy="218441"/>
+                  <a:off x="650935" y="2076427"/>
+                  <a:ext cx="5152516" cy="1110267"/>
+                  <a:chOff x="1163921" y="1531225"/>
+                  <a:chExt cx="3199306" cy="626716"/>
                 </a:xfrm>
-                <a:prstGeom prst="roundRect">
-                  <a:avLst>
-                    <a:gd name="adj" fmla="val 23887"/>
-                  </a:avLst>
-                </a:prstGeom>
-                <a:noFill/>
-                <a:ln w="19050">
-                  <a:solidFill>
-                    <a:srgbClr val="FF0000"/>
-                  </a:solidFill>
-                </a:ln>
-              </p:spPr>
-              <p:style>
-                <a:lnRef idx="2">
-                  <a:schemeClr val="accent1">
-                    <a:shade val="15000"/>
-                  </a:schemeClr>
-                </a:lnRef>
-                <a:fillRef idx="1">
-                  <a:schemeClr val="accent1"/>
-                </a:fillRef>
-                <a:effectRef idx="0">
-                  <a:schemeClr val="accent1"/>
-                </a:effectRef>
-                <a:fontRef idx="minor">
-                  <a:schemeClr val="lt1"/>
-                </a:fontRef>
-              </p:style>
-              <p:txBody>
-                <a:bodyPr rtlCol="0" anchor="ctr"/>
-                <a:lstStyle/>
-                <a:p>
-                  <a:pPr algn="ctr"/>
-                  <a:endParaRPr lang="en-PH"/>
-                </a:p>
-              </p:txBody>
-            </p:sp>
-            <p:sp>
-              <p:nvSpPr>
-                <p:cNvPr id="61" name="Rectangle: Rounded Corners 60">
-                  <a:extLst>
-                    <a:ext uri="{FF2B5EF4-FFF2-40B4-BE49-F238E27FC236}">
-                      <a16:creationId xmlns:a16="http://schemas.microsoft.com/office/drawing/2014/main" id="{63C434DE-E3D7-D079-32EB-C310E7714BAD}"/>
-                    </a:ext>
-                  </a:extLst>
-                </p:cNvPr>
-                <p:cNvSpPr/>
-                <p:nvPr/>
-              </p:nvSpPr>
-              <p:spPr>
-                <a:xfrm>
-                  <a:off x="4157981" y="4002194"/>
-                  <a:ext cx="2430780" cy="301168"/>
-                </a:xfrm>
-                <a:prstGeom prst="roundRect">
-                  <a:avLst>
-                    <a:gd name="adj" fmla="val 21904"/>
-                  </a:avLst>
-                </a:prstGeom>
-                <a:noFill/>
-                <a:ln w="19050">
-                  <a:solidFill>
-                    <a:srgbClr val="FF0000"/>
-                  </a:solidFill>
-                </a:ln>
-              </p:spPr>
-              <p:style>
-                <a:lnRef idx="2">
-                  <a:schemeClr val="accent1">
-                    <a:shade val="15000"/>
-                  </a:schemeClr>
-                </a:lnRef>
-                <a:fillRef idx="1">
-                  <a:schemeClr val="accent1"/>
-                </a:fillRef>
-                <a:effectRef idx="0">
-                  <a:schemeClr val="accent1"/>
-                </a:effectRef>
-                <a:fontRef idx="minor">
-                  <a:schemeClr val="lt1"/>
-                </a:fontRef>
-              </p:style>
-              <p:txBody>
-                <a:bodyPr rtlCol="0" anchor="ctr"/>
-                <a:lstStyle/>
-                <a:p>
-                  <a:pPr algn="ctr"/>
-                  <a:endParaRPr lang="en-PH"/>
-                </a:p>
-              </p:txBody>
-            </p:sp>
+              </p:grpSpPr>
+              <p:pic>
+                <p:nvPicPr>
+                  <p:cNvPr id="42" name="Picture 41">
+                    <a:extLst>
+                      <a:ext uri="{FF2B5EF4-FFF2-40B4-BE49-F238E27FC236}">
+                        <a16:creationId xmlns:a16="http://schemas.microsoft.com/office/drawing/2014/main" id="{6C49520C-C1D4-C8EF-4E47-2DE713553582}"/>
+                      </a:ext>
+                    </a:extLst>
+                  </p:cNvPr>
+                  <p:cNvPicPr>
+                    <a:picLocks noChangeAspect="1"/>
+                  </p:cNvPicPr>
+                  <p:nvPr/>
+                </p:nvPicPr>
+                <p:blipFill>
+                  <a:blip r:embed="rId6"/>
+                  <a:stretch>
+                    <a:fillRect/>
+                  </a:stretch>
+                </p:blipFill>
+                <p:spPr>
+                  <a:xfrm>
+                    <a:off x="1163921" y="1531225"/>
+                    <a:ext cx="3199306" cy="626716"/>
+                  </a:xfrm>
+                  <a:prstGeom prst="rect">
+                    <a:avLst/>
+                  </a:prstGeom>
+                </p:spPr>
+              </p:pic>
+              <p:sp>
+                <p:nvSpPr>
+                  <p:cNvPr id="43" name="Rectangle: Rounded Corners 42">
+                    <a:extLst>
+                      <a:ext uri="{FF2B5EF4-FFF2-40B4-BE49-F238E27FC236}">
+                        <a16:creationId xmlns:a16="http://schemas.microsoft.com/office/drawing/2014/main" id="{FA857800-394A-C73C-ECDF-A7F8460F4529}"/>
+                      </a:ext>
+                    </a:extLst>
+                  </p:cNvPr>
+                  <p:cNvSpPr/>
+                  <p:nvPr/>
+                </p:nvSpPr>
+                <p:spPr>
+                  <a:xfrm>
+                    <a:off x="2043064" y="1970637"/>
+                    <a:ext cx="2178226" cy="181695"/>
+                  </a:xfrm>
+                  <a:prstGeom prst="roundRect">
+                    <a:avLst>
+                      <a:gd name="adj" fmla="val 21733"/>
+                    </a:avLst>
+                  </a:prstGeom>
+                  <a:noFill/>
+                  <a:ln w="19050">
+                    <a:solidFill>
+                      <a:srgbClr val="FF0000"/>
+                    </a:solidFill>
+                  </a:ln>
+                </p:spPr>
+                <p:style>
+                  <a:lnRef idx="2">
+                    <a:schemeClr val="accent1">
+                      <a:shade val="15000"/>
+                    </a:schemeClr>
+                  </a:lnRef>
+                  <a:fillRef idx="1">
+                    <a:schemeClr val="accent1"/>
+                  </a:fillRef>
+                  <a:effectRef idx="0">
+                    <a:schemeClr val="accent1"/>
+                  </a:effectRef>
+                  <a:fontRef idx="minor">
+                    <a:schemeClr val="lt1"/>
+                  </a:fontRef>
+                </p:style>
+                <p:txBody>
+                  <a:bodyPr rtlCol="0" anchor="ctr"/>
+                  <a:lstStyle/>
+                  <a:p>
+                    <a:pPr algn="ctr"/>
+                    <a:endParaRPr lang="en-PH" sz="2492"/>
+                  </a:p>
+                </p:txBody>
+              </p:sp>
+              <p:sp>
+                <p:nvSpPr>
+                  <p:cNvPr id="44" name="Rectangle: Rounded Corners 43">
+                    <a:extLst>
+                      <a:ext uri="{FF2B5EF4-FFF2-40B4-BE49-F238E27FC236}">
+                        <a16:creationId xmlns:a16="http://schemas.microsoft.com/office/drawing/2014/main" id="{98AD14C4-A629-C50A-8C1F-DA95B6019251}"/>
+                      </a:ext>
+                    </a:extLst>
+                  </p:cNvPr>
+                  <p:cNvSpPr/>
+                  <p:nvPr/>
+                </p:nvSpPr>
+                <p:spPr>
+                  <a:xfrm>
+                    <a:off x="1910746" y="1643735"/>
+                    <a:ext cx="2130663" cy="181695"/>
+                  </a:xfrm>
+                  <a:prstGeom prst="roundRect">
+                    <a:avLst>
+                      <a:gd name="adj" fmla="val 21733"/>
+                    </a:avLst>
+                  </a:prstGeom>
+                  <a:noFill/>
+                  <a:ln w="19050">
+                    <a:solidFill>
+                      <a:srgbClr val="FF0000"/>
+                    </a:solidFill>
+                  </a:ln>
+                </p:spPr>
+                <p:style>
+                  <a:lnRef idx="2">
+                    <a:schemeClr val="accent1">
+                      <a:shade val="15000"/>
+                    </a:schemeClr>
+                  </a:lnRef>
+                  <a:fillRef idx="1">
+                    <a:schemeClr val="accent1"/>
+                  </a:fillRef>
+                  <a:effectRef idx="0">
+                    <a:schemeClr val="accent1"/>
+                  </a:effectRef>
+                  <a:fontRef idx="minor">
+                    <a:schemeClr val="lt1"/>
+                  </a:fontRef>
+                </p:style>
+                <p:txBody>
+                  <a:bodyPr rtlCol="0" anchor="ctr"/>
+                  <a:lstStyle/>
+                  <a:p>
+                    <a:pPr algn="ctr"/>
+                    <a:endParaRPr lang="en-PH" sz="2492"/>
+                  </a:p>
+                </p:txBody>
+              </p:sp>
+            </p:grpSp>
           </p:grpSp>
-          <p:sp>
-            <p:nvSpPr>
-              <p:cNvPr id="67" name="TextBox 66">
+          <p:grpSp>
+            <p:nvGrpSpPr>
+              <p:cNvPr id="29" name="Group 28">
                 <a:extLst>
                   <a:ext uri="{FF2B5EF4-FFF2-40B4-BE49-F238E27FC236}">
-                    <a16:creationId xmlns:a16="http://schemas.microsoft.com/office/drawing/2014/main" id="{69EA5A84-C0F3-D0A4-83EB-067B64218B45}"/>
-                  </a:ext>
-                </a:extLst>
-              </p:cNvPr>
-              <p:cNvSpPr txBox="1"/>
-              <p:nvPr/>
-            </p:nvSpPr>
-            <p:spPr>
-              <a:xfrm>
-                <a:off x="546921" y="706668"/>
-                <a:ext cx="314510" cy="307777"/>
-              </a:xfrm>
-              <a:prstGeom prst="rect">
-                <a:avLst/>
-              </a:prstGeom>
-              <a:noFill/>
-            </p:spPr>
-            <p:txBody>
-              <a:bodyPr wrap="none" rtlCol="0">
-                <a:spAutoFit/>
-              </a:bodyPr>
-              <a:lstStyle/>
-              <a:p>
-                <a:r>
-                  <a:rPr lang="en-PH" sz="1400" b="1" dirty="0">
-                    <a:latin typeface="Arial" panose="020B0604020202020204" pitchFamily="34" charset="0"/>
-                    <a:cs typeface="Arial" panose="020B0604020202020204" pitchFamily="34" charset="0"/>
-                  </a:rPr>
-                  <a:t>D</a:t>
-                </a:r>
-              </a:p>
-            </p:txBody>
-          </p:sp>
-        </p:grpSp>
-        <p:grpSp>
-          <p:nvGrpSpPr>
-            <p:cNvPr id="4" name="Group 3">
-              <a:extLst>
-                <a:ext uri="{FF2B5EF4-FFF2-40B4-BE49-F238E27FC236}">
-                  <a16:creationId xmlns:a16="http://schemas.microsoft.com/office/drawing/2014/main" id="{375DA50A-4564-494B-3450-520FB6359E12}"/>
-                </a:ext>
-              </a:extLst>
-            </p:cNvPr>
-            <p:cNvGrpSpPr/>
-            <p:nvPr/>
-          </p:nvGrpSpPr>
-          <p:grpSpPr>
-            <a:xfrm>
-              <a:off x="546921" y="3184507"/>
-              <a:ext cx="5849856" cy="942623"/>
-              <a:chOff x="546921" y="3184507"/>
-              <a:chExt cx="5849856" cy="942623"/>
-            </a:xfrm>
-          </p:grpSpPr>
-          <p:grpSp>
-            <p:nvGrpSpPr>
-              <p:cNvPr id="20" name="Group 19">
-                <a:extLst>
-                  <a:ext uri="{FF2B5EF4-FFF2-40B4-BE49-F238E27FC236}">
-                    <a16:creationId xmlns:a16="http://schemas.microsoft.com/office/drawing/2014/main" id="{1B9128D7-23F4-27D3-C4FC-FE87370DFFC1}"/>
+                    <a16:creationId xmlns:a16="http://schemas.microsoft.com/office/drawing/2014/main" id="{740EF613-A4C4-0D7E-716A-0300F1F9181B}"/>
                   </a:ext>
                 </a:extLst>
               </p:cNvPr>
@@ -3918,213 +5103,162 @@
             </p:nvGrpSpPr>
             <p:grpSpPr>
               <a:xfrm>
-                <a:off x="729009" y="3338395"/>
-                <a:ext cx="5667768" cy="788735"/>
-                <a:chOff x="87007" y="5381526"/>
-                <a:chExt cx="3871161" cy="489742"/>
+                <a:off x="444783" y="3252739"/>
+                <a:ext cx="5358668" cy="980168"/>
+                <a:chOff x="444783" y="3715564"/>
+                <a:chExt cx="5358668" cy="980168"/>
               </a:xfrm>
             </p:grpSpPr>
-            <p:pic>
-              <p:nvPicPr>
-                <p:cNvPr id="18" name="Picture 17">
+            <p:grpSp>
+              <p:nvGrpSpPr>
+                <p:cNvPr id="36" name="Group 35">
                   <a:extLst>
                     <a:ext uri="{FF2B5EF4-FFF2-40B4-BE49-F238E27FC236}">
-                      <a16:creationId xmlns:a16="http://schemas.microsoft.com/office/drawing/2014/main" id="{A55B7357-46D3-5D11-1383-6FAC4F9A1C6E}"/>
+                      <a16:creationId xmlns:a16="http://schemas.microsoft.com/office/drawing/2014/main" id="{70043060-924B-F2B8-C14F-D8EB6748442C}"/>
                     </a:ext>
                   </a:extLst>
                 </p:cNvPr>
-                <p:cNvPicPr>
-                  <a:picLocks noChangeAspect="1"/>
-                </p:cNvPicPr>
+                <p:cNvGrpSpPr/>
                 <p:nvPr/>
-              </p:nvPicPr>
-              <p:blipFill>
-                <a:blip r:embed="rId3"/>
-                <a:stretch>
-                  <a:fillRect/>
-                </a:stretch>
-              </p:blipFill>
+              </p:nvGrpSpPr>
+              <p:grpSpPr>
+                <a:xfrm>
+                  <a:off x="650934" y="3774761"/>
+                  <a:ext cx="5152517" cy="920971"/>
+                  <a:chOff x="1102406" y="2474511"/>
+                  <a:chExt cx="3199307" cy="571850"/>
+                </a:xfrm>
+              </p:grpSpPr>
+              <p:pic>
+                <p:nvPicPr>
+                  <p:cNvPr id="38" name="Picture 37">
+                    <a:extLst>
+                      <a:ext uri="{FF2B5EF4-FFF2-40B4-BE49-F238E27FC236}">
+                        <a16:creationId xmlns:a16="http://schemas.microsoft.com/office/drawing/2014/main" id="{1803E989-B8D2-9D98-3098-26FD84E5902B}"/>
+                      </a:ext>
+                    </a:extLst>
+                  </p:cNvPr>
+                  <p:cNvPicPr>
+                    <a:picLocks noChangeAspect="1"/>
+                  </p:cNvPicPr>
+                  <p:nvPr/>
+                </p:nvPicPr>
+                <p:blipFill>
+                  <a:blip r:embed="rId7"/>
+                  <a:stretch>
+                    <a:fillRect/>
+                  </a:stretch>
+                </p:blipFill>
+                <p:spPr>
+                  <a:xfrm>
+                    <a:off x="1102406" y="2502454"/>
+                    <a:ext cx="3199307" cy="543907"/>
+                  </a:xfrm>
+                  <a:prstGeom prst="rect">
+                    <a:avLst/>
+                  </a:prstGeom>
+                </p:spPr>
+              </p:pic>
+              <p:sp>
+                <p:nvSpPr>
+                  <p:cNvPr id="39" name="Rectangle: Rounded Corners 38">
+                    <a:extLst>
+                      <a:ext uri="{FF2B5EF4-FFF2-40B4-BE49-F238E27FC236}">
+                        <a16:creationId xmlns:a16="http://schemas.microsoft.com/office/drawing/2014/main" id="{5B169E44-E4AA-373F-6F1E-04B9094FEF68}"/>
+                      </a:ext>
+                    </a:extLst>
+                  </p:cNvPr>
+                  <p:cNvSpPr/>
+                  <p:nvPr/>
+                </p:nvSpPr>
+                <p:spPr>
+                  <a:xfrm>
+                    <a:off x="1769045" y="2474511"/>
+                    <a:ext cx="2532668" cy="356669"/>
+                  </a:xfrm>
+                  <a:prstGeom prst="roundRect">
+                    <a:avLst>
+                      <a:gd name="adj" fmla="val 21733"/>
+                    </a:avLst>
+                  </a:prstGeom>
+                  <a:noFill/>
+                  <a:ln w="19050">
+                    <a:solidFill>
+                      <a:srgbClr val="FF0000"/>
+                    </a:solidFill>
+                  </a:ln>
+                </p:spPr>
+                <p:style>
+                  <a:lnRef idx="2">
+                    <a:schemeClr val="accent1">
+                      <a:shade val="15000"/>
+                    </a:schemeClr>
+                  </a:lnRef>
+                  <a:fillRef idx="1">
+                    <a:schemeClr val="accent1"/>
+                  </a:fillRef>
+                  <a:effectRef idx="0">
+                    <a:schemeClr val="accent1"/>
+                  </a:effectRef>
+                  <a:fontRef idx="minor">
+                    <a:schemeClr val="lt1"/>
+                  </a:fontRef>
+                </p:style>
+                <p:txBody>
+                  <a:bodyPr rtlCol="0" anchor="ctr"/>
+                  <a:lstStyle/>
+                  <a:p>
+                    <a:pPr algn="ctr"/>
+                    <a:endParaRPr lang="en-PH" sz="2492"/>
+                  </a:p>
+                </p:txBody>
+              </p:sp>
+            </p:grpSp>
+            <p:sp>
+              <p:nvSpPr>
+                <p:cNvPr id="37" name="TextBox 36">
+                  <a:extLst>
+                    <a:ext uri="{FF2B5EF4-FFF2-40B4-BE49-F238E27FC236}">
+                      <a16:creationId xmlns:a16="http://schemas.microsoft.com/office/drawing/2014/main" id="{1FB924D1-135E-4DE9-ED96-7F7F855A950C}"/>
+                    </a:ext>
+                  </a:extLst>
+                </p:cNvPr>
+                <p:cNvSpPr txBox="1"/>
+                <p:nvPr/>
+              </p:nvSpPr>
               <p:spPr>
                 <a:xfrm>
-                  <a:off x="87007" y="5381526"/>
-                  <a:ext cx="3871161" cy="489742"/>
+                  <a:off x="444783" y="3715564"/>
+                  <a:ext cx="243354" cy="282068"/>
                 </a:xfrm>
                 <a:prstGeom prst="rect">
                   <a:avLst/>
                 </a:prstGeom>
+                <a:noFill/>
               </p:spPr>
-            </p:pic>
-            <p:sp>
-              <p:nvSpPr>
-                <p:cNvPr id="62" name="Rectangle: Rounded Corners 61">
-                  <a:extLst>
-                    <a:ext uri="{FF2B5EF4-FFF2-40B4-BE49-F238E27FC236}">
-                      <a16:creationId xmlns:a16="http://schemas.microsoft.com/office/drawing/2014/main" id="{7B6A1FA5-73D7-5097-82C9-B86879B78489}"/>
-                    </a:ext>
-                  </a:extLst>
-                </p:cNvPr>
-                <p:cNvSpPr/>
-                <p:nvPr/>
-              </p:nvSpPr>
-              <p:spPr>
-                <a:xfrm>
-                  <a:off x="1075572" y="5381526"/>
-                  <a:ext cx="2526148" cy="249654"/>
-                </a:xfrm>
-                <a:prstGeom prst="roundRect">
-                  <a:avLst>
-                    <a:gd name="adj" fmla="val 31802"/>
-                  </a:avLst>
-                </a:prstGeom>
-                <a:noFill/>
-                <a:ln w="19050">
-                  <a:solidFill>
-                    <a:srgbClr val="FF0000"/>
-                  </a:solidFill>
-                </a:ln>
-              </p:spPr>
-              <p:style>
-                <a:lnRef idx="2">
-                  <a:schemeClr val="accent1">
-                    <a:shade val="15000"/>
-                  </a:schemeClr>
-                </a:lnRef>
-                <a:fillRef idx="1">
-                  <a:schemeClr val="accent1"/>
-                </a:fillRef>
-                <a:effectRef idx="0">
-                  <a:schemeClr val="accent1"/>
-                </a:effectRef>
-                <a:fontRef idx="minor">
-                  <a:schemeClr val="lt1"/>
-                </a:fontRef>
-              </p:style>
               <p:txBody>
-                <a:bodyPr rtlCol="0" anchor="ctr"/>
+                <a:bodyPr wrap="none" rtlCol="0">
+                  <a:spAutoFit/>
+                </a:bodyPr>
                 <a:lstStyle/>
                 <a:p>
-                  <a:pPr algn="ctr"/>
-                  <a:endParaRPr lang="en-PH"/>
+                  <a:r>
+                    <a:rPr lang="en-PH" sz="1938" b="1" dirty="0">
+                      <a:latin typeface="Arial" panose="020B0604020202020204" pitchFamily="34" charset="0"/>
+                      <a:cs typeface="Arial" panose="020B0604020202020204" pitchFamily="34" charset="0"/>
+                    </a:rPr>
+                    <a:t>F</a:t>
+                  </a:r>
                 </a:p>
               </p:txBody>
             </p:sp>
           </p:grpSp>
-          <p:sp>
-            <p:nvSpPr>
-              <p:cNvPr id="68" name="TextBox 67">
+          <p:grpSp>
+            <p:nvGrpSpPr>
+              <p:cNvPr id="30" name="Group 29">
                 <a:extLst>
                   <a:ext uri="{FF2B5EF4-FFF2-40B4-BE49-F238E27FC236}">
-                    <a16:creationId xmlns:a16="http://schemas.microsoft.com/office/drawing/2014/main" id="{BF5F77F3-EA15-CB9E-F8E1-C4F993E5B128}"/>
-                  </a:ext>
-                </a:extLst>
-              </p:cNvPr>
-              <p:cNvSpPr txBox="1"/>
-              <p:nvPr/>
-            </p:nvSpPr>
-            <p:spPr>
-              <a:xfrm>
-                <a:off x="546921" y="3184507"/>
-                <a:ext cx="314510" cy="307777"/>
-              </a:xfrm>
-              <a:prstGeom prst="rect">
-                <a:avLst/>
-              </a:prstGeom>
-              <a:noFill/>
-            </p:spPr>
-            <p:txBody>
-              <a:bodyPr wrap="none" rtlCol="0">
-                <a:spAutoFit/>
-              </a:bodyPr>
-              <a:lstStyle/>
-              <a:p>
-                <a:r>
-                  <a:rPr lang="en-PH" sz="1400" b="1" dirty="0">
-                    <a:latin typeface="Arial" panose="020B0604020202020204" pitchFamily="34" charset="0"/>
-                    <a:cs typeface="Arial" panose="020B0604020202020204" pitchFamily="34" charset="0"/>
-                  </a:rPr>
-                  <a:t>E</a:t>
-                </a:r>
-              </a:p>
-            </p:txBody>
-          </p:sp>
-        </p:grpSp>
-      </p:grpSp>
-    </p:spTree>
-    <p:extLst>
-      <p:ext uri="{BB962C8B-B14F-4D97-AF65-F5344CB8AC3E}">
-        <p14:creationId xmlns:p14="http://schemas.microsoft.com/office/powerpoint/2010/main" val="1730810239"/>
-      </p:ext>
-    </p:extLst>
-  </p:cSld>
-  <p:clrMapOvr>
-    <a:masterClrMapping/>
-  </p:clrMapOvr>
-</p:sld>
-</file>
-
-<file path=ppt/slides/slide3.xml><?xml version="1.0" encoding="utf-8"?>
-<p:sld xmlns:a="http://schemas.openxmlformats.org/drawingml/2006/main" xmlns:r="http://schemas.openxmlformats.org/officeDocument/2006/relationships" xmlns:p="http://schemas.openxmlformats.org/presentationml/2006/main">
-  <p:cSld>
-    <p:spTree>
-      <p:nvGrpSpPr>
-        <p:cNvPr id="1" name=""/>
-        <p:cNvGrpSpPr/>
-        <p:nvPr/>
-      </p:nvGrpSpPr>
-      <p:grpSpPr>
-        <a:xfrm>
-          <a:off x="0" y="0"/>
-          <a:ext cx="0" cy="0"/>
-          <a:chOff x="0" y="0"/>
-          <a:chExt cx="0" cy="0"/>
-        </a:xfrm>
-      </p:grpSpPr>
-      <p:grpSp>
-        <p:nvGrpSpPr>
-          <p:cNvPr id="63" name="Group 62">
-            <a:extLst>
-              <a:ext uri="{FF2B5EF4-FFF2-40B4-BE49-F238E27FC236}">
-                <a16:creationId xmlns:a16="http://schemas.microsoft.com/office/drawing/2014/main" id="{35156874-3D06-355E-8FC3-DF0700BAC7BC}"/>
-              </a:ext>
-            </a:extLst>
-          </p:cNvPr>
-          <p:cNvGrpSpPr/>
-          <p:nvPr/>
-        </p:nvGrpSpPr>
-        <p:grpSpPr>
-          <a:xfrm>
-            <a:off x="434363" y="149169"/>
-            <a:ext cx="5828520" cy="7440096"/>
-            <a:chOff x="434363" y="149169"/>
-            <a:chExt cx="5828520" cy="7440096"/>
-          </a:xfrm>
-        </p:grpSpPr>
-        <p:grpSp>
-          <p:nvGrpSpPr>
-            <p:cNvPr id="8" name="Group 7">
-              <a:extLst>
-                <a:ext uri="{FF2B5EF4-FFF2-40B4-BE49-F238E27FC236}">
-                  <a16:creationId xmlns:a16="http://schemas.microsoft.com/office/drawing/2014/main" id="{321FDACD-6754-2FB8-7325-639A5B2A301D}"/>
-                </a:ext>
-              </a:extLst>
-            </p:cNvPr>
-            <p:cNvGrpSpPr/>
-            <p:nvPr/>
-          </p:nvGrpSpPr>
-          <p:grpSpPr>
-            <a:xfrm>
-              <a:off x="434363" y="149169"/>
-              <a:ext cx="5828520" cy="4024401"/>
-              <a:chOff x="434363" y="149169"/>
-              <a:chExt cx="5828520" cy="4024401"/>
-            </a:xfrm>
-          </p:grpSpPr>
-          <p:grpSp>
-            <p:nvGrpSpPr>
-              <p:cNvPr id="31" name="Group 30">
-                <a:extLst>
-                  <a:ext uri="{FF2B5EF4-FFF2-40B4-BE49-F238E27FC236}">
-                    <a16:creationId xmlns:a16="http://schemas.microsoft.com/office/drawing/2014/main" id="{5B3E0114-5F07-8E79-D770-0768A326C012}"/>
+                    <a16:creationId xmlns:a16="http://schemas.microsoft.com/office/drawing/2014/main" id="{F426EEC0-E5A5-D0FB-820C-8CB7A0914683}"/>
                   </a:ext>
                 </a:extLst>
               </p:cNvPr>
@@ -4133,1401 +5267,216 @@
             </p:nvGrpSpPr>
             <p:grpSpPr>
               <a:xfrm>
-                <a:off x="595115" y="378336"/>
-                <a:ext cx="5667768" cy="3795234"/>
-                <a:chOff x="1247173" y="149169"/>
-                <a:chExt cx="4258277" cy="2851415"/>
+                <a:off x="443593" y="4514536"/>
+                <a:ext cx="5447377" cy="794708"/>
+                <a:chOff x="443593" y="5416367"/>
+                <a:chExt cx="5447377" cy="794708"/>
               </a:xfrm>
             </p:grpSpPr>
-            <p:pic>
-              <p:nvPicPr>
-                <p:cNvPr id="9" name="Picture 8">
+            <p:sp>
+              <p:nvSpPr>
+                <p:cNvPr id="31" name="TextBox 30">
                   <a:extLst>
                     <a:ext uri="{FF2B5EF4-FFF2-40B4-BE49-F238E27FC236}">
-                      <a16:creationId xmlns:a16="http://schemas.microsoft.com/office/drawing/2014/main" id="{FECA91A8-F62B-8056-4022-B0323829BEA4}"/>
+                      <a16:creationId xmlns:a16="http://schemas.microsoft.com/office/drawing/2014/main" id="{3C1168E4-F8C2-F6FC-B550-98F8466FC705}"/>
                     </a:ext>
                   </a:extLst>
                 </p:cNvPr>
-                <p:cNvPicPr>
-                  <a:picLocks noChangeAspect="1"/>
-                </p:cNvPicPr>
+                <p:cNvSpPr txBox="1"/>
                 <p:nvPr/>
-              </p:nvPicPr>
-              <p:blipFill>
-                <a:blip r:embed="rId2"/>
-                <a:stretch>
-                  <a:fillRect/>
-                </a:stretch>
-              </p:blipFill>
+              </p:nvSpPr>
               <p:spPr>
                 <a:xfrm>
-                  <a:off x="1247173" y="149169"/>
-                  <a:ext cx="4258277" cy="2851415"/>
+                  <a:off x="443593" y="5416367"/>
+                  <a:ext cx="273455" cy="282068"/>
                 </a:xfrm>
                 <a:prstGeom prst="rect">
                   <a:avLst/>
                 </a:prstGeom>
+                <a:noFill/>
               </p:spPr>
-            </p:pic>
-            <p:sp>
-              <p:nvSpPr>
-                <p:cNvPr id="23" name="Rectangle: Rounded Corners 22">
+              <p:txBody>
+                <a:bodyPr wrap="none" rtlCol="0">
+                  <a:spAutoFit/>
+                </a:bodyPr>
+                <a:lstStyle/>
+                <a:p>
+                  <a:r>
+                    <a:rPr lang="en-PH" sz="1938" b="1" dirty="0">
+                      <a:latin typeface="Arial" panose="020B0604020202020204" pitchFamily="34" charset="0"/>
+                      <a:cs typeface="Arial" panose="020B0604020202020204" pitchFamily="34" charset="0"/>
+                    </a:rPr>
+                    <a:t>G</a:t>
+                  </a:r>
+                </a:p>
+              </p:txBody>
+            </p:sp>
+            <p:grpSp>
+              <p:nvGrpSpPr>
+                <p:cNvPr id="32" name="Group 31">
                   <a:extLst>
                     <a:ext uri="{FF2B5EF4-FFF2-40B4-BE49-F238E27FC236}">
-                      <a16:creationId xmlns:a16="http://schemas.microsoft.com/office/drawing/2014/main" id="{3E1AB6A6-AD15-6A7C-B4D3-A4E11DCEC5CC}"/>
+                      <a16:creationId xmlns:a16="http://schemas.microsoft.com/office/drawing/2014/main" id="{D650D85A-967D-47C4-B469-B6251DB788F0}"/>
                     </a:ext>
                   </a:extLst>
                 </p:cNvPr>
-                <p:cNvSpPr/>
+                <p:cNvGrpSpPr/>
                 <p:nvPr/>
-              </p:nvSpPr>
-              <p:spPr>
+              </p:nvGrpSpPr>
+              <p:grpSpPr>
                 <a:xfrm>
-                  <a:off x="2066905" y="879733"/>
-                  <a:ext cx="3038495" cy="110867"/>
+                  <a:off x="738453" y="5564088"/>
+                  <a:ext cx="5152517" cy="646987"/>
+                  <a:chOff x="3929483" y="8047815"/>
+                  <a:chExt cx="3199307" cy="401728"/>
                 </a:xfrm>
-                <a:prstGeom prst="roundRect">
-                  <a:avLst>
-                    <a:gd name="adj" fmla="val 21733"/>
-                  </a:avLst>
-                </a:prstGeom>
-                <a:noFill/>
-                <a:ln w="19050">
-                  <a:solidFill>
-                    <a:srgbClr val="FF0000"/>
-                  </a:solidFill>
-                </a:ln>
-              </p:spPr>
-              <p:style>
-                <a:lnRef idx="2">
-                  <a:schemeClr val="accent1">
-                    <a:shade val="15000"/>
-                  </a:schemeClr>
-                </a:lnRef>
-                <a:fillRef idx="1">
-                  <a:schemeClr val="accent1"/>
-                </a:fillRef>
-                <a:effectRef idx="0">
-                  <a:schemeClr val="accent1"/>
-                </a:effectRef>
-                <a:fontRef idx="minor">
-                  <a:schemeClr val="lt1"/>
-                </a:fontRef>
-              </p:style>
-              <p:txBody>
-                <a:bodyPr rtlCol="0" anchor="ctr"/>
-                <a:lstStyle/>
-                <a:p>
-                  <a:pPr algn="ctr"/>
-                  <a:endParaRPr lang="en-PH"/>
-                </a:p>
-              </p:txBody>
-            </p:sp>
-            <p:sp>
-              <p:nvSpPr>
-                <p:cNvPr id="24" name="Rectangle: Rounded Corners 23">
-                  <a:extLst>
-                    <a:ext uri="{FF2B5EF4-FFF2-40B4-BE49-F238E27FC236}">
-                      <a16:creationId xmlns:a16="http://schemas.microsoft.com/office/drawing/2014/main" id="{E54A092E-100C-F899-CC82-2630F669054C}"/>
-                    </a:ext>
-                  </a:extLst>
-                </p:cNvPr>
-                <p:cNvSpPr/>
-                <p:nvPr/>
-              </p:nvSpPr>
-              <p:spPr>
-                <a:xfrm>
-                  <a:off x="2375515" y="2750144"/>
-                  <a:ext cx="3129935" cy="110867"/>
-                </a:xfrm>
-                <a:prstGeom prst="roundRect">
-                  <a:avLst>
-                    <a:gd name="adj" fmla="val 21733"/>
-                  </a:avLst>
-                </a:prstGeom>
-                <a:noFill/>
-                <a:ln w="19050">
-                  <a:solidFill>
-                    <a:srgbClr val="FF0000"/>
-                  </a:solidFill>
-                </a:ln>
-              </p:spPr>
-              <p:style>
-                <a:lnRef idx="2">
-                  <a:schemeClr val="accent1">
-                    <a:shade val="15000"/>
-                  </a:schemeClr>
-                </a:lnRef>
-                <a:fillRef idx="1">
-                  <a:schemeClr val="accent1"/>
-                </a:fillRef>
-                <a:effectRef idx="0">
-                  <a:schemeClr val="accent1"/>
-                </a:effectRef>
-                <a:fontRef idx="minor">
-                  <a:schemeClr val="lt1"/>
-                </a:fontRef>
-              </p:style>
-              <p:txBody>
-                <a:bodyPr rtlCol="0" anchor="ctr"/>
-                <a:lstStyle/>
-                <a:p>
-                  <a:pPr algn="ctr"/>
-                  <a:endParaRPr lang="en-PH"/>
-                </a:p>
-              </p:txBody>
-            </p:sp>
-          </p:grpSp>
-          <p:sp>
-            <p:nvSpPr>
-              <p:cNvPr id="15" name="TextBox 14">
-                <a:extLst>
-                  <a:ext uri="{FF2B5EF4-FFF2-40B4-BE49-F238E27FC236}">
-                    <a16:creationId xmlns:a16="http://schemas.microsoft.com/office/drawing/2014/main" id="{E18B49D1-37F6-8FD3-47B2-2C13F06BE6AA}"/>
-                  </a:ext>
-                </a:extLst>
-              </p:cNvPr>
-              <p:cNvSpPr txBox="1"/>
-              <p:nvPr/>
-            </p:nvSpPr>
-            <p:spPr>
-              <a:xfrm>
-                <a:off x="434363" y="149169"/>
-                <a:ext cx="314510" cy="307777"/>
-              </a:xfrm>
-              <a:prstGeom prst="rect">
-                <a:avLst/>
-              </a:prstGeom>
-              <a:noFill/>
-            </p:spPr>
-            <p:txBody>
-              <a:bodyPr wrap="none" rtlCol="0">
-                <a:spAutoFit/>
-              </a:bodyPr>
-              <a:lstStyle/>
-              <a:p>
-                <a:r>
-                  <a:rPr lang="en-PH" sz="1400" b="1" dirty="0">
-                    <a:latin typeface="Arial" panose="020B0604020202020204" pitchFamily="34" charset="0"/>
-                    <a:cs typeface="Arial" panose="020B0604020202020204" pitchFamily="34" charset="0"/>
-                  </a:rPr>
-                  <a:t>A</a:t>
-                </a:r>
-              </a:p>
-            </p:txBody>
-          </p:sp>
-        </p:grpSp>
-        <p:grpSp>
-          <p:nvGrpSpPr>
-            <p:cNvPr id="22" name="Group 21">
-              <a:extLst>
-                <a:ext uri="{FF2B5EF4-FFF2-40B4-BE49-F238E27FC236}">
-                  <a16:creationId xmlns:a16="http://schemas.microsoft.com/office/drawing/2014/main" id="{A94C3D00-C79F-813B-0EBA-AC75E660ED7A}"/>
-                </a:ext>
-              </a:extLst>
-            </p:cNvPr>
-            <p:cNvGrpSpPr/>
-            <p:nvPr/>
-          </p:nvGrpSpPr>
-          <p:grpSpPr>
-            <a:xfrm>
-              <a:off x="434363" y="4296671"/>
-              <a:ext cx="5828520" cy="2581360"/>
-              <a:chOff x="434363" y="4828514"/>
-              <a:chExt cx="5828520" cy="2581360"/>
-            </a:xfrm>
-          </p:grpSpPr>
-          <p:grpSp>
-            <p:nvGrpSpPr>
-              <p:cNvPr id="21" name="Group 20">
-                <a:extLst>
-                  <a:ext uri="{FF2B5EF4-FFF2-40B4-BE49-F238E27FC236}">
-                    <a16:creationId xmlns:a16="http://schemas.microsoft.com/office/drawing/2014/main" id="{D79A4680-062C-9AE7-3E3E-F1E3EB4FF138}"/>
-                  </a:ext>
-                </a:extLst>
-              </p:cNvPr>
-              <p:cNvGrpSpPr/>
-              <p:nvPr/>
-            </p:nvGrpSpPr>
-            <p:grpSpPr>
-              <a:xfrm>
-                <a:off x="595115" y="4828514"/>
-                <a:ext cx="5667768" cy="2581360"/>
-                <a:chOff x="1493417" y="3159328"/>
-                <a:chExt cx="3871161" cy="1763104"/>
-              </a:xfrm>
-            </p:grpSpPr>
-            <p:pic>
-              <p:nvPicPr>
-                <p:cNvPr id="12" name="Picture 11">
-                  <a:extLst>
-                    <a:ext uri="{FF2B5EF4-FFF2-40B4-BE49-F238E27FC236}">
-                      <a16:creationId xmlns:a16="http://schemas.microsoft.com/office/drawing/2014/main" id="{C49CB28D-7301-027B-F72E-2E438F28A0B9}"/>
-                    </a:ext>
-                  </a:extLst>
-                </p:cNvPr>
-                <p:cNvPicPr>
-                  <a:picLocks noChangeAspect="1"/>
-                </p:cNvPicPr>
-                <p:nvPr/>
-              </p:nvPicPr>
-              <p:blipFill>
-                <a:blip r:embed="rId3"/>
-                <a:stretch>
-                  <a:fillRect/>
-                </a:stretch>
-              </p:blipFill>
-              <p:spPr>
-                <a:xfrm>
-                  <a:off x="1493417" y="3159328"/>
-                  <a:ext cx="3871161" cy="1763104"/>
-                </a:xfrm>
-                <a:prstGeom prst="rect">
-                  <a:avLst/>
-                </a:prstGeom>
-              </p:spPr>
-            </p:pic>
-            <p:sp>
-              <p:nvSpPr>
-                <p:cNvPr id="25" name="Rectangle: Rounded Corners 24">
-                  <a:extLst>
-                    <a:ext uri="{FF2B5EF4-FFF2-40B4-BE49-F238E27FC236}">
-                      <a16:creationId xmlns:a16="http://schemas.microsoft.com/office/drawing/2014/main" id="{4456CAB2-3EFA-FE36-171F-5A25FAA4D30F}"/>
-                    </a:ext>
-                  </a:extLst>
-                </p:cNvPr>
-                <p:cNvSpPr/>
-                <p:nvPr/>
-              </p:nvSpPr>
-              <p:spPr>
-                <a:xfrm>
-                  <a:off x="1826875" y="3328881"/>
-                  <a:ext cx="3053736" cy="402267"/>
-                </a:xfrm>
-                <a:prstGeom prst="roundRect">
-                  <a:avLst>
-                    <a:gd name="adj" fmla="val 21733"/>
-                  </a:avLst>
-                </a:prstGeom>
-                <a:noFill/>
-                <a:ln w="19050">
-                  <a:solidFill>
-                    <a:srgbClr val="FF0000"/>
-                  </a:solidFill>
-                </a:ln>
-              </p:spPr>
-              <p:style>
-                <a:lnRef idx="2">
-                  <a:schemeClr val="accent1">
-                    <a:shade val="15000"/>
-                  </a:schemeClr>
-                </a:lnRef>
-                <a:fillRef idx="1">
-                  <a:schemeClr val="accent1"/>
-                </a:fillRef>
-                <a:effectRef idx="0">
-                  <a:schemeClr val="accent1"/>
-                </a:effectRef>
-                <a:fontRef idx="minor">
-                  <a:schemeClr val="lt1"/>
-                </a:fontRef>
-              </p:style>
-              <p:txBody>
-                <a:bodyPr rtlCol="0" anchor="ctr"/>
-                <a:lstStyle/>
-                <a:p>
-                  <a:pPr algn="ctr"/>
-                  <a:endParaRPr lang="en-PH"/>
-                </a:p>
-              </p:txBody>
-            </p:sp>
-            <p:sp>
-              <p:nvSpPr>
-                <p:cNvPr id="26" name="Rectangle: Rounded Corners 25">
-                  <a:extLst>
-                    <a:ext uri="{FF2B5EF4-FFF2-40B4-BE49-F238E27FC236}">
-                      <a16:creationId xmlns:a16="http://schemas.microsoft.com/office/drawing/2014/main" id="{85996D98-C097-3A95-382C-65CE72F2D86F}"/>
-                    </a:ext>
-                  </a:extLst>
-                </p:cNvPr>
-                <p:cNvSpPr/>
-                <p:nvPr/>
-              </p:nvSpPr>
-              <p:spPr>
-                <a:xfrm>
-                  <a:off x="1826874" y="4054000"/>
-                  <a:ext cx="3232806" cy="114511"/>
-                </a:xfrm>
-                <a:prstGeom prst="roundRect">
-                  <a:avLst>
-                    <a:gd name="adj" fmla="val 21733"/>
-                  </a:avLst>
-                </a:prstGeom>
-                <a:noFill/>
-                <a:ln w="19050">
-                  <a:solidFill>
-                    <a:srgbClr val="FF0000"/>
-                  </a:solidFill>
-                </a:ln>
-              </p:spPr>
-              <p:style>
-                <a:lnRef idx="2">
-                  <a:schemeClr val="accent1">
-                    <a:shade val="15000"/>
-                  </a:schemeClr>
-                </a:lnRef>
-                <a:fillRef idx="1">
-                  <a:schemeClr val="accent1"/>
-                </a:fillRef>
-                <a:effectRef idx="0">
-                  <a:schemeClr val="accent1"/>
-                </a:effectRef>
-                <a:fontRef idx="minor">
-                  <a:schemeClr val="lt1"/>
-                </a:fontRef>
-              </p:style>
-              <p:txBody>
-                <a:bodyPr rtlCol="0" anchor="ctr"/>
-                <a:lstStyle/>
-                <a:p>
-                  <a:pPr algn="ctr"/>
-                  <a:endParaRPr lang="en-PH"/>
-                </a:p>
-              </p:txBody>
-            </p:sp>
-          </p:grpSp>
-          <p:sp>
-            <p:nvSpPr>
-              <p:cNvPr id="14" name="TextBox 13">
-                <a:extLst>
-                  <a:ext uri="{FF2B5EF4-FFF2-40B4-BE49-F238E27FC236}">
-                    <a16:creationId xmlns:a16="http://schemas.microsoft.com/office/drawing/2014/main" id="{858677D0-3543-7CDE-DA3E-E39C31A9C31D}"/>
-                  </a:ext>
-                </a:extLst>
-              </p:cNvPr>
-              <p:cNvSpPr txBox="1"/>
-              <p:nvPr/>
-            </p:nvSpPr>
-            <p:spPr>
-              <a:xfrm>
-                <a:off x="434363" y="4828514"/>
-                <a:ext cx="314510" cy="307777"/>
-              </a:xfrm>
-              <a:prstGeom prst="rect">
-                <a:avLst/>
-              </a:prstGeom>
-              <a:noFill/>
-            </p:spPr>
-            <p:txBody>
-              <a:bodyPr wrap="none" rtlCol="0">
-                <a:spAutoFit/>
-              </a:bodyPr>
-              <a:lstStyle/>
-              <a:p>
-                <a:r>
-                  <a:rPr lang="en-PH" sz="1400" b="1" dirty="0">
-                    <a:latin typeface="Arial" panose="020B0604020202020204" pitchFamily="34" charset="0"/>
-                    <a:cs typeface="Arial" panose="020B0604020202020204" pitchFamily="34" charset="0"/>
-                  </a:rPr>
-                  <a:t>B</a:t>
-                </a:r>
-              </a:p>
-            </p:txBody>
-          </p:sp>
-        </p:grpSp>
-        <p:grpSp>
-          <p:nvGrpSpPr>
-            <p:cNvPr id="2" name="Group 1">
-              <a:extLst>
-                <a:ext uri="{FF2B5EF4-FFF2-40B4-BE49-F238E27FC236}">
-                  <a16:creationId xmlns:a16="http://schemas.microsoft.com/office/drawing/2014/main" id="{7EC18D72-5E03-289C-AF59-0EEB00B6C8C9}"/>
-                </a:ext>
-              </a:extLst>
-            </p:cNvPr>
-            <p:cNvGrpSpPr/>
-            <p:nvPr/>
-          </p:nvGrpSpPr>
-          <p:grpSpPr>
-            <a:xfrm>
-              <a:off x="437858" y="7001131"/>
-              <a:ext cx="5825023" cy="588134"/>
-              <a:chOff x="437858" y="5054198"/>
-              <a:chExt cx="5825023" cy="588134"/>
-            </a:xfrm>
-          </p:grpSpPr>
-          <p:pic>
-            <p:nvPicPr>
-              <p:cNvPr id="3" name="Picture 2">
-                <a:extLst>
-                  <a:ext uri="{FF2B5EF4-FFF2-40B4-BE49-F238E27FC236}">
-                    <a16:creationId xmlns:a16="http://schemas.microsoft.com/office/drawing/2014/main" id="{4126C53A-C772-25D3-491C-F14BD16C13BE}"/>
-                  </a:ext>
-                </a:extLst>
-              </p:cNvPr>
-              <p:cNvPicPr>
-                <a:picLocks noChangeAspect="1"/>
-              </p:cNvPicPr>
-              <p:nvPr/>
-            </p:nvPicPr>
-            <p:blipFill>
-              <a:blip r:embed="rId4"/>
-              <a:stretch>
-                <a:fillRect/>
-              </a:stretch>
-            </p:blipFill>
-            <p:spPr>
-              <a:xfrm>
-                <a:off x="595113" y="5218284"/>
-                <a:ext cx="5667768" cy="424048"/>
-              </a:xfrm>
-              <a:prstGeom prst="rect">
-                <a:avLst/>
-              </a:prstGeom>
-            </p:spPr>
-          </p:pic>
-          <p:sp>
-            <p:nvSpPr>
-              <p:cNvPr id="5" name="TextBox 4">
-                <a:extLst>
-                  <a:ext uri="{FF2B5EF4-FFF2-40B4-BE49-F238E27FC236}">
-                    <a16:creationId xmlns:a16="http://schemas.microsoft.com/office/drawing/2014/main" id="{0227D9C3-80D8-2C85-0498-6FED044526F3}"/>
-                  </a:ext>
-                </a:extLst>
-              </p:cNvPr>
-              <p:cNvSpPr txBox="1"/>
-              <p:nvPr/>
-            </p:nvSpPr>
-            <p:spPr>
-              <a:xfrm>
-                <a:off x="437858" y="5054198"/>
-                <a:ext cx="314510" cy="307777"/>
-              </a:xfrm>
-              <a:prstGeom prst="rect">
-                <a:avLst/>
-              </a:prstGeom>
-              <a:noFill/>
-            </p:spPr>
-            <p:txBody>
-              <a:bodyPr wrap="none" rtlCol="0">
-                <a:spAutoFit/>
-              </a:bodyPr>
-              <a:lstStyle/>
-              <a:p>
-                <a:r>
-                  <a:rPr lang="en-PH" sz="1400" b="1" dirty="0">
-                    <a:latin typeface="Arial" panose="020B0604020202020204" pitchFamily="34" charset="0"/>
-                    <a:cs typeface="Arial" panose="020B0604020202020204" pitchFamily="34" charset="0"/>
-                  </a:rPr>
-                  <a:t>C</a:t>
-                </a:r>
-              </a:p>
-            </p:txBody>
-          </p:sp>
-          <p:sp>
-            <p:nvSpPr>
-              <p:cNvPr id="6" name="Rectangle: Rounded Corners 5">
-                <a:extLst>
-                  <a:ext uri="{FF2B5EF4-FFF2-40B4-BE49-F238E27FC236}">
-                    <a16:creationId xmlns:a16="http://schemas.microsoft.com/office/drawing/2014/main" id="{EB950EEF-C281-AD01-6E04-0C32C9784DBD}"/>
-                  </a:ext>
-                </a:extLst>
-              </p:cNvPr>
-              <p:cNvSpPr/>
-              <p:nvPr/>
-            </p:nvSpPr>
-            <p:spPr>
-              <a:xfrm>
-                <a:off x="1581150" y="5170331"/>
-                <a:ext cx="3924300" cy="318884"/>
-              </a:xfrm>
-              <a:prstGeom prst="roundRect">
-                <a:avLst>
-                  <a:gd name="adj" fmla="val 21733"/>
-                </a:avLst>
-              </a:prstGeom>
-              <a:noFill/>
-              <a:ln w="19050">
-                <a:solidFill>
-                  <a:srgbClr val="FF0000"/>
-                </a:solidFill>
-              </a:ln>
-            </p:spPr>
-            <p:style>
-              <a:lnRef idx="2">
-                <a:schemeClr val="accent1">
-                  <a:shade val="15000"/>
-                </a:schemeClr>
-              </a:lnRef>
-              <a:fillRef idx="1">
-                <a:schemeClr val="accent1"/>
-              </a:fillRef>
-              <a:effectRef idx="0">
-                <a:schemeClr val="accent1"/>
-              </a:effectRef>
-              <a:fontRef idx="minor">
-                <a:schemeClr val="lt1"/>
-              </a:fontRef>
-            </p:style>
-            <p:txBody>
-              <a:bodyPr rtlCol="0" anchor="ctr"/>
-              <a:lstStyle/>
-              <a:p>
-                <a:pPr algn="ctr"/>
-                <a:endParaRPr lang="en-PH"/>
-              </a:p>
-            </p:txBody>
-          </p:sp>
-        </p:grpSp>
-      </p:grpSp>
-    </p:spTree>
-    <p:extLst>
-      <p:ext uri="{BB962C8B-B14F-4D97-AF65-F5344CB8AC3E}">
-        <p14:creationId xmlns:p14="http://schemas.microsoft.com/office/powerpoint/2010/main" val="4191114200"/>
-      </p:ext>
-    </p:extLst>
-  </p:cSld>
-  <p:clrMapOvr>
-    <a:masterClrMapping/>
-  </p:clrMapOvr>
-</p:sld>
-</file>
-
-<file path=ppt/slides/slide4.xml><?xml version="1.0" encoding="utf-8"?>
-<p:sld xmlns:a="http://schemas.openxmlformats.org/drawingml/2006/main" xmlns:r="http://schemas.openxmlformats.org/officeDocument/2006/relationships" xmlns:p="http://schemas.openxmlformats.org/presentationml/2006/main">
-  <p:cSld>
-    <p:spTree>
-      <p:nvGrpSpPr>
-        <p:cNvPr id="1" name=""/>
-        <p:cNvGrpSpPr/>
-        <p:nvPr/>
-      </p:nvGrpSpPr>
-      <p:grpSpPr>
-        <a:xfrm>
-          <a:off x="0" y="0"/>
-          <a:ext cx="0" cy="0"/>
-          <a:chOff x="0" y="0"/>
-          <a:chExt cx="0" cy="0"/>
-        </a:xfrm>
-      </p:grpSpPr>
-      <p:grpSp>
-        <p:nvGrpSpPr>
-          <p:cNvPr id="90" name="Group 89">
-            <a:extLst>
-              <a:ext uri="{FF2B5EF4-FFF2-40B4-BE49-F238E27FC236}">
-                <a16:creationId xmlns:a16="http://schemas.microsoft.com/office/drawing/2014/main" id="{3B3ED7BC-11B9-AE8D-B103-D97AACCF1021}"/>
-              </a:ext>
-            </a:extLst>
-          </p:cNvPr>
-          <p:cNvGrpSpPr/>
-          <p:nvPr/>
-        </p:nvGrpSpPr>
-        <p:grpSpPr>
-          <a:xfrm>
-            <a:off x="434363" y="479046"/>
-            <a:ext cx="5456607" cy="4830198"/>
-            <a:chOff x="434363" y="479046"/>
-            <a:chExt cx="5456607" cy="4830198"/>
-          </a:xfrm>
-        </p:grpSpPr>
-        <p:grpSp>
-          <p:nvGrpSpPr>
-            <p:cNvPr id="85" name="Group 84">
-              <a:extLst>
-                <a:ext uri="{FF2B5EF4-FFF2-40B4-BE49-F238E27FC236}">
-                  <a16:creationId xmlns:a16="http://schemas.microsoft.com/office/drawing/2014/main" id="{ED46D324-BFA4-8E77-FE49-B563F6868A3D}"/>
-                </a:ext>
-              </a:extLst>
-            </p:cNvPr>
-            <p:cNvGrpSpPr/>
-            <p:nvPr/>
-          </p:nvGrpSpPr>
-          <p:grpSpPr>
-            <a:xfrm>
-              <a:off x="434363" y="479046"/>
-              <a:ext cx="4900676" cy="997733"/>
-              <a:chOff x="434363" y="479046"/>
-              <a:chExt cx="4900676" cy="997733"/>
-            </a:xfrm>
-          </p:grpSpPr>
-          <p:sp>
-            <p:nvSpPr>
-              <p:cNvPr id="66" name="TextBox 65">
-                <a:extLst>
-                  <a:ext uri="{FF2B5EF4-FFF2-40B4-BE49-F238E27FC236}">
-                    <a16:creationId xmlns:a16="http://schemas.microsoft.com/office/drawing/2014/main" id="{C31DA663-BDB6-1CFA-36EB-4F98C91222AE}"/>
-                  </a:ext>
-                </a:extLst>
-              </p:cNvPr>
-              <p:cNvSpPr txBox="1"/>
-              <p:nvPr/>
-            </p:nvSpPr>
-            <p:spPr>
-              <a:xfrm>
-                <a:off x="434363" y="479046"/>
-                <a:ext cx="314510" cy="307777"/>
-              </a:xfrm>
-              <a:prstGeom prst="rect">
-                <a:avLst/>
-              </a:prstGeom>
-              <a:noFill/>
-            </p:spPr>
-            <p:txBody>
-              <a:bodyPr wrap="none" rtlCol="0">
-                <a:spAutoFit/>
-              </a:bodyPr>
-              <a:lstStyle/>
-              <a:p>
-                <a:r>
-                  <a:rPr lang="en-PH" sz="1400" b="1" dirty="0">
-                    <a:latin typeface="Arial" panose="020B0604020202020204" pitchFamily="34" charset="0"/>
-                    <a:cs typeface="Arial" panose="020B0604020202020204" pitchFamily="34" charset="0"/>
-                  </a:rPr>
-                  <a:t>D</a:t>
-                </a:r>
-              </a:p>
-            </p:txBody>
-          </p:sp>
-          <p:grpSp>
-            <p:nvGrpSpPr>
-              <p:cNvPr id="69" name="Group 68">
-                <a:extLst>
-                  <a:ext uri="{FF2B5EF4-FFF2-40B4-BE49-F238E27FC236}">
-                    <a16:creationId xmlns:a16="http://schemas.microsoft.com/office/drawing/2014/main" id="{F34E1DA5-1574-4FC0-412C-5FBECEB2DF0C}"/>
-                  </a:ext>
-                </a:extLst>
-              </p:cNvPr>
-              <p:cNvGrpSpPr/>
-              <p:nvPr/>
-            </p:nvGrpSpPr>
-            <p:grpSpPr>
-              <a:xfrm>
-                <a:off x="650934" y="697319"/>
-                <a:ext cx="4684105" cy="779460"/>
-                <a:chOff x="1060397" y="632854"/>
-                <a:chExt cx="3199306" cy="532382"/>
-              </a:xfrm>
-            </p:grpSpPr>
-            <p:pic>
-              <p:nvPicPr>
-                <p:cNvPr id="81" name="Picture 80">
-                  <a:extLst>
-                    <a:ext uri="{FF2B5EF4-FFF2-40B4-BE49-F238E27FC236}">
-                      <a16:creationId xmlns:a16="http://schemas.microsoft.com/office/drawing/2014/main" id="{9DA8B66B-4439-C316-E065-411FAD6E23F3}"/>
-                    </a:ext>
-                  </a:extLst>
-                </p:cNvPr>
-                <p:cNvPicPr>
-                  <a:picLocks noChangeAspect="1"/>
-                </p:cNvPicPr>
-                <p:nvPr/>
-              </p:nvPicPr>
-              <p:blipFill>
-                <a:blip r:embed="rId2"/>
-                <a:stretch>
-                  <a:fillRect/>
-                </a:stretch>
-              </p:blipFill>
-              <p:spPr>
-                <a:xfrm>
-                  <a:off x="1060397" y="665056"/>
-                  <a:ext cx="3199306" cy="500180"/>
-                </a:xfrm>
-                <a:prstGeom prst="rect">
-                  <a:avLst/>
-                </a:prstGeom>
-              </p:spPr>
-            </p:pic>
-            <p:sp>
-              <p:nvSpPr>
-                <p:cNvPr id="82" name="Rectangle: Rounded Corners 81">
-                  <a:extLst>
-                    <a:ext uri="{FF2B5EF4-FFF2-40B4-BE49-F238E27FC236}">
-                      <a16:creationId xmlns:a16="http://schemas.microsoft.com/office/drawing/2014/main" id="{B0010634-2BF8-9DCC-3895-DE960CAB9030}"/>
-                    </a:ext>
-                  </a:extLst>
-                </p:cNvPr>
-                <p:cNvSpPr/>
-                <p:nvPr/>
-              </p:nvSpPr>
-              <p:spPr>
-                <a:xfrm>
-                  <a:off x="1474823" y="632854"/>
-                  <a:ext cx="2784880" cy="393954"/>
-                </a:xfrm>
-                <a:prstGeom prst="roundRect">
-                  <a:avLst>
-                    <a:gd name="adj" fmla="val 21733"/>
-                  </a:avLst>
-                </a:prstGeom>
-                <a:noFill/>
-                <a:ln w="19050">
-                  <a:solidFill>
-                    <a:srgbClr val="FF0000"/>
-                  </a:solidFill>
-                </a:ln>
-              </p:spPr>
-              <p:style>
-                <a:lnRef idx="2">
-                  <a:schemeClr val="accent1">
-                    <a:shade val="15000"/>
-                  </a:schemeClr>
-                </a:lnRef>
-                <a:fillRef idx="1">
-                  <a:schemeClr val="accent1"/>
-                </a:fillRef>
-                <a:effectRef idx="0">
-                  <a:schemeClr val="accent1"/>
-                </a:effectRef>
-                <a:fontRef idx="minor">
-                  <a:schemeClr val="lt1"/>
-                </a:fontRef>
-              </p:style>
-              <p:txBody>
-                <a:bodyPr rtlCol="0" anchor="ctr"/>
-                <a:lstStyle/>
-                <a:p>
-                  <a:pPr algn="ctr"/>
-                  <a:endParaRPr lang="en-PH"/>
-                </a:p>
-              </p:txBody>
-            </p:sp>
-          </p:grpSp>
-        </p:grpSp>
-        <p:grpSp>
-          <p:nvGrpSpPr>
-            <p:cNvPr id="86" name="Group 85">
-              <a:extLst>
-                <a:ext uri="{FF2B5EF4-FFF2-40B4-BE49-F238E27FC236}">
-                  <a16:creationId xmlns:a16="http://schemas.microsoft.com/office/drawing/2014/main" id="{CE908B6D-3D07-B9E1-252E-1E267EDA9D10}"/>
-                </a:ext>
-              </a:extLst>
-            </p:cNvPr>
-            <p:cNvGrpSpPr/>
-            <p:nvPr/>
-          </p:nvGrpSpPr>
-          <p:grpSpPr>
-            <a:xfrm>
-              <a:off x="434363" y="1758408"/>
-              <a:ext cx="5369088" cy="1212702"/>
-              <a:chOff x="434363" y="1973992"/>
-              <a:chExt cx="5369088" cy="1212702"/>
-            </a:xfrm>
-          </p:grpSpPr>
-          <p:sp>
-            <p:nvSpPr>
-              <p:cNvPr id="70" name="TextBox 69">
-                <a:extLst>
-                  <a:ext uri="{FF2B5EF4-FFF2-40B4-BE49-F238E27FC236}">
-                    <a16:creationId xmlns:a16="http://schemas.microsoft.com/office/drawing/2014/main" id="{49114E3D-1C7E-CA96-84C0-4143336F80FE}"/>
-                  </a:ext>
-                </a:extLst>
-              </p:cNvPr>
-              <p:cNvSpPr txBox="1"/>
-              <p:nvPr/>
-            </p:nvSpPr>
-            <p:spPr>
-              <a:xfrm>
-                <a:off x="434363" y="1973992"/>
-                <a:ext cx="314510" cy="307777"/>
-              </a:xfrm>
-              <a:prstGeom prst="rect">
-                <a:avLst/>
-              </a:prstGeom>
-              <a:noFill/>
-            </p:spPr>
-            <p:txBody>
-              <a:bodyPr wrap="none" rtlCol="0">
-                <a:spAutoFit/>
-              </a:bodyPr>
-              <a:lstStyle/>
-              <a:p>
-                <a:r>
-                  <a:rPr lang="en-PH" sz="1400" b="1" dirty="0">
-                    <a:latin typeface="Arial" panose="020B0604020202020204" pitchFamily="34" charset="0"/>
-                    <a:cs typeface="Arial" panose="020B0604020202020204" pitchFamily="34" charset="0"/>
-                  </a:rPr>
-                  <a:t>E</a:t>
-                </a:r>
-              </a:p>
-            </p:txBody>
-          </p:sp>
-          <p:grpSp>
-            <p:nvGrpSpPr>
-              <p:cNvPr id="71" name="Group 70">
-                <a:extLst>
-                  <a:ext uri="{FF2B5EF4-FFF2-40B4-BE49-F238E27FC236}">
-                    <a16:creationId xmlns:a16="http://schemas.microsoft.com/office/drawing/2014/main" id="{2C64F85B-BF31-2A63-4B26-845941951AE8}"/>
-                  </a:ext>
-                </a:extLst>
-              </p:cNvPr>
-              <p:cNvGrpSpPr/>
-              <p:nvPr/>
-            </p:nvGrpSpPr>
-            <p:grpSpPr>
-              <a:xfrm>
-                <a:off x="650935" y="2076427"/>
-                <a:ext cx="5152516" cy="1110267"/>
-                <a:chOff x="1163921" y="1531225"/>
-                <a:chExt cx="3199306" cy="626716"/>
-              </a:xfrm>
-            </p:grpSpPr>
-            <p:pic>
-              <p:nvPicPr>
-                <p:cNvPr id="78" name="Picture 77">
-                  <a:extLst>
-                    <a:ext uri="{FF2B5EF4-FFF2-40B4-BE49-F238E27FC236}">
-                      <a16:creationId xmlns:a16="http://schemas.microsoft.com/office/drawing/2014/main" id="{084FFEEB-32C9-84F2-3069-0A00E1CE384B}"/>
-                    </a:ext>
-                  </a:extLst>
-                </p:cNvPr>
-                <p:cNvPicPr>
-                  <a:picLocks noChangeAspect="1"/>
-                </p:cNvPicPr>
-                <p:nvPr/>
-              </p:nvPicPr>
-              <p:blipFill>
-                <a:blip r:embed="rId3"/>
-                <a:stretch>
-                  <a:fillRect/>
-                </a:stretch>
-              </p:blipFill>
-              <p:spPr>
-                <a:xfrm>
-                  <a:off x="1163921" y="1531225"/>
-                  <a:ext cx="3199306" cy="626716"/>
-                </a:xfrm>
-                <a:prstGeom prst="rect">
-                  <a:avLst/>
-                </a:prstGeom>
-              </p:spPr>
-            </p:pic>
-            <p:sp>
-              <p:nvSpPr>
-                <p:cNvPr id="79" name="Rectangle: Rounded Corners 78">
-                  <a:extLst>
-                    <a:ext uri="{FF2B5EF4-FFF2-40B4-BE49-F238E27FC236}">
-                      <a16:creationId xmlns:a16="http://schemas.microsoft.com/office/drawing/2014/main" id="{6104BCC6-684A-FC78-9047-7C965D885501}"/>
-                    </a:ext>
-                  </a:extLst>
-                </p:cNvPr>
-                <p:cNvSpPr/>
-                <p:nvPr/>
-              </p:nvSpPr>
-              <p:spPr>
-                <a:xfrm>
-                  <a:off x="2043064" y="1970637"/>
-                  <a:ext cx="2178226" cy="181695"/>
-                </a:xfrm>
-                <a:prstGeom prst="roundRect">
-                  <a:avLst>
-                    <a:gd name="adj" fmla="val 21733"/>
-                  </a:avLst>
-                </a:prstGeom>
-                <a:noFill/>
-                <a:ln w="19050">
-                  <a:solidFill>
-                    <a:srgbClr val="FF0000"/>
-                  </a:solidFill>
-                </a:ln>
-              </p:spPr>
-              <p:style>
-                <a:lnRef idx="2">
-                  <a:schemeClr val="accent1">
-                    <a:shade val="15000"/>
-                  </a:schemeClr>
-                </a:lnRef>
-                <a:fillRef idx="1">
-                  <a:schemeClr val="accent1"/>
-                </a:fillRef>
-                <a:effectRef idx="0">
-                  <a:schemeClr val="accent1"/>
-                </a:effectRef>
-                <a:fontRef idx="minor">
-                  <a:schemeClr val="lt1"/>
-                </a:fontRef>
-              </p:style>
-              <p:txBody>
-                <a:bodyPr rtlCol="0" anchor="ctr"/>
-                <a:lstStyle/>
-                <a:p>
-                  <a:pPr algn="ctr"/>
-                  <a:endParaRPr lang="en-PH"/>
-                </a:p>
-              </p:txBody>
-            </p:sp>
-            <p:sp>
-              <p:nvSpPr>
-                <p:cNvPr id="80" name="Rectangle: Rounded Corners 79">
-                  <a:extLst>
-                    <a:ext uri="{FF2B5EF4-FFF2-40B4-BE49-F238E27FC236}">
-                      <a16:creationId xmlns:a16="http://schemas.microsoft.com/office/drawing/2014/main" id="{89E779F4-4061-0CD6-3D2B-2576B3EEF7EB}"/>
-                    </a:ext>
-                  </a:extLst>
-                </p:cNvPr>
-                <p:cNvSpPr/>
-                <p:nvPr/>
-              </p:nvSpPr>
-              <p:spPr>
-                <a:xfrm>
-                  <a:off x="1910746" y="1643735"/>
-                  <a:ext cx="2130663" cy="181695"/>
-                </a:xfrm>
-                <a:prstGeom prst="roundRect">
-                  <a:avLst>
-                    <a:gd name="adj" fmla="val 21733"/>
-                  </a:avLst>
-                </a:prstGeom>
-                <a:noFill/>
-                <a:ln w="19050">
-                  <a:solidFill>
-                    <a:srgbClr val="FF0000"/>
-                  </a:solidFill>
-                </a:ln>
-              </p:spPr>
-              <p:style>
-                <a:lnRef idx="2">
-                  <a:schemeClr val="accent1">
-                    <a:shade val="15000"/>
-                  </a:schemeClr>
-                </a:lnRef>
-                <a:fillRef idx="1">
-                  <a:schemeClr val="accent1"/>
-                </a:fillRef>
-                <a:effectRef idx="0">
-                  <a:schemeClr val="accent1"/>
-                </a:effectRef>
-                <a:fontRef idx="minor">
-                  <a:schemeClr val="lt1"/>
-                </a:fontRef>
-              </p:style>
-              <p:txBody>
-                <a:bodyPr rtlCol="0" anchor="ctr"/>
-                <a:lstStyle/>
-                <a:p>
-                  <a:pPr algn="ctr"/>
-                  <a:endParaRPr lang="en-PH"/>
-                </a:p>
-              </p:txBody>
-            </p:sp>
-          </p:grpSp>
-        </p:grpSp>
-        <p:grpSp>
-          <p:nvGrpSpPr>
-            <p:cNvPr id="87" name="Group 86">
-              <a:extLst>
-                <a:ext uri="{FF2B5EF4-FFF2-40B4-BE49-F238E27FC236}">
-                  <a16:creationId xmlns:a16="http://schemas.microsoft.com/office/drawing/2014/main" id="{4D7A2331-479D-FC32-3B9E-54CEC2051121}"/>
-                </a:ext>
-              </a:extLst>
-            </p:cNvPr>
-            <p:cNvGrpSpPr/>
-            <p:nvPr/>
-          </p:nvGrpSpPr>
-          <p:grpSpPr>
-            <a:xfrm>
-              <a:off x="444783" y="3252739"/>
-              <a:ext cx="5358668" cy="980168"/>
-              <a:chOff x="444783" y="3715564"/>
-              <a:chExt cx="5358668" cy="980168"/>
-            </a:xfrm>
-          </p:grpSpPr>
-          <p:grpSp>
-            <p:nvGrpSpPr>
-              <p:cNvPr id="68" name="Group 67">
-                <a:extLst>
-                  <a:ext uri="{FF2B5EF4-FFF2-40B4-BE49-F238E27FC236}">
-                    <a16:creationId xmlns:a16="http://schemas.microsoft.com/office/drawing/2014/main" id="{E0AC5F67-4525-0A6E-9CAC-DB03C745D1A0}"/>
-                  </a:ext>
-                </a:extLst>
-              </p:cNvPr>
-              <p:cNvGrpSpPr/>
-              <p:nvPr/>
-            </p:nvGrpSpPr>
-            <p:grpSpPr>
-              <a:xfrm>
-                <a:off x="650934" y="3774761"/>
-                <a:ext cx="5152517" cy="920971"/>
-                <a:chOff x="1102406" y="2474511"/>
-                <a:chExt cx="3199307" cy="571850"/>
-              </a:xfrm>
-            </p:grpSpPr>
-            <p:pic>
-              <p:nvPicPr>
-                <p:cNvPr id="83" name="Picture 82">
-                  <a:extLst>
-                    <a:ext uri="{FF2B5EF4-FFF2-40B4-BE49-F238E27FC236}">
-                      <a16:creationId xmlns:a16="http://schemas.microsoft.com/office/drawing/2014/main" id="{85A42340-623F-5E97-CF82-2205C8D1802F}"/>
-                    </a:ext>
-                  </a:extLst>
-                </p:cNvPr>
-                <p:cNvPicPr>
-                  <a:picLocks noChangeAspect="1"/>
-                </p:cNvPicPr>
-                <p:nvPr/>
-              </p:nvPicPr>
-              <p:blipFill>
-                <a:blip r:embed="rId4"/>
-                <a:stretch>
-                  <a:fillRect/>
-                </a:stretch>
-              </p:blipFill>
-              <p:spPr>
-                <a:xfrm>
-                  <a:off x="1102406" y="2502454"/>
-                  <a:ext cx="3199307" cy="543907"/>
-                </a:xfrm>
-                <a:prstGeom prst="rect">
-                  <a:avLst/>
-                </a:prstGeom>
-              </p:spPr>
-            </p:pic>
-            <p:sp>
-              <p:nvSpPr>
-                <p:cNvPr id="84" name="Rectangle: Rounded Corners 83">
-                  <a:extLst>
-                    <a:ext uri="{FF2B5EF4-FFF2-40B4-BE49-F238E27FC236}">
-                      <a16:creationId xmlns:a16="http://schemas.microsoft.com/office/drawing/2014/main" id="{48F9C6E5-3D58-C6F8-76E4-8E64838349C6}"/>
-                    </a:ext>
-                  </a:extLst>
-                </p:cNvPr>
-                <p:cNvSpPr/>
-                <p:nvPr/>
-              </p:nvSpPr>
-              <p:spPr>
-                <a:xfrm>
-                  <a:off x="1769045" y="2474511"/>
-                  <a:ext cx="2532668" cy="356669"/>
-                </a:xfrm>
-                <a:prstGeom prst="roundRect">
-                  <a:avLst>
-                    <a:gd name="adj" fmla="val 21733"/>
-                  </a:avLst>
-                </a:prstGeom>
-                <a:noFill/>
-                <a:ln w="19050">
-                  <a:solidFill>
-                    <a:srgbClr val="FF0000"/>
-                  </a:solidFill>
-                </a:ln>
-              </p:spPr>
-              <p:style>
-                <a:lnRef idx="2">
-                  <a:schemeClr val="accent1">
-                    <a:shade val="15000"/>
-                  </a:schemeClr>
-                </a:lnRef>
-                <a:fillRef idx="1">
-                  <a:schemeClr val="accent1"/>
-                </a:fillRef>
-                <a:effectRef idx="0">
-                  <a:schemeClr val="accent1"/>
-                </a:effectRef>
-                <a:fontRef idx="minor">
-                  <a:schemeClr val="lt1"/>
-                </a:fontRef>
-              </p:style>
-              <p:txBody>
-                <a:bodyPr rtlCol="0" anchor="ctr"/>
-                <a:lstStyle/>
-                <a:p>
-                  <a:pPr algn="ctr"/>
-                  <a:endParaRPr lang="en-PH"/>
-                </a:p>
-              </p:txBody>
-            </p:sp>
-          </p:grpSp>
-          <p:sp>
-            <p:nvSpPr>
-              <p:cNvPr id="72" name="TextBox 71">
-                <a:extLst>
-                  <a:ext uri="{FF2B5EF4-FFF2-40B4-BE49-F238E27FC236}">
-                    <a16:creationId xmlns:a16="http://schemas.microsoft.com/office/drawing/2014/main" id="{69D1BC30-96D3-B9F9-FDA8-079C5DE69553}"/>
-                  </a:ext>
-                </a:extLst>
-              </p:cNvPr>
-              <p:cNvSpPr txBox="1"/>
-              <p:nvPr/>
-            </p:nvSpPr>
-            <p:spPr>
-              <a:xfrm>
-                <a:off x="444783" y="3715564"/>
-                <a:ext cx="293670" cy="307777"/>
-              </a:xfrm>
-              <a:prstGeom prst="rect">
-                <a:avLst/>
-              </a:prstGeom>
-              <a:noFill/>
-            </p:spPr>
-            <p:txBody>
-              <a:bodyPr wrap="none" rtlCol="0">
-                <a:spAutoFit/>
-              </a:bodyPr>
-              <a:lstStyle/>
-              <a:p>
-                <a:r>
-                  <a:rPr lang="en-PH" sz="1400" b="1" dirty="0">
-                    <a:latin typeface="Arial" panose="020B0604020202020204" pitchFamily="34" charset="0"/>
-                    <a:cs typeface="Arial" panose="020B0604020202020204" pitchFamily="34" charset="0"/>
-                  </a:rPr>
-                  <a:t>F</a:t>
-                </a:r>
-              </a:p>
-            </p:txBody>
-          </p:sp>
-        </p:grpSp>
-        <p:grpSp>
-          <p:nvGrpSpPr>
-            <p:cNvPr id="88" name="Group 87">
-              <a:extLst>
-                <a:ext uri="{FF2B5EF4-FFF2-40B4-BE49-F238E27FC236}">
-                  <a16:creationId xmlns:a16="http://schemas.microsoft.com/office/drawing/2014/main" id="{62AD80EE-4362-9E53-6B33-B96A2281E3C4}"/>
-                </a:ext>
-              </a:extLst>
-            </p:cNvPr>
-            <p:cNvGrpSpPr/>
-            <p:nvPr/>
-          </p:nvGrpSpPr>
-          <p:grpSpPr>
-            <a:xfrm>
-              <a:off x="443593" y="4514536"/>
-              <a:ext cx="5447377" cy="794708"/>
-              <a:chOff x="443593" y="5416367"/>
-              <a:chExt cx="5447377" cy="794708"/>
-            </a:xfrm>
-          </p:grpSpPr>
-          <p:sp>
-            <p:nvSpPr>
-              <p:cNvPr id="73" name="TextBox 72">
-                <a:extLst>
-                  <a:ext uri="{FF2B5EF4-FFF2-40B4-BE49-F238E27FC236}">
-                    <a16:creationId xmlns:a16="http://schemas.microsoft.com/office/drawing/2014/main" id="{CD7A70D2-D011-EC5A-D5A9-3D1DAE3DD745}"/>
-                  </a:ext>
-                </a:extLst>
-              </p:cNvPr>
-              <p:cNvSpPr txBox="1"/>
-              <p:nvPr/>
-            </p:nvSpPr>
-            <p:spPr>
-              <a:xfrm>
-                <a:off x="443593" y="5416367"/>
-                <a:ext cx="324128" cy="307777"/>
-              </a:xfrm>
-              <a:prstGeom prst="rect">
-                <a:avLst/>
-              </a:prstGeom>
-              <a:noFill/>
-            </p:spPr>
-            <p:txBody>
-              <a:bodyPr wrap="none" rtlCol="0">
-                <a:spAutoFit/>
-              </a:bodyPr>
-              <a:lstStyle/>
-              <a:p>
-                <a:r>
-                  <a:rPr lang="en-PH" sz="1400" b="1" dirty="0">
-                    <a:latin typeface="Arial" panose="020B0604020202020204" pitchFamily="34" charset="0"/>
-                    <a:cs typeface="Arial" panose="020B0604020202020204" pitchFamily="34" charset="0"/>
-                  </a:rPr>
-                  <a:t>G</a:t>
-                </a:r>
-              </a:p>
-            </p:txBody>
-          </p:sp>
-          <p:grpSp>
-            <p:nvGrpSpPr>
-              <p:cNvPr id="74" name="Group 73">
-                <a:extLst>
-                  <a:ext uri="{FF2B5EF4-FFF2-40B4-BE49-F238E27FC236}">
-                    <a16:creationId xmlns:a16="http://schemas.microsoft.com/office/drawing/2014/main" id="{662110B1-C816-C642-EA02-F4EDA08C6226}"/>
-                  </a:ext>
-                </a:extLst>
-              </p:cNvPr>
-              <p:cNvGrpSpPr/>
-              <p:nvPr/>
-            </p:nvGrpSpPr>
-            <p:grpSpPr>
-              <a:xfrm>
-                <a:off x="738453" y="5564088"/>
-                <a:ext cx="5152517" cy="646987"/>
-                <a:chOff x="3929483" y="8047815"/>
-                <a:chExt cx="3199307" cy="401728"/>
-              </a:xfrm>
-            </p:grpSpPr>
-            <p:pic>
-              <p:nvPicPr>
-                <p:cNvPr id="75" name="Picture 74">
-                  <a:extLst>
-                    <a:ext uri="{FF2B5EF4-FFF2-40B4-BE49-F238E27FC236}">
-                      <a16:creationId xmlns:a16="http://schemas.microsoft.com/office/drawing/2014/main" id="{127E11F0-9506-6CCC-5AEB-BBF1CCD1C567}"/>
-                    </a:ext>
-                  </a:extLst>
-                </p:cNvPr>
-                <p:cNvPicPr>
-                  <a:picLocks noChangeAspect="1"/>
-                </p:cNvPicPr>
-                <p:nvPr/>
-              </p:nvPicPr>
-              <p:blipFill>
-                <a:blip r:embed="rId5"/>
-                <a:stretch>
-                  <a:fillRect/>
-                </a:stretch>
-              </p:blipFill>
-              <p:spPr>
-                <a:xfrm>
-                  <a:off x="3929483" y="8047815"/>
-                  <a:ext cx="3199307" cy="401728"/>
-                </a:xfrm>
-                <a:prstGeom prst="rect">
-                  <a:avLst/>
-                </a:prstGeom>
-              </p:spPr>
-            </p:pic>
-            <p:sp>
-              <p:nvSpPr>
-                <p:cNvPr id="76" name="Rectangle: Rounded Corners 75">
-                  <a:extLst>
-                    <a:ext uri="{FF2B5EF4-FFF2-40B4-BE49-F238E27FC236}">
-                      <a16:creationId xmlns:a16="http://schemas.microsoft.com/office/drawing/2014/main" id="{9FE7EF3A-9D34-133B-2D6A-E55378953145}"/>
-                    </a:ext>
-                  </a:extLst>
-                </p:cNvPr>
-                <p:cNvSpPr/>
-                <p:nvPr/>
-              </p:nvSpPr>
-              <p:spPr>
-                <a:xfrm>
-                  <a:off x="4526096" y="8147197"/>
-                  <a:ext cx="2400588" cy="105877"/>
-                </a:xfrm>
-                <a:prstGeom prst="roundRect">
-                  <a:avLst>
-                    <a:gd name="adj" fmla="val 21733"/>
-                  </a:avLst>
-                </a:prstGeom>
-                <a:noFill/>
-                <a:ln w="19050">
-                  <a:solidFill>
-                    <a:srgbClr val="FF0000"/>
-                  </a:solidFill>
-                </a:ln>
-              </p:spPr>
-              <p:style>
-                <a:lnRef idx="2">
-                  <a:schemeClr val="accent1">
-                    <a:shade val="15000"/>
-                  </a:schemeClr>
-                </a:lnRef>
-                <a:fillRef idx="1">
-                  <a:schemeClr val="accent1"/>
-                </a:fillRef>
-                <a:effectRef idx="0">
-                  <a:schemeClr val="accent1"/>
-                </a:effectRef>
-                <a:fontRef idx="minor">
-                  <a:schemeClr val="lt1"/>
-                </a:fontRef>
-              </p:style>
-              <p:txBody>
-                <a:bodyPr rtlCol="0" anchor="ctr"/>
-                <a:lstStyle/>
-                <a:p>
-                  <a:pPr algn="ctr"/>
-                  <a:endParaRPr lang="en-PH"/>
-                </a:p>
-              </p:txBody>
-            </p:sp>
-            <p:sp>
-              <p:nvSpPr>
-                <p:cNvPr id="77" name="Rectangle: Rounded Corners 76">
-                  <a:extLst>
-                    <a:ext uri="{FF2B5EF4-FFF2-40B4-BE49-F238E27FC236}">
-                      <a16:creationId xmlns:a16="http://schemas.microsoft.com/office/drawing/2014/main" id="{048A4E37-8A61-5A5D-B6A7-76AAC1DD25FB}"/>
-                    </a:ext>
-                  </a:extLst>
-                </p:cNvPr>
-                <p:cNvSpPr/>
-                <p:nvPr/>
-              </p:nvSpPr>
-              <p:spPr>
-                <a:xfrm>
-                  <a:off x="4664768" y="8253378"/>
-                  <a:ext cx="2400588" cy="105877"/>
-                </a:xfrm>
-                <a:prstGeom prst="roundRect">
-                  <a:avLst>
-                    <a:gd name="adj" fmla="val 21733"/>
-                  </a:avLst>
-                </a:prstGeom>
-                <a:noFill/>
-                <a:ln w="19050">
-                  <a:solidFill>
-                    <a:srgbClr val="FF0000"/>
-                  </a:solidFill>
-                </a:ln>
-              </p:spPr>
-              <p:style>
-                <a:lnRef idx="2">
-                  <a:schemeClr val="accent1">
-                    <a:shade val="15000"/>
-                  </a:schemeClr>
-                </a:lnRef>
-                <a:fillRef idx="1">
-                  <a:schemeClr val="accent1"/>
-                </a:fillRef>
-                <a:effectRef idx="0">
-                  <a:schemeClr val="accent1"/>
-                </a:effectRef>
-                <a:fontRef idx="minor">
-                  <a:schemeClr val="lt1"/>
-                </a:fontRef>
-              </p:style>
-              <p:txBody>
-                <a:bodyPr rtlCol="0" anchor="ctr"/>
-                <a:lstStyle/>
-                <a:p>
-                  <a:pPr algn="ctr"/>
-                  <a:endParaRPr lang="en-PH"/>
-                </a:p>
-              </p:txBody>
-            </p:sp>
+              </p:grpSpPr>
+              <p:pic>
+                <p:nvPicPr>
+                  <p:cNvPr id="33" name="Picture 32">
+                    <a:extLst>
+                      <a:ext uri="{FF2B5EF4-FFF2-40B4-BE49-F238E27FC236}">
+                        <a16:creationId xmlns:a16="http://schemas.microsoft.com/office/drawing/2014/main" id="{3A63E694-0FDE-8A2E-4CC7-52A908871B8B}"/>
+                      </a:ext>
+                    </a:extLst>
+                  </p:cNvPr>
+                  <p:cNvPicPr>
+                    <a:picLocks noChangeAspect="1"/>
+                  </p:cNvPicPr>
+                  <p:nvPr/>
+                </p:nvPicPr>
+                <p:blipFill>
+                  <a:blip r:embed="rId8"/>
+                  <a:stretch>
+                    <a:fillRect/>
+                  </a:stretch>
+                </p:blipFill>
+                <p:spPr>
+                  <a:xfrm>
+                    <a:off x="3929483" y="8047815"/>
+                    <a:ext cx="3199307" cy="401728"/>
+                  </a:xfrm>
+                  <a:prstGeom prst="rect">
+                    <a:avLst/>
+                  </a:prstGeom>
+                </p:spPr>
+              </p:pic>
+              <p:sp>
+                <p:nvSpPr>
+                  <p:cNvPr id="34" name="Rectangle: Rounded Corners 33">
+                    <a:extLst>
+                      <a:ext uri="{FF2B5EF4-FFF2-40B4-BE49-F238E27FC236}">
+                        <a16:creationId xmlns:a16="http://schemas.microsoft.com/office/drawing/2014/main" id="{A6E5B63F-3173-EB4B-26E0-060B38C1D1BC}"/>
+                      </a:ext>
+                    </a:extLst>
+                  </p:cNvPr>
+                  <p:cNvSpPr/>
+                  <p:nvPr/>
+                </p:nvSpPr>
+                <p:spPr>
+                  <a:xfrm>
+                    <a:off x="4526096" y="8147197"/>
+                    <a:ext cx="2400588" cy="105877"/>
+                  </a:xfrm>
+                  <a:prstGeom prst="roundRect">
+                    <a:avLst>
+                      <a:gd name="adj" fmla="val 21733"/>
+                    </a:avLst>
+                  </a:prstGeom>
+                  <a:noFill/>
+                  <a:ln w="19050">
+                    <a:solidFill>
+                      <a:srgbClr val="FF0000"/>
+                    </a:solidFill>
+                  </a:ln>
+                </p:spPr>
+                <p:style>
+                  <a:lnRef idx="2">
+                    <a:schemeClr val="accent1">
+                      <a:shade val="15000"/>
+                    </a:schemeClr>
+                  </a:lnRef>
+                  <a:fillRef idx="1">
+                    <a:schemeClr val="accent1"/>
+                  </a:fillRef>
+                  <a:effectRef idx="0">
+                    <a:schemeClr val="accent1"/>
+                  </a:effectRef>
+                  <a:fontRef idx="minor">
+                    <a:schemeClr val="lt1"/>
+                  </a:fontRef>
+                </p:style>
+                <p:txBody>
+                  <a:bodyPr rtlCol="0" anchor="ctr"/>
+                  <a:lstStyle/>
+                  <a:p>
+                    <a:pPr algn="ctr"/>
+                    <a:endParaRPr lang="en-PH" sz="2492"/>
+                  </a:p>
+                </p:txBody>
+              </p:sp>
+              <p:sp>
+                <p:nvSpPr>
+                  <p:cNvPr id="35" name="Rectangle: Rounded Corners 34">
+                    <a:extLst>
+                      <a:ext uri="{FF2B5EF4-FFF2-40B4-BE49-F238E27FC236}">
+                        <a16:creationId xmlns:a16="http://schemas.microsoft.com/office/drawing/2014/main" id="{DBA00340-1E5F-E96E-AA6D-CC1A8AF406DE}"/>
+                      </a:ext>
+                    </a:extLst>
+                  </p:cNvPr>
+                  <p:cNvSpPr/>
+                  <p:nvPr/>
+                </p:nvSpPr>
+                <p:spPr>
+                  <a:xfrm>
+                    <a:off x="4664768" y="8253378"/>
+                    <a:ext cx="2400588" cy="105877"/>
+                  </a:xfrm>
+                  <a:prstGeom prst="roundRect">
+                    <a:avLst>
+                      <a:gd name="adj" fmla="val 21733"/>
+                    </a:avLst>
+                  </a:prstGeom>
+                  <a:noFill/>
+                  <a:ln w="19050">
+                    <a:solidFill>
+                      <a:srgbClr val="FF0000"/>
+                    </a:solidFill>
+                  </a:ln>
+                </p:spPr>
+                <p:style>
+                  <a:lnRef idx="2">
+                    <a:schemeClr val="accent1">
+                      <a:shade val="15000"/>
+                    </a:schemeClr>
+                  </a:lnRef>
+                  <a:fillRef idx="1">
+                    <a:schemeClr val="accent1"/>
+                  </a:fillRef>
+                  <a:effectRef idx="0">
+                    <a:schemeClr val="accent1"/>
+                  </a:effectRef>
+                  <a:fontRef idx="minor">
+                    <a:schemeClr val="lt1"/>
+                  </a:fontRef>
+                </p:style>
+                <p:txBody>
+                  <a:bodyPr rtlCol="0" anchor="ctr"/>
+                  <a:lstStyle/>
+                  <a:p>
+                    <a:pPr algn="ctr"/>
+                    <a:endParaRPr lang="en-PH" sz="2492"/>
+                  </a:p>
+                </p:txBody>
+              </p:sp>
+            </p:grpSp>
           </p:grpSp>
         </p:grpSp>
       </p:grpSp>
     </p:spTree>
     <p:extLst>
       <p:ext uri="{BB962C8B-B14F-4D97-AF65-F5344CB8AC3E}">
-        <p14:creationId xmlns:p14="http://schemas.microsoft.com/office/powerpoint/2010/main" val="3608809663"/>
-      </p:ext>
-    </p:extLst>
-  </p:cSld>
-  <p:clrMapOvr>
-    <a:masterClrMapping/>
-  </p:clrMapOvr>
-</p:sld>
-</file>
-
-<file path=ppt/slides/slide5.xml><?xml version="1.0" encoding="utf-8"?>
-<p:sld xmlns:a="http://schemas.openxmlformats.org/drawingml/2006/main" xmlns:r="http://schemas.openxmlformats.org/officeDocument/2006/relationships" xmlns:p="http://schemas.openxmlformats.org/presentationml/2006/main">
-  <p:cSld>
-    <p:spTree>
-      <p:nvGrpSpPr>
-        <p:cNvPr id="1" name=""/>
-        <p:cNvGrpSpPr/>
-        <p:nvPr/>
-      </p:nvGrpSpPr>
-      <p:grpSpPr>
-        <a:xfrm>
-          <a:off x="0" y="0"/>
-          <a:ext cx="0" cy="0"/>
-          <a:chOff x="0" y="0"/>
-          <a:chExt cx="0" cy="0"/>
-        </a:xfrm>
-      </p:grpSpPr>
-    </p:spTree>
-    <p:extLst>
-      <p:ext uri="{BB962C8B-B14F-4D97-AF65-F5344CB8AC3E}">
-        <p14:creationId xmlns:p14="http://schemas.microsoft.com/office/powerpoint/2010/main" val="2701335676"/>
+        <p14:creationId xmlns:p14="http://schemas.microsoft.com/office/powerpoint/2010/main" val="1730810239"/>
       </p:ext>
     </p:extLst>
   </p:cSld>
@@ -5792,7 +5741,7 @@
   <a:extraClrSchemeLst/>
   <a:extLst>
     <a:ext uri="{05A4C25C-085E-4340-85A3-A5531E510DB2}">
-      <thm15:themeFamily xmlns:thm15="http://schemas.microsoft.com/office/thememl/2012/main" name="Office 2013 - 2022 Theme" id="{62F939B6-93AF-4DB8-9C6B-D6C7DFDC589F}" vid="{4A3C46E8-61CC-4603-A589-7422A47A8E4A}"/>
+      <thm15:themeFamily xmlns:thm15="http://schemas.microsoft.com/office/thememl/2012/main" name="Office Theme 2013 - 2022" id="{62F939B6-93AF-4DB8-9C6B-D6C7DFDC589F}" vid="{4A3C46E8-61CC-4603-A589-7422A47A8E4A}"/>
     </a:ext>
   </a:extLst>
 </a:theme>
